--- a/Docs/Project/Proyecto_Integrador.pptx
+++ b/Docs/Project/Proyecto_Integrador.pptx
@@ -23,11 +23,11 @@
     <p:sldId id="322" r:id="rId17"/>
     <p:sldId id="323" r:id="rId18"/>
     <p:sldId id="324" r:id="rId19"/>
-    <p:sldId id="325" r:id="rId20"/>
-    <p:sldId id="328" r:id="rId21"/>
-    <p:sldId id="331" r:id="rId22"/>
-    <p:sldId id="332" r:id="rId23"/>
-    <p:sldId id="301" r:id="rId24"/>
+    <p:sldId id="301" r:id="rId20"/>
+    <p:sldId id="325" r:id="rId21"/>
+    <p:sldId id="328" r:id="rId22"/>
+    <p:sldId id="331" r:id="rId23"/>
+    <p:sldId id="332" r:id="rId24"/>
     <p:sldId id="333" r:id="rId25"/>
     <p:sldId id="307" r:id="rId26"/>
     <p:sldId id="270" r:id="rId27"/>
@@ -514,478 +514,6 @@
 </c:chartSpace>
 </file>
 
-<file path=ppt/charts/chart2.xml><?xml version="1.0" encoding="utf-8"?>
-<c:chartSpace xmlns:c="http://schemas.openxmlformats.org/drawingml/2006/chart" xmlns:a="http://schemas.openxmlformats.org/drawingml/2006/main" xmlns:r="http://schemas.openxmlformats.org/officeDocument/2006/relationships" xmlns:c16r2="http://schemas.microsoft.com/office/drawing/2015/06/chart">
-  <c:date1904 val="0"/>
-  <c:lang val="en-US"/>
-  <c:roundedCorners val="0"/>
-  <mc:AlternateContent xmlns:mc="http://schemas.openxmlformats.org/markup-compatibility/2006">
-    <mc:Choice xmlns:c14="http://schemas.microsoft.com/office/drawing/2007/8/2/chart" Requires="c14">
-      <c14:style val="102"/>
-    </mc:Choice>
-    <mc:Fallback>
-      <c:style val="2"/>
-    </mc:Fallback>
-  </mc:AlternateContent>
-  <c:chart>
-    <c:title>
-      <c:tx>
-        <c:rich>
-          <a:bodyPr rot="0" spcFirstLastPara="1" vertOverflow="ellipsis" vert="horz" wrap="square" anchor="ctr" anchorCtr="1"/>
-          <a:lstStyle/>
-          <a:p>
-            <a:pPr>
-              <a:defRPr sz="1400" b="0" i="0" u="none" strike="noStrike" kern="1200" spc="0" baseline="0">
-                <a:solidFill>
-                  <a:schemeClr val="tx1">
-                    <a:lumMod val="65000"/>
-                    <a:lumOff val="35000"/>
-                  </a:schemeClr>
-                </a:solidFill>
-                <a:latin typeface="+mn-lt"/>
-                <a:ea typeface="+mn-ea"/>
-                <a:cs typeface="+mn-cs"/>
-              </a:defRPr>
-            </a:pPr>
-            <a:r>
-              <a:rPr lang="en-GB"/>
-              <a:t>Ranking</a:t>
-            </a:r>
-            <a:r>
-              <a:rPr lang="en-GB" baseline="0"/>
-              <a:t> variables</a:t>
-            </a:r>
-            <a:endParaRPr lang="en-GB"/>
-          </a:p>
-        </c:rich>
-      </c:tx>
-      <c:overlay val="0"/>
-      <c:spPr>
-        <a:noFill/>
-        <a:ln>
-          <a:noFill/>
-        </a:ln>
-        <a:effectLst/>
-      </c:spPr>
-      <c:txPr>
-        <a:bodyPr rot="0" spcFirstLastPara="1" vertOverflow="ellipsis" vert="horz" wrap="square" anchor="ctr" anchorCtr="1"/>
-        <a:lstStyle/>
-        <a:p>
-          <a:pPr>
-            <a:defRPr sz="1400" b="0" i="0" u="none" strike="noStrike" kern="1200" spc="0" baseline="0">
-              <a:solidFill>
-                <a:schemeClr val="tx1">
-                  <a:lumMod val="65000"/>
-                  <a:lumOff val="35000"/>
-                </a:schemeClr>
-              </a:solidFill>
-              <a:latin typeface="+mn-lt"/>
-              <a:ea typeface="+mn-ea"/>
-              <a:cs typeface="+mn-cs"/>
-            </a:defRPr>
-          </a:pPr>
-          <a:endParaRPr lang="en-US"/>
-        </a:p>
-      </c:txPr>
-    </c:title>
-    <c:autoTitleDeleted val="0"/>
-    <c:plotArea>
-      <c:layout>
-        <c:manualLayout>
-          <c:layoutTarget val="inner"/>
-          <c:xMode val="edge"/>
-          <c:yMode val="edge"/>
-          <c:x val="0.12809269661960948"/>
-          <c:y val="8.3289756930826825E-2"/>
-          <c:w val="0.8632229785866431"/>
-          <c:h val="0.90133745662937492"/>
-        </c:manualLayout>
-      </c:layout>
-      <c:barChart>
-        <c:barDir val="bar"/>
-        <c:grouping val="clustered"/>
-        <c:varyColors val="0"/>
-        <c:ser>
-          <c:idx val="0"/>
-          <c:order val="0"/>
-          <c:tx>
-            <c:strRef>
-              <c:f>Sheet1!$A$11:$A$37</c:f>
-              <c:strCache>
-                <c:ptCount val="27"/>
-                <c:pt idx="0">
-                  <c:v>medio_transporte</c:v>
-                </c:pt>
-                <c:pt idx="1">
-                  <c:v>arma_medio</c:v>
-                </c:pt>
-                <c:pt idx="2">
-                  <c:v>codigo_comuna</c:v>
-                </c:pt>
-                <c:pt idx="3">
-                  <c:v>sede_receptora</c:v>
-                </c:pt>
-                <c:pt idx="4">
-                  <c:v>anho</c:v>
-                </c:pt>
-                <c:pt idx="5">
-                  <c:v>modelo</c:v>
-                </c:pt>
-                <c:pt idx="6">
-                  <c:v>estado_civil</c:v>
-                </c:pt>
-                <c:pt idx="7">
-                  <c:v>conducta_especial</c:v>
-                </c:pt>
-                <c:pt idx="8">
-                  <c:v>lugar</c:v>
-                </c:pt>
-                <c:pt idx="9">
-                  <c:v>nombre_barrio</c:v>
-                </c:pt>
-                <c:pt idx="10">
-                  <c:v>edad</c:v>
-                </c:pt>
-                <c:pt idx="11">
-                  <c:v>sexo</c:v>
-                </c:pt>
-                <c:pt idx="12">
-                  <c:v>longitud</c:v>
-                </c:pt>
-                <c:pt idx="13">
-                  <c:v>color</c:v>
-                </c:pt>
-                <c:pt idx="14">
-                  <c:v>mes</c:v>
-                </c:pt>
-                <c:pt idx="15">
-                  <c:v>latitud</c:v>
-                </c:pt>
-                <c:pt idx="16">
-                  <c:v>dia_semana</c:v>
-                </c:pt>
-                <c:pt idx="17">
-                  <c:v>dia</c:v>
-                </c:pt>
-              </c:strCache>
-            </c:strRef>
-          </c:tx>
-          <c:spPr>
-            <a:solidFill>
-              <a:schemeClr val="accent6"/>
-            </a:solidFill>
-            <a:ln>
-              <a:noFill/>
-            </a:ln>
-            <a:effectLst/>
-          </c:spPr>
-          <c:invertIfNegative val="0"/>
-          <c:dLbls>
-            <c:spPr>
-              <a:noFill/>
-              <a:ln>
-                <a:noFill/>
-              </a:ln>
-              <a:effectLst/>
-            </c:spPr>
-            <c:txPr>
-              <a:bodyPr rot="0" spcFirstLastPara="1" vertOverflow="ellipsis" vert="horz" wrap="square" lIns="38100" tIns="19050" rIns="38100" bIns="19050" anchor="ctr" anchorCtr="1">
-                <a:spAutoFit/>
-              </a:bodyPr>
-              <a:lstStyle/>
-              <a:p>
-                <a:pPr>
-                  <a:defRPr sz="900" b="0" i="0" u="none" strike="noStrike" kern="1200" baseline="0">
-                    <a:solidFill>
-                      <a:schemeClr val="tx1">
-                        <a:lumMod val="75000"/>
-                        <a:lumOff val="25000"/>
-                      </a:schemeClr>
-                    </a:solidFill>
-                    <a:latin typeface="+mn-lt"/>
-                    <a:ea typeface="+mn-ea"/>
-                    <a:cs typeface="+mn-cs"/>
-                  </a:defRPr>
-                </a:pPr>
-                <a:endParaRPr lang="en-US"/>
-              </a:p>
-            </c:txPr>
-            <c:dLblPos val="outEnd"/>
-            <c:showLegendKey val="0"/>
-            <c:showVal val="1"/>
-            <c:showCatName val="0"/>
-            <c:showSerName val="0"/>
-            <c:showPercent val="0"/>
-            <c:showBubbleSize val="0"/>
-            <c:showLeaderLines val="0"/>
-            <c:extLst>
-              <c:ext xmlns:c15="http://schemas.microsoft.com/office/drawing/2012/chart" uri="{CE6537A1-D6FC-4f65-9D91-7224C49458BB}">
-                <c15:showLeaderLines val="1"/>
-                <c15:leaderLines>
-                  <c:spPr>
-                    <a:ln w="9525" cap="flat" cmpd="sng" algn="ctr">
-                      <a:solidFill>
-                        <a:schemeClr val="tx1">
-                          <a:lumMod val="35000"/>
-                          <a:lumOff val="65000"/>
-                        </a:schemeClr>
-                      </a:solidFill>
-                      <a:round/>
-                    </a:ln>
-                    <a:effectLst/>
-                  </c:spPr>
-                </c15:leaderLines>
-              </c:ext>
-            </c:extLst>
-          </c:dLbls>
-          <c:cat>
-            <c:strRef>
-              <c:f>Sheet1!$A$11:$A$37</c:f>
-              <c:strCache>
-                <c:ptCount val="18"/>
-                <c:pt idx="0">
-                  <c:v>medio_transporte</c:v>
-                </c:pt>
-                <c:pt idx="1">
-                  <c:v>arma_medio</c:v>
-                </c:pt>
-                <c:pt idx="2">
-                  <c:v>codigo_comuna</c:v>
-                </c:pt>
-                <c:pt idx="3">
-                  <c:v>sede_receptora</c:v>
-                </c:pt>
-                <c:pt idx="4">
-                  <c:v>anho</c:v>
-                </c:pt>
-                <c:pt idx="5">
-                  <c:v>modelo</c:v>
-                </c:pt>
-                <c:pt idx="6">
-                  <c:v>estado_civil</c:v>
-                </c:pt>
-                <c:pt idx="7">
-                  <c:v>conducta_especial</c:v>
-                </c:pt>
-                <c:pt idx="8">
-                  <c:v>lugar</c:v>
-                </c:pt>
-                <c:pt idx="9">
-                  <c:v>nombre_barrio</c:v>
-                </c:pt>
-                <c:pt idx="10">
-                  <c:v>edad</c:v>
-                </c:pt>
-                <c:pt idx="11">
-                  <c:v>sexo</c:v>
-                </c:pt>
-                <c:pt idx="12">
-                  <c:v>longitud</c:v>
-                </c:pt>
-                <c:pt idx="13">
-                  <c:v>color</c:v>
-                </c:pt>
-                <c:pt idx="14">
-                  <c:v>mes</c:v>
-                </c:pt>
-                <c:pt idx="15">
-                  <c:v>latitud</c:v>
-                </c:pt>
-                <c:pt idx="16">
-                  <c:v>dia_semana</c:v>
-                </c:pt>
-                <c:pt idx="17">
-                  <c:v>dia</c:v>
-                </c:pt>
-              </c:strCache>
-            </c:strRef>
-          </c:cat>
-          <c:val>
-            <c:numRef>
-              <c:f>Sheet1!$B$11:$B$37</c:f>
-              <c:numCache>
-                <c:formatCode>0.00E+00</c:formatCode>
-                <c:ptCount val="27"/>
-                <c:pt idx="0">
-                  <c:v>0</c:v>
-                </c:pt>
-                <c:pt idx="1">
-                  <c:v>0</c:v>
-                </c:pt>
-                <c:pt idx="2">
-                  <c:v>0</c:v>
-                </c:pt>
-                <c:pt idx="3">
-                  <c:v>0</c:v>
-                </c:pt>
-                <c:pt idx="4">
-                  <c:v>0</c:v>
-                </c:pt>
-                <c:pt idx="5">
-                  <c:v>9.3694789999999999E-254</c:v>
-                </c:pt>
-                <c:pt idx="6">
-                  <c:v>1.6796559999999999E-202</c:v>
-                </c:pt>
-                <c:pt idx="7">
-                  <c:v>2.4605770000000001E-36</c:v>
-                </c:pt>
-                <c:pt idx="8">
-                  <c:v>4.5051309999999999E-25</c:v>
-                </c:pt>
-                <c:pt idx="9">
-                  <c:v>1.248049E-18</c:v>
-                </c:pt>
-                <c:pt idx="10">
-                  <c:v>8.3440239999999995E-11</c:v>
-                </c:pt>
-                <c:pt idx="11">
-                  <c:v>4.292231E-10</c:v>
-                </c:pt>
-                <c:pt idx="12">
-                  <c:v>9.861255E-10</c:v>
-                </c:pt>
-                <c:pt idx="13">
-                  <c:v>3.1118590000000001E-9</c:v>
-                </c:pt>
-                <c:pt idx="14">
-                  <c:v>1.044887E-7</c:v>
-                </c:pt>
-                <c:pt idx="15">
-                  <c:v>3.0321439999999997E-4</c:v>
-                </c:pt>
-                <c:pt idx="16">
-                  <c:v>3.6708029999999998E-3</c:v>
-                </c:pt>
-                <c:pt idx="17">
-                  <c:v>0.26781759999999999</c:v>
-                </c:pt>
-              </c:numCache>
-            </c:numRef>
-          </c:val>
-          <c:extLst>
-            <c:ext xmlns:c16="http://schemas.microsoft.com/office/drawing/2014/chart" uri="{C3380CC4-5D6E-409C-BE32-E72D297353CC}">
-              <c16:uniqueId val="{00000000-1320-4275-AB2D-6689B84FE810}"/>
-            </c:ext>
-          </c:extLst>
-        </c:ser>
-        <c:dLbls>
-          <c:dLblPos val="outEnd"/>
-          <c:showLegendKey val="0"/>
-          <c:showVal val="1"/>
-          <c:showCatName val="0"/>
-          <c:showSerName val="0"/>
-          <c:showPercent val="0"/>
-          <c:showBubbleSize val="0"/>
-        </c:dLbls>
-        <c:gapWidth val="82"/>
-        <c:axId val="1433255359"/>
-        <c:axId val="1441253215"/>
-      </c:barChart>
-      <c:catAx>
-        <c:axId val="1433255359"/>
-        <c:scaling>
-          <c:orientation val="minMax"/>
-        </c:scaling>
-        <c:delete val="0"/>
-        <c:axPos val="l"/>
-        <c:numFmt formatCode="General" sourceLinked="1"/>
-        <c:majorTickMark val="none"/>
-        <c:minorTickMark val="none"/>
-        <c:tickLblPos val="nextTo"/>
-        <c:spPr>
-          <a:noFill/>
-          <a:ln w="9525" cap="flat" cmpd="sng" algn="ctr">
-            <a:solidFill>
-              <a:schemeClr val="tx1">
-                <a:lumMod val="15000"/>
-                <a:lumOff val="85000"/>
-              </a:schemeClr>
-            </a:solidFill>
-            <a:round/>
-          </a:ln>
-          <a:effectLst/>
-        </c:spPr>
-        <c:txPr>
-          <a:bodyPr rot="-60000000" spcFirstLastPara="1" vertOverflow="ellipsis" vert="horz" wrap="square" anchor="ctr" anchorCtr="1"/>
-          <a:lstStyle/>
-          <a:p>
-            <a:pPr>
-              <a:defRPr sz="900" b="0" i="0" u="none" strike="noStrike" kern="1200" baseline="0">
-                <a:solidFill>
-                  <a:schemeClr val="tx1">
-                    <a:lumMod val="65000"/>
-                    <a:lumOff val="35000"/>
-                  </a:schemeClr>
-                </a:solidFill>
-                <a:latin typeface="+mn-lt"/>
-                <a:ea typeface="+mn-ea"/>
-                <a:cs typeface="+mn-cs"/>
-              </a:defRPr>
-            </a:pPr>
-            <a:endParaRPr lang="en-US"/>
-          </a:p>
-        </c:txPr>
-        <c:crossAx val="1441253215"/>
-        <c:crosses val="autoZero"/>
-        <c:auto val="1"/>
-        <c:lblAlgn val="ctr"/>
-        <c:lblOffset val="100"/>
-        <c:noMultiLvlLbl val="0"/>
-      </c:catAx>
-      <c:valAx>
-        <c:axId val="1441253215"/>
-        <c:scaling>
-          <c:orientation val="minMax"/>
-        </c:scaling>
-        <c:delete val="1"/>
-        <c:axPos val="b"/>
-        <c:numFmt formatCode="0.00E+00" sourceLinked="1"/>
-        <c:majorTickMark val="none"/>
-        <c:minorTickMark val="none"/>
-        <c:tickLblPos val="nextTo"/>
-        <c:crossAx val="1433255359"/>
-        <c:crosses val="autoZero"/>
-        <c:crossBetween val="between"/>
-      </c:valAx>
-      <c:spPr>
-        <a:noFill/>
-        <a:ln>
-          <a:noFill/>
-        </a:ln>
-        <a:effectLst/>
-      </c:spPr>
-    </c:plotArea>
-    <c:plotVisOnly val="1"/>
-    <c:dispBlanksAs val="gap"/>
-    <c:showDLblsOverMax val="0"/>
-  </c:chart>
-  <c:spPr>
-    <a:solidFill>
-      <a:schemeClr val="bg1"/>
-    </a:solidFill>
-    <a:ln w="9525" cap="flat" cmpd="sng" algn="ctr">
-      <a:noFill/>
-      <a:round/>
-    </a:ln>
-    <a:effectLst/>
-  </c:spPr>
-  <c:txPr>
-    <a:bodyPr/>
-    <a:lstStyle/>
-    <a:p>
-      <a:pPr>
-        <a:defRPr/>
-      </a:pPr>
-      <a:endParaRPr lang="en-US"/>
-    </a:p>
-  </c:txPr>
-  <c:externalData r:id="rId3">
-    <c:autoUpdate val="0"/>
-  </c:externalData>
-</c:chartSpace>
-</file>
-
 <file path=ppt/charts/colors1.xml><?xml version="1.0" encoding="utf-8"?>
 <cs:colorStyle xmlns:cs="http://schemas.microsoft.com/office/drawing/2012/chartStyle" xmlns:a="http://schemas.openxmlformats.org/drawingml/2006/main" meth="cycle" id="10">
   <a:schemeClr val="accent1"/>
@@ -1026,549 +554,7 @@
 </cs:colorStyle>
 </file>
 
-<file path=ppt/charts/colors2.xml><?xml version="1.0" encoding="utf-8"?>
-<cs:colorStyle xmlns:cs="http://schemas.microsoft.com/office/drawing/2012/chartStyle" xmlns:a="http://schemas.openxmlformats.org/drawingml/2006/main" meth="cycle" id="13">
-  <a:schemeClr val="accent6"/>
-  <a:schemeClr val="accent5"/>
-  <a:schemeClr val="accent4"/>
-  <cs:variation/>
-  <cs:variation>
-    <a:lumMod val="60000"/>
-  </cs:variation>
-  <cs:variation>
-    <a:lumMod val="80000"/>
-    <a:lumOff val="20000"/>
-  </cs:variation>
-  <cs:variation>
-    <a:lumMod val="80000"/>
-  </cs:variation>
-  <cs:variation>
-    <a:lumMod val="60000"/>
-    <a:lumOff val="40000"/>
-  </cs:variation>
-  <cs:variation>
-    <a:lumMod val="50000"/>
-  </cs:variation>
-  <cs:variation>
-    <a:lumMod val="70000"/>
-    <a:lumOff val="30000"/>
-  </cs:variation>
-  <cs:variation>
-    <a:lumMod val="70000"/>
-  </cs:variation>
-  <cs:variation>
-    <a:lumMod val="50000"/>
-    <a:lumOff val="50000"/>
-  </cs:variation>
-</cs:colorStyle>
-</file>
-
 <file path=ppt/charts/style1.xml><?xml version="1.0" encoding="utf-8"?>
-<cs:chartStyle xmlns:cs="http://schemas.microsoft.com/office/drawing/2012/chartStyle" xmlns:a="http://schemas.openxmlformats.org/drawingml/2006/main" id="216">
-  <cs:axisTitle>
-    <cs:lnRef idx="0"/>
-    <cs:fillRef idx="0"/>
-    <cs:effectRef idx="0"/>
-    <cs:fontRef idx="minor">
-      <a:schemeClr val="tx1">
-        <a:lumMod val="65000"/>
-        <a:lumOff val="35000"/>
-      </a:schemeClr>
-    </cs:fontRef>
-    <cs:defRPr sz="1000" kern="1200"/>
-  </cs:axisTitle>
-  <cs:categoryAxis>
-    <cs:lnRef idx="0"/>
-    <cs:fillRef idx="0"/>
-    <cs:effectRef idx="0"/>
-    <cs:fontRef idx="minor">
-      <a:schemeClr val="tx1">
-        <a:lumMod val="65000"/>
-        <a:lumOff val="35000"/>
-      </a:schemeClr>
-    </cs:fontRef>
-    <cs:spPr>
-      <a:ln w="9525" cap="flat" cmpd="sng" algn="ctr">
-        <a:solidFill>
-          <a:schemeClr val="tx1">
-            <a:lumMod val="15000"/>
-            <a:lumOff val="85000"/>
-          </a:schemeClr>
-        </a:solidFill>
-        <a:round/>
-      </a:ln>
-    </cs:spPr>
-    <cs:defRPr sz="900" kern="1200"/>
-  </cs:categoryAxis>
-  <cs:chartArea mods="allowNoFillOverride allowNoLineOverride">
-    <cs:lnRef idx="0"/>
-    <cs:fillRef idx="0"/>
-    <cs:effectRef idx="0"/>
-    <cs:fontRef idx="minor">
-      <a:schemeClr val="tx1"/>
-    </cs:fontRef>
-    <cs:spPr>
-      <a:solidFill>
-        <a:schemeClr val="bg1"/>
-      </a:solidFill>
-      <a:ln w="9525" cap="flat" cmpd="sng" algn="ctr">
-        <a:solidFill>
-          <a:schemeClr val="tx1">
-            <a:lumMod val="15000"/>
-            <a:lumOff val="85000"/>
-          </a:schemeClr>
-        </a:solidFill>
-        <a:round/>
-      </a:ln>
-    </cs:spPr>
-    <cs:defRPr sz="1000" kern="1200"/>
-  </cs:chartArea>
-  <cs:dataLabel>
-    <cs:lnRef idx="0"/>
-    <cs:fillRef idx="0"/>
-    <cs:effectRef idx="0"/>
-    <cs:fontRef idx="minor">
-      <a:schemeClr val="tx1">
-        <a:lumMod val="75000"/>
-        <a:lumOff val="25000"/>
-      </a:schemeClr>
-    </cs:fontRef>
-    <cs:defRPr sz="900" kern="1200"/>
-  </cs:dataLabel>
-  <cs:dataLabelCallout>
-    <cs:lnRef idx="0"/>
-    <cs:fillRef idx="0"/>
-    <cs:effectRef idx="0"/>
-    <cs:fontRef idx="minor">
-      <a:schemeClr val="dk1">
-        <a:lumMod val="65000"/>
-        <a:lumOff val="35000"/>
-      </a:schemeClr>
-    </cs:fontRef>
-    <cs:spPr>
-      <a:solidFill>
-        <a:schemeClr val="lt1"/>
-      </a:solidFill>
-      <a:ln>
-        <a:solidFill>
-          <a:schemeClr val="dk1">
-            <a:lumMod val="25000"/>
-            <a:lumOff val="75000"/>
-          </a:schemeClr>
-        </a:solidFill>
-      </a:ln>
-    </cs:spPr>
-    <cs:defRPr sz="900" kern="1200"/>
-    <cs:bodyPr rot="0" spcFirstLastPara="1" vertOverflow="clip" horzOverflow="clip" vert="horz" wrap="square" lIns="36576" tIns="18288" rIns="36576" bIns="18288" anchor="ctr" anchorCtr="1">
-      <a:spAutoFit/>
-    </cs:bodyPr>
-  </cs:dataLabelCallout>
-  <cs:dataPoint>
-    <cs:lnRef idx="0"/>
-    <cs:fillRef idx="1">
-      <cs:styleClr val="auto"/>
-    </cs:fillRef>
-    <cs:effectRef idx="0"/>
-    <cs:fontRef idx="minor">
-      <a:schemeClr val="tx1"/>
-    </cs:fontRef>
-  </cs:dataPoint>
-  <cs:dataPoint3D>
-    <cs:lnRef idx="0"/>
-    <cs:fillRef idx="1">
-      <cs:styleClr val="auto"/>
-    </cs:fillRef>
-    <cs:effectRef idx="0"/>
-    <cs:fontRef idx="minor">
-      <a:schemeClr val="tx1"/>
-    </cs:fontRef>
-  </cs:dataPoint3D>
-  <cs:dataPointLine>
-    <cs:lnRef idx="0">
-      <cs:styleClr val="auto"/>
-    </cs:lnRef>
-    <cs:fillRef idx="1"/>
-    <cs:effectRef idx="0"/>
-    <cs:fontRef idx="minor">
-      <a:schemeClr val="tx1"/>
-    </cs:fontRef>
-    <cs:spPr>
-      <a:ln w="28575" cap="rnd">
-        <a:solidFill>
-          <a:schemeClr val="phClr"/>
-        </a:solidFill>
-        <a:round/>
-      </a:ln>
-    </cs:spPr>
-  </cs:dataPointLine>
-  <cs:dataPointMarker>
-    <cs:lnRef idx="0">
-      <cs:styleClr val="auto"/>
-    </cs:lnRef>
-    <cs:fillRef idx="1">
-      <cs:styleClr val="auto"/>
-    </cs:fillRef>
-    <cs:effectRef idx="0"/>
-    <cs:fontRef idx="minor">
-      <a:schemeClr val="tx1"/>
-    </cs:fontRef>
-    <cs:spPr>
-      <a:ln w="9525">
-        <a:solidFill>
-          <a:schemeClr val="phClr"/>
-        </a:solidFill>
-      </a:ln>
-    </cs:spPr>
-  </cs:dataPointMarker>
-  <cs:dataPointMarkerLayout symbol="circle" size="5"/>
-  <cs:dataPointWireframe>
-    <cs:lnRef idx="0">
-      <cs:styleClr val="auto"/>
-    </cs:lnRef>
-    <cs:fillRef idx="1"/>
-    <cs:effectRef idx="0"/>
-    <cs:fontRef idx="minor">
-      <a:schemeClr val="tx1"/>
-    </cs:fontRef>
-    <cs:spPr>
-      <a:ln w="9525" cap="rnd">
-        <a:solidFill>
-          <a:schemeClr val="phClr"/>
-        </a:solidFill>
-        <a:round/>
-      </a:ln>
-    </cs:spPr>
-  </cs:dataPointWireframe>
-  <cs:dataTable>
-    <cs:lnRef idx="0"/>
-    <cs:fillRef idx="0"/>
-    <cs:effectRef idx="0"/>
-    <cs:fontRef idx="minor">
-      <a:schemeClr val="tx1">
-        <a:lumMod val="65000"/>
-        <a:lumOff val="35000"/>
-      </a:schemeClr>
-    </cs:fontRef>
-    <cs:spPr>
-      <a:noFill/>
-      <a:ln w="9525" cap="flat" cmpd="sng" algn="ctr">
-        <a:solidFill>
-          <a:schemeClr val="tx1">
-            <a:lumMod val="15000"/>
-            <a:lumOff val="85000"/>
-          </a:schemeClr>
-        </a:solidFill>
-        <a:round/>
-      </a:ln>
-    </cs:spPr>
-    <cs:defRPr sz="900" kern="1200"/>
-  </cs:dataTable>
-  <cs:downBar>
-    <cs:lnRef idx="0"/>
-    <cs:fillRef idx="0"/>
-    <cs:effectRef idx="0"/>
-    <cs:fontRef idx="minor">
-      <a:schemeClr val="tx1"/>
-    </cs:fontRef>
-    <cs:spPr>
-      <a:solidFill>
-        <a:schemeClr val="dk1">
-          <a:lumMod val="75000"/>
-          <a:lumOff val="25000"/>
-        </a:schemeClr>
-      </a:solidFill>
-      <a:ln w="9525" cap="flat" cmpd="sng" algn="ctr">
-        <a:solidFill>
-          <a:schemeClr val="tx1">
-            <a:lumMod val="65000"/>
-            <a:lumOff val="35000"/>
-          </a:schemeClr>
-        </a:solidFill>
-        <a:round/>
-      </a:ln>
-    </cs:spPr>
-  </cs:downBar>
-  <cs:dropLine>
-    <cs:lnRef idx="0"/>
-    <cs:fillRef idx="0"/>
-    <cs:effectRef idx="0"/>
-    <cs:fontRef idx="minor">
-      <a:schemeClr val="tx1"/>
-    </cs:fontRef>
-    <cs:spPr>
-      <a:ln w="9525" cap="flat" cmpd="sng" algn="ctr">
-        <a:solidFill>
-          <a:schemeClr val="tx1">
-            <a:lumMod val="35000"/>
-            <a:lumOff val="65000"/>
-          </a:schemeClr>
-        </a:solidFill>
-        <a:round/>
-      </a:ln>
-    </cs:spPr>
-  </cs:dropLine>
-  <cs:errorBar>
-    <cs:lnRef idx="0"/>
-    <cs:fillRef idx="0"/>
-    <cs:effectRef idx="0"/>
-    <cs:fontRef idx="minor">
-      <a:schemeClr val="tx1"/>
-    </cs:fontRef>
-    <cs:spPr>
-      <a:ln w="9525" cap="flat" cmpd="sng" algn="ctr">
-        <a:solidFill>
-          <a:schemeClr val="tx1">
-            <a:lumMod val="65000"/>
-            <a:lumOff val="35000"/>
-          </a:schemeClr>
-        </a:solidFill>
-        <a:round/>
-      </a:ln>
-    </cs:spPr>
-  </cs:errorBar>
-  <cs:floor>
-    <cs:lnRef idx="0"/>
-    <cs:fillRef idx="0"/>
-    <cs:effectRef idx="0"/>
-    <cs:fontRef idx="minor">
-      <a:schemeClr val="tx1"/>
-    </cs:fontRef>
-    <cs:spPr>
-      <a:noFill/>
-      <a:ln>
-        <a:noFill/>
-      </a:ln>
-    </cs:spPr>
-  </cs:floor>
-  <cs:gridlineMajor>
-    <cs:lnRef idx="0"/>
-    <cs:fillRef idx="0"/>
-    <cs:effectRef idx="0"/>
-    <cs:fontRef idx="minor">
-      <a:schemeClr val="tx1"/>
-    </cs:fontRef>
-    <cs:spPr>
-      <a:ln w="9525" cap="flat" cmpd="sng" algn="ctr">
-        <a:solidFill>
-          <a:schemeClr val="tx1">
-            <a:lumMod val="15000"/>
-            <a:lumOff val="85000"/>
-          </a:schemeClr>
-        </a:solidFill>
-        <a:round/>
-      </a:ln>
-    </cs:spPr>
-  </cs:gridlineMajor>
-  <cs:gridlineMinor>
-    <cs:lnRef idx="0"/>
-    <cs:fillRef idx="0"/>
-    <cs:effectRef idx="0"/>
-    <cs:fontRef idx="minor">
-      <a:schemeClr val="tx1"/>
-    </cs:fontRef>
-    <cs:spPr>
-      <a:ln w="9525" cap="flat" cmpd="sng" algn="ctr">
-        <a:solidFill>
-          <a:schemeClr val="tx1">
-            <a:lumMod val="5000"/>
-            <a:lumOff val="95000"/>
-          </a:schemeClr>
-        </a:solidFill>
-        <a:round/>
-      </a:ln>
-    </cs:spPr>
-  </cs:gridlineMinor>
-  <cs:hiLoLine>
-    <cs:lnRef idx="0"/>
-    <cs:fillRef idx="0"/>
-    <cs:effectRef idx="0"/>
-    <cs:fontRef idx="minor">
-      <a:schemeClr val="tx1"/>
-    </cs:fontRef>
-    <cs:spPr>
-      <a:ln w="9525" cap="flat" cmpd="sng" algn="ctr">
-        <a:solidFill>
-          <a:schemeClr val="tx1">
-            <a:lumMod val="50000"/>
-            <a:lumOff val="50000"/>
-          </a:schemeClr>
-        </a:solidFill>
-        <a:round/>
-      </a:ln>
-    </cs:spPr>
-  </cs:hiLoLine>
-  <cs:leaderLine>
-    <cs:lnRef idx="0"/>
-    <cs:fillRef idx="0"/>
-    <cs:effectRef idx="0"/>
-    <cs:fontRef idx="minor">
-      <a:schemeClr val="tx1"/>
-    </cs:fontRef>
-    <cs:spPr>
-      <a:ln w="9525" cap="flat" cmpd="sng" algn="ctr">
-        <a:solidFill>
-          <a:schemeClr val="tx1">
-            <a:lumMod val="35000"/>
-            <a:lumOff val="65000"/>
-          </a:schemeClr>
-        </a:solidFill>
-        <a:round/>
-      </a:ln>
-    </cs:spPr>
-  </cs:leaderLine>
-  <cs:legend>
-    <cs:lnRef idx="0"/>
-    <cs:fillRef idx="0"/>
-    <cs:effectRef idx="0"/>
-    <cs:fontRef idx="minor">
-      <a:schemeClr val="tx1">
-        <a:lumMod val="65000"/>
-        <a:lumOff val="35000"/>
-      </a:schemeClr>
-    </cs:fontRef>
-    <cs:defRPr sz="900" kern="1200"/>
-  </cs:legend>
-  <cs:plotArea mods="allowNoFillOverride allowNoLineOverride">
-    <cs:lnRef idx="0"/>
-    <cs:fillRef idx="0"/>
-    <cs:effectRef idx="0"/>
-    <cs:fontRef idx="minor">
-      <a:schemeClr val="tx1"/>
-    </cs:fontRef>
-  </cs:plotArea>
-  <cs:plotArea3D mods="allowNoFillOverride allowNoLineOverride">
-    <cs:lnRef idx="0"/>
-    <cs:fillRef idx="0"/>
-    <cs:effectRef idx="0"/>
-    <cs:fontRef idx="minor">
-      <a:schemeClr val="tx1"/>
-    </cs:fontRef>
-  </cs:plotArea3D>
-  <cs:seriesAxis>
-    <cs:lnRef idx="0"/>
-    <cs:fillRef idx="0"/>
-    <cs:effectRef idx="0"/>
-    <cs:fontRef idx="minor">
-      <a:schemeClr val="tx1">
-        <a:lumMod val="65000"/>
-        <a:lumOff val="35000"/>
-      </a:schemeClr>
-    </cs:fontRef>
-    <cs:defRPr sz="900" kern="1200"/>
-  </cs:seriesAxis>
-  <cs:seriesLine>
-    <cs:lnRef idx="0"/>
-    <cs:fillRef idx="0"/>
-    <cs:effectRef idx="0"/>
-    <cs:fontRef idx="minor">
-      <a:schemeClr val="tx1"/>
-    </cs:fontRef>
-    <cs:spPr>
-      <a:ln w="9525" cap="flat" cmpd="sng" algn="ctr">
-        <a:solidFill>
-          <a:schemeClr val="tx1">
-            <a:lumMod val="35000"/>
-            <a:lumOff val="65000"/>
-          </a:schemeClr>
-        </a:solidFill>
-        <a:round/>
-      </a:ln>
-    </cs:spPr>
-  </cs:seriesLine>
-  <cs:title>
-    <cs:lnRef idx="0"/>
-    <cs:fillRef idx="0"/>
-    <cs:effectRef idx="0"/>
-    <cs:fontRef idx="minor">
-      <a:schemeClr val="tx1">
-        <a:lumMod val="65000"/>
-        <a:lumOff val="35000"/>
-      </a:schemeClr>
-    </cs:fontRef>
-    <cs:defRPr sz="1400" b="0" kern="1200" spc="0" baseline="0"/>
-  </cs:title>
-  <cs:trendline>
-    <cs:lnRef idx="0">
-      <cs:styleClr val="auto"/>
-    </cs:lnRef>
-    <cs:fillRef idx="0"/>
-    <cs:effectRef idx="0"/>
-    <cs:fontRef idx="minor">
-      <a:schemeClr val="tx1"/>
-    </cs:fontRef>
-    <cs:spPr>
-      <a:ln w="19050" cap="rnd">
-        <a:solidFill>
-          <a:schemeClr val="phClr"/>
-        </a:solidFill>
-        <a:prstDash val="sysDot"/>
-      </a:ln>
-    </cs:spPr>
-  </cs:trendline>
-  <cs:trendlineLabel>
-    <cs:lnRef idx="0"/>
-    <cs:fillRef idx="0"/>
-    <cs:effectRef idx="0"/>
-    <cs:fontRef idx="minor">
-      <a:schemeClr val="tx1">
-        <a:lumMod val="65000"/>
-        <a:lumOff val="35000"/>
-      </a:schemeClr>
-    </cs:fontRef>
-    <cs:defRPr sz="900" kern="1200"/>
-  </cs:trendlineLabel>
-  <cs:upBar>
-    <cs:lnRef idx="0"/>
-    <cs:fillRef idx="0"/>
-    <cs:effectRef idx="0"/>
-    <cs:fontRef idx="minor">
-      <a:schemeClr val="tx1"/>
-    </cs:fontRef>
-    <cs:spPr>
-      <a:solidFill>
-        <a:schemeClr val="lt1"/>
-      </a:solidFill>
-      <a:ln w="9525" cap="flat" cmpd="sng" algn="ctr">
-        <a:solidFill>
-          <a:schemeClr val="tx1">
-            <a:lumMod val="65000"/>
-            <a:lumOff val="35000"/>
-          </a:schemeClr>
-        </a:solidFill>
-        <a:round/>
-      </a:ln>
-    </cs:spPr>
-  </cs:upBar>
-  <cs:valueAxis>
-    <cs:lnRef idx="0"/>
-    <cs:fillRef idx="0"/>
-    <cs:effectRef idx="0"/>
-    <cs:fontRef idx="minor">
-      <a:schemeClr val="tx1">
-        <a:lumMod val="65000"/>
-        <a:lumOff val="35000"/>
-      </a:schemeClr>
-    </cs:fontRef>
-    <cs:defRPr sz="900" kern="1200"/>
-  </cs:valueAxis>
-  <cs:wall>
-    <cs:lnRef idx="0"/>
-    <cs:fillRef idx="0"/>
-    <cs:effectRef idx="0"/>
-    <cs:fontRef idx="minor">
-      <a:schemeClr val="tx1"/>
-    </cs:fontRef>
-    <cs:spPr>
-      <a:noFill/>
-      <a:ln>
-        <a:noFill/>
-      </a:ln>
-    </cs:spPr>
-  </cs:wall>
-</cs:chartStyle>
-</file>
-
-<file path=ppt/charts/style2.xml><?xml version="1.0" encoding="utf-8"?>
 <cs:chartStyle xmlns:cs="http://schemas.microsoft.com/office/drawing/2012/chartStyle" xmlns:a="http://schemas.openxmlformats.org/drawingml/2006/main" id="216">
   <cs:axisTitle>
     <cs:lnRef idx="0"/>
@@ -15299,6 +14285,36 @@
           <a:chExt cx="0" cy="0"/>
         </a:xfrm>
       </p:grpSpPr>
+      <p:pic>
+        <p:nvPicPr>
+          <p:cNvPr id="20" name="Picture 19">
+            <a:extLst>
+              <a:ext uri="{FF2B5EF4-FFF2-40B4-BE49-F238E27FC236}">
+                <a16:creationId xmlns:a16="http://schemas.microsoft.com/office/drawing/2014/main" id="{6990ABD7-5336-4D60-80D4-DB3CADE79975}"/>
+              </a:ext>
+            </a:extLst>
+          </p:cNvPr>
+          <p:cNvPicPr>
+            <a:picLocks noChangeAspect="1"/>
+          </p:cNvPicPr>
+          <p:nvPr/>
+        </p:nvPicPr>
+        <p:blipFill>
+          <a:blip r:embed="rId2"/>
+          <a:stretch>
+            <a:fillRect/>
+          </a:stretch>
+        </p:blipFill>
+        <p:spPr>
+          <a:xfrm>
+            <a:off x="397560" y="1088563"/>
+            <a:ext cx="7957167" cy="5007094"/>
+          </a:xfrm>
+          <a:prstGeom prst="rect">
+            <a:avLst/>
+          </a:prstGeom>
+        </p:spPr>
+      </p:pic>
       <p:sp>
         <p:nvSpPr>
           <p:cNvPr id="9" name="Google Shape;112;p6">
@@ -15703,36 +14719,6 @@
           </a:p>
         </p:txBody>
       </p:sp>
-      <p:graphicFrame>
-        <p:nvGraphicFramePr>
-          <p:cNvPr id="18" name="Chart 17">
-            <a:extLst>
-              <a:ext uri="{FF2B5EF4-FFF2-40B4-BE49-F238E27FC236}">
-                <a16:creationId xmlns:a16="http://schemas.microsoft.com/office/drawing/2014/main" id="{D557B962-EBC0-4170-AA60-7336E38808EA}"/>
-              </a:ext>
-            </a:extLst>
-          </p:cNvPr>
-          <p:cNvGraphicFramePr>
-            <a:graphicFrameLocks/>
-          </p:cNvGraphicFramePr>
-          <p:nvPr>
-            <p:extLst>
-              <p:ext uri="{D42A27DB-BD31-4B8C-83A1-F6EECF244321}">
-                <p14:modId xmlns:p14="http://schemas.microsoft.com/office/powerpoint/2010/main" val="1499761652"/>
-              </p:ext>
-            </p:extLst>
-          </p:nvPr>
-        </p:nvGraphicFramePr>
-        <p:xfrm>
-          <a:off x="225373" y="1308616"/>
-          <a:ext cx="7512408" cy="4668672"/>
-        </p:xfrm>
-        <a:graphic>
-          <a:graphicData uri="http://schemas.openxmlformats.org/drawingml/2006/chart">
-            <c:chart xmlns:c="http://schemas.openxmlformats.org/drawingml/2006/chart" xmlns:r="http://schemas.openxmlformats.org/officeDocument/2006/relationships" r:id="rId2"/>
-          </a:graphicData>
-        </a:graphic>
-      </p:graphicFrame>
     </p:spTree>
     <p:extLst>
       <p:ext uri="{BB962C8B-B14F-4D97-AF65-F5344CB8AC3E}">
@@ -15747,3910 +14733,6 @@
 </file>
 
 <file path=ppt/slides/slide16.xml><?xml version="1.0" encoding="utf-8"?>
-<p:sld xmlns:a="http://schemas.openxmlformats.org/drawingml/2006/main" xmlns:r="http://schemas.openxmlformats.org/officeDocument/2006/relationships" xmlns:p="http://schemas.openxmlformats.org/presentationml/2006/main">
-  <p:cSld>
-    <p:spTree>
-      <p:nvGrpSpPr>
-        <p:cNvPr id="1" name=""/>
-        <p:cNvGrpSpPr/>
-        <p:nvPr/>
-      </p:nvGrpSpPr>
-      <p:grpSpPr>
-        <a:xfrm>
-          <a:off x="0" y="0"/>
-          <a:ext cx="0" cy="0"/>
-          <a:chOff x="0" y="0"/>
-          <a:chExt cx="0" cy="0"/>
-        </a:xfrm>
-      </p:grpSpPr>
-      <p:sp>
-        <p:nvSpPr>
-          <p:cNvPr id="4" name="Google Shape;112;p6">
-            <a:extLst>
-              <a:ext uri="{FF2B5EF4-FFF2-40B4-BE49-F238E27FC236}">
-                <a16:creationId xmlns:a16="http://schemas.microsoft.com/office/drawing/2014/main" id="{7BF8BAE0-DDB0-40DE-B227-E508C4C6FE5D}"/>
-              </a:ext>
-            </a:extLst>
-          </p:cNvPr>
-          <p:cNvSpPr txBox="1"/>
-          <p:nvPr/>
-        </p:nvSpPr>
-        <p:spPr>
-          <a:xfrm>
-            <a:off x="729342" y="319121"/>
-            <a:ext cx="6181597" cy="830956"/>
-          </a:xfrm>
-          <a:prstGeom prst="rect">
-            <a:avLst/>
-          </a:prstGeom>
-          <a:noFill/>
-          <a:ln>
-            <a:noFill/>
-          </a:ln>
-        </p:spPr>
-        <p:txBody>
-          <a:bodyPr spcFirstLastPara="1" wrap="square" lIns="91425" tIns="45700" rIns="91425" bIns="45700" anchor="t" anchorCtr="0">
-            <a:spAutoFit/>
-          </a:bodyPr>
-          <a:lstStyle/>
-          <a:p>
-            <a:pPr marL="0" marR="0" lvl="0" indent="0" rtl="0">
-              <a:spcBef>
-                <a:spcPts val="0"/>
-              </a:spcBef>
-              <a:spcAft>
-                <a:spcPts val="0"/>
-              </a:spcAft>
-              <a:buNone/>
-            </a:pPr>
-            <a:r>
-              <a:rPr lang="es-CO" sz="4800" b="1" dirty="0">
-                <a:solidFill>
-                  <a:srgbClr val="1B2336"/>
-                </a:solidFill>
-                <a:latin typeface="Arial"/>
-                <a:cs typeface="Arial"/>
-                <a:sym typeface="Arial"/>
-              </a:rPr>
-              <a:t>Ing. Características</a:t>
-            </a:r>
-            <a:endParaRPr lang="es-CO" dirty="0"/>
-          </a:p>
-        </p:txBody>
-      </p:sp>
-      <p:sp>
-        <p:nvSpPr>
-          <p:cNvPr id="5" name="Google Shape;117;p6">
-            <a:extLst>
-              <a:ext uri="{FF2B5EF4-FFF2-40B4-BE49-F238E27FC236}">
-                <a16:creationId xmlns:a16="http://schemas.microsoft.com/office/drawing/2014/main" id="{789374AE-5906-4CE2-AE32-861EEB840C78}"/>
-              </a:ext>
-            </a:extLst>
-          </p:cNvPr>
-          <p:cNvSpPr txBox="1"/>
-          <p:nvPr/>
-        </p:nvSpPr>
-        <p:spPr>
-          <a:xfrm>
-            <a:off x="225373" y="312176"/>
-            <a:ext cx="717199" cy="769441"/>
-          </a:xfrm>
-          <a:prstGeom prst="rect">
-            <a:avLst/>
-          </a:prstGeom>
-          <a:noFill/>
-          <a:ln>
-            <a:noFill/>
-          </a:ln>
-        </p:spPr>
-        <p:txBody>
-          <a:bodyPr spcFirstLastPara="1" wrap="square" lIns="91425" tIns="45700" rIns="91425" bIns="45700" anchor="t" anchorCtr="0">
-            <a:spAutoFit/>
-          </a:bodyPr>
-          <a:lstStyle/>
-          <a:p>
-            <a:pPr marL="0" marR="0" lvl="0" indent="0" algn="ctr" rtl="0">
-              <a:spcBef>
-                <a:spcPts val="0"/>
-              </a:spcBef>
-              <a:spcAft>
-                <a:spcPts val="0"/>
-              </a:spcAft>
-              <a:buNone/>
-            </a:pPr>
-            <a:r>
-              <a:rPr lang="es-CO" sz="4400" b="1" dirty="0">
-                <a:solidFill>
-                  <a:srgbClr val="04BDB4"/>
-                </a:solidFill>
-                <a:latin typeface="Arial Black"/>
-                <a:ea typeface="Arial Black"/>
-                <a:cs typeface="Arial Black"/>
-                <a:sym typeface="Arial Black"/>
-              </a:rPr>
-              <a:t>|</a:t>
-            </a:r>
-            <a:endParaRPr lang="es-CO" dirty="0"/>
-          </a:p>
-        </p:txBody>
-      </p:sp>
-      <p:cxnSp>
-        <p:nvCxnSpPr>
-          <p:cNvPr id="6" name="Google Shape;119;p6">
-            <a:extLst>
-              <a:ext uri="{FF2B5EF4-FFF2-40B4-BE49-F238E27FC236}">
-                <a16:creationId xmlns:a16="http://schemas.microsoft.com/office/drawing/2014/main" id="{9BA46B94-C025-44EC-8513-29B85B3D7D8E}"/>
-              </a:ext>
-            </a:extLst>
-          </p:cNvPr>
-          <p:cNvCxnSpPr>
-            <a:cxnSpLocks/>
-          </p:cNvCxnSpPr>
-          <p:nvPr/>
-        </p:nvCxnSpPr>
-        <p:spPr>
-          <a:xfrm>
-            <a:off x="6843562" y="786010"/>
-            <a:ext cx="5348382" cy="1"/>
-          </a:xfrm>
-          <a:prstGeom prst="straightConnector1">
-            <a:avLst/>
-          </a:prstGeom>
-          <a:noFill/>
-          <a:ln w="25400" cap="flat" cmpd="sng">
-            <a:solidFill>
-              <a:srgbClr val="1B2336"/>
-            </a:solidFill>
-            <a:prstDash val="solid"/>
-            <a:miter lim="800000"/>
-            <a:headEnd type="oval" w="med" len="med"/>
-            <a:tailEnd type="none" w="sm" len="sm"/>
-          </a:ln>
-        </p:spPr>
-      </p:cxnSp>
-      <p:pic>
-        <p:nvPicPr>
-          <p:cNvPr id="37" name="Picture 36">
-            <a:extLst>
-              <a:ext uri="{FF2B5EF4-FFF2-40B4-BE49-F238E27FC236}">
-                <a16:creationId xmlns:a16="http://schemas.microsoft.com/office/drawing/2014/main" id="{7BEF5B69-0A5D-4126-A6D6-5AAD244C2CAD}"/>
-              </a:ext>
-            </a:extLst>
-          </p:cNvPr>
-          <p:cNvPicPr>
-            <a:picLocks noChangeAspect="1"/>
-          </p:cNvPicPr>
-          <p:nvPr/>
-        </p:nvPicPr>
-        <p:blipFill rotWithShape="1">
-          <a:blip r:embed="rId2"/>
-          <a:srcRect t="27300" r="10497"/>
-          <a:stretch/>
-        </p:blipFill>
-        <p:spPr>
-          <a:xfrm>
-            <a:off x="942572" y="1171336"/>
-            <a:ext cx="5763028" cy="830957"/>
-          </a:xfrm>
-          <a:prstGeom prst="rect">
-            <a:avLst/>
-          </a:prstGeom>
-        </p:spPr>
-      </p:pic>
-      <p:sp>
-        <p:nvSpPr>
-          <p:cNvPr id="41" name="TextBox 40">
-            <a:extLst>
-              <a:ext uri="{FF2B5EF4-FFF2-40B4-BE49-F238E27FC236}">
-                <a16:creationId xmlns:a16="http://schemas.microsoft.com/office/drawing/2014/main" id="{1DCDE2BA-4EDC-4675-9FB5-B1A72FB42C19}"/>
-              </a:ext>
-            </a:extLst>
-          </p:cNvPr>
-          <p:cNvSpPr txBox="1"/>
-          <p:nvPr/>
-        </p:nvSpPr>
-        <p:spPr>
-          <a:xfrm>
-            <a:off x="4420136" y="1866191"/>
-            <a:ext cx="2417713" cy="369332"/>
-          </a:xfrm>
-          <a:prstGeom prst="rect">
-            <a:avLst/>
-          </a:prstGeom>
-          <a:noFill/>
-        </p:spPr>
-        <p:txBody>
-          <a:bodyPr wrap="none" rtlCol="0">
-            <a:spAutoFit/>
-          </a:bodyPr>
-          <a:lstStyle/>
-          <a:p>
-            <a:r>
-              <a:rPr lang="es-CO" b="1" dirty="0"/>
-              <a:t>Selección y Exploración</a:t>
-            </a:r>
-            <a:endParaRPr lang="en-GB" b="1" dirty="0"/>
-          </a:p>
-        </p:txBody>
-      </p:sp>
-      <p:pic>
-        <p:nvPicPr>
-          <p:cNvPr id="42" name="Picture 41">
-            <a:extLst>
-              <a:ext uri="{FF2B5EF4-FFF2-40B4-BE49-F238E27FC236}">
-                <a16:creationId xmlns:a16="http://schemas.microsoft.com/office/drawing/2014/main" id="{8BA68F6F-2F1D-449D-929C-1914F9CD70C6}"/>
-              </a:ext>
-            </a:extLst>
-          </p:cNvPr>
-          <p:cNvPicPr>
-            <a:picLocks noChangeAspect="1"/>
-          </p:cNvPicPr>
-          <p:nvPr/>
-        </p:nvPicPr>
-        <p:blipFill>
-          <a:blip r:embed="rId3"/>
-          <a:stretch>
-            <a:fillRect/>
-          </a:stretch>
-        </p:blipFill>
-        <p:spPr>
-          <a:xfrm>
-            <a:off x="6705601" y="1513889"/>
-            <a:ext cx="2166796" cy="475035"/>
-          </a:xfrm>
-          <a:prstGeom prst="rect">
-            <a:avLst/>
-          </a:prstGeom>
-        </p:spPr>
-      </p:pic>
-      <p:pic>
-        <p:nvPicPr>
-          <p:cNvPr id="38" name="Picture 37">
-            <a:extLst>
-              <a:ext uri="{FF2B5EF4-FFF2-40B4-BE49-F238E27FC236}">
-                <a16:creationId xmlns:a16="http://schemas.microsoft.com/office/drawing/2014/main" id="{3C6B4BFD-693D-48F2-B156-10F834340295}"/>
-              </a:ext>
-            </a:extLst>
-          </p:cNvPr>
-          <p:cNvPicPr>
-            <a:picLocks noChangeAspect="1"/>
-          </p:cNvPicPr>
-          <p:nvPr/>
-        </p:nvPicPr>
-        <p:blipFill>
-          <a:blip r:embed="rId4">
-            <a:extLst>
-              <a:ext uri="{BEBA8EAE-BF5A-486C-A8C5-ECC9F3942E4B}">
-                <a14:imgProps xmlns:a14="http://schemas.microsoft.com/office/drawing/2010/main">
-                  <a14:imgLayer r:embed="rId5">
-                    <a14:imgEffect>
-                      <a14:backgroundRemoval t="10000" b="90000" l="10000" r="90000">
-                        <a14:foregroundMark x1="63158" y1="60000" x2="63158" y2="60000"/>
-                        <a14:foregroundMark x1="55263" y1="47143" x2="55263" y2="47143"/>
-                        <a14:foregroundMark x1="55263" y1="84286" x2="55263" y2="84286"/>
-                        <a14:foregroundMark x1="31579" y1="81429" x2="60526" y2="24286"/>
-                        <a14:foregroundMark x1="60526" y1="24286" x2="85965" y2="82857"/>
-                        <a14:foregroundMark x1="85965" y1="82857" x2="32456" y2="85714"/>
-                        <a14:foregroundMark x1="28947" y1="82857" x2="39474" y2="71429"/>
-                        <a14:foregroundMark x1="31579" y1="60000" x2="34211" y2="61429"/>
-                        <a14:foregroundMark x1="89474" y1="85714" x2="89474" y2="85714"/>
-                      </a14:backgroundRemoval>
-                    </a14:imgEffect>
-                  </a14:imgLayer>
-                </a14:imgProps>
-              </a:ext>
-            </a:extLst>
-          </a:blip>
-          <a:stretch>
-            <a:fillRect/>
-          </a:stretch>
-        </p:blipFill>
-        <p:spPr>
-          <a:xfrm>
-            <a:off x="4959275" y="1309553"/>
-            <a:ext cx="961390" cy="590327"/>
-          </a:xfrm>
-          <a:prstGeom prst="rect">
-            <a:avLst/>
-          </a:prstGeom>
-        </p:spPr>
-      </p:pic>
-      <p:sp>
-        <p:nvSpPr>
-          <p:cNvPr id="45" name="TextBox 44">
-            <a:extLst>
-              <a:ext uri="{FF2B5EF4-FFF2-40B4-BE49-F238E27FC236}">
-                <a16:creationId xmlns:a16="http://schemas.microsoft.com/office/drawing/2014/main" id="{44586403-FD37-4613-909B-7D445D6B6211}"/>
-              </a:ext>
-            </a:extLst>
-          </p:cNvPr>
-          <p:cNvSpPr txBox="1"/>
-          <p:nvPr/>
-        </p:nvSpPr>
-        <p:spPr>
-          <a:xfrm>
-            <a:off x="9550828" y="1681525"/>
-            <a:ext cx="1593450" cy="369332"/>
-          </a:xfrm>
-          <a:prstGeom prst="rect">
-            <a:avLst/>
-          </a:prstGeom>
-          <a:noFill/>
-        </p:spPr>
-        <p:txBody>
-          <a:bodyPr wrap="none" rtlCol="0">
-            <a:spAutoFit/>
-          </a:bodyPr>
-          <a:lstStyle/>
-          <a:p>
-            <a:r>
-              <a:rPr lang="es-CO" b="1" dirty="0"/>
-              <a:t>Métodos Filtro</a:t>
-            </a:r>
-            <a:endParaRPr lang="en-GB" b="1" dirty="0"/>
-          </a:p>
-        </p:txBody>
-      </p:sp>
-      <p:sp>
-        <p:nvSpPr>
-          <p:cNvPr id="46" name="TextBox 45">
-            <a:extLst>
-              <a:ext uri="{FF2B5EF4-FFF2-40B4-BE49-F238E27FC236}">
-                <a16:creationId xmlns:a16="http://schemas.microsoft.com/office/drawing/2014/main" id="{5FF8C96D-2083-47E5-AE69-1D771CFACD94}"/>
-              </a:ext>
-            </a:extLst>
-          </p:cNvPr>
-          <p:cNvSpPr txBox="1"/>
-          <p:nvPr/>
-        </p:nvSpPr>
-        <p:spPr>
-          <a:xfrm>
-            <a:off x="9613417" y="2050857"/>
-            <a:ext cx="2493826" cy="1384995"/>
-          </a:xfrm>
-          <a:prstGeom prst="rect">
-            <a:avLst/>
-          </a:prstGeom>
-          <a:noFill/>
-        </p:spPr>
-        <p:txBody>
-          <a:bodyPr wrap="square" rtlCol="0">
-            <a:spAutoFit/>
-          </a:bodyPr>
-          <a:lstStyle/>
-          <a:p>
-            <a:pPr marL="171450" indent="-171450">
-              <a:buFont typeface="Arial" panose="020B0604020202020204" pitchFamily="34" charset="0"/>
-              <a:buChar char="•"/>
-            </a:pPr>
-            <a:r>
-              <a:rPr lang="es-CO" sz="1200" u="sng" dirty="0"/>
-              <a:t>Constantes:</a:t>
-            </a:r>
-            <a:r>
-              <a:rPr lang="es-CO" sz="1200" dirty="0"/>
-              <a:t> Mismo valor en toda la variable.</a:t>
-            </a:r>
-          </a:p>
-          <a:p>
-            <a:pPr marL="171450" indent="-171450">
-              <a:buFont typeface="Arial" panose="020B0604020202020204" pitchFamily="34" charset="0"/>
-              <a:buChar char="•"/>
-            </a:pPr>
-            <a:r>
-              <a:rPr lang="es-CO" sz="1200" dirty="0"/>
-              <a:t> </a:t>
-            </a:r>
-            <a:r>
-              <a:rPr lang="es-CO" sz="1200" u="sng" dirty="0" err="1"/>
-              <a:t>Quasi</a:t>
-            </a:r>
-            <a:r>
-              <a:rPr lang="es-CO" sz="1200" u="sng" dirty="0"/>
-              <a:t> </a:t>
-            </a:r>
-            <a:r>
-              <a:rPr lang="es-CO" sz="1200" u="sng" dirty="0" err="1"/>
-              <a:t>constant</a:t>
-            </a:r>
-            <a:r>
-              <a:rPr lang="es-CO" sz="1200" u="sng" dirty="0"/>
-              <a:t>: </a:t>
-            </a:r>
-            <a:r>
-              <a:rPr lang="es-CO" sz="1200" dirty="0"/>
-              <a:t>Un valor especifico se encuentra en la gran mayoría de la variable.</a:t>
-            </a:r>
-          </a:p>
-          <a:p>
-            <a:pPr marL="171450" indent="-171450">
-              <a:buFont typeface="Arial" panose="020B0604020202020204" pitchFamily="34" charset="0"/>
-              <a:buChar char="•"/>
-            </a:pPr>
-            <a:r>
-              <a:rPr lang="es-CO" sz="1200" u="sng" dirty="0"/>
-              <a:t>Variables duplicadas: </a:t>
-            </a:r>
-            <a:r>
-              <a:rPr lang="es-CO" sz="1200" dirty="0"/>
-              <a:t>Variables redundantes.</a:t>
-            </a:r>
-            <a:endParaRPr lang="en-GB" sz="1200" dirty="0"/>
-          </a:p>
-        </p:txBody>
-      </p:sp>
-      <p:pic>
-        <p:nvPicPr>
-          <p:cNvPr id="47" name="Picture 46">
-            <a:extLst>
-              <a:ext uri="{FF2B5EF4-FFF2-40B4-BE49-F238E27FC236}">
-                <a16:creationId xmlns:a16="http://schemas.microsoft.com/office/drawing/2014/main" id="{72F33649-EBD1-4352-A815-0BC6532B7622}"/>
-              </a:ext>
-            </a:extLst>
-          </p:cNvPr>
-          <p:cNvPicPr>
-            <a:picLocks noChangeAspect="1"/>
-          </p:cNvPicPr>
-          <p:nvPr/>
-        </p:nvPicPr>
-        <p:blipFill rotWithShape="1">
-          <a:blip r:embed="rId2"/>
-          <a:srcRect t="46965" r="89917" b="-1"/>
-          <a:stretch/>
-        </p:blipFill>
-        <p:spPr>
-          <a:xfrm rot="10800000">
-            <a:off x="8666436" y="1516270"/>
-            <a:ext cx="649255" cy="606197"/>
-          </a:xfrm>
-          <a:prstGeom prst="rect">
-            <a:avLst/>
-          </a:prstGeom>
-        </p:spPr>
-      </p:pic>
-      <p:pic>
-        <p:nvPicPr>
-          <p:cNvPr id="48" name="Picture 47">
-            <a:extLst>
-              <a:ext uri="{FF2B5EF4-FFF2-40B4-BE49-F238E27FC236}">
-                <a16:creationId xmlns:a16="http://schemas.microsoft.com/office/drawing/2014/main" id="{AC08F683-1FF7-4A77-82D5-6FAA3A3AAC2E}"/>
-              </a:ext>
-            </a:extLst>
-          </p:cNvPr>
-          <p:cNvPicPr>
-            <a:picLocks noChangeAspect="1"/>
-          </p:cNvPicPr>
-          <p:nvPr/>
-        </p:nvPicPr>
-        <p:blipFill>
-          <a:blip r:embed="rId3"/>
-          <a:stretch>
-            <a:fillRect/>
-          </a:stretch>
-        </p:blipFill>
-        <p:spPr>
-          <a:xfrm rot="5400000">
-            <a:off x="8688698" y="2322804"/>
-            <a:ext cx="1018270" cy="474378"/>
-          </a:xfrm>
-          <a:prstGeom prst="rect">
-            <a:avLst/>
-          </a:prstGeom>
-        </p:spPr>
-      </p:pic>
-      <p:pic>
-        <p:nvPicPr>
-          <p:cNvPr id="44" name="Picture 43">
-            <a:extLst>
-              <a:ext uri="{FF2B5EF4-FFF2-40B4-BE49-F238E27FC236}">
-                <a16:creationId xmlns:a16="http://schemas.microsoft.com/office/drawing/2014/main" id="{F0B0EECB-0EAD-41BC-A0B4-3918BDF8D941}"/>
-              </a:ext>
-            </a:extLst>
-          </p:cNvPr>
-          <p:cNvPicPr>
-            <a:picLocks noChangeAspect="1"/>
-          </p:cNvPicPr>
-          <p:nvPr/>
-        </p:nvPicPr>
-        <p:blipFill rotWithShape="1">
-          <a:blip r:embed="rId6">
-            <a:extLst>
-              <a:ext uri="{BEBA8EAE-BF5A-486C-A8C5-ECC9F3942E4B}">
-                <a14:imgProps xmlns:a14="http://schemas.microsoft.com/office/drawing/2010/main">
-                  <a14:imgLayer r:embed="rId7">
-                    <a14:imgEffect>
-                      <a14:backgroundRemoval t="39143" b="62479" l="1799" r="16190">
-                        <a14:foregroundMark x1="9737" y1="52041" x2="9737" y2="52041"/>
-                        <a14:foregroundMark x1="9474" y1="50255" x2="9474" y2="50255"/>
-                        <a14:foregroundMark x1="11974" y1="54337" x2="11974" y2="54337"/>
-                        <a14:foregroundMark x1="11579" y1="50000" x2="11579" y2="50000"/>
-                        <a14:foregroundMark x1="10263" y1="45918" x2="10263" y2="45918"/>
-                        <a14:foregroundMark x1="4474" y1="55357" x2="4474" y2="55357"/>
-                        <a14:foregroundMark x1="5132" y1="45408" x2="5132" y2="45408"/>
-                        <a14:foregroundMark x1="12368" y1="45408" x2="12368" y2="45408"/>
-                        <a14:foregroundMark x1="8553" y1="59949" x2="8553" y2="59949"/>
-                        <a14:backgroundMark x1="7237" y1="48214" x2="7237" y2="48214"/>
-                      </a14:backgroundRemoval>
-                    </a14:imgEffect>
-                  </a14:imgLayer>
-                </a14:imgProps>
-              </a:ext>
-            </a:extLst>
-          </a:blip>
-          <a:srcRect t="36226" r="82011" b="34604"/>
-          <a:stretch/>
-        </p:blipFill>
-        <p:spPr>
-          <a:xfrm>
-            <a:off x="8725679" y="1976112"/>
-            <a:ext cx="1020932" cy="853893"/>
-          </a:xfrm>
-          <a:prstGeom prst="rect">
-            <a:avLst/>
-          </a:prstGeom>
-        </p:spPr>
-      </p:pic>
-      <p:pic>
-        <p:nvPicPr>
-          <p:cNvPr id="49" name="Picture 48">
-            <a:extLst>
-              <a:ext uri="{FF2B5EF4-FFF2-40B4-BE49-F238E27FC236}">
-                <a16:creationId xmlns:a16="http://schemas.microsoft.com/office/drawing/2014/main" id="{41290DA8-D12A-4856-87FD-79558DD14BB7}"/>
-              </a:ext>
-            </a:extLst>
-          </p:cNvPr>
-          <p:cNvPicPr>
-            <a:picLocks noChangeAspect="1"/>
-          </p:cNvPicPr>
-          <p:nvPr/>
-        </p:nvPicPr>
-        <p:blipFill rotWithShape="1">
-          <a:blip r:embed="rId2"/>
-          <a:srcRect t="46965" r="89917" b="-1"/>
-          <a:stretch/>
-        </p:blipFill>
-        <p:spPr>
-          <a:xfrm rot="16200000">
-            <a:off x="8804915" y="3009469"/>
-            <a:ext cx="649255" cy="606197"/>
-          </a:xfrm>
-          <a:prstGeom prst="rect">
-            <a:avLst/>
-          </a:prstGeom>
-        </p:spPr>
-      </p:pic>
-      <p:pic>
-        <p:nvPicPr>
-          <p:cNvPr id="50" name="Picture 49">
-            <a:extLst>
-              <a:ext uri="{FF2B5EF4-FFF2-40B4-BE49-F238E27FC236}">
-                <a16:creationId xmlns:a16="http://schemas.microsoft.com/office/drawing/2014/main" id="{775EA15B-4B59-4C7A-8F4E-9CF1B1851DFB}"/>
-              </a:ext>
-            </a:extLst>
-          </p:cNvPr>
-          <p:cNvPicPr>
-            <a:picLocks noChangeAspect="1"/>
-          </p:cNvPicPr>
-          <p:nvPr/>
-        </p:nvPicPr>
-        <p:blipFill>
-          <a:blip r:embed="rId3"/>
-          <a:stretch>
-            <a:fillRect/>
-          </a:stretch>
-        </p:blipFill>
-        <p:spPr>
-          <a:xfrm>
-            <a:off x="6719886" y="3271089"/>
-            <a:ext cx="2166796" cy="455567"/>
-          </a:xfrm>
-          <a:prstGeom prst="rect">
-            <a:avLst/>
-          </a:prstGeom>
-        </p:spPr>
-      </p:pic>
-      <p:pic>
-        <p:nvPicPr>
-          <p:cNvPr id="51" name="Picture 50">
-            <a:extLst>
-              <a:ext uri="{FF2B5EF4-FFF2-40B4-BE49-F238E27FC236}">
-                <a16:creationId xmlns:a16="http://schemas.microsoft.com/office/drawing/2014/main" id="{18F258CD-EFC8-4BE2-90CF-35EB473874AA}"/>
-              </a:ext>
-            </a:extLst>
-          </p:cNvPr>
-          <p:cNvPicPr>
-            <a:picLocks noChangeAspect="1"/>
-          </p:cNvPicPr>
-          <p:nvPr/>
-        </p:nvPicPr>
-        <p:blipFill rotWithShape="1">
-          <a:blip r:embed="rId2"/>
-          <a:srcRect t="46965" r="89917" b="-1"/>
-          <a:stretch/>
-        </p:blipFill>
-        <p:spPr>
-          <a:xfrm>
-            <a:off x="6380972" y="3145453"/>
-            <a:ext cx="649255" cy="606197"/>
-          </a:xfrm>
-          <a:prstGeom prst="rect">
-            <a:avLst/>
-          </a:prstGeom>
-        </p:spPr>
-      </p:pic>
-      <p:pic>
-        <p:nvPicPr>
-          <p:cNvPr id="52" name="Picture 51">
-            <a:extLst>
-              <a:ext uri="{FF2B5EF4-FFF2-40B4-BE49-F238E27FC236}">
-                <a16:creationId xmlns:a16="http://schemas.microsoft.com/office/drawing/2014/main" id="{44D4E22E-E421-44D7-80D8-014F8E2AD1B5}"/>
-              </a:ext>
-            </a:extLst>
-          </p:cNvPr>
-          <p:cNvPicPr>
-            <a:picLocks noChangeAspect="1"/>
-          </p:cNvPicPr>
-          <p:nvPr/>
-        </p:nvPicPr>
-        <p:blipFill rotWithShape="1">
-          <a:blip r:embed="rId2"/>
-          <a:srcRect t="46965" r="89917" b="-1"/>
-          <a:stretch/>
-        </p:blipFill>
-        <p:spPr>
-          <a:xfrm rot="10800000">
-            <a:off x="5989245" y="2609124"/>
-            <a:ext cx="649255" cy="606197"/>
-          </a:xfrm>
-          <a:prstGeom prst="rect">
-            <a:avLst/>
-          </a:prstGeom>
-        </p:spPr>
-      </p:pic>
-      <p:pic>
-        <p:nvPicPr>
-          <p:cNvPr id="53" name="Picture 52">
-            <a:extLst>
-              <a:ext uri="{FF2B5EF4-FFF2-40B4-BE49-F238E27FC236}">
-                <a16:creationId xmlns:a16="http://schemas.microsoft.com/office/drawing/2014/main" id="{39BE4889-551C-4E9F-B285-5DCAA549B810}"/>
-              </a:ext>
-            </a:extLst>
-          </p:cNvPr>
-          <p:cNvPicPr>
-            <a:picLocks noChangeAspect="1"/>
-          </p:cNvPicPr>
-          <p:nvPr/>
-        </p:nvPicPr>
-        <p:blipFill>
-          <a:blip r:embed="rId3"/>
-          <a:stretch>
-            <a:fillRect/>
-          </a:stretch>
-        </p:blipFill>
-        <p:spPr>
-          <a:xfrm>
-            <a:off x="1646603" y="2605545"/>
-            <a:ext cx="4479995" cy="473638"/>
-          </a:xfrm>
-          <a:prstGeom prst="rect">
-            <a:avLst/>
-          </a:prstGeom>
-        </p:spPr>
-      </p:pic>
-      <p:pic>
-        <p:nvPicPr>
-          <p:cNvPr id="54" name="Picture 53">
-            <a:extLst>
-              <a:ext uri="{FF2B5EF4-FFF2-40B4-BE49-F238E27FC236}">
-                <a16:creationId xmlns:a16="http://schemas.microsoft.com/office/drawing/2014/main" id="{67720BA7-B9B3-4651-814A-8E1B1E123DF2}"/>
-              </a:ext>
-            </a:extLst>
-          </p:cNvPr>
-          <p:cNvPicPr>
-            <a:picLocks noChangeAspect="1"/>
-          </p:cNvPicPr>
-          <p:nvPr/>
-        </p:nvPicPr>
-        <p:blipFill rotWithShape="1">
-          <a:blip r:embed="rId8">
-            <a:extLst>
-              <a:ext uri="{BEBA8EAE-BF5A-486C-A8C5-ECC9F3942E4B}">
-                <a14:imgProps xmlns:a14="http://schemas.microsoft.com/office/drawing/2010/main">
-                  <a14:imgLayer r:embed="rId7">
-                    <a14:imgEffect>
-                      <a14:backgroundRemoval t="10714" b="31888" l="20263" r="31711">
-                        <a14:foregroundMark x1="30000" y1="25765" x2="30000" y2="25765"/>
-                        <a14:foregroundMark x1="28158" y1="25255" x2="28158" y2="25255"/>
-                        <a14:foregroundMark x1="22368" y1="15051" x2="22368" y2="15051"/>
-                        <a14:foregroundMark x1="21316" y1="13010" x2="21316" y2="13010"/>
-                        <a14:foregroundMark x1="21316" y1="11224" x2="21316" y2="11224"/>
-                        <a14:foregroundMark x1="23289" y1="11224" x2="23289" y2="11224"/>
-                        <a14:foregroundMark x1="21053" y1="15051" x2="21053" y2="15051"/>
-                        <a14:foregroundMark x1="22895" y1="24745" x2="22895" y2="24745"/>
-                        <a14:foregroundMark x1="27368" y1="18878" x2="27368" y2="18878"/>
-                        <a14:foregroundMark x1="31711" y1="27041" x2="31711" y2="27041"/>
-                        <a14:foregroundMark x1="28158" y1="25255" x2="28158" y2="25255"/>
-                        <a14:foregroundMark x1="25789" y1="25255" x2="25789" y2="25255"/>
-                        <a14:foregroundMark x1="22895" y1="25765" x2="22895" y2="25765"/>
-                      </a14:backgroundRemoval>
-                    </a14:imgEffect>
-                  </a14:imgLayer>
-                </a14:imgProps>
-              </a:ext>
-            </a:extLst>
-          </a:blip>
-          <a:srcRect l="19034" t="8269" r="67699" b="65316"/>
-          <a:stretch/>
-        </p:blipFill>
-        <p:spPr>
-          <a:xfrm>
-            <a:off x="3814713" y="2319507"/>
-            <a:ext cx="776865" cy="797799"/>
-          </a:xfrm>
-          <a:prstGeom prst="rect">
-            <a:avLst/>
-          </a:prstGeom>
-        </p:spPr>
-      </p:pic>
-      <p:sp>
-        <p:nvSpPr>
-          <p:cNvPr id="55" name="TextBox 54">
-            <a:extLst>
-              <a:ext uri="{FF2B5EF4-FFF2-40B4-BE49-F238E27FC236}">
-                <a16:creationId xmlns:a16="http://schemas.microsoft.com/office/drawing/2014/main" id="{1F8B1355-D169-4580-A8D8-AAEB7F9BDF0B}"/>
-              </a:ext>
-            </a:extLst>
-          </p:cNvPr>
-          <p:cNvSpPr txBox="1"/>
-          <p:nvPr/>
-        </p:nvSpPr>
-        <p:spPr>
-          <a:xfrm>
-            <a:off x="3569840" y="2922759"/>
-            <a:ext cx="1275349" cy="369332"/>
-          </a:xfrm>
-          <a:prstGeom prst="rect">
-            <a:avLst/>
-          </a:prstGeom>
-          <a:noFill/>
-        </p:spPr>
-        <p:txBody>
-          <a:bodyPr wrap="none" rtlCol="0">
-            <a:spAutoFit/>
-          </a:bodyPr>
-          <a:lstStyle/>
-          <a:p>
-            <a:r>
-              <a:rPr lang="es-CO" b="1" dirty="0"/>
-              <a:t>Correlación</a:t>
-            </a:r>
-            <a:endParaRPr lang="en-GB" b="1" dirty="0"/>
-          </a:p>
-        </p:txBody>
-      </p:sp>
-      <p:sp>
-        <p:nvSpPr>
-          <p:cNvPr id="56" name="TextBox 55">
-            <a:extLst>
-              <a:ext uri="{FF2B5EF4-FFF2-40B4-BE49-F238E27FC236}">
-                <a16:creationId xmlns:a16="http://schemas.microsoft.com/office/drawing/2014/main" id="{F7598A7B-E5AB-4076-843E-6550940BC068}"/>
-              </a:ext>
-            </a:extLst>
-          </p:cNvPr>
-          <p:cNvSpPr txBox="1"/>
-          <p:nvPr/>
-        </p:nvSpPr>
-        <p:spPr>
-          <a:xfrm>
-            <a:off x="3147611" y="3261862"/>
-            <a:ext cx="2111068" cy="276999"/>
-          </a:xfrm>
-          <a:prstGeom prst="rect">
-            <a:avLst/>
-          </a:prstGeom>
-          <a:noFill/>
-        </p:spPr>
-        <p:txBody>
-          <a:bodyPr wrap="square" rtlCol="0">
-            <a:spAutoFit/>
-          </a:bodyPr>
-          <a:lstStyle/>
-          <a:p>
-            <a:r>
-              <a:rPr lang="es-CO" sz="1200" dirty="0"/>
-              <a:t>Revisar relación entre variables</a:t>
-            </a:r>
-            <a:endParaRPr lang="en-GB" sz="1200" dirty="0"/>
-          </a:p>
-        </p:txBody>
-      </p:sp>
-      <p:pic>
-        <p:nvPicPr>
-          <p:cNvPr id="57" name="Picture 56">
-            <a:extLst>
-              <a:ext uri="{FF2B5EF4-FFF2-40B4-BE49-F238E27FC236}">
-                <a16:creationId xmlns:a16="http://schemas.microsoft.com/office/drawing/2014/main" id="{A42725F1-9A70-4ACA-AD08-678D5920041B}"/>
-              </a:ext>
-            </a:extLst>
-          </p:cNvPr>
-          <p:cNvPicPr>
-            <a:picLocks noChangeAspect="1"/>
-          </p:cNvPicPr>
-          <p:nvPr/>
-        </p:nvPicPr>
-        <p:blipFill rotWithShape="1">
-          <a:blip r:embed="rId2"/>
-          <a:srcRect t="46965" r="89917" b="-1"/>
-          <a:stretch/>
-        </p:blipFill>
-        <p:spPr>
-          <a:xfrm rot="5400000">
-            <a:off x="1019671" y="2744275"/>
-            <a:ext cx="649255" cy="606197"/>
-          </a:xfrm>
-          <a:prstGeom prst="rect">
-            <a:avLst/>
-          </a:prstGeom>
-        </p:spPr>
-      </p:pic>
-      <p:pic>
-        <p:nvPicPr>
-          <p:cNvPr id="58" name="Picture 57">
-            <a:extLst>
-              <a:ext uri="{FF2B5EF4-FFF2-40B4-BE49-F238E27FC236}">
-                <a16:creationId xmlns:a16="http://schemas.microsoft.com/office/drawing/2014/main" id="{1F134A1F-31FD-497A-BF65-CE075DE66AD7}"/>
-              </a:ext>
-            </a:extLst>
-          </p:cNvPr>
-          <p:cNvPicPr>
-            <a:picLocks noChangeAspect="1"/>
-          </p:cNvPicPr>
-          <p:nvPr/>
-        </p:nvPicPr>
-        <p:blipFill>
-          <a:blip r:embed="rId3"/>
-          <a:stretch>
-            <a:fillRect/>
-          </a:stretch>
-        </p:blipFill>
-        <p:spPr>
-          <a:xfrm rot="5400000">
-            <a:off x="207757" y="3991334"/>
-            <a:ext cx="2166796" cy="475035"/>
-          </a:xfrm>
-          <a:prstGeom prst="rect">
-            <a:avLst/>
-          </a:prstGeom>
-        </p:spPr>
-      </p:pic>
-      <p:pic>
-        <p:nvPicPr>
-          <p:cNvPr id="59" name="Picture 58">
-            <a:extLst>
-              <a:ext uri="{FF2B5EF4-FFF2-40B4-BE49-F238E27FC236}">
-                <a16:creationId xmlns:a16="http://schemas.microsoft.com/office/drawing/2014/main" id="{26FC1601-FB59-48EC-A5AA-7C509A607488}"/>
-              </a:ext>
-            </a:extLst>
-          </p:cNvPr>
-          <p:cNvPicPr>
-            <a:picLocks noChangeAspect="1"/>
-          </p:cNvPicPr>
-          <p:nvPr/>
-        </p:nvPicPr>
-        <p:blipFill rotWithShape="1">
-          <a:blip r:embed="rId9">
-            <a:extLst>
-              <a:ext uri="{BEBA8EAE-BF5A-486C-A8C5-ECC9F3942E4B}">
-                <a14:imgProps xmlns:a14="http://schemas.microsoft.com/office/drawing/2010/main">
-                  <a14:imgLayer r:embed="rId7">
-                    <a14:imgEffect>
-                      <a14:backgroundRemoval t="73469" b="89031" l="2237" r="14737">
-                        <a14:foregroundMark x1="4342" y1="84439" x2="4342" y2="84439"/>
-                        <a14:foregroundMark x1="2368" y1="86224" x2="2368" y2="86224"/>
-                        <a14:foregroundMark x1="7368" y1="77296" x2="7368" y2="77296"/>
-                        <a14:foregroundMark x1="10000" y1="73469" x2="10000" y2="73469"/>
-                        <a14:foregroundMark x1="14737" y1="86224" x2="14737" y2="86224"/>
-                        <a14:backgroundMark x1="7632" y1="78571" x2="7632" y2="78571"/>
-                        <a14:backgroundMark x1="8026" y1="77551" x2="8026" y2="77551"/>
-                      </a14:backgroundRemoval>
-                    </a14:imgEffect>
-                  </a14:imgLayer>
-                </a14:imgProps>
-              </a:ext>
-            </a:extLst>
-          </a:blip>
-          <a:srcRect l="2030" t="72143" r="83737" b="9093"/>
-          <a:stretch/>
-        </p:blipFill>
-        <p:spPr>
-          <a:xfrm>
-            <a:off x="866892" y="4092454"/>
-            <a:ext cx="954811" cy="649254"/>
-          </a:xfrm>
-          <a:prstGeom prst="rect">
-            <a:avLst/>
-          </a:prstGeom>
-        </p:spPr>
-      </p:pic>
-      <p:sp>
-        <p:nvSpPr>
-          <p:cNvPr id="60" name="TextBox 59">
-            <a:extLst>
-              <a:ext uri="{FF2B5EF4-FFF2-40B4-BE49-F238E27FC236}">
-                <a16:creationId xmlns:a16="http://schemas.microsoft.com/office/drawing/2014/main" id="{A49FD569-16E7-427F-80BA-0375C5B463FF}"/>
-              </a:ext>
-            </a:extLst>
-          </p:cNvPr>
-          <p:cNvSpPr txBox="1"/>
-          <p:nvPr/>
-        </p:nvSpPr>
-        <p:spPr>
-          <a:xfrm>
-            <a:off x="1821703" y="3841776"/>
-            <a:ext cx="2216569" cy="369332"/>
-          </a:xfrm>
-          <a:prstGeom prst="rect">
-            <a:avLst/>
-          </a:prstGeom>
-          <a:noFill/>
-        </p:spPr>
-        <p:txBody>
-          <a:bodyPr wrap="none" rtlCol="0">
-            <a:spAutoFit/>
-          </a:bodyPr>
-          <a:lstStyle/>
-          <a:p>
-            <a:r>
-              <a:rPr lang="es-CO" b="1" dirty="0"/>
-              <a:t>Medidas  estadísticas</a:t>
-            </a:r>
-            <a:endParaRPr lang="en-GB" b="1" dirty="0"/>
-          </a:p>
-        </p:txBody>
-      </p:sp>
-      <p:sp>
-        <p:nvSpPr>
-          <p:cNvPr id="61" name="TextBox 60">
-            <a:extLst>
-              <a:ext uri="{FF2B5EF4-FFF2-40B4-BE49-F238E27FC236}">
-                <a16:creationId xmlns:a16="http://schemas.microsoft.com/office/drawing/2014/main" id="{FAE39372-8C8A-419D-B0D0-523A36739AFE}"/>
-              </a:ext>
-            </a:extLst>
-          </p:cNvPr>
-          <p:cNvSpPr txBox="1"/>
-          <p:nvPr/>
-        </p:nvSpPr>
-        <p:spPr>
-          <a:xfrm>
-            <a:off x="1715418" y="4206919"/>
-            <a:ext cx="2493826" cy="461665"/>
-          </a:xfrm>
-          <a:prstGeom prst="rect">
-            <a:avLst/>
-          </a:prstGeom>
-          <a:noFill/>
-        </p:spPr>
-        <p:txBody>
-          <a:bodyPr wrap="square" rtlCol="0">
-            <a:spAutoFit/>
-          </a:bodyPr>
-          <a:lstStyle/>
-          <a:p>
-            <a:pPr marL="171450" indent="-171450">
-              <a:buFont typeface="Arial" panose="020B0604020202020204" pitchFamily="34" charset="0"/>
-              <a:buChar char="•"/>
-            </a:pPr>
-            <a:r>
-              <a:rPr lang="es-CO" sz="1200" u="sng" dirty="0"/>
-              <a:t>Ganancia de información:</a:t>
-            </a:r>
-          </a:p>
-          <a:p>
-            <a:pPr marL="171450" indent="-171450">
-              <a:buFont typeface="Arial" panose="020B0604020202020204" pitchFamily="34" charset="0"/>
-              <a:buChar char="•"/>
-            </a:pPr>
-            <a:r>
-              <a:rPr lang="es-CO" sz="1200" u="sng" dirty="0" err="1"/>
-              <a:t>Anova</a:t>
-            </a:r>
-            <a:r>
-              <a:rPr lang="es-CO" sz="1200" u="sng" dirty="0"/>
-              <a:t>:</a:t>
-            </a:r>
-          </a:p>
-        </p:txBody>
-      </p:sp>
-      <p:pic>
-        <p:nvPicPr>
-          <p:cNvPr id="64" name="Picture 63">
-            <a:extLst>
-              <a:ext uri="{FF2B5EF4-FFF2-40B4-BE49-F238E27FC236}">
-                <a16:creationId xmlns:a16="http://schemas.microsoft.com/office/drawing/2014/main" id="{91F4ECD8-1E12-415F-A373-94933CA9CBA4}"/>
-              </a:ext>
-            </a:extLst>
-          </p:cNvPr>
-          <p:cNvPicPr>
-            <a:picLocks noChangeAspect="1"/>
-          </p:cNvPicPr>
-          <p:nvPr/>
-        </p:nvPicPr>
-        <p:blipFill rotWithShape="1">
-          <a:blip r:embed="rId2"/>
-          <a:srcRect t="46965" r="89917" b="-1"/>
-          <a:stretch/>
-        </p:blipFill>
-        <p:spPr>
-          <a:xfrm>
-            <a:off x="1154518" y="5259829"/>
-            <a:ext cx="649255" cy="606197"/>
-          </a:xfrm>
-          <a:prstGeom prst="rect">
-            <a:avLst/>
-          </a:prstGeom>
-        </p:spPr>
-      </p:pic>
-      <p:pic>
-        <p:nvPicPr>
-          <p:cNvPr id="65" name="Picture 64">
-            <a:extLst>
-              <a:ext uri="{FF2B5EF4-FFF2-40B4-BE49-F238E27FC236}">
-                <a16:creationId xmlns:a16="http://schemas.microsoft.com/office/drawing/2014/main" id="{A4B6D510-01E1-4C8E-A557-78DA90952BAC}"/>
-              </a:ext>
-            </a:extLst>
-          </p:cNvPr>
-          <p:cNvPicPr>
-            <a:picLocks noChangeAspect="1"/>
-          </p:cNvPicPr>
-          <p:nvPr/>
-        </p:nvPicPr>
-        <p:blipFill>
-          <a:blip r:embed="rId3"/>
-          <a:stretch>
-            <a:fillRect/>
-          </a:stretch>
-        </p:blipFill>
-        <p:spPr>
-          <a:xfrm>
-            <a:off x="1650634" y="5375756"/>
-            <a:ext cx="4479995" cy="473638"/>
-          </a:xfrm>
-          <a:prstGeom prst="rect">
-            <a:avLst/>
-          </a:prstGeom>
-        </p:spPr>
-      </p:pic>
-      <p:pic>
-        <p:nvPicPr>
-          <p:cNvPr id="66" name="Picture 65">
-            <a:extLst>
-              <a:ext uri="{FF2B5EF4-FFF2-40B4-BE49-F238E27FC236}">
-                <a16:creationId xmlns:a16="http://schemas.microsoft.com/office/drawing/2014/main" id="{13CF0649-AEF9-43CC-896D-CB3BA5DF5253}"/>
-              </a:ext>
-            </a:extLst>
-          </p:cNvPr>
-          <p:cNvPicPr>
-            <a:picLocks noChangeAspect="1"/>
-          </p:cNvPicPr>
-          <p:nvPr/>
-        </p:nvPicPr>
-        <p:blipFill rotWithShape="1">
-          <a:blip r:embed="rId2"/>
-          <a:srcRect t="46965" r="89917" b="-1"/>
-          <a:stretch/>
-        </p:blipFill>
-        <p:spPr>
-          <a:xfrm rot="16200000">
-            <a:off x="5880750" y="5121852"/>
-            <a:ext cx="649255" cy="606197"/>
-          </a:xfrm>
-          <a:prstGeom prst="rect">
-            <a:avLst/>
-          </a:prstGeom>
-        </p:spPr>
-      </p:pic>
-      <p:pic>
-        <p:nvPicPr>
-          <p:cNvPr id="67" name="Picture 66">
-            <a:extLst>
-              <a:ext uri="{FF2B5EF4-FFF2-40B4-BE49-F238E27FC236}">
-                <a16:creationId xmlns:a16="http://schemas.microsoft.com/office/drawing/2014/main" id="{5DC2869A-AD24-4112-B5A1-557E3045861D}"/>
-              </a:ext>
-            </a:extLst>
-          </p:cNvPr>
-          <p:cNvPicPr>
-            <a:picLocks noChangeAspect="1"/>
-          </p:cNvPicPr>
-          <p:nvPr/>
-        </p:nvPicPr>
-        <p:blipFill>
-          <a:blip r:embed="rId3"/>
-          <a:stretch>
-            <a:fillRect/>
-          </a:stretch>
-        </p:blipFill>
-        <p:spPr>
-          <a:xfrm rot="5400000">
-            <a:off x="5666197" y="4474822"/>
-            <a:ext cx="1216373" cy="457992"/>
-          </a:xfrm>
-          <a:prstGeom prst="rect">
-            <a:avLst/>
-          </a:prstGeom>
-        </p:spPr>
-      </p:pic>
-      <p:pic>
-        <p:nvPicPr>
-          <p:cNvPr id="68" name="Picture 67">
-            <a:extLst>
-              <a:ext uri="{FF2B5EF4-FFF2-40B4-BE49-F238E27FC236}">
-                <a16:creationId xmlns:a16="http://schemas.microsoft.com/office/drawing/2014/main" id="{EF42CAB6-67A7-4571-B07A-9E03E2E55E70}"/>
-              </a:ext>
-            </a:extLst>
-          </p:cNvPr>
-          <p:cNvPicPr>
-            <a:picLocks noChangeAspect="1"/>
-          </p:cNvPicPr>
-          <p:nvPr/>
-        </p:nvPicPr>
-        <p:blipFill rotWithShape="1">
-          <a:blip r:embed="rId2"/>
-          <a:srcRect t="46965" r="89917" b="-1"/>
-          <a:stretch/>
-        </p:blipFill>
-        <p:spPr>
-          <a:xfrm rot="5400000">
-            <a:off x="5998240" y="3889106"/>
-            <a:ext cx="649255" cy="606197"/>
-          </a:xfrm>
-          <a:prstGeom prst="rect">
-            <a:avLst/>
-          </a:prstGeom>
-        </p:spPr>
-      </p:pic>
-      <p:pic>
-        <p:nvPicPr>
-          <p:cNvPr id="69" name="Picture 68">
-            <a:extLst>
-              <a:ext uri="{FF2B5EF4-FFF2-40B4-BE49-F238E27FC236}">
-                <a16:creationId xmlns:a16="http://schemas.microsoft.com/office/drawing/2014/main" id="{B4BFD534-F2A8-463A-8154-948C35EBD6BA}"/>
-              </a:ext>
-            </a:extLst>
-          </p:cNvPr>
-          <p:cNvPicPr>
-            <a:picLocks noChangeAspect="1"/>
-          </p:cNvPicPr>
-          <p:nvPr/>
-        </p:nvPicPr>
-        <p:blipFill>
-          <a:blip r:embed="rId3"/>
-          <a:stretch>
-            <a:fillRect/>
-          </a:stretch>
-        </p:blipFill>
-        <p:spPr>
-          <a:xfrm>
-            <a:off x="6515471" y="3759611"/>
-            <a:ext cx="3578787" cy="455567"/>
-          </a:xfrm>
-          <a:prstGeom prst="rect">
-            <a:avLst/>
-          </a:prstGeom>
-        </p:spPr>
-      </p:pic>
-      <p:pic>
-        <p:nvPicPr>
-          <p:cNvPr id="62" name="Picture 61">
-            <a:extLst>
-              <a:ext uri="{FF2B5EF4-FFF2-40B4-BE49-F238E27FC236}">
-                <a16:creationId xmlns:a16="http://schemas.microsoft.com/office/drawing/2014/main" id="{4EED9D41-8252-4D4A-ABA8-CF3B2BBF9795}"/>
-              </a:ext>
-            </a:extLst>
-          </p:cNvPr>
-          <p:cNvPicPr>
-            <a:picLocks noChangeAspect="1"/>
-          </p:cNvPicPr>
-          <p:nvPr/>
-        </p:nvPicPr>
-        <p:blipFill rotWithShape="1">
-          <a:blip r:embed="rId10">
-            <a:extLst>
-              <a:ext uri="{BEBA8EAE-BF5A-486C-A8C5-ECC9F3942E4B}">
-                <a14:imgProps xmlns:a14="http://schemas.microsoft.com/office/drawing/2010/main">
-                  <a14:imgLayer r:embed="rId7">
-                    <a14:imgEffect>
-                      <a14:backgroundRemoval t="36547" b="62196" l="20851" r="33425">
-                        <a14:foregroundMark x1="27632" y1="52551" x2="27632" y2="52551"/>
-                        <a14:foregroundMark x1="27632" y1="54847" x2="27632" y2="54847"/>
-                        <a14:foregroundMark x1="28421" y1="53827" x2="28421" y2="53827"/>
-                        <a14:foregroundMark x1="25132" y1="54082" x2="25132" y2="54082"/>
-                        <a14:foregroundMark x1="25000" y1="48980" x2="25000" y2="48980"/>
-                        <a14:foregroundMark x1="27237" y1="46173" x2="27237" y2="46173"/>
-                        <a14:foregroundMark x1="26316" y1="44388" x2="26316" y2="44388"/>
-                        <a14:foregroundMark x1="25526" y1="43112" x2="25526" y2="43112"/>
-                        <a14:foregroundMark x1="23947" y1="46173" x2="23947" y2="46173"/>
-                        <a14:foregroundMark x1="27763" y1="44133" x2="27763" y2="44133"/>
-                        <a14:foregroundMark x1="24079" y1="59694" x2="24079" y2="59694"/>
-                        <a14:foregroundMark x1="28158" y1="58929" x2="28158" y2="58929"/>
-                        <a14:foregroundMark x1="28684" y1="58673" x2="28684" y2="58673"/>
-                        <a14:foregroundMark x1="27895" y1="49745" x2="27895" y2="49745"/>
-                      </a14:backgroundRemoval>
-                    </a14:imgEffect>
-                  </a14:imgLayer>
-                </a14:imgProps>
-              </a:ext>
-            </a:extLst>
-          </a:blip>
-          <a:srcRect l="19279" t="33341" r="65003" b="34598"/>
-          <a:stretch/>
-        </p:blipFill>
-        <p:spPr>
-          <a:xfrm>
-            <a:off x="7214283" y="3538861"/>
-            <a:ext cx="769173" cy="809274"/>
-          </a:xfrm>
-          <a:prstGeom prst="rect">
-            <a:avLst/>
-          </a:prstGeom>
-        </p:spPr>
-      </p:pic>
-      <p:sp>
-        <p:nvSpPr>
-          <p:cNvPr id="70" name="TextBox 69">
-            <a:extLst>
-              <a:ext uri="{FF2B5EF4-FFF2-40B4-BE49-F238E27FC236}">
-                <a16:creationId xmlns:a16="http://schemas.microsoft.com/office/drawing/2014/main" id="{0332E6B7-B98C-40D7-A1EC-15073738BA64}"/>
-              </a:ext>
-            </a:extLst>
-          </p:cNvPr>
-          <p:cNvSpPr txBox="1"/>
-          <p:nvPr/>
-        </p:nvSpPr>
-        <p:spPr>
-          <a:xfrm>
-            <a:off x="6543122" y="4299793"/>
-            <a:ext cx="1918987" cy="369332"/>
-          </a:xfrm>
-          <a:prstGeom prst="rect">
-            <a:avLst/>
-          </a:prstGeom>
-          <a:noFill/>
-        </p:spPr>
-        <p:txBody>
-          <a:bodyPr wrap="none" rtlCol="0">
-            <a:spAutoFit/>
-          </a:bodyPr>
-          <a:lstStyle/>
-          <a:p>
-            <a:r>
-              <a:rPr lang="es-CO" b="1" dirty="0" err="1"/>
-              <a:t>Wrapper</a:t>
-            </a:r>
-            <a:r>
-              <a:rPr lang="es-CO" b="1" dirty="0"/>
-              <a:t> </a:t>
-            </a:r>
-            <a:r>
-              <a:rPr lang="es-CO" b="1" dirty="0" err="1"/>
-              <a:t>methods</a:t>
-            </a:r>
-            <a:endParaRPr lang="en-GB" b="1" dirty="0"/>
-          </a:p>
-        </p:txBody>
-      </p:sp>
-      <p:sp>
-        <p:nvSpPr>
-          <p:cNvPr id="71" name="TextBox 70">
-            <a:extLst>
-              <a:ext uri="{FF2B5EF4-FFF2-40B4-BE49-F238E27FC236}">
-                <a16:creationId xmlns:a16="http://schemas.microsoft.com/office/drawing/2014/main" id="{E43C7A6E-BE26-4750-A975-57AC79EE5985}"/>
-              </a:ext>
-            </a:extLst>
-          </p:cNvPr>
-          <p:cNvSpPr txBox="1"/>
-          <p:nvPr/>
-        </p:nvSpPr>
-        <p:spPr>
-          <a:xfrm>
-            <a:off x="6515472" y="4684823"/>
-            <a:ext cx="2493826" cy="276999"/>
-          </a:xfrm>
-          <a:prstGeom prst="rect">
-            <a:avLst/>
-          </a:prstGeom>
-          <a:noFill/>
-        </p:spPr>
-        <p:txBody>
-          <a:bodyPr wrap="square" rtlCol="0">
-            <a:spAutoFit/>
-          </a:bodyPr>
-          <a:lstStyle/>
-          <a:p>
-            <a:r>
-              <a:rPr lang="es-CO" sz="1200" dirty="0"/>
-              <a:t>Step Forward </a:t>
-            </a:r>
-            <a:r>
-              <a:rPr lang="es-CO" sz="1200" dirty="0" err="1"/>
-              <a:t>feature</a:t>
-            </a:r>
-            <a:r>
-              <a:rPr lang="es-CO" sz="1200" dirty="0"/>
-              <a:t> </a:t>
-            </a:r>
-            <a:r>
-              <a:rPr lang="es-CO" sz="1200" dirty="0" err="1"/>
-              <a:t>selection</a:t>
-            </a:r>
-            <a:endParaRPr lang="en-GB" sz="1200" dirty="0"/>
-          </a:p>
-        </p:txBody>
-      </p:sp>
-      <p:pic>
-        <p:nvPicPr>
-          <p:cNvPr id="72" name="Picture 71">
-            <a:extLst>
-              <a:ext uri="{FF2B5EF4-FFF2-40B4-BE49-F238E27FC236}">
-                <a16:creationId xmlns:a16="http://schemas.microsoft.com/office/drawing/2014/main" id="{58146D2A-2D20-4FA3-99B0-B1470C2D3611}"/>
-              </a:ext>
-            </a:extLst>
-          </p:cNvPr>
-          <p:cNvPicPr>
-            <a:picLocks noChangeAspect="1"/>
-          </p:cNvPicPr>
-          <p:nvPr/>
-        </p:nvPicPr>
-        <p:blipFill rotWithShape="1">
-          <a:blip r:embed="rId2"/>
-          <a:srcRect t="46965" r="89917" b="-1"/>
-          <a:stretch/>
-        </p:blipFill>
-        <p:spPr>
-          <a:xfrm rot="10800000">
-            <a:off x="9934371" y="3753458"/>
-            <a:ext cx="649255" cy="606197"/>
-          </a:xfrm>
-          <a:prstGeom prst="rect">
-            <a:avLst/>
-          </a:prstGeom>
-        </p:spPr>
-      </p:pic>
-      <p:pic>
-        <p:nvPicPr>
-          <p:cNvPr id="73" name="Picture 72">
-            <a:extLst>
-              <a:ext uri="{FF2B5EF4-FFF2-40B4-BE49-F238E27FC236}">
-                <a16:creationId xmlns:a16="http://schemas.microsoft.com/office/drawing/2014/main" id="{66EB94AD-E807-4416-8871-A6FE611C892D}"/>
-              </a:ext>
-            </a:extLst>
-          </p:cNvPr>
-          <p:cNvPicPr>
-            <a:picLocks noChangeAspect="1"/>
-          </p:cNvPicPr>
-          <p:nvPr/>
-        </p:nvPicPr>
-        <p:blipFill>
-          <a:blip r:embed="rId3"/>
-          <a:stretch>
-            <a:fillRect/>
-          </a:stretch>
-        </p:blipFill>
-        <p:spPr>
-          <a:xfrm rot="5400000">
-            <a:off x="9853788" y="4676603"/>
-            <a:ext cx="1216373" cy="457992"/>
-          </a:xfrm>
-          <a:prstGeom prst="rect">
-            <a:avLst/>
-          </a:prstGeom>
-        </p:spPr>
-      </p:pic>
-      <p:pic>
-        <p:nvPicPr>
-          <p:cNvPr id="63" name="Picture 62">
-            <a:extLst>
-              <a:ext uri="{FF2B5EF4-FFF2-40B4-BE49-F238E27FC236}">
-                <a16:creationId xmlns:a16="http://schemas.microsoft.com/office/drawing/2014/main" id="{E4A8F5EE-CFB2-41D8-9BFA-777325353E8E}"/>
-              </a:ext>
-            </a:extLst>
-          </p:cNvPr>
-          <p:cNvPicPr>
-            <a:picLocks noChangeAspect="1"/>
-          </p:cNvPicPr>
-          <p:nvPr/>
-        </p:nvPicPr>
-        <p:blipFill rotWithShape="1">
-          <a:blip r:embed="rId11"/>
-          <a:srcRect l="40011" t="67938" r="42279" b="4734"/>
-          <a:stretch/>
-        </p:blipFill>
-        <p:spPr>
-          <a:xfrm>
-            <a:off x="9657453" y="4831590"/>
-            <a:ext cx="866660" cy="689770"/>
-          </a:xfrm>
-          <a:prstGeom prst="rect">
-            <a:avLst/>
-          </a:prstGeom>
-        </p:spPr>
-      </p:pic>
-      <p:sp>
-        <p:nvSpPr>
-          <p:cNvPr id="74" name="TextBox 73">
-            <a:extLst>
-              <a:ext uri="{FF2B5EF4-FFF2-40B4-BE49-F238E27FC236}">
-                <a16:creationId xmlns:a16="http://schemas.microsoft.com/office/drawing/2014/main" id="{30501AB9-519D-493B-86E7-C7B5E9E726C8}"/>
-              </a:ext>
-            </a:extLst>
-          </p:cNvPr>
-          <p:cNvSpPr txBox="1"/>
-          <p:nvPr/>
-        </p:nvSpPr>
-        <p:spPr>
-          <a:xfrm>
-            <a:off x="10583626" y="4961822"/>
-            <a:ext cx="1445076" cy="369332"/>
-          </a:xfrm>
-          <a:prstGeom prst="rect">
-            <a:avLst/>
-          </a:prstGeom>
-          <a:noFill/>
-        </p:spPr>
-        <p:txBody>
-          <a:bodyPr wrap="none" rtlCol="0">
-            <a:spAutoFit/>
-          </a:bodyPr>
-          <a:lstStyle/>
-          <a:p>
-            <a:r>
-              <a:rPr lang="es-CO" b="1" dirty="0" err="1"/>
-              <a:t>DataSet</a:t>
-            </a:r>
-            <a:r>
-              <a:rPr lang="es-CO" b="1" dirty="0"/>
-              <a:t> Final</a:t>
-            </a:r>
-            <a:endParaRPr lang="en-GB" b="1" dirty="0"/>
-          </a:p>
-        </p:txBody>
-      </p:sp>
-    </p:spTree>
-    <p:extLst>
-      <p:ext uri="{BB962C8B-B14F-4D97-AF65-F5344CB8AC3E}">
-        <p14:creationId xmlns:p14="http://schemas.microsoft.com/office/powerpoint/2010/main" val="150665344"/>
-      </p:ext>
-    </p:extLst>
-  </p:cSld>
-  <p:clrMapOvr>
-    <a:masterClrMapping/>
-  </p:clrMapOvr>
-</p:sld>
-</file>
-
-<file path=ppt/slides/slide17.xml><?xml version="1.0" encoding="utf-8"?>
-<p:sld xmlns:a="http://schemas.openxmlformats.org/drawingml/2006/main" xmlns:r="http://schemas.openxmlformats.org/officeDocument/2006/relationships" xmlns:p="http://schemas.openxmlformats.org/presentationml/2006/main">
-  <p:cSld>
-    <p:spTree>
-      <p:nvGrpSpPr>
-        <p:cNvPr id="1" name=""/>
-        <p:cNvGrpSpPr/>
-        <p:nvPr/>
-      </p:nvGrpSpPr>
-      <p:grpSpPr>
-        <a:xfrm>
-          <a:off x="0" y="0"/>
-          <a:ext cx="0" cy="0"/>
-          <a:chOff x="0" y="0"/>
-          <a:chExt cx="0" cy="0"/>
-        </a:xfrm>
-      </p:grpSpPr>
-      <p:sp>
-        <p:nvSpPr>
-          <p:cNvPr id="4" name="Google Shape;112;p6">
-            <a:extLst>
-              <a:ext uri="{FF2B5EF4-FFF2-40B4-BE49-F238E27FC236}">
-                <a16:creationId xmlns:a16="http://schemas.microsoft.com/office/drawing/2014/main" id="{7BF8BAE0-DDB0-40DE-B227-E508C4C6FE5D}"/>
-              </a:ext>
-            </a:extLst>
-          </p:cNvPr>
-          <p:cNvSpPr txBox="1"/>
-          <p:nvPr/>
-        </p:nvSpPr>
-        <p:spPr>
-          <a:xfrm>
-            <a:off x="729342" y="319121"/>
-            <a:ext cx="6181597" cy="830956"/>
-          </a:xfrm>
-          <a:prstGeom prst="rect">
-            <a:avLst/>
-          </a:prstGeom>
-          <a:noFill/>
-          <a:ln>
-            <a:noFill/>
-          </a:ln>
-        </p:spPr>
-        <p:txBody>
-          <a:bodyPr spcFirstLastPara="1" wrap="square" lIns="91425" tIns="45700" rIns="91425" bIns="45700" anchor="t" anchorCtr="0">
-            <a:spAutoFit/>
-          </a:bodyPr>
-          <a:lstStyle/>
-          <a:p>
-            <a:pPr marL="0" marR="0" lvl="0" indent="0" rtl="0">
-              <a:spcBef>
-                <a:spcPts val="0"/>
-              </a:spcBef>
-              <a:spcAft>
-                <a:spcPts val="0"/>
-              </a:spcAft>
-              <a:buNone/>
-            </a:pPr>
-            <a:r>
-              <a:rPr lang="es-CO" sz="4800" b="1" dirty="0">
-                <a:solidFill>
-                  <a:srgbClr val="1B2336"/>
-                </a:solidFill>
-                <a:latin typeface="Arial"/>
-                <a:cs typeface="Arial"/>
-                <a:sym typeface="Arial"/>
-              </a:rPr>
-              <a:t>Ing. Características</a:t>
-            </a:r>
-            <a:endParaRPr lang="es-CO" dirty="0"/>
-          </a:p>
-        </p:txBody>
-      </p:sp>
-      <p:sp>
-        <p:nvSpPr>
-          <p:cNvPr id="5" name="Google Shape;117;p6">
-            <a:extLst>
-              <a:ext uri="{FF2B5EF4-FFF2-40B4-BE49-F238E27FC236}">
-                <a16:creationId xmlns:a16="http://schemas.microsoft.com/office/drawing/2014/main" id="{789374AE-5906-4CE2-AE32-861EEB840C78}"/>
-              </a:ext>
-            </a:extLst>
-          </p:cNvPr>
-          <p:cNvSpPr txBox="1"/>
-          <p:nvPr/>
-        </p:nvSpPr>
-        <p:spPr>
-          <a:xfrm>
-            <a:off x="225373" y="312176"/>
-            <a:ext cx="717199" cy="769441"/>
-          </a:xfrm>
-          <a:prstGeom prst="rect">
-            <a:avLst/>
-          </a:prstGeom>
-          <a:noFill/>
-          <a:ln>
-            <a:noFill/>
-          </a:ln>
-        </p:spPr>
-        <p:txBody>
-          <a:bodyPr spcFirstLastPara="1" wrap="square" lIns="91425" tIns="45700" rIns="91425" bIns="45700" anchor="t" anchorCtr="0">
-            <a:spAutoFit/>
-          </a:bodyPr>
-          <a:lstStyle/>
-          <a:p>
-            <a:pPr marL="0" marR="0" lvl="0" indent="0" algn="ctr" rtl="0">
-              <a:spcBef>
-                <a:spcPts val="0"/>
-              </a:spcBef>
-              <a:spcAft>
-                <a:spcPts val="0"/>
-              </a:spcAft>
-              <a:buNone/>
-            </a:pPr>
-            <a:r>
-              <a:rPr lang="es-CO" sz="4400" b="1" dirty="0">
-                <a:solidFill>
-                  <a:srgbClr val="04BDB4"/>
-                </a:solidFill>
-                <a:latin typeface="Arial Black"/>
-                <a:ea typeface="Arial Black"/>
-                <a:cs typeface="Arial Black"/>
-                <a:sym typeface="Arial Black"/>
-              </a:rPr>
-              <a:t>|</a:t>
-            </a:r>
-            <a:endParaRPr lang="es-CO" dirty="0"/>
-          </a:p>
-        </p:txBody>
-      </p:sp>
-      <p:cxnSp>
-        <p:nvCxnSpPr>
-          <p:cNvPr id="6" name="Google Shape;119;p6">
-            <a:extLst>
-              <a:ext uri="{FF2B5EF4-FFF2-40B4-BE49-F238E27FC236}">
-                <a16:creationId xmlns:a16="http://schemas.microsoft.com/office/drawing/2014/main" id="{9BA46B94-C025-44EC-8513-29B85B3D7D8E}"/>
-              </a:ext>
-            </a:extLst>
-          </p:cNvPr>
-          <p:cNvCxnSpPr>
-            <a:cxnSpLocks/>
-          </p:cNvCxnSpPr>
-          <p:nvPr/>
-        </p:nvCxnSpPr>
-        <p:spPr>
-          <a:xfrm>
-            <a:off x="6843562" y="786010"/>
-            <a:ext cx="5348382" cy="1"/>
-          </a:xfrm>
-          <a:prstGeom prst="straightConnector1">
-            <a:avLst/>
-          </a:prstGeom>
-          <a:noFill/>
-          <a:ln w="25400" cap="flat" cmpd="sng">
-            <a:solidFill>
-              <a:srgbClr val="1B2336"/>
-            </a:solidFill>
-            <a:prstDash val="solid"/>
-            <a:miter lim="800000"/>
-            <a:headEnd type="oval" w="med" len="med"/>
-            <a:tailEnd type="none" w="sm" len="sm"/>
-          </a:ln>
-        </p:spPr>
-      </p:cxnSp>
-      <p:pic>
-        <p:nvPicPr>
-          <p:cNvPr id="37" name="Picture 36">
-            <a:extLst>
-              <a:ext uri="{FF2B5EF4-FFF2-40B4-BE49-F238E27FC236}">
-                <a16:creationId xmlns:a16="http://schemas.microsoft.com/office/drawing/2014/main" id="{7BEF5B69-0A5D-4126-A6D6-5AAD244C2CAD}"/>
-              </a:ext>
-            </a:extLst>
-          </p:cNvPr>
-          <p:cNvPicPr>
-            <a:picLocks noChangeAspect="1"/>
-          </p:cNvPicPr>
-          <p:nvPr/>
-        </p:nvPicPr>
-        <p:blipFill rotWithShape="1">
-          <a:blip r:embed="rId2"/>
-          <a:srcRect t="27300" r="10497"/>
-          <a:stretch/>
-        </p:blipFill>
-        <p:spPr>
-          <a:xfrm>
-            <a:off x="942572" y="1085611"/>
-            <a:ext cx="5763028" cy="830957"/>
-          </a:xfrm>
-          <a:prstGeom prst="rect">
-            <a:avLst/>
-          </a:prstGeom>
-        </p:spPr>
-      </p:pic>
-      <p:sp>
-        <p:nvSpPr>
-          <p:cNvPr id="41" name="TextBox 40">
-            <a:extLst>
-              <a:ext uri="{FF2B5EF4-FFF2-40B4-BE49-F238E27FC236}">
-                <a16:creationId xmlns:a16="http://schemas.microsoft.com/office/drawing/2014/main" id="{1DCDE2BA-4EDC-4675-9FB5-B1A72FB42C19}"/>
-              </a:ext>
-            </a:extLst>
-          </p:cNvPr>
-          <p:cNvSpPr txBox="1"/>
-          <p:nvPr/>
-        </p:nvSpPr>
-        <p:spPr>
-          <a:xfrm>
-            <a:off x="6262688" y="1791330"/>
-            <a:ext cx="2417713" cy="369332"/>
-          </a:xfrm>
-          <a:prstGeom prst="rect">
-            <a:avLst/>
-          </a:prstGeom>
-          <a:noFill/>
-        </p:spPr>
-        <p:txBody>
-          <a:bodyPr wrap="none" rtlCol="0">
-            <a:spAutoFit/>
-          </a:bodyPr>
-          <a:lstStyle/>
-          <a:p>
-            <a:r>
-              <a:rPr lang="es-CO" b="1" dirty="0"/>
-              <a:t>Selección y Exploración</a:t>
-            </a:r>
-            <a:endParaRPr lang="en-GB" b="1" dirty="0"/>
-          </a:p>
-        </p:txBody>
-      </p:sp>
-      <p:pic>
-        <p:nvPicPr>
-          <p:cNvPr id="42" name="Picture 41">
-            <a:extLst>
-              <a:ext uri="{FF2B5EF4-FFF2-40B4-BE49-F238E27FC236}">
-                <a16:creationId xmlns:a16="http://schemas.microsoft.com/office/drawing/2014/main" id="{8BA68F6F-2F1D-449D-929C-1914F9CD70C6}"/>
-              </a:ext>
-            </a:extLst>
-          </p:cNvPr>
-          <p:cNvPicPr>
-            <a:picLocks noChangeAspect="1"/>
-          </p:cNvPicPr>
-          <p:nvPr/>
-        </p:nvPicPr>
-        <p:blipFill>
-          <a:blip r:embed="rId3"/>
-          <a:stretch>
-            <a:fillRect/>
-          </a:stretch>
-        </p:blipFill>
-        <p:spPr>
-          <a:xfrm>
-            <a:off x="6705601" y="1428164"/>
-            <a:ext cx="2166796" cy="475035"/>
-          </a:xfrm>
-          <a:prstGeom prst="rect">
-            <a:avLst/>
-          </a:prstGeom>
-        </p:spPr>
-      </p:pic>
-      <p:pic>
-        <p:nvPicPr>
-          <p:cNvPr id="38" name="Picture 37">
-            <a:extLst>
-              <a:ext uri="{FF2B5EF4-FFF2-40B4-BE49-F238E27FC236}">
-                <a16:creationId xmlns:a16="http://schemas.microsoft.com/office/drawing/2014/main" id="{3C6B4BFD-693D-48F2-B156-10F834340295}"/>
-              </a:ext>
-            </a:extLst>
-          </p:cNvPr>
-          <p:cNvPicPr>
-            <a:picLocks noChangeAspect="1"/>
-          </p:cNvPicPr>
-          <p:nvPr/>
-        </p:nvPicPr>
-        <p:blipFill>
-          <a:blip r:embed="rId4">
-            <a:extLst>
-              <a:ext uri="{BEBA8EAE-BF5A-486C-A8C5-ECC9F3942E4B}">
-                <a14:imgProps xmlns:a14="http://schemas.microsoft.com/office/drawing/2010/main">
-                  <a14:imgLayer r:embed="rId5">
-                    <a14:imgEffect>
-                      <a14:backgroundRemoval t="10000" b="90000" l="10000" r="90000">
-                        <a14:foregroundMark x1="63158" y1="60000" x2="63158" y2="60000"/>
-                        <a14:foregroundMark x1="55263" y1="47143" x2="55263" y2="47143"/>
-                        <a14:foregroundMark x1="55263" y1="84286" x2="55263" y2="84286"/>
-                        <a14:foregroundMark x1="31579" y1="81429" x2="60526" y2="24286"/>
-                        <a14:foregroundMark x1="60526" y1="24286" x2="85965" y2="82857"/>
-                        <a14:foregroundMark x1="85965" y1="82857" x2="32456" y2="85714"/>
-                        <a14:foregroundMark x1="28947" y1="82857" x2="39474" y2="71429"/>
-                        <a14:foregroundMark x1="31579" y1="60000" x2="34211" y2="61429"/>
-                        <a14:foregroundMark x1="89474" y1="85714" x2="89474" y2="85714"/>
-                      </a14:backgroundRemoval>
-                    </a14:imgEffect>
-                  </a14:imgLayer>
-                </a14:imgProps>
-              </a:ext>
-            </a:extLst>
-          </a:blip>
-          <a:stretch>
-            <a:fillRect/>
-          </a:stretch>
-        </p:blipFill>
-        <p:spPr>
-          <a:xfrm>
-            <a:off x="6801827" y="1234692"/>
-            <a:ext cx="961390" cy="590327"/>
-          </a:xfrm>
-          <a:prstGeom prst="rect">
-            <a:avLst/>
-          </a:prstGeom>
-        </p:spPr>
-      </p:pic>
-      <p:sp>
-        <p:nvSpPr>
-          <p:cNvPr id="45" name="TextBox 44">
-            <a:extLst>
-              <a:ext uri="{FF2B5EF4-FFF2-40B4-BE49-F238E27FC236}">
-                <a16:creationId xmlns:a16="http://schemas.microsoft.com/office/drawing/2014/main" id="{44586403-FD37-4613-909B-7D445D6B6211}"/>
-              </a:ext>
-            </a:extLst>
-          </p:cNvPr>
-          <p:cNvSpPr txBox="1"/>
-          <p:nvPr/>
-        </p:nvSpPr>
-        <p:spPr>
-          <a:xfrm>
-            <a:off x="7099688" y="3726656"/>
-            <a:ext cx="1593450" cy="369332"/>
-          </a:xfrm>
-          <a:prstGeom prst="rect">
-            <a:avLst/>
-          </a:prstGeom>
-          <a:noFill/>
-        </p:spPr>
-        <p:txBody>
-          <a:bodyPr wrap="none" rtlCol="0">
-            <a:spAutoFit/>
-          </a:bodyPr>
-          <a:lstStyle/>
-          <a:p>
-            <a:r>
-              <a:rPr lang="es-CO" b="1" dirty="0"/>
-              <a:t>Métodos Filtro</a:t>
-            </a:r>
-            <a:endParaRPr lang="en-GB" b="1" dirty="0"/>
-          </a:p>
-        </p:txBody>
-      </p:sp>
-      <p:sp>
-        <p:nvSpPr>
-          <p:cNvPr id="46" name="TextBox 45">
-            <a:extLst>
-              <a:ext uri="{FF2B5EF4-FFF2-40B4-BE49-F238E27FC236}">
-                <a16:creationId xmlns:a16="http://schemas.microsoft.com/office/drawing/2014/main" id="{5FF8C96D-2083-47E5-AE69-1D771CFACD94}"/>
-              </a:ext>
-            </a:extLst>
-          </p:cNvPr>
-          <p:cNvSpPr txBox="1"/>
-          <p:nvPr/>
-        </p:nvSpPr>
-        <p:spPr>
-          <a:xfrm>
-            <a:off x="1540042" y="4230074"/>
-            <a:ext cx="9903192" cy="1015663"/>
-          </a:xfrm>
-          <a:prstGeom prst="rect">
-            <a:avLst/>
-          </a:prstGeom>
-          <a:noFill/>
-        </p:spPr>
-        <p:txBody>
-          <a:bodyPr wrap="square" rtlCol="0">
-            <a:spAutoFit/>
-          </a:bodyPr>
-          <a:lstStyle/>
-          <a:p>
-            <a:r>
-              <a:rPr lang="es-CO" sz="1200" dirty="0"/>
-              <a:t>15 Variables constantes.			        4 </a:t>
-            </a:r>
-            <a:r>
-              <a:rPr lang="es-CO" sz="1200" dirty="0" err="1"/>
-              <a:t>quasi</a:t>
-            </a:r>
-            <a:r>
-              <a:rPr lang="es-CO" sz="1200" dirty="0"/>
-              <a:t> constantes			        1 Duplicada</a:t>
-            </a:r>
-          </a:p>
-          <a:p>
-            <a:endParaRPr lang="es-CO" sz="1200" dirty="0"/>
-          </a:p>
-          <a:p>
-            <a:endParaRPr lang="es-CO" sz="1200" dirty="0"/>
-          </a:p>
-          <a:p>
-            <a:pPr marL="171450" indent="-171450">
-              <a:buFont typeface="Arial" panose="020B0604020202020204" pitchFamily="34" charset="0"/>
-              <a:buChar char="•"/>
-            </a:pPr>
-            <a:endParaRPr lang="es-CO" sz="1200" dirty="0"/>
-          </a:p>
-          <a:p>
-            <a:pPr marL="171450" indent="-171450">
-              <a:buFont typeface="Arial" panose="020B0604020202020204" pitchFamily="34" charset="0"/>
-              <a:buChar char="•"/>
-            </a:pPr>
-            <a:endParaRPr lang="es-CO" sz="1200" dirty="0"/>
-          </a:p>
-        </p:txBody>
-      </p:sp>
-      <p:pic>
-        <p:nvPicPr>
-          <p:cNvPr id="47" name="Picture 46">
-            <a:extLst>
-              <a:ext uri="{FF2B5EF4-FFF2-40B4-BE49-F238E27FC236}">
-                <a16:creationId xmlns:a16="http://schemas.microsoft.com/office/drawing/2014/main" id="{72F33649-EBD1-4352-A815-0BC6532B7622}"/>
-              </a:ext>
-            </a:extLst>
-          </p:cNvPr>
-          <p:cNvPicPr>
-            <a:picLocks noChangeAspect="1"/>
-          </p:cNvPicPr>
-          <p:nvPr/>
-        </p:nvPicPr>
-        <p:blipFill rotWithShape="1">
-          <a:blip r:embed="rId2"/>
-          <a:srcRect t="46965" r="89917" b="-1"/>
-          <a:stretch/>
-        </p:blipFill>
-        <p:spPr>
-          <a:xfrm rot="10800000">
-            <a:off x="8666436" y="1430545"/>
-            <a:ext cx="649255" cy="606197"/>
-          </a:xfrm>
-          <a:prstGeom prst="rect">
-            <a:avLst/>
-          </a:prstGeom>
-        </p:spPr>
-      </p:pic>
-      <p:pic>
-        <p:nvPicPr>
-          <p:cNvPr id="48" name="Picture 47">
-            <a:extLst>
-              <a:ext uri="{FF2B5EF4-FFF2-40B4-BE49-F238E27FC236}">
-                <a16:creationId xmlns:a16="http://schemas.microsoft.com/office/drawing/2014/main" id="{AC08F683-1FF7-4A77-82D5-6FAA3A3AAC2E}"/>
-              </a:ext>
-            </a:extLst>
-          </p:cNvPr>
-          <p:cNvPicPr>
-            <a:picLocks noChangeAspect="1"/>
-          </p:cNvPicPr>
-          <p:nvPr/>
-        </p:nvPicPr>
-        <p:blipFill>
-          <a:blip r:embed="rId3"/>
-          <a:stretch>
-            <a:fillRect/>
-          </a:stretch>
-        </p:blipFill>
-        <p:spPr>
-          <a:xfrm rot="5400000">
-            <a:off x="8621553" y="2255659"/>
-            <a:ext cx="1152560" cy="474378"/>
-          </a:xfrm>
-          <a:prstGeom prst="rect">
-            <a:avLst/>
-          </a:prstGeom>
-        </p:spPr>
-      </p:pic>
-      <p:pic>
-        <p:nvPicPr>
-          <p:cNvPr id="49" name="Picture 48">
-            <a:extLst>
-              <a:ext uri="{FF2B5EF4-FFF2-40B4-BE49-F238E27FC236}">
-                <a16:creationId xmlns:a16="http://schemas.microsoft.com/office/drawing/2014/main" id="{41290DA8-D12A-4856-87FD-79558DD14BB7}"/>
-              </a:ext>
-            </a:extLst>
-          </p:cNvPr>
-          <p:cNvPicPr>
-            <a:picLocks noChangeAspect="1"/>
-          </p:cNvPicPr>
-          <p:nvPr/>
-        </p:nvPicPr>
-        <p:blipFill rotWithShape="1">
-          <a:blip r:embed="rId2"/>
-          <a:srcRect t="46965" r="89917" b="-1"/>
-          <a:stretch/>
-        </p:blipFill>
-        <p:spPr>
-          <a:xfrm rot="16200000">
-            <a:off x="8804915" y="3009469"/>
-            <a:ext cx="649255" cy="606197"/>
-          </a:xfrm>
-          <a:prstGeom prst="rect">
-            <a:avLst/>
-          </a:prstGeom>
-        </p:spPr>
-      </p:pic>
-      <p:pic>
-        <p:nvPicPr>
-          <p:cNvPr id="50" name="Picture 49">
-            <a:extLst>
-              <a:ext uri="{FF2B5EF4-FFF2-40B4-BE49-F238E27FC236}">
-                <a16:creationId xmlns:a16="http://schemas.microsoft.com/office/drawing/2014/main" id="{775EA15B-4B59-4C7A-8F4E-9CF1B1851DFB}"/>
-              </a:ext>
-            </a:extLst>
-          </p:cNvPr>
-          <p:cNvPicPr>
-            <a:picLocks noChangeAspect="1"/>
-          </p:cNvPicPr>
-          <p:nvPr/>
-        </p:nvPicPr>
-        <p:blipFill>
-          <a:blip r:embed="rId3"/>
-          <a:stretch>
-            <a:fillRect/>
-          </a:stretch>
-        </p:blipFill>
-        <p:spPr>
-          <a:xfrm>
-            <a:off x="6719886" y="3271089"/>
-            <a:ext cx="2166796" cy="455567"/>
-          </a:xfrm>
-          <a:prstGeom prst="rect">
-            <a:avLst/>
-          </a:prstGeom>
-        </p:spPr>
-      </p:pic>
-      <p:pic>
-        <p:nvPicPr>
-          <p:cNvPr id="51" name="Picture 50">
-            <a:extLst>
-              <a:ext uri="{FF2B5EF4-FFF2-40B4-BE49-F238E27FC236}">
-                <a16:creationId xmlns:a16="http://schemas.microsoft.com/office/drawing/2014/main" id="{18F258CD-EFC8-4BE2-90CF-35EB473874AA}"/>
-              </a:ext>
-            </a:extLst>
-          </p:cNvPr>
-          <p:cNvPicPr>
-            <a:picLocks noChangeAspect="1"/>
-          </p:cNvPicPr>
-          <p:nvPr/>
-        </p:nvPicPr>
-        <p:blipFill rotWithShape="1">
-          <a:blip r:embed="rId2"/>
-          <a:srcRect t="46965" r="89917" b="-1"/>
-          <a:stretch/>
-        </p:blipFill>
-        <p:spPr>
-          <a:xfrm>
-            <a:off x="6380972" y="3145453"/>
-            <a:ext cx="649255" cy="606197"/>
-          </a:xfrm>
-          <a:prstGeom prst="rect">
-            <a:avLst/>
-          </a:prstGeom>
-        </p:spPr>
-      </p:pic>
-      <p:pic>
-        <p:nvPicPr>
-          <p:cNvPr id="52" name="Picture 51">
-            <a:extLst>
-              <a:ext uri="{FF2B5EF4-FFF2-40B4-BE49-F238E27FC236}">
-                <a16:creationId xmlns:a16="http://schemas.microsoft.com/office/drawing/2014/main" id="{44D4E22E-E421-44D7-80D8-014F8E2AD1B5}"/>
-              </a:ext>
-            </a:extLst>
-          </p:cNvPr>
-          <p:cNvPicPr>
-            <a:picLocks noChangeAspect="1"/>
-          </p:cNvPicPr>
-          <p:nvPr/>
-        </p:nvPicPr>
-        <p:blipFill rotWithShape="1">
-          <a:blip r:embed="rId2"/>
-          <a:srcRect t="46965" r="89917" b="-1"/>
-          <a:stretch/>
-        </p:blipFill>
-        <p:spPr>
-          <a:xfrm rot="10800000">
-            <a:off x="5989245" y="2609124"/>
-            <a:ext cx="649255" cy="606197"/>
-          </a:xfrm>
-          <a:prstGeom prst="rect">
-            <a:avLst/>
-          </a:prstGeom>
-        </p:spPr>
-      </p:pic>
-      <p:pic>
-        <p:nvPicPr>
-          <p:cNvPr id="53" name="Picture 52">
-            <a:extLst>
-              <a:ext uri="{FF2B5EF4-FFF2-40B4-BE49-F238E27FC236}">
-                <a16:creationId xmlns:a16="http://schemas.microsoft.com/office/drawing/2014/main" id="{39BE4889-551C-4E9F-B285-5DCAA549B810}"/>
-              </a:ext>
-            </a:extLst>
-          </p:cNvPr>
-          <p:cNvPicPr>
-            <a:picLocks noChangeAspect="1"/>
-          </p:cNvPicPr>
-          <p:nvPr/>
-        </p:nvPicPr>
-        <p:blipFill>
-          <a:blip r:embed="rId3"/>
-          <a:stretch>
-            <a:fillRect/>
-          </a:stretch>
-        </p:blipFill>
-        <p:spPr>
-          <a:xfrm>
-            <a:off x="1" y="2605545"/>
-            <a:ext cx="6126598" cy="473638"/>
-          </a:xfrm>
-          <a:prstGeom prst="rect">
-            <a:avLst/>
-          </a:prstGeom>
-        </p:spPr>
-      </p:pic>
-      <p:pic>
-        <p:nvPicPr>
-          <p:cNvPr id="54" name="Picture 53">
-            <a:extLst>
-              <a:ext uri="{FF2B5EF4-FFF2-40B4-BE49-F238E27FC236}">
-                <a16:creationId xmlns:a16="http://schemas.microsoft.com/office/drawing/2014/main" id="{67720BA7-B9B3-4651-814A-8E1B1E123DF2}"/>
-              </a:ext>
-            </a:extLst>
-          </p:cNvPr>
-          <p:cNvPicPr>
-            <a:picLocks noChangeAspect="1"/>
-          </p:cNvPicPr>
-          <p:nvPr/>
-        </p:nvPicPr>
-        <p:blipFill rotWithShape="1">
-          <a:blip r:embed="rId6">
-            <a:extLst>
-              <a:ext uri="{BEBA8EAE-BF5A-486C-A8C5-ECC9F3942E4B}">
-                <a14:imgProps xmlns:a14="http://schemas.microsoft.com/office/drawing/2010/main">
-                  <a14:imgLayer r:embed="rId7">
-                    <a14:imgEffect>
-                      <a14:backgroundRemoval t="10714" b="31888" l="20263" r="31711">
-                        <a14:foregroundMark x1="30000" y1="25765" x2="30000" y2="25765"/>
-                        <a14:foregroundMark x1="28158" y1="25255" x2="28158" y2="25255"/>
-                        <a14:foregroundMark x1="22368" y1="15051" x2="22368" y2="15051"/>
-                        <a14:foregroundMark x1="21316" y1="13010" x2="21316" y2="13010"/>
-                        <a14:foregroundMark x1="21316" y1="11224" x2="21316" y2="11224"/>
-                        <a14:foregroundMark x1="23289" y1="11224" x2="23289" y2="11224"/>
-                        <a14:foregroundMark x1="21053" y1="15051" x2="21053" y2="15051"/>
-                        <a14:foregroundMark x1="22895" y1="24745" x2="22895" y2="24745"/>
-                        <a14:foregroundMark x1="27368" y1="18878" x2="27368" y2="18878"/>
-                        <a14:foregroundMark x1="31711" y1="27041" x2="31711" y2="27041"/>
-                        <a14:foregroundMark x1="28158" y1="25255" x2="28158" y2="25255"/>
-                        <a14:foregroundMark x1="25789" y1="25255" x2="25789" y2="25255"/>
-                        <a14:foregroundMark x1="22895" y1="25765" x2="22895" y2="25765"/>
-                      </a14:backgroundRemoval>
-                    </a14:imgEffect>
-                  </a14:imgLayer>
-                </a14:imgProps>
-              </a:ext>
-            </a:extLst>
-          </a:blip>
-          <a:srcRect l="19034" t="8269" r="67699" b="65316"/>
-          <a:stretch/>
-        </p:blipFill>
-        <p:spPr>
-          <a:xfrm>
-            <a:off x="3535134" y="2323846"/>
-            <a:ext cx="776865" cy="797799"/>
-          </a:xfrm>
-          <a:prstGeom prst="rect">
-            <a:avLst/>
-          </a:prstGeom>
-        </p:spPr>
-      </p:pic>
-      <p:sp>
-        <p:nvSpPr>
-          <p:cNvPr id="55" name="TextBox 54">
-            <a:extLst>
-              <a:ext uri="{FF2B5EF4-FFF2-40B4-BE49-F238E27FC236}">
-                <a16:creationId xmlns:a16="http://schemas.microsoft.com/office/drawing/2014/main" id="{1F8B1355-D169-4580-A8D8-AAEB7F9BDF0B}"/>
-              </a:ext>
-            </a:extLst>
-          </p:cNvPr>
-          <p:cNvSpPr txBox="1"/>
-          <p:nvPr/>
-        </p:nvSpPr>
-        <p:spPr>
-          <a:xfrm>
-            <a:off x="3326862" y="2908730"/>
-            <a:ext cx="1275349" cy="369332"/>
-          </a:xfrm>
-          <a:prstGeom prst="rect">
-            <a:avLst/>
-          </a:prstGeom>
-          <a:noFill/>
-        </p:spPr>
-        <p:txBody>
-          <a:bodyPr wrap="none" rtlCol="0">
-            <a:spAutoFit/>
-          </a:bodyPr>
-          <a:lstStyle/>
-          <a:p>
-            <a:r>
-              <a:rPr lang="es-CO" b="1" dirty="0"/>
-              <a:t>Correlación</a:t>
-            </a:r>
-            <a:endParaRPr lang="en-GB" b="1" dirty="0"/>
-          </a:p>
-        </p:txBody>
-      </p:sp>
-      <p:sp>
-        <p:nvSpPr>
-          <p:cNvPr id="56" name="TextBox 55">
-            <a:extLst>
-              <a:ext uri="{FF2B5EF4-FFF2-40B4-BE49-F238E27FC236}">
-                <a16:creationId xmlns:a16="http://schemas.microsoft.com/office/drawing/2014/main" id="{F7598A7B-E5AB-4076-843E-6550940BC068}"/>
-              </a:ext>
-            </a:extLst>
-          </p:cNvPr>
-          <p:cNvSpPr txBox="1"/>
-          <p:nvPr/>
-        </p:nvSpPr>
-        <p:spPr>
-          <a:xfrm>
-            <a:off x="2862915" y="3193699"/>
-            <a:ext cx="2493826" cy="276999"/>
-          </a:xfrm>
-          <a:prstGeom prst="rect">
-            <a:avLst/>
-          </a:prstGeom>
-          <a:noFill/>
-        </p:spPr>
-        <p:txBody>
-          <a:bodyPr wrap="square" rtlCol="0">
-            <a:spAutoFit/>
-          </a:bodyPr>
-          <a:lstStyle/>
-          <a:p>
-            <a:r>
-              <a:rPr lang="es-CO" sz="1200" dirty="0"/>
-              <a:t>2 Variables con 100% de Correlación</a:t>
-            </a:r>
-            <a:endParaRPr lang="en-GB" sz="1200" dirty="0"/>
-          </a:p>
-        </p:txBody>
-      </p:sp>
-      <p:pic>
-        <p:nvPicPr>
-          <p:cNvPr id="44" name="Picture 43">
-            <a:extLst>
-              <a:ext uri="{FF2B5EF4-FFF2-40B4-BE49-F238E27FC236}">
-                <a16:creationId xmlns:a16="http://schemas.microsoft.com/office/drawing/2014/main" id="{F0B0EECB-0EAD-41BC-A0B4-3918BDF8D941}"/>
-              </a:ext>
-            </a:extLst>
-          </p:cNvPr>
-          <p:cNvPicPr>
-            <a:picLocks noChangeAspect="1"/>
-          </p:cNvPicPr>
-          <p:nvPr/>
-        </p:nvPicPr>
-        <p:blipFill rotWithShape="1">
-          <a:blip r:embed="rId8">
-            <a:extLst>
-              <a:ext uri="{BEBA8EAE-BF5A-486C-A8C5-ECC9F3942E4B}">
-                <a14:imgProps xmlns:a14="http://schemas.microsoft.com/office/drawing/2010/main">
-                  <a14:imgLayer r:embed="rId7">
-                    <a14:imgEffect>
-                      <a14:backgroundRemoval t="39143" b="62479" l="1799" r="16190">
-                        <a14:foregroundMark x1="9737" y1="52041" x2="9737" y2="52041"/>
-                        <a14:foregroundMark x1="9474" y1="50255" x2="9474" y2="50255"/>
-                        <a14:foregroundMark x1="11974" y1="54337" x2="11974" y2="54337"/>
-                        <a14:foregroundMark x1="11579" y1="50000" x2="11579" y2="50000"/>
-                        <a14:foregroundMark x1="10263" y1="45918" x2="10263" y2="45918"/>
-                        <a14:foregroundMark x1="4474" y1="55357" x2="4474" y2="55357"/>
-                        <a14:foregroundMark x1="5132" y1="45408" x2="5132" y2="45408"/>
-                        <a14:foregroundMark x1="12368" y1="45408" x2="12368" y2="45408"/>
-                        <a14:foregroundMark x1="8553" y1="59949" x2="8553" y2="59949"/>
-                        <a14:backgroundMark x1="7237" y1="48214" x2="7237" y2="48214"/>
-                      </a14:backgroundRemoval>
-                    </a14:imgEffect>
-                  </a14:imgLayer>
-                </a14:imgProps>
-              </a:ext>
-            </a:extLst>
-          </a:blip>
-          <a:srcRect t="36226" r="82011" b="34604"/>
-          <a:stretch/>
-        </p:blipFill>
-        <p:spPr>
-          <a:xfrm>
-            <a:off x="7336666" y="2891245"/>
-            <a:ext cx="1020932" cy="926806"/>
-          </a:xfrm>
-          <a:prstGeom prst="rect">
-            <a:avLst/>
-          </a:prstGeom>
-        </p:spPr>
-      </p:pic>
-      <p:pic>
-        <p:nvPicPr>
-          <p:cNvPr id="8" name="Picture 7">
-            <a:extLst>
-              <a:ext uri="{FF2B5EF4-FFF2-40B4-BE49-F238E27FC236}">
-                <a16:creationId xmlns:a16="http://schemas.microsoft.com/office/drawing/2014/main" id="{2B2A1A3F-B9BA-4C2E-8C41-D73522369471}"/>
-              </a:ext>
-            </a:extLst>
-          </p:cNvPr>
-          <p:cNvPicPr>
-            <a:picLocks noChangeAspect="1"/>
-          </p:cNvPicPr>
-          <p:nvPr/>
-        </p:nvPicPr>
-        <p:blipFill>
-          <a:blip r:embed="rId9"/>
-          <a:stretch>
-            <a:fillRect/>
-          </a:stretch>
-        </p:blipFill>
-        <p:spPr>
-          <a:xfrm>
-            <a:off x="424011" y="4718623"/>
-            <a:ext cx="4578335" cy="830668"/>
-          </a:xfrm>
-          <a:prstGeom prst="rect">
-            <a:avLst/>
-          </a:prstGeom>
-        </p:spPr>
-      </p:pic>
-      <p:pic>
-        <p:nvPicPr>
-          <p:cNvPr id="9" name="Picture 8">
-            <a:extLst>
-              <a:ext uri="{FF2B5EF4-FFF2-40B4-BE49-F238E27FC236}">
-                <a16:creationId xmlns:a16="http://schemas.microsoft.com/office/drawing/2014/main" id="{7757817C-5100-4455-8D3D-A08800F776BB}"/>
-              </a:ext>
-            </a:extLst>
-          </p:cNvPr>
-          <p:cNvPicPr>
-            <a:picLocks noChangeAspect="1"/>
-          </p:cNvPicPr>
-          <p:nvPr/>
-        </p:nvPicPr>
-        <p:blipFill>
-          <a:blip r:embed="rId10"/>
-          <a:stretch>
-            <a:fillRect/>
-          </a:stretch>
-        </p:blipFill>
-        <p:spPr>
-          <a:xfrm>
-            <a:off x="5307931" y="4688867"/>
-            <a:ext cx="2724150" cy="1162050"/>
-          </a:xfrm>
-          <a:prstGeom prst="rect">
-            <a:avLst/>
-          </a:prstGeom>
-        </p:spPr>
-      </p:pic>
-      <p:pic>
-        <p:nvPicPr>
-          <p:cNvPr id="10" name="Picture 9">
-            <a:extLst>
-              <a:ext uri="{FF2B5EF4-FFF2-40B4-BE49-F238E27FC236}">
-                <a16:creationId xmlns:a16="http://schemas.microsoft.com/office/drawing/2014/main" id="{73759E08-F0EE-4DF3-8035-797BAA7FB9C4}"/>
-              </a:ext>
-            </a:extLst>
-          </p:cNvPr>
-          <p:cNvPicPr>
-            <a:picLocks noChangeAspect="1"/>
-          </p:cNvPicPr>
-          <p:nvPr/>
-        </p:nvPicPr>
-        <p:blipFill rotWithShape="1">
-          <a:blip r:embed="rId11"/>
-          <a:srcRect b="33098"/>
-          <a:stretch/>
-        </p:blipFill>
-        <p:spPr>
-          <a:xfrm>
-            <a:off x="8827932" y="4574412"/>
-            <a:ext cx="1687785" cy="1695977"/>
-          </a:xfrm>
-          <a:prstGeom prst="rect">
-            <a:avLst/>
-          </a:prstGeom>
-        </p:spPr>
-      </p:pic>
-    </p:spTree>
-    <p:extLst>
-      <p:ext uri="{BB962C8B-B14F-4D97-AF65-F5344CB8AC3E}">
-        <p14:creationId xmlns:p14="http://schemas.microsoft.com/office/powerpoint/2010/main" val="176310867"/>
-      </p:ext>
-    </p:extLst>
-  </p:cSld>
-  <p:clrMapOvr>
-    <a:masterClrMapping/>
-  </p:clrMapOvr>
-</p:sld>
-</file>
-
-<file path=ppt/slides/slide18.xml><?xml version="1.0" encoding="utf-8"?>
-<p:sld xmlns:a="http://schemas.openxmlformats.org/drawingml/2006/main" xmlns:r="http://schemas.openxmlformats.org/officeDocument/2006/relationships" xmlns:p="http://schemas.openxmlformats.org/presentationml/2006/main">
-  <p:cSld>
-    <p:spTree>
-      <p:nvGrpSpPr>
-        <p:cNvPr id="1" name=""/>
-        <p:cNvGrpSpPr/>
-        <p:nvPr/>
-      </p:nvGrpSpPr>
-      <p:grpSpPr>
-        <a:xfrm>
-          <a:off x="0" y="0"/>
-          <a:ext cx="0" cy="0"/>
-          <a:chOff x="0" y="0"/>
-          <a:chExt cx="0" cy="0"/>
-        </a:xfrm>
-      </p:grpSpPr>
-      <p:sp>
-        <p:nvSpPr>
-          <p:cNvPr id="4" name="Google Shape;112;p6">
-            <a:extLst>
-              <a:ext uri="{FF2B5EF4-FFF2-40B4-BE49-F238E27FC236}">
-                <a16:creationId xmlns:a16="http://schemas.microsoft.com/office/drawing/2014/main" id="{7BF8BAE0-DDB0-40DE-B227-E508C4C6FE5D}"/>
-              </a:ext>
-            </a:extLst>
-          </p:cNvPr>
-          <p:cNvSpPr txBox="1"/>
-          <p:nvPr/>
-        </p:nvSpPr>
-        <p:spPr>
-          <a:xfrm>
-            <a:off x="729342" y="319121"/>
-            <a:ext cx="6181597" cy="830956"/>
-          </a:xfrm>
-          <a:prstGeom prst="rect">
-            <a:avLst/>
-          </a:prstGeom>
-          <a:noFill/>
-          <a:ln>
-            <a:noFill/>
-          </a:ln>
-        </p:spPr>
-        <p:txBody>
-          <a:bodyPr spcFirstLastPara="1" wrap="square" lIns="91425" tIns="45700" rIns="91425" bIns="45700" anchor="t" anchorCtr="0">
-            <a:spAutoFit/>
-          </a:bodyPr>
-          <a:lstStyle/>
-          <a:p>
-            <a:pPr marL="0" marR="0" lvl="0" indent="0" rtl="0">
-              <a:spcBef>
-                <a:spcPts val="0"/>
-              </a:spcBef>
-              <a:spcAft>
-                <a:spcPts val="0"/>
-              </a:spcAft>
-              <a:buNone/>
-            </a:pPr>
-            <a:r>
-              <a:rPr lang="es-CO" sz="4800" b="1" dirty="0">
-                <a:solidFill>
-                  <a:srgbClr val="1B2336"/>
-                </a:solidFill>
-                <a:latin typeface="Arial"/>
-                <a:cs typeface="Arial"/>
-                <a:sym typeface="Arial"/>
-              </a:rPr>
-              <a:t>Ing. Características</a:t>
-            </a:r>
-            <a:endParaRPr lang="es-CO" dirty="0"/>
-          </a:p>
-        </p:txBody>
-      </p:sp>
-      <p:sp>
-        <p:nvSpPr>
-          <p:cNvPr id="5" name="Google Shape;117;p6">
-            <a:extLst>
-              <a:ext uri="{FF2B5EF4-FFF2-40B4-BE49-F238E27FC236}">
-                <a16:creationId xmlns:a16="http://schemas.microsoft.com/office/drawing/2014/main" id="{789374AE-5906-4CE2-AE32-861EEB840C78}"/>
-              </a:ext>
-            </a:extLst>
-          </p:cNvPr>
-          <p:cNvSpPr txBox="1"/>
-          <p:nvPr/>
-        </p:nvSpPr>
-        <p:spPr>
-          <a:xfrm>
-            <a:off x="225373" y="312176"/>
-            <a:ext cx="717199" cy="769441"/>
-          </a:xfrm>
-          <a:prstGeom prst="rect">
-            <a:avLst/>
-          </a:prstGeom>
-          <a:noFill/>
-          <a:ln>
-            <a:noFill/>
-          </a:ln>
-        </p:spPr>
-        <p:txBody>
-          <a:bodyPr spcFirstLastPara="1" wrap="square" lIns="91425" tIns="45700" rIns="91425" bIns="45700" anchor="t" anchorCtr="0">
-            <a:spAutoFit/>
-          </a:bodyPr>
-          <a:lstStyle/>
-          <a:p>
-            <a:pPr marL="0" marR="0" lvl="0" indent="0" algn="ctr" rtl="0">
-              <a:spcBef>
-                <a:spcPts val="0"/>
-              </a:spcBef>
-              <a:spcAft>
-                <a:spcPts val="0"/>
-              </a:spcAft>
-              <a:buNone/>
-            </a:pPr>
-            <a:r>
-              <a:rPr lang="es-CO" sz="4400" b="1" dirty="0">
-                <a:solidFill>
-                  <a:srgbClr val="04BDB4"/>
-                </a:solidFill>
-                <a:latin typeface="Arial Black"/>
-                <a:ea typeface="Arial Black"/>
-                <a:cs typeface="Arial Black"/>
-                <a:sym typeface="Arial Black"/>
-              </a:rPr>
-              <a:t>|</a:t>
-            </a:r>
-            <a:endParaRPr lang="es-CO" dirty="0"/>
-          </a:p>
-        </p:txBody>
-      </p:sp>
-      <p:cxnSp>
-        <p:nvCxnSpPr>
-          <p:cNvPr id="6" name="Google Shape;119;p6">
-            <a:extLst>
-              <a:ext uri="{FF2B5EF4-FFF2-40B4-BE49-F238E27FC236}">
-                <a16:creationId xmlns:a16="http://schemas.microsoft.com/office/drawing/2014/main" id="{9BA46B94-C025-44EC-8513-29B85B3D7D8E}"/>
-              </a:ext>
-            </a:extLst>
-          </p:cNvPr>
-          <p:cNvCxnSpPr>
-            <a:cxnSpLocks/>
-          </p:cNvCxnSpPr>
-          <p:nvPr/>
-        </p:nvCxnSpPr>
-        <p:spPr>
-          <a:xfrm>
-            <a:off x="6843562" y="786010"/>
-            <a:ext cx="5348382" cy="1"/>
-          </a:xfrm>
-          <a:prstGeom prst="straightConnector1">
-            <a:avLst/>
-          </a:prstGeom>
-          <a:noFill/>
-          <a:ln w="25400" cap="flat" cmpd="sng">
-            <a:solidFill>
-              <a:srgbClr val="1B2336"/>
-            </a:solidFill>
-            <a:prstDash val="solid"/>
-            <a:miter lim="800000"/>
-            <a:headEnd type="oval" w="med" len="med"/>
-            <a:tailEnd type="none" w="sm" len="sm"/>
-          </a:ln>
-        </p:spPr>
-      </p:cxnSp>
-      <p:pic>
-        <p:nvPicPr>
-          <p:cNvPr id="53" name="Picture 52">
-            <a:extLst>
-              <a:ext uri="{FF2B5EF4-FFF2-40B4-BE49-F238E27FC236}">
-                <a16:creationId xmlns:a16="http://schemas.microsoft.com/office/drawing/2014/main" id="{39BE4889-551C-4E9F-B285-5DCAA549B810}"/>
-              </a:ext>
-            </a:extLst>
-          </p:cNvPr>
-          <p:cNvPicPr>
-            <a:picLocks noChangeAspect="1"/>
-          </p:cNvPicPr>
-          <p:nvPr/>
-        </p:nvPicPr>
-        <p:blipFill>
-          <a:blip r:embed="rId2"/>
-          <a:stretch>
-            <a:fillRect/>
-          </a:stretch>
-        </p:blipFill>
-        <p:spPr>
-          <a:xfrm>
-            <a:off x="1154518" y="1440888"/>
-            <a:ext cx="11040827" cy="473638"/>
-          </a:xfrm>
-          <a:prstGeom prst="rect">
-            <a:avLst/>
-          </a:prstGeom>
-        </p:spPr>
-      </p:pic>
-      <p:pic>
-        <p:nvPicPr>
-          <p:cNvPr id="57" name="Picture 56">
-            <a:extLst>
-              <a:ext uri="{FF2B5EF4-FFF2-40B4-BE49-F238E27FC236}">
-                <a16:creationId xmlns:a16="http://schemas.microsoft.com/office/drawing/2014/main" id="{A42725F1-9A70-4ACA-AD08-678D5920041B}"/>
-              </a:ext>
-            </a:extLst>
-          </p:cNvPr>
-          <p:cNvPicPr>
-            <a:picLocks noChangeAspect="1"/>
-          </p:cNvPicPr>
-          <p:nvPr/>
-        </p:nvPicPr>
-        <p:blipFill rotWithShape="1">
-          <a:blip r:embed="rId3"/>
-          <a:srcRect t="46965" r="89917" b="-1"/>
-          <a:stretch/>
-        </p:blipFill>
-        <p:spPr>
-          <a:xfrm rot="5400000">
-            <a:off x="557657" y="1579619"/>
-            <a:ext cx="649255" cy="606197"/>
-          </a:xfrm>
-          <a:prstGeom prst="rect">
-            <a:avLst/>
-          </a:prstGeom>
-        </p:spPr>
-      </p:pic>
-      <p:pic>
-        <p:nvPicPr>
-          <p:cNvPr id="58" name="Picture 57">
-            <a:extLst>
-              <a:ext uri="{FF2B5EF4-FFF2-40B4-BE49-F238E27FC236}">
-                <a16:creationId xmlns:a16="http://schemas.microsoft.com/office/drawing/2014/main" id="{1F134A1F-31FD-497A-BF65-CE075DE66AD7}"/>
-              </a:ext>
-            </a:extLst>
-          </p:cNvPr>
-          <p:cNvPicPr>
-            <a:picLocks noChangeAspect="1"/>
-          </p:cNvPicPr>
-          <p:nvPr/>
-        </p:nvPicPr>
-        <p:blipFill>
-          <a:blip r:embed="rId2"/>
-          <a:stretch>
-            <a:fillRect/>
-          </a:stretch>
-        </p:blipFill>
-        <p:spPr>
-          <a:xfrm rot="5400000">
-            <a:off x="-1232546" y="3814590"/>
-            <a:ext cx="4123371" cy="475035"/>
-          </a:xfrm>
-          <a:prstGeom prst="rect">
-            <a:avLst/>
-          </a:prstGeom>
-        </p:spPr>
-      </p:pic>
-      <p:pic>
-        <p:nvPicPr>
-          <p:cNvPr id="59" name="Picture 58">
-            <a:extLst>
-              <a:ext uri="{FF2B5EF4-FFF2-40B4-BE49-F238E27FC236}">
-                <a16:creationId xmlns:a16="http://schemas.microsoft.com/office/drawing/2014/main" id="{26FC1601-FB59-48EC-A5AA-7C509A607488}"/>
-              </a:ext>
-            </a:extLst>
-          </p:cNvPr>
-          <p:cNvPicPr>
-            <a:picLocks noChangeAspect="1"/>
-          </p:cNvPicPr>
-          <p:nvPr/>
-        </p:nvPicPr>
-        <p:blipFill rotWithShape="1">
-          <a:blip r:embed="rId4">
-            <a:extLst>
-              <a:ext uri="{BEBA8EAE-BF5A-486C-A8C5-ECC9F3942E4B}">
-                <a14:imgProps xmlns:a14="http://schemas.microsoft.com/office/drawing/2010/main">
-                  <a14:imgLayer r:embed="rId5">
-                    <a14:imgEffect>
-                      <a14:backgroundRemoval t="73469" b="89031" l="2237" r="14737">
-                        <a14:foregroundMark x1="4342" y1="84439" x2="4342" y2="84439"/>
-                        <a14:foregroundMark x1="2368" y1="86224" x2="2368" y2="86224"/>
-                        <a14:foregroundMark x1="7368" y1="77296" x2="7368" y2="77296"/>
-                        <a14:foregroundMark x1="10000" y1="73469" x2="10000" y2="73469"/>
-                        <a14:foregroundMark x1="14737" y1="86224" x2="14737" y2="86224"/>
-                        <a14:backgroundMark x1="7632" y1="78571" x2="7632" y2="78571"/>
-                        <a14:backgroundMark x1="8026" y1="77551" x2="8026" y2="77551"/>
-                      </a14:backgroundRemoval>
-                    </a14:imgEffect>
-                  </a14:imgLayer>
-                </a14:imgProps>
-              </a:ext>
-            </a:extLst>
-          </a:blip>
-          <a:srcRect l="2030" t="72143" r="83737" b="9093"/>
-          <a:stretch/>
-        </p:blipFill>
-        <p:spPr>
-          <a:xfrm>
-            <a:off x="465166" y="2009681"/>
-            <a:ext cx="954811" cy="649254"/>
-          </a:xfrm>
-          <a:prstGeom prst="rect">
-            <a:avLst/>
-          </a:prstGeom>
-        </p:spPr>
-      </p:pic>
-      <p:sp>
-        <p:nvSpPr>
-          <p:cNvPr id="60" name="TextBox 59">
-            <a:extLst>
-              <a:ext uri="{FF2B5EF4-FFF2-40B4-BE49-F238E27FC236}">
-                <a16:creationId xmlns:a16="http://schemas.microsoft.com/office/drawing/2014/main" id="{A49FD569-16E7-427F-80BA-0375C5B463FF}"/>
-              </a:ext>
-            </a:extLst>
-          </p:cNvPr>
-          <p:cNvSpPr txBox="1"/>
-          <p:nvPr/>
-        </p:nvSpPr>
-        <p:spPr>
-          <a:xfrm>
-            <a:off x="1432414" y="1990422"/>
-            <a:ext cx="2216569" cy="369332"/>
-          </a:xfrm>
-          <a:prstGeom prst="rect">
-            <a:avLst/>
-          </a:prstGeom>
-          <a:noFill/>
-        </p:spPr>
-        <p:txBody>
-          <a:bodyPr wrap="none" rtlCol="0">
-            <a:spAutoFit/>
-          </a:bodyPr>
-          <a:lstStyle/>
-          <a:p>
-            <a:r>
-              <a:rPr lang="es-CO" b="1" dirty="0"/>
-              <a:t>Medidas  estadísticas</a:t>
-            </a:r>
-            <a:endParaRPr lang="en-GB" b="1" dirty="0"/>
-          </a:p>
-        </p:txBody>
-      </p:sp>
-      <p:sp>
-        <p:nvSpPr>
-          <p:cNvPr id="61" name="TextBox 60">
-            <a:extLst>
-              <a:ext uri="{FF2B5EF4-FFF2-40B4-BE49-F238E27FC236}">
-                <a16:creationId xmlns:a16="http://schemas.microsoft.com/office/drawing/2014/main" id="{FAE39372-8C8A-419D-B0D0-523A36739AFE}"/>
-              </a:ext>
-            </a:extLst>
-          </p:cNvPr>
-          <p:cNvSpPr txBox="1"/>
-          <p:nvPr/>
-        </p:nvSpPr>
-        <p:spPr>
-          <a:xfrm>
-            <a:off x="2573227" y="2397607"/>
-            <a:ext cx="2493826" cy="276999"/>
-          </a:xfrm>
-          <a:prstGeom prst="rect">
-            <a:avLst/>
-          </a:prstGeom>
-          <a:noFill/>
-        </p:spPr>
-        <p:txBody>
-          <a:bodyPr wrap="square" rtlCol="0">
-            <a:spAutoFit/>
-          </a:bodyPr>
-          <a:lstStyle/>
-          <a:p>
-            <a:r>
-              <a:rPr lang="es-CO" sz="1200" u="sng" dirty="0"/>
-              <a:t>Ganancia de información:</a:t>
-            </a:r>
-          </a:p>
-        </p:txBody>
-      </p:sp>
-      <p:pic>
-        <p:nvPicPr>
-          <p:cNvPr id="8" name="Picture 7">
-            <a:extLst>
-              <a:ext uri="{FF2B5EF4-FFF2-40B4-BE49-F238E27FC236}">
-                <a16:creationId xmlns:a16="http://schemas.microsoft.com/office/drawing/2014/main" id="{AA296652-6E96-4AFD-9F09-4FC0670765E7}"/>
-              </a:ext>
-            </a:extLst>
-          </p:cNvPr>
-          <p:cNvPicPr>
-            <a:picLocks noChangeAspect="1"/>
-          </p:cNvPicPr>
-          <p:nvPr/>
-        </p:nvPicPr>
-        <p:blipFill rotWithShape="1">
-          <a:blip r:embed="rId6"/>
-          <a:srcRect t="5955"/>
-          <a:stretch/>
-        </p:blipFill>
-        <p:spPr>
-          <a:xfrm>
-            <a:off x="1079092" y="2712458"/>
-            <a:ext cx="6207413" cy="3359531"/>
-          </a:xfrm>
-          <a:prstGeom prst="rect">
-            <a:avLst/>
-          </a:prstGeom>
-        </p:spPr>
-      </p:pic>
-      <p:pic>
-        <p:nvPicPr>
-          <p:cNvPr id="11" name="Picture 10">
-            <a:extLst>
-              <a:ext uri="{FF2B5EF4-FFF2-40B4-BE49-F238E27FC236}">
-                <a16:creationId xmlns:a16="http://schemas.microsoft.com/office/drawing/2014/main" id="{E741E20F-E1D9-4BA4-91AD-DE68BC370D4C}"/>
-              </a:ext>
-            </a:extLst>
-          </p:cNvPr>
-          <p:cNvPicPr>
-            <a:picLocks noChangeAspect="1"/>
-          </p:cNvPicPr>
-          <p:nvPr/>
-        </p:nvPicPr>
-        <p:blipFill>
-          <a:blip r:embed="rId7"/>
-          <a:stretch>
-            <a:fillRect/>
-          </a:stretch>
-        </p:blipFill>
-        <p:spPr>
-          <a:xfrm>
-            <a:off x="7976503" y="2658935"/>
-            <a:ext cx="1898650" cy="3511550"/>
-          </a:xfrm>
-          <a:prstGeom prst="rect">
-            <a:avLst/>
-          </a:prstGeom>
-        </p:spPr>
-      </p:pic>
-      <p:sp>
-        <p:nvSpPr>
-          <p:cNvPr id="77" name="TextBox 76">
-            <a:extLst>
-              <a:ext uri="{FF2B5EF4-FFF2-40B4-BE49-F238E27FC236}">
-                <a16:creationId xmlns:a16="http://schemas.microsoft.com/office/drawing/2014/main" id="{245C8C27-6ACE-446E-9903-BDE332A63C01}"/>
-              </a:ext>
-            </a:extLst>
-          </p:cNvPr>
-          <p:cNvSpPr txBox="1"/>
-          <p:nvPr/>
-        </p:nvSpPr>
-        <p:spPr>
-          <a:xfrm>
-            <a:off x="8543019" y="2334308"/>
-            <a:ext cx="2493826" cy="276999"/>
-          </a:xfrm>
-          <a:prstGeom prst="rect">
-            <a:avLst/>
-          </a:prstGeom>
-          <a:noFill/>
-        </p:spPr>
-        <p:txBody>
-          <a:bodyPr wrap="square" rtlCol="0">
-            <a:spAutoFit/>
-          </a:bodyPr>
-          <a:lstStyle/>
-          <a:p>
-            <a:r>
-              <a:rPr lang="es-CO" sz="1200" u="sng" dirty="0"/>
-              <a:t>ANOVA:</a:t>
-            </a:r>
-          </a:p>
-        </p:txBody>
-      </p:sp>
-    </p:spTree>
-    <p:extLst>
-      <p:ext uri="{BB962C8B-B14F-4D97-AF65-F5344CB8AC3E}">
-        <p14:creationId xmlns:p14="http://schemas.microsoft.com/office/powerpoint/2010/main" val="1421957363"/>
-      </p:ext>
-    </p:extLst>
-  </p:cSld>
-  <p:clrMapOvr>
-    <a:masterClrMapping/>
-  </p:clrMapOvr>
-</p:sld>
-</file>
-
-<file path=ppt/slides/slide19.xml><?xml version="1.0" encoding="utf-8"?>
-<p:sld xmlns:a="http://schemas.openxmlformats.org/drawingml/2006/main" xmlns:r="http://schemas.openxmlformats.org/officeDocument/2006/relationships" xmlns:p="http://schemas.openxmlformats.org/presentationml/2006/main">
-  <p:cSld>
-    <p:spTree>
-      <p:nvGrpSpPr>
-        <p:cNvPr id="1" name=""/>
-        <p:cNvGrpSpPr/>
-        <p:nvPr/>
-      </p:nvGrpSpPr>
-      <p:grpSpPr>
-        <a:xfrm>
-          <a:off x="0" y="0"/>
-          <a:ext cx="0" cy="0"/>
-          <a:chOff x="0" y="0"/>
-          <a:chExt cx="0" cy="0"/>
-        </a:xfrm>
-      </p:grpSpPr>
-      <p:sp>
-        <p:nvSpPr>
-          <p:cNvPr id="4" name="Google Shape;112;p6">
-            <a:extLst>
-              <a:ext uri="{FF2B5EF4-FFF2-40B4-BE49-F238E27FC236}">
-                <a16:creationId xmlns:a16="http://schemas.microsoft.com/office/drawing/2014/main" id="{7BF8BAE0-DDB0-40DE-B227-E508C4C6FE5D}"/>
-              </a:ext>
-            </a:extLst>
-          </p:cNvPr>
-          <p:cNvSpPr txBox="1"/>
-          <p:nvPr/>
-        </p:nvSpPr>
-        <p:spPr>
-          <a:xfrm>
-            <a:off x="729342" y="319121"/>
-            <a:ext cx="6181597" cy="830956"/>
-          </a:xfrm>
-          <a:prstGeom prst="rect">
-            <a:avLst/>
-          </a:prstGeom>
-          <a:noFill/>
-          <a:ln>
-            <a:noFill/>
-          </a:ln>
-        </p:spPr>
-        <p:txBody>
-          <a:bodyPr spcFirstLastPara="1" wrap="square" lIns="91425" tIns="45700" rIns="91425" bIns="45700" anchor="t" anchorCtr="0">
-            <a:spAutoFit/>
-          </a:bodyPr>
-          <a:lstStyle/>
-          <a:p>
-            <a:pPr marL="0" marR="0" lvl="0" indent="0" rtl="0">
-              <a:spcBef>
-                <a:spcPts val="0"/>
-              </a:spcBef>
-              <a:spcAft>
-                <a:spcPts val="0"/>
-              </a:spcAft>
-              <a:buNone/>
-            </a:pPr>
-            <a:r>
-              <a:rPr lang="es-CO" sz="4800" b="1" dirty="0">
-                <a:solidFill>
-                  <a:srgbClr val="1B2336"/>
-                </a:solidFill>
-                <a:latin typeface="Arial"/>
-                <a:cs typeface="Arial"/>
-                <a:sym typeface="Arial"/>
-              </a:rPr>
-              <a:t>Ing. Características</a:t>
-            </a:r>
-            <a:endParaRPr lang="es-CO" dirty="0"/>
-          </a:p>
-        </p:txBody>
-      </p:sp>
-      <p:sp>
-        <p:nvSpPr>
-          <p:cNvPr id="5" name="Google Shape;117;p6">
-            <a:extLst>
-              <a:ext uri="{FF2B5EF4-FFF2-40B4-BE49-F238E27FC236}">
-                <a16:creationId xmlns:a16="http://schemas.microsoft.com/office/drawing/2014/main" id="{789374AE-5906-4CE2-AE32-861EEB840C78}"/>
-              </a:ext>
-            </a:extLst>
-          </p:cNvPr>
-          <p:cNvSpPr txBox="1"/>
-          <p:nvPr/>
-        </p:nvSpPr>
-        <p:spPr>
-          <a:xfrm>
-            <a:off x="225373" y="312176"/>
-            <a:ext cx="717199" cy="769441"/>
-          </a:xfrm>
-          <a:prstGeom prst="rect">
-            <a:avLst/>
-          </a:prstGeom>
-          <a:noFill/>
-          <a:ln>
-            <a:noFill/>
-          </a:ln>
-        </p:spPr>
-        <p:txBody>
-          <a:bodyPr spcFirstLastPara="1" wrap="square" lIns="91425" tIns="45700" rIns="91425" bIns="45700" anchor="t" anchorCtr="0">
-            <a:spAutoFit/>
-          </a:bodyPr>
-          <a:lstStyle/>
-          <a:p>
-            <a:pPr marL="0" marR="0" lvl="0" indent="0" algn="ctr" rtl="0">
-              <a:spcBef>
-                <a:spcPts val="0"/>
-              </a:spcBef>
-              <a:spcAft>
-                <a:spcPts val="0"/>
-              </a:spcAft>
-              <a:buNone/>
-            </a:pPr>
-            <a:r>
-              <a:rPr lang="es-CO" sz="4400" b="1" dirty="0">
-                <a:solidFill>
-                  <a:srgbClr val="04BDB4"/>
-                </a:solidFill>
-                <a:latin typeface="Arial Black"/>
-                <a:ea typeface="Arial Black"/>
-                <a:cs typeface="Arial Black"/>
-                <a:sym typeface="Arial Black"/>
-              </a:rPr>
-              <a:t>|</a:t>
-            </a:r>
-            <a:endParaRPr lang="es-CO" dirty="0"/>
-          </a:p>
-        </p:txBody>
-      </p:sp>
-      <p:cxnSp>
-        <p:nvCxnSpPr>
-          <p:cNvPr id="6" name="Google Shape;119;p6">
-            <a:extLst>
-              <a:ext uri="{FF2B5EF4-FFF2-40B4-BE49-F238E27FC236}">
-                <a16:creationId xmlns:a16="http://schemas.microsoft.com/office/drawing/2014/main" id="{9BA46B94-C025-44EC-8513-29B85B3D7D8E}"/>
-              </a:ext>
-            </a:extLst>
-          </p:cNvPr>
-          <p:cNvCxnSpPr>
-            <a:cxnSpLocks/>
-          </p:cNvCxnSpPr>
-          <p:nvPr/>
-        </p:nvCxnSpPr>
-        <p:spPr>
-          <a:xfrm>
-            <a:off x="6843562" y="786010"/>
-            <a:ext cx="5348382" cy="1"/>
-          </a:xfrm>
-          <a:prstGeom prst="straightConnector1">
-            <a:avLst/>
-          </a:prstGeom>
-          <a:noFill/>
-          <a:ln w="25400" cap="flat" cmpd="sng">
-            <a:solidFill>
-              <a:srgbClr val="1B2336"/>
-            </a:solidFill>
-            <a:prstDash val="solid"/>
-            <a:miter lim="800000"/>
-            <a:headEnd type="oval" w="med" len="med"/>
-            <a:tailEnd type="none" w="sm" len="sm"/>
-          </a:ln>
-        </p:spPr>
-      </p:cxnSp>
-      <p:pic>
-        <p:nvPicPr>
-          <p:cNvPr id="58" name="Picture 57">
-            <a:extLst>
-              <a:ext uri="{FF2B5EF4-FFF2-40B4-BE49-F238E27FC236}">
-                <a16:creationId xmlns:a16="http://schemas.microsoft.com/office/drawing/2014/main" id="{1F134A1F-31FD-497A-BF65-CE075DE66AD7}"/>
-              </a:ext>
-            </a:extLst>
-          </p:cNvPr>
-          <p:cNvPicPr>
-            <a:picLocks noChangeAspect="1"/>
-          </p:cNvPicPr>
-          <p:nvPr/>
-        </p:nvPicPr>
-        <p:blipFill>
-          <a:blip r:embed="rId2"/>
-          <a:stretch>
-            <a:fillRect/>
-          </a:stretch>
-        </p:blipFill>
-        <p:spPr>
-          <a:xfrm rot="5400000">
-            <a:off x="1094450" y="1295094"/>
-            <a:ext cx="393408" cy="475035"/>
-          </a:xfrm>
-          <a:prstGeom prst="rect">
-            <a:avLst/>
-          </a:prstGeom>
-        </p:spPr>
-      </p:pic>
-      <p:pic>
-        <p:nvPicPr>
-          <p:cNvPr id="64" name="Picture 63">
-            <a:extLst>
-              <a:ext uri="{FF2B5EF4-FFF2-40B4-BE49-F238E27FC236}">
-                <a16:creationId xmlns:a16="http://schemas.microsoft.com/office/drawing/2014/main" id="{91F4ECD8-1E12-415F-A373-94933CA9CBA4}"/>
-              </a:ext>
-            </a:extLst>
-          </p:cNvPr>
-          <p:cNvPicPr>
-            <a:picLocks noChangeAspect="1"/>
-          </p:cNvPicPr>
-          <p:nvPr/>
-        </p:nvPicPr>
-        <p:blipFill rotWithShape="1">
-          <a:blip r:embed="rId3"/>
-          <a:srcRect t="46965" r="89917" b="-1"/>
-          <a:stretch/>
-        </p:blipFill>
-        <p:spPr>
-          <a:xfrm>
-            <a:off x="1154518" y="1665107"/>
-            <a:ext cx="649255" cy="606197"/>
-          </a:xfrm>
-          <a:prstGeom prst="rect">
-            <a:avLst/>
-          </a:prstGeom>
-        </p:spPr>
-      </p:pic>
-      <p:pic>
-        <p:nvPicPr>
-          <p:cNvPr id="65" name="Picture 64">
-            <a:extLst>
-              <a:ext uri="{FF2B5EF4-FFF2-40B4-BE49-F238E27FC236}">
-                <a16:creationId xmlns:a16="http://schemas.microsoft.com/office/drawing/2014/main" id="{A4B6D510-01E1-4C8E-A557-78DA90952BAC}"/>
-              </a:ext>
-            </a:extLst>
-          </p:cNvPr>
-          <p:cNvPicPr>
-            <a:picLocks noChangeAspect="1"/>
-          </p:cNvPicPr>
-          <p:nvPr/>
-        </p:nvPicPr>
-        <p:blipFill>
-          <a:blip r:embed="rId2"/>
-          <a:stretch>
-            <a:fillRect/>
-          </a:stretch>
-        </p:blipFill>
-        <p:spPr>
-          <a:xfrm>
-            <a:off x="1650634" y="1781034"/>
-            <a:ext cx="4479995" cy="473638"/>
-          </a:xfrm>
-          <a:prstGeom prst="rect">
-            <a:avLst/>
-          </a:prstGeom>
-        </p:spPr>
-      </p:pic>
-      <p:pic>
-        <p:nvPicPr>
-          <p:cNvPr id="66" name="Picture 65">
-            <a:extLst>
-              <a:ext uri="{FF2B5EF4-FFF2-40B4-BE49-F238E27FC236}">
-                <a16:creationId xmlns:a16="http://schemas.microsoft.com/office/drawing/2014/main" id="{13CF0649-AEF9-43CC-896D-CB3BA5DF5253}"/>
-              </a:ext>
-            </a:extLst>
-          </p:cNvPr>
-          <p:cNvPicPr>
-            <a:picLocks noChangeAspect="1"/>
-          </p:cNvPicPr>
-          <p:nvPr/>
-        </p:nvPicPr>
-        <p:blipFill rotWithShape="1">
-          <a:blip r:embed="rId3"/>
-          <a:srcRect t="46965" r="89917" b="-1"/>
-          <a:stretch/>
-        </p:blipFill>
-        <p:spPr>
-          <a:xfrm rot="16200000">
-            <a:off x="5880750" y="1527130"/>
-            <a:ext cx="649255" cy="606197"/>
-          </a:xfrm>
-          <a:prstGeom prst="rect">
-            <a:avLst/>
-          </a:prstGeom>
-        </p:spPr>
-      </p:pic>
-      <p:pic>
-        <p:nvPicPr>
-          <p:cNvPr id="68" name="Picture 67">
-            <a:extLst>
-              <a:ext uri="{FF2B5EF4-FFF2-40B4-BE49-F238E27FC236}">
-                <a16:creationId xmlns:a16="http://schemas.microsoft.com/office/drawing/2014/main" id="{EF42CAB6-67A7-4571-B07A-9E03E2E55E70}"/>
-              </a:ext>
-            </a:extLst>
-          </p:cNvPr>
-          <p:cNvPicPr>
-            <a:picLocks noChangeAspect="1"/>
-          </p:cNvPicPr>
-          <p:nvPr/>
-        </p:nvPicPr>
-        <p:blipFill rotWithShape="1">
-          <a:blip r:embed="rId3"/>
-          <a:srcRect t="46965" r="89917" b="-1"/>
-          <a:stretch/>
-        </p:blipFill>
-        <p:spPr>
-          <a:xfrm rot="5400000">
-            <a:off x="5998240" y="1145908"/>
-            <a:ext cx="649255" cy="606197"/>
-          </a:xfrm>
-          <a:prstGeom prst="rect">
-            <a:avLst/>
-          </a:prstGeom>
-        </p:spPr>
-      </p:pic>
-      <p:pic>
-        <p:nvPicPr>
-          <p:cNvPr id="69" name="Picture 68">
-            <a:extLst>
-              <a:ext uri="{FF2B5EF4-FFF2-40B4-BE49-F238E27FC236}">
-                <a16:creationId xmlns:a16="http://schemas.microsoft.com/office/drawing/2014/main" id="{B4BFD534-F2A8-463A-8154-948C35EBD6BA}"/>
-              </a:ext>
-            </a:extLst>
-          </p:cNvPr>
-          <p:cNvPicPr>
-            <a:picLocks noChangeAspect="1"/>
-          </p:cNvPicPr>
-          <p:nvPr/>
-        </p:nvPicPr>
-        <p:blipFill>
-          <a:blip r:embed="rId2"/>
-          <a:stretch>
-            <a:fillRect/>
-          </a:stretch>
-        </p:blipFill>
-        <p:spPr>
-          <a:xfrm>
-            <a:off x="6515471" y="1016413"/>
-            <a:ext cx="3578787" cy="455567"/>
-          </a:xfrm>
-          <a:prstGeom prst="rect">
-            <a:avLst/>
-          </a:prstGeom>
-        </p:spPr>
-      </p:pic>
-      <p:pic>
-        <p:nvPicPr>
-          <p:cNvPr id="62" name="Picture 61">
-            <a:extLst>
-              <a:ext uri="{FF2B5EF4-FFF2-40B4-BE49-F238E27FC236}">
-                <a16:creationId xmlns:a16="http://schemas.microsoft.com/office/drawing/2014/main" id="{4EED9D41-8252-4D4A-ABA8-CF3B2BBF9795}"/>
-              </a:ext>
-            </a:extLst>
-          </p:cNvPr>
-          <p:cNvPicPr>
-            <a:picLocks noChangeAspect="1"/>
-          </p:cNvPicPr>
-          <p:nvPr/>
-        </p:nvPicPr>
-        <p:blipFill rotWithShape="1">
-          <a:blip r:embed="rId4">
-            <a:extLst>
-              <a:ext uri="{BEBA8EAE-BF5A-486C-A8C5-ECC9F3942E4B}">
-                <a14:imgProps xmlns:a14="http://schemas.microsoft.com/office/drawing/2010/main">
-                  <a14:imgLayer r:embed="rId5">
-                    <a14:imgEffect>
-                      <a14:backgroundRemoval t="36547" b="62196" l="20851" r="33425">
-                        <a14:foregroundMark x1="27632" y1="52551" x2="27632" y2="52551"/>
-                        <a14:foregroundMark x1="27632" y1="54847" x2="27632" y2="54847"/>
-                        <a14:foregroundMark x1="28421" y1="53827" x2="28421" y2="53827"/>
-                        <a14:foregroundMark x1="25132" y1="54082" x2="25132" y2="54082"/>
-                        <a14:foregroundMark x1="25000" y1="48980" x2="25000" y2="48980"/>
-                        <a14:foregroundMark x1="27237" y1="46173" x2="27237" y2="46173"/>
-                        <a14:foregroundMark x1="26316" y1="44388" x2="26316" y2="44388"/>
-                        <a14:foregroundMark x1="25526" y1="43112" x2="25526" y2="43112"/>
-                        <a14:foregroundMark x1="23947" y1="46173" x2="23947" y2="46173"/>
-                        <a14:foregroundMark x1="27763" y1="44133" x2="27763" y2="44133"/>
-                        <a14:foregroundMark x1="24079" y1="59694" x2="24079" y2="59694"/>
-                        <a14:foregroundMark x1="28158" y1="58929" x2="28158" y2="58929"/>
-                        <a14:foregroundMark x1="28684" y1="58673" x2="28684" y2="58673"/>
-                        <a14:foregroundMark x1="27895" y1="49745" x2="27895" y2="49745"/>
-                      </a14:backgroundRemoval>
-                    </a14:imgEffect>
-                  </a14:imgLayer>
-                </a14:imgProps>
-              </a:ext>
-            </a:extLst>
-          </a:blip>
-          <a:srcRect l="19279" t="33341" r="65003" b="34598"/>
-          <a:stretch/>
-        </p:blipFill>
-        <p:spPr>
-          <a:xfrm>
-            <a:off x="7444424" y="801709"/>
-            <a:ext cx="769173" cy="809274"/>
-          </a:xfrm>
-          <a:prstGeom prst="rect">
-            <a:avLst/>
-          </a:prstGeom>
-        </p:spPr>
-      </p:pic>
-      <p:sp>
-        <p:nvSpPr>
-          <p:cNvPr id="70" name="TextBox 69">
-            <a:extLst>
-              <a:ext uri="{FF2B5EF4-FFF2-40B4-BE49-F238E27FC236}">
-                <a16:creationId xmlns:a16="http://schemas.microsoft.com/office/drawing/2014/main" id="{0332E6B7-B98C-40D7-A1EC-15073738BA64}"/>
-              </a:ext>
-            </a:extLst>
-          </p:cNvPr>
-          <p:cNvSpPr txBox="1"/>
-          <p:nvPr/>
-        </p:nvSpPr>
-        <p:spPr>
-          <a:xfrm>
-            <a:off x="6910939" y="1531212"/>
-            <a:ext cx="1918987" cy="369332"/>
-          </a:xfrm>
-          <a:prstGeom prst="rect">
-            <a:avLst/>
-          </a:prstGeom>
-          <a:noFill/>
-        </p:spPr>
-        <p:txBody>
-          <a:bodyPr wrap="none" rtlCol="0">
-            <a:spAutoFit/>
-          </a:bodyPr>
-          <a:lstStyle/>
-          <a:p>
-            <a:r>
-              <a:rPr lang="es-CO" b="1" dirty="0" err="1"/>
-              <a:t>Wrapper</a:t>
-            </a:r>
-            <a:r>
-              <a:rPr lang="es-CO" b="1" dirty="0"/>
-              <a:t> </a:t>
-            </a:r>
-            <a:r>
-              <a:rPr lang="es-CO" b="1" dirty="0" err="1"/>
-              <a:t>methods</a:t>
-            </a:r>
-            <a:endParaRPr lang="en-GB" b="1" dirty="0"/>
-          </a:p>
-        </p:txBody>
-      </p:sp>
-      <p:sp>
-        <p:nvSpPr>
-          <p:cNvPr id="71" name="TextBox 70">
-            <a:extLst>
-              <a:ext uri="{FF2B5EF4-FFF2-40B4-BE49-F238E27FC236}">
-                <a16:creationId xmlns:a16="http://schemas.microsoft.com/office/drawing/2014/main" id="{E43C7A6E-BE26-4750-A975-57AC79EE5985}"/>
-              </a:ext>
-            </a:extLst>
-          </p:cNvPr>
-          <p:cNvSpPr txBox="1"/>
-          <p:nvPr/>
-        </p:nvSpPr>
-        <p:spPr>
-          <a:xfrm>
-            <a:off x="6864834" y="1867764"/>
-            <a:ext cx="2493826" cy="276999"/>
-          </a:xfrm>
-          <a:prstGeom prst="rect">
-            <a:avLst/>
-          </a:prstGeom>
-          <a:noFill/>
-        </p:spPr>
-        <p:txBody>
-          <a:bodyPr wrap="square" rtlCol="0">
-            <a:spAutoFit/>
-          </a:bodyPr>
-          <a:lstStyle/>
-          <a:p>
-            <a:r>
-              <a:rPr lang="es-CO" sz="1200" dirty="0"/>
-              <a:t>Step Forward </a:t>
-            </a:r>
-            <a:r>
-              <a:rPr lang="es-CO" sz="1200" dirty="0" err="1"/>
-              <a:t>feature</a:t>
-            </a:r>
-            <a:r>
-              <a:rPr lang="es-CO" sz="1200" dirty="0"/>
-              <a:t> </a:t>
-            </a:r>
-            <a:r>
-              <a:rPr lang="es-CO" sz="1200" dirty="0" err="1"/>
-              <a:t>selection</a:t>
-            </a:r>
-            <a:endParaRPr lang="en-GB" sz="1200" dirty="0"/>
-          </a:p>
-        </p:txBody>
-      </p:sp>
-      <p:pic>
-        <p:nvPicPr>
-          <p:cNvPr id="72" name="Picture 71">
-            <a:extLst>
-              <a:ext uri="{FF2B5EF4-FFF2-40B4-BE49-F238E27FC236}">
-                <a16:creationId xmlns:a16="http://schemas.microsoft.com/office/drawing/2014/main" id="{58146D2A-2D20-4FA3-99B0-B1470C2D3611}"/>
-              </a:ext>
-            </a:extLst>
-          </p:cNvPr>
-          <p:cNvPicPr>
-            <a:picLocks noChangeAspect="1"/>
-          </p:cNvPicPr>
-          <p:nvPr/>
-        </p:nvPicPr>
-        <p:blipFill rotWithShape="1">
-          <a:blip r:embed="rId3"/>
-          <a:srcRect t="46965" r="89917" b="-1"/>
-          <a:stretch/>
-        </p:blipFill>
-        <p:spPr>
-          <a:xfrm rot="10800000">
-            <a:off x="9934371" y="1010260"/>
-            <a:ext cx="649255" cy="606197"/>
-          </a:xfrm>
-          <a:prstGeom prst="rect">
-            <a:avLst/>
-          </a:prstGeom>
-        </p:spPr>
-      </p:pic>
-      <p:pic>
-        <p:nvPicPr>
-          <p:cNvPr id="73" name="Picture 72">
-            <a:extLst>
-              <a:ext uri="{FF2B5EF4-FFF2-40B4-BE49-F238E27FC236}">
-                <a16:creationId xmlns:a16="http://schemas.microsoft.com/office/drawing/2014/main" id="{66EB94AD-E807-4416-8871-A6FE611C892D}"/>
-              </a:ext>
-            </a:extLst>
-          </p:cNvPr>
-          <p:cNvPicPr>
-            <a:picLocks noChangeAspect="1"/>
-          </p:cNvPicPr>
-          <p:nvPr/>
-        </p:nvPicPr>
-        <p:blipFill>
-          <a:blip r:embed="rId2"/>
-          <a:stretch>
-            <a:fillRect/>
-          </a:stretch>
-        </p:blipFill>
-        <p:spPr>
-          <a:xfrm rot="5400000">
-            <a:off x="9853788" y="1933405"/>
-            <a:ext cx="1216373" cy="457992"/>
-          </a:xfrm>
-          <a:prstGeom prst="rect">
-            <a:avLst/>
-          </a:prstGeom>
-        </p:spPr>
-      </p:pic>
-      <p:pic>
-        <p:nvPicPr>
-          <p:cNvPr id="63" name="Picture 62">
-            <a:extLst>
-              <a:ext uri="{FF2B5EF4-FFF2-40B4-BE49-F238E27FC236}">
-                <a16:creationId xmlns:a16="http://schemas.microsoft.com/office/drawing/2014/main" id="{E4A8F5EE-CFB2-41D8-9BFA-777325353E8E}"/>
-              </a:ext>
-            </a:extLst>
-          </p:cNvPr>
-          <p:cNvPicPr>
-            <a:picLocks noChangeAspect="1"/>
-          </p:cNvPicPr>
-          <p:nvPr/>
-        </p:nvPicPr>
-        <p:blipFill rotWithShape="1">
-          <a:blip r:embed="rId6"/>
-          <a:srcRect l="40011" t="67938" r="42279" b="4734"/>
-          <a:stretch/>
-        </p:blipFill>
-        <p:spPr>
-          <a:xfrm>
-            <a:off x="10094258" y="2264836"/>
-            <a:ext cx="866660" cy="689770"/>
-          </a:xfrm>
-          <a:prstGeom prst="rect">
-            <a:avLst/>
-          </a:prstGeom>
-        </p:spPr>
-      </p:pic>
-      <p:sp>
-        <p:nvSpPr>
-          <p:cNvPr id="74" name="TextBox 73">
-            <a:extLst>
-              <a:ext uri="{FF2B5EF4-FFF2-40B4-BE49-F238E27FC236}">
-                <a16:creationId xmlns:a16="http://schemas.microsoft.com/office/drawing/2014/main" id="{30501AB9-519D-493B-86E7-C7B5E9E726C8}"/>
-              </a:ext>
-            </a:extLst>
-          </p:cNvPr>
-          <p:cNvSpPr txBox="1"/>
-          <p:nvPr/>
-        </p:nvSpPr>
-        <p:spPr>
-          <a:xfrm>
-            <a:off x="10698518" y="1596368"/>
-            <a:ext cx="1445076" cy="369332"/>
-          </a:xfrm>
-          <a:prstGeom prst="rect">
-            <a:avLst/>
-          </a:prstGeom>
-          <a:noFill/>
-        </p:spPr>
-        <p:txBody>
-          <a:bodyPr wrap="none" rtlCol="0">
-            <a:spAutoFit/>
-          </a:bodyPr>
-          <a:lstStyle/>
-          <a:p>
-            <a:r>
-              <a:rPr lang="es-CO" b="1" dirty="0" err="1"/>
-              <a:t>DataSet</a:t>
-            </a:r>
-            <a:r>
-              <a:rPr lang="es-CO" b="1" dirty="0"/>
-              <a:t> Final</a:t>
-            </a:r>
-            <a:endParaRPr lang="en-GB" b="1" dirty="0"/>
-          </a:p>
-        </p:txBody>
-      </p:sp>
-    </p:spTree>
-    <p:extLst>
-      <p:ext uri="{BB962C8B-B14F-4D97-AF65-F5344CB8AC3E}">
-        <p14:creationId xmlns:p14="http://schemas.microsoft.com/office/powerpoint/2010/main" val="4130943179"/>
-      </p:ext>
-    </p:extLst>
-  </p:cSld>
-  <p:clrMapOvr>
-    <a:masterClrMapping/>
-  </p:clrMapOvr>
-</p:sld>
-</file>
-
-<file path=ppt/slides/slide2.xml><?xml version="1.0" encoding="utf-8"?>
-<p:sld xmlns:a="http://schemas.openxmlformats.org/drawingml/2006/main" xmlns:r="http://schemas.openxmlformats.org/officeDocument/2006/relationships" xmlns:p="http://schemas.openxmlformats.org/presentationml/2006/main">
-  <p:cSld>
-    <p:spTree>
-      <p:nvGrpSpPr>
-        <p:cNvPr id="1" name=""/>
-        <p:cNvGrpSpPr/>
-        <p:nvPr/>
-      </p:nvGrpSpPr>
-      <p:grpSpPr>
-        <a:xfrm>
-          <a:off x="0" y="0"/>
-          <a:ext cx="0" cy="0"/>
-          <a:chOff x="0" y="0"/>
-          <a:chExt cx="0" cy="0"/>
-        </a:xfrm>
-      </p:grpSpPr>
-      <p:sp>
-        <p:nvSpPr>
-          <p:cNvPr id="3081" name="Content Placeholder 3077">
-            <a:extLst>
-              <a:ext uri="{FF2B5EF4-FFF2-40B4-BE49-F238E27FC236}">
-                <a16:creationId xmlns:a16="http://schemas.microsoft.com/office/drawing/2014/main" id="{5CFEDB38-A870-4D98-92F7-650BE349A85E}"/>
-              </a:ext>
-            </a:extLst>
-          </p:cNvPr>
-          <p:cNvSpPr>
-            <a:spLocks noGrp="1"/>
-          </p:cNvSpPr>
-          <p:nvPr>
-            <p:ph idx="1"/>
-          </p:nvPr>
-        </p:nvSpPr>
-        <p:spPr>
-          <a:xfrm>
-            <a:off x="4965431" y="2438400"/>
-            <a:ext cx="6586489" cy="3785419"/>
-          </a:xfrm>
-        </p:spPr>
-        <p:txBody>
-          <a:bodyPr>
-            <a:normAutofit/>
-          </a:bodyPr>
-          <a:lstStyle/>
-          <a:p>
-            <a:pPr marL="457200" indent="-457200">
-              <a:buFont typeface="+mj-lt"/>
-              <a:buAutoNum type="arabicPeriod"/>
-            </a:pPr>
-            <a:r>
-              <a:rPr lang="es-CO" sz="2000" dirty="0">
-                <a:solidFill>
-                  <a:srgbClr val="1B2335"/>
-                </a:solidFill>
-                <a:cs typeface="Arial" panose="020B0604020202020204" pitchFamily="34" charset="0"/>
-              </a:rPr>
-              <a:t>¿Cuál es la metodología usada para el desarrollo del proyecto?</a:t>
-            </a:r>
-          </a:p>
-          <a:p>
-            <a:pPr marL="457200" indent="-457200">
-              <a:buFont typeface="+mj-lt"/>
-              <a:buAutoNum type="arabicPeriod"/>
-            </a:pPr>
-            <a:r>
-              <a:rPr lang="es-CO" sz="2000" dirty="0">
-                <a:solidFill>
-                  <a:srgbClr val="1B2335"/>
-                </a:solidFill>
-                <a:cs typeface="Arial" panose="020B0604020202020204" pitchFamily="34" charset="0"/>
-              </a:rPr>
-              <a:t>¿Por qué el hurto en Medellín? </a:t>
-            </a:r>
-          </a:p>
-          <a:p>
-            <a:pPr marL="457200" indent="-457200">
-              <a:buFont typeface="+mj-lt"/>
-              <a:buAutoNum type="arabicPeriod"/>
-            </a:pPr>
-            <a:r>
-              <a:rPr lang="es-CO" sz="2000" dirty="0">
-                <a:solidFill>
-                  <a:srgbClr val="1B2335"/>
-                </a:solidFill>
-                <a:cs typeface="Arial" panose="020B0604020202020204" pitchFamily="34" charset="0"/>
-              </a:rPr>
-              <a:t>¿Cuáles son nuestros recursos?</a:t>
-            </a:r>
-          </a:p>
-          <a:p>
-            <a:pPr marL="457200" indent="-457200">
-              <a:buFont typeface="+mj-lt"/>
-              <a:buAutoNum type="arabicPeriod"/>
-            </a:pPr>
-            <a:r>
-              <a:rPr lang="es-CO" sz="2000" dirty="0">
-                <a:solidFill>
-                  <a:srgbClr val="1B2335"/>
-                </a:solidFill>
-                <a:cs typeface="Arial" panose="020B0604020202020204" pitchFamily="34" charset="0"/>
-              </a:rPr>
-              <a:t>Análisis de descriptores.</a:t>
-            </a:r>
-          </a:p>
-          <a:p>
-            <a:pPr marL="457200" indent="-457200">
-              <a:buFont typeface="+mj-lt"/>
-              <a:buAutoNum type="arabicPeriod"/>
-            </a:pPr>
-            <a:r>
-              <a:rPr lang="es-CO" sz="2000" dirty="0">
-                <a:solidFill>
-                  <a:srgbClr val="1B2335"/>
-                </a:solidFill>
-                <a:cs typeface="Arial" panose="020B0604020202020204" pitchFamily="34" charset="0"/>
-              </a:rPr>
-              <a:t>Competencia de Métodos de Clustering</a:t>
-            </a:r>
-          </a:p>
-          <a:p>
-            <a:pPr marL="457200" indent="-457200">
-              <a:buFont typeface="+mj-lt"/>
-              <a:buAutoNum type="arabicPeriod"/>
-            </a:pPr>
-            <a:r>
-              <a:rPr lang="es-CO" sz="2000" dirty="0">
-                <a:solidFill>
-                  <a:srgbClr val="1B2335"/>
-                </a:solidFill>
-                <a:cs typeface="Arial" panose="020B0604020202020204" pitchFamily="34" charset="0"/>
-              </a:rPr>
-              <a:t>Predicción de hurto de motos</a:t>
-            </a:r>
-          </a:p>
-          <a:p>
-            <a:pPr marL="457200" indent="-457200">
-              <a:buFont typeface="+mj-lt"/>
-              <a:buAutoNum type="arabicPeriod"/>
-            </a:pPr>
-            <a:r>
-              <a:rPr lang="es-CO" sz="2000" dirty="0">
-                <a:solidFill>
-                  <a:srgbClr val="1B2335"/>
-                </a:solidFill>
-                <a:cs typeface="Arial" panose="020B0604020202020204" pitchFamily="34" charset="0"/>
-              </a:rPr>
-              <a:t>Revisión final del modelo y próximos pasos</a:t>
-            </a:r>
-          </a:p>
-        </p:txBody>
-      </p:sp>
-      <p:pic>
-        <p:nvPicPr>
-          <p:cNvPr id="1026" name="Picture 2" descr="How Machine Learning Will Shape the Ecommerce Industry">
-            <a:extLst>
-              <a:ext uri="{FF2B5EF4-FFF2-40B4-BE49-F238E27FC236}">
-                <a16:creationId xmlns:a16="http://schemas.microsoft.com/office/drawing/2014/main" id="{62EFC6B5-C90B-4864-B827-F77198CF88EF}"/>
-              </a:ext>
-            </a:extLst>
-          </p:cNvPr>
-          <p:cNvPicPr>
-            <a:picLocks noChangeAspect="1" noChangeArrowheads="1"/>
-          </p:cNvPicPr>
-          <p:nvPr/>
-        </p:nvPicPr>
-        <p:blipFill rotWithShape="1">
-          <a:blip r:embed="rId3">
-            <a:extLst>
-              <a:ext uri="{28A0092B-C50C-407E-A947-70E740481C1C}">
-                <a14:useLocalDpi xmlns:a14="http://schemas.microsoft.com/office/drawing/2010/main" val="0"/>
-              </a:ext>
-            </a:extLst>
-          </a:blip>
-          <a:srcRect l="26399" r="35748"/>
-          <a:stretch/>
-        </p:blipFill>
-        <p:spPr bwMode="auto">
-          <a:xfrm>
-            <a:off x="20" y="10"/>
-            <a:ext cx="4635571" cy="6857990"/>
-          </a:xfrm>
-          <a:prstGeom prst="rect">
-            <a:avLst/>
-          </a:prstGeom>
-          <a:noFill/>
-          <a:effectLst/>
-          <a:extLst>
-            <a:ext uri="{909E8E84-426E-40DD-AFC4-6F175D3DCCD1}">
-              <a14:hiddenFill xmlns:a14="http://schemas.microsoft.com/office/drawing/2010/main">
-                <a:solidFill>
-                  <a:srgbClr val="FFFFFF"/>
-                </a:solidFill>
-              </a14:hiddenFill>
-            </a:ext>
-          </a:extLst>
-        </p:spPr>
-      </p:pic>
-      <p:sp>
-        <p:nvSpPr>
-          <p:cNvPr id="3" name="Rectangle 2">
-            <a:extLst>
-              <a:ext uri="{FF2B5EF4-FFF2-40B4-BE49-F238E27FC236}">
-                <a16:creationId xmlns:a16="http://schemas.microsoft.com/office/drawing/2014/main" id="{BC4CD921-2352-42C2-8314-1A7220BEA74E}"/>
-              </a:ext>
-            </a:extLst>
-          </p:cNvPr>
-          <p:cNvSpPr/>
-          <p:nvPr/>
-        </p:nvSpPr>
-        <p:spPr>
-          <a:xfrm>
-            <a:off x="0" y="0"/>
-            <a:ext cx="4635571" cy="6857990"/>
-          </a:xfrm>
-          <a:prstGeom prst="rect">
-            <a:avLst/>
-          </a:prstGeom>
-          <a:solidFill>
-            <a:schemeClr val="tx1">
-              <a:lumMod val="95000"/>
-              <a:lumOff val="5000"/>
-              <a:alpha val="50000"/>
-            </a:schemeClr>
-          </a:solidFill>
-          <a:ln>
-            <a:noFill/>
-          </a:ln>
-        </p:spPr>
-        <p:style>
-          <a:lnRef idx="0">
-            <a:scrgbClr r="0" g="0" b="0"/>
-          </a:lnRef>
-          <a:fillRef idx="0">
-            <a:scrgbClr r="0" g="0" b="0"/>
-          </a:fillRef>
-          <a:effectRef idx="0">
-            <a:scrgbClr r="0" g="0" b="0"/>
-          </a:effectRef>
-          <a:fontRef idx="minor">
-            <a:schemeClr val="lt1"/>
-          </a:fontRef>
-        </p:style>
-        <p:txBody>
-          <a:bodyPr rtlCol="0" anchor="ctr"/>
-          <a:lstStyle/>
-          <a:p>
-            <a:pPr algn="ctr"/>
-            <a:endParaRPr lang="en-GB" dirty="0"/>
-          </a:p>
-        </p:txBody>
-      </p:sp>
-      <p:sp>
-        <p:nvSpPr>
-          <p:cNvPr id="7" name="Google Shape;117;p6">
-            <a:extLst>
-              <a:ext uri="{FF2B5EF4-FFF2-40B4-BE49-F238E27FC236}">
-                <a16:creationId xmlns:a16="http://schemas.microsoft.com/office/drawing/2014/main" id="{66CE2CE1-5779-48C4-9295-B470B247E8CD}"/>
-              </a:ext>
-            </a:extLst>
-          </p:cNvPr>
-          <p:cNvSpPr txBox="1"/>
-          <p:nvPr/>
-        </p:nvSpPr>
-        <p:spPr>
-          <a:xfrm>
-            <a:off x="4533936" y="1145992"/>
-            <a:ext cx="717199" cy="769441"/>
-          </a:xfrm>
-          <a:prstGeom prst="rect">
-            <a:avLst/>
-          </a:prstGeom>
-          <a:noFill/>
-          <a:ln>
-            <a:noFill/>
-          </a:ln>
-        </p:spPr>
-        <p:txBody>
-          <a:bodyPr spcFirstLastPara="1" wrap="square" lIns="91425" tIns="45700" rIns="91425" bIns="45700" anchor="t" anchorCtr="0">
-            <a:spAutoFit/>
-          </a:bodyPr>
-          <a:lstStyle/>
-          <a:p>
-            <a:pPr marL="0" marR="0" lvl="0" indent="0" algn="ctr" rtl="0">
-              <a:spcBef>
-                <a:spcPts val="0"/>
-              </a:spcBef>
-              <a:spcAft>
-                <a:spcPts val="0"/>
-              </a:spcAft>
-              <a:buNone/>
-            </a:pPr>
-            <a:r>
-              <a:rPr lang="es-CO" sz="4400" b="1" dirty="0">
-                <a:solidFill>
-                  <a:srgbClr val="04BDB4"/>
-                </a:solidFill>
-                <a:latin typeface="Arial Black"/>
-                <a:ea typeface="Arial Black"/>
-                <a:cs typeface="Arial Black"/>
-                <a:sym typeface="Arial Black"/>
-              </a:rPr>
-              <a:t>|</a:t>
-            </a:r>
-            <a:endParaRPr dirty="0"/>
-          </a:p>
-        </p:txBody>
-      </p:sp>
-      <p:sp>
-        <p:nvSpPr>
-          <p:cNvPr id="8" name="Google Shape;112;p6">
-            <a:extLst>
-              <a:ext uri="{FF2B5EF4-FFF2-40B4-BE49-F238E27FC236}">
-                <a16:creationId xmlns:a16="http://schemas.microsoft.com/office/drawing/2014/main" id="{C76EFD6A-141F-4D57-B68D-396D2EA99E20}"/>
-              </a:ext>
-            </a:extLst>
-          </p:cNvPr>
-          <p:cNvSpPr txBox="1"/>
-          <p:nvPr/>
-        </p:nvSpPr>
-        <p:spPr>
-          <a:xfrm>
-            <a:off x="4965431" y="1115213"/>
-            <a:ext cx="5295639" cy="830997"/>
-          </a:xfrm>
-          <a:prstGeom prst="rect">
-            <a:avLst/>
-          </a:prstGeom>
-          <a:noFill/>
-          <a:ln>
-            <a:noFill/>
-          </a:ln>
-        </p:spPr>
-        <p:txBody>
-          <a:bodyPr spcFirstLastPara="1" wrap="square" lIns="91425" tIns="45700" rIns="91425" bIns="45700" anchor="t" anchorCtr="0">
-            <a:spAutoFit/>
-          </a:bodyPr>
-          <a:lstStyle/>
-          <a:p>
-            <a:pPr marL="0" marR="0" lvl="0" indent="0" rtl="0">
-              <a:spcBef>
-                <a:spcPts val="0"/>
-              </a:spcBef>
-              <a:spcAft>
-                <a:spcPts val="0"/>
-              </a:spcAft>
-              <a:buNone/>
-            </a:pPr>
-            <a:r>
-              <a:rPr lang="es-CO" sz="4800" b="1" dirty="0">
-                <a:solidFill>
-                  <a:srgbClr val="1B2336"/>
-                </a:solidFill>
-                <a:latin typeface="Arial"/>
-                <a:ea typeface="Arial"/>
-                <a:cs typeface="Arial"/>
-                <a:sym typeface="Arial"/>
-              </a:rPr>
-              <a:t>Agenda</a:t>
-            </a:r>
-            <a:endParaRPr dirty="0"/>
-          </a:p>
-        </p:txBody>
-      </p:sp>
-      <p:cxnSp>
-        <p:nvCxnSpPr>
-          <p:cNvPr id="11" name="Google Shape;119;p6">
-            <a:extLst>
-              <a:ext uri="{FF2B5EF4-FFF2-40B4-BE49-F238E27FC236}">
-                <a16:creationId xmlns:a16="http://schemas.microsoft.com/office/drawing/2014/main" id="{DAA1CED6-8B90-48CF-8206-06F879E739DC}"/>
-              </a:ext>
-            </a:extLst>
-          </p:cNvPr>
-          <p:cNvCxnSpPr>
-            <a:cxnSpLocks/>
-          </p:cNvCxnSpPr>
-          <p:nvPr/>
-        </p:nvCxnSpPr>
-        <p:spPr>
-          <a:xfrm flipV="1">
-            <a:off x="8342976" y="1506111"/>
-            <a:ext cx="3856735" cy="24600"/>
-          </a:xfrm>
-          <a:prstGeom prst="straightConnector1">
-            <a:avLst/>
-          </a:prstGeom>
-          <a:noFill/>
-          <a:ln w="25400" cap="flat" cmpd="sng">
-            <a:solidFill>
-              <a:srgbClr val="1B2336"/>
-            </a:solidFill>
-            <a:prstDash val="solid"/>
-            <a:miter lim="800000"/>
-            <a:headEnd type="oval" w="med" len="med"/>
-            <a:tailEnd type="none" w="sm" len="sm"/>
-          </a:ln>
-        </p:spPr>
-      </p:cxnSp>
-    </p:spTree>
-    <p:extLst>
-      <p:ext uri="{BB962C8B-B14F-4D97-AF65-F5344CB8AC3E}">
-        <p14:creationId xmlns:p14="http://schemas.microsoft.com/office/powerpoint/2010/main" val="2073726431"/>
-      </p:ext>
-    </p:extLst>
-  </p:cSld>
-  <p:clrMapOvr>
-    <a:masterClrMapping/>
-  </p:clrMapOvr>
-  <mc:AlternateContent xmlns:mc="http://schemas.openxmlformats.org/markup-compatibility/2006" xmlns:p14="http://schemas.microsoft.com/office/powerpoint/2010/main">
-    <mc:Choice Requires="p14">
-      <p:transition spd="med" p14:dur="700">
-        <p:fade/>
-      </p:transition>
-    </mc:Choice>
-    <mc:Fallback xmlns="">
-      <p:transition spd="med">
-        <p:fade/>
-      </p:transition>
-    </mc:Fallback>
-  </mc:AlternateContent>
-</p:sld>
-</file>
-
-<file path=ppt/slides/slide20.xml><?xml version="1.0" encoding="utf-8"?>
 <p:sld xmlns:a="http://schemas.openxmlformats.org/drawingml/2006/main" xmlns:r="http://schemas.openxmlformats.org/officeDocument/2006/relationships" xmlns:p="http://schemas.openxmlformats.org/presentationml/2006/main">
   <p:cSld>
     <p:bg>
@@ -21375,6 +16457,3910 @@
 </p:sld>
 </file>
 
+<file path=ppt/slides/slide17.xml><?xml version="1.0" encoding="utf-8"?>
+<p:sld xmlns:a="http://schemas.openxmlformats.org/drawingml/2006/main" xmlns:r="http://schemas.openxmlformats.org/officeDocument/2006/relationships" xmlns:p="http://schemas.openxmlformats.org/presentationml/2006/main">
+  <p:cSld>
+    <p:spTree>
+      <p:nvGrpSpPr>
+        <p:cNvPr id="1" name=""/>
+        <p:cNvGrpSpPr/>
+        <p:nvPr/>
+      </p:nvGrpSpPr>
+      <p:grpSpPr>
+        <a:xfrm>
+          <a:off x="0" y="0"/>
+          <a:ext cx="0" cy="0"/>
+          <a:chOff x="0" y="0"/>
+          <a:chExt cx="0" cy="0"/>
+        </a:xfrm>
+      </p:grpSpPr>
+      <p:sp>
+        <p:nvSpPr>
+          <p:cNvPr id="4" name="Google Shape;112;p6">
+            <a:extLst>
+              <a:ext uri="{FF2B5EF4-FFF2-40B4-BE49-F238E27FC236}">
+                <a16:creationId xmlns:a16="http://schemas.microsoft.com/office/drawing/2014/main" id="{7BF8BAE0-DDB0-40DE-B227-E508C4C6FE5D}"/>
+              </a:ext>
+            </a:extLst>
+          </p:cNvPr>
+          <p:cNvSpPr txBox="1"/>
+          <p:nvPr/>
+        </p:nvSpPr>
+        <p:spPr>
+          <a:xfrm>
+            <a:off x="729342" y="319121"/>
+            <a:ext cx="6181597" cy="830956"/>
+          </a:xfrm>
+          <a:prstGeom prst="rect">
+            <a:avLst/>
+          </a:prstGeom>
+          <a:noFill/>
+          <a:ln>
+            <a:noFill/>
+          </a:ln>
+        </p:spPr>
+        <p:txBody>
+          <a:bodyPr spcFirstLastPara="1" wrap="square" lIns="91425" tIns="45700" rIns="91425" bIns="45700" anchor="t" anchorCtr="0">
+            <a:spAutoFit/>
+          </a:bodyPr>
+          <a:lstStyle/>
+          <a:p>
+            <a:pPr marL="0" marR="0" lvl="0" indent="0" rtl="0">
+              <a:spcBef>
+                <a:spcPts val="0"/>
+              </a:spcBef>
+              <a:spcAft>
+                <a:spcPts val="0"/>
+              </a:spcAft>
+              <a:buNone/>
+            </a:pPr>
+            <a:r>
+              <a:rPr lang="es-CO" sz="4800" b="1" dirty="0">
+                <a:solidFill>
+                  <a:srgbClr val="1B2336"/>
+                </a:solidFill>
+                <a:latin typeface="Arial"/>
+                <a:cs typeface="Arial"/>
+                <a:sym typeface="Arial"/>
+              </a:rPr>
+              <a:t>Ing. Características</a:t>
+            </a:r>
+            <a:endParaRPr lang="es-CO" dirty="0"/>
+          </a:p>
+        </p:txBody>
+      </p:sp>
+      <p:sp>
+        <p:nvSpPr>
+          <p:cNvPr id="5" name="Google Shape;117;p6">
+            <a:extLst>
+              <a:ext uri="{FF2B5EF4-FFF2-40B4-BE49-F238E27FC236}">
+                <a16:creationId xmlns:a16="http://schemas.microsoft.com/office/drawing/2014/main" id="{789374AE-5906-4CE2-AE32-861EEB840C78}"/>
+              </a:ext>
+            </a:extLst>
+          </p:cNvPr>
+          <p:cNvSpPr txBox="1"/>
+          <p:nvPr/>
+        </p:nvSpPr>
+        <p:spPr>
+          <a:xfrm>
+            <a:off x="225373" y="312176"/>
+            <a:ext cx="717199" cy="769441"/>
+          </a:xfrm>
+          <a:prstGeom prst="rect">
+            <a:avLst/>
+          </a:prstGeom>
+          <a:noFill/>
+          <a:ln>
+            <a:noFill/>
+          </a:ln>
+        </p:spPr>
+        <p:txBody>
+          <a:bodyPr spcFirstLastPara="1" wrap="square" lIns="91425" tIns="45700" rIns="91425" bIns="45700" anchor="t" anchorCtr="0">
+            <a:spAutoFit/>
+          </a:bodyPr>
+          <a:lstStyle/>
+          <a:p>
+            <a:pPr marL="0" marR="0" lvl="0" indent="0" algn="ctr" rtl="0">
+              <a:spcBef>
+                <a:spcPts val="0"/>
+              </a:spcBef>
+              <a:spcAft>
+                <a:spcPts val="0"/>
+              </a:spcAft>
+              <a:buNone/>
+            </a:pPr>
+            <a:r>
+              <a:rPr lang="es-CO" sz="4400" b="1" dirty="0">
+                <a:solidFill>
+                  <a:srgbClr val="04BDB4"/>
+                </a:solidFill>
+                <a:latin typeface="Arial Black"/>
+                <a:ea typeface="Arial Black"/>
+                <a:cs typeface="Arial Black"/>
+                <a:sym typeface="Arial Black"/>
+              </a:rPr>
+              <a:t>|</a:t>
+            </a:r>
+            <a:endParaRPr lang="es-CO" dirty="0"/>
+          </a:p>
+        </p:txBody>
+      </p:sp>
+      <p:cxnSp>
+        <p:nvCxnSpPr>
+          <p:cNvPr id="6" name="Google Shape;119;p6">
+            <a:extLst>
+              <a:ext uri="{FF2B5EF4-FFF2-40B4-BE49-F238E27FC236}">
+                <a16:creationId xmlns:a16="http://schemas.microsoft.com/office/drawing/2014/main" id="{9BA46B94-C025-44EC-8513-29B85B3D7D8E}"/>
+              </a:ext>
+            </a:extLst>
+          </p:cNvPr>
+          <p:cNvCxnSpPr>
+            <a:cxnSpLocks/>
+          </p:cNvCxnSpPr>
+          <p:nvPr/>
+        </p:nvCxnSpPr>
+        <p:spPr>
+          <a:xfrm>
+            <a:off x="6843562" y="786010"/>
+            <a:ext cx="5348382" cy="1"/>
+          </a:xfrm>
+          <a:prstGeom prst="straightConnector1">
+            <a:avLst/>
+          </a:prstGeom>
+          <a:noFill/>
+          <a:ln w="25400" cap="flat" cmpd="sng">
+            <a:solidFill>
+              <a:srgbClr val="1B2336"/>
+            </a:solidFill>
+            <a:prstDash val="solid"/>
+            <a:miter lim="800000"/>
+            <a:headEnd type="oval" w="med" len="med"/>
+            <a:tailEnd type="none" w="sm" len="sm"/>
+          </a:ln>
+        </p:spPr>
+      </p:cxnSp>
+      <p:pic>
+        <p:nvPicPr>
+          <p:cNvPr id="37" name="Picture 36">
+            <a:extLst>
+              <a:ext uri="{FF2B5EF4-FFF2-40B4-BE49-F238E27FC236}">
+                <a16:creationId xmlns:a16="http://schemas.microsoft.com/office/drawing/2014/main" id="{7BEF5B69-0A5D-4126-A6D6-5AAD244C2CAD}"/>
+              </a:ext>
+            </a:extLst>
+          </p:cNvPr>
+          <p:cNvPicPr>
+            <a:picLocks noChangeAspect="1"/>
+          </p:cNvPicPr>
+          <p:nvPr/>
+        </p:nvPicPr>
+        <p:blipFill rotWithShape="1">
+          <a:blip r:embed="rId2"/>
+          <a:srcRect t="27300" r="10497"/>
+          <a:stretch/>
+        </p:blipFill>
+        <p:spPr>
+          <a:xfrm>
+            <a:off x="942572" y="1171336"/>
+            <a:ext cx="5763028" cy="830957"/>
+          </a:xfrm>
+          <a:prstGeom prst="rect">
+            <a:avLst/>
+          </a:prstGeom>
+        </p:spPr>
+      </p:pic>
+      <p:sp>
+        <p:nvSpPr>
+          <p:cNvPr id="41" name="TextBox 40">
+            <a:extLst>
+              <a:ext uri="{FF2B5EF4-FFF2-40B4-BE49-F238E27FC236}">
+                <a16:creationId xmlns:a16="http://schemas.microsoft.com/office/drawing/2014/main" id="{1DCDE2BA-4EDC-4675-9FB5-B1A72FB42C19}"/>
+              </a:ext>
+            </a:extLst>
+          </p:cNvPr>
+          <p:cNvSpPr txBox="1"/>
+          <p:nvPr/>
+        </p:nvSpPr>
+        <p:spPr>
+          <a:xfrm>
+            <a:off x="4420136" y="1866191"/>
+            <a:ext cx="2417713" cy="369332"/>
+          </a:xfrm>
+          <a:prstGeom prst="rect">
+            <a:avLst/>
+          </a:prstGeom>
+          <a:noFill/>
+        </p:spPr>
+        <p:txBody>
+          <a:bodyPr wrap="none" rtlCol="0">
+            <a:spAutoFit/>
+          </a:bodyPr>
+          <a:lstStyle/>
+          <a:p>
+            <a:r>
+              <a:rPr lang="es-CO" b="1" dirty="0"/>
+              <a:t>Selección y Exploración</a:t>
+            </a:r>
+            <a:endParaRPr lang="en-GB" b="1" dirty="0"/>
+          </a:p>
+        </p:txBody>
+      </p:sp>
+      <p:pic>
+        <p:nvPicPr>
+          <p:cNvPr id="42" name="Picture 41">
+            <a:extLst>
+              <a:ext uri="{FF2B5EF4-FFF2-40B4-BE49-F238E27FC236}">
+                <a16:creationId xmlns:a16="http://schemas.microsoft.com/office/drawing/2014/main" id="{8BA68F6F-2F1D-449D-929C-1914F9CD70C6}"/>
+              </a:ext>
+            </a:extLst>
+          </p:cNvPr>
+          <p:cNvPicPr>
+            <a:picLocks noChangeAspect="1"/>
+          </p:cNvPicPr>
+          <p:nvPr/>
+        </p:nvPicPr>
+        <p:blipFill>
+          <a:blip r:embed="rId3"/>
+          <a:stretch>
+            <a:fillRect/>
+          </a:stretch>
+        </p:blipFill>
+        <p:spPr>
+          <a:xfrm>
+            <a:off x="6705601" y="1513889"/>
+            <a:ext cx="2166796" cy="475035"/>
+          </a:xfrm>
+          <a:prstGeom prst="rect">
+            <a:avLst/>
+          </a:prstGeom>
+        </p:spPr>
+      </p:pic>
+      <p:pic>
+        <p:nvPicPr>
+          <p:cNvPr id="38" name="Picture 37">
+            <a:extLst>
+              <a:ext uri="{FF2B5EF4-FFF2-40B4-BE49-F238E27FC236}">
+                <a16:creationId xmlns:a16="http://schemas.microsoft.com/office/drawing/2014/main" id="{3C6B4BFD-693D-48F2-B156-10F834340295}"/>
+              </a:ext>
+            </a:extLst>
+          </p:cNvPr>
+          <p:cNvPicPr>
+            <a:picLocks noChangeAspect="1"/>
+          </p:cNvPicPr>
+          <p:nvPr/>
+        </p:nvPicPr>
+        <p:blipFill>
+          <a:blip r:embed="rId4">
+            <a:extLst>
+              <a:ext uri="{BEBA8EAE-BF5A-486C-A8C5-ECC9F3942E4B}">
+                <a14:imgProps xmlns:a14="http://schemas.microsoft.com/office/drawing/2010/main">
+                  <a14:imgLayer r:embed="rId5">
+                    <a14:imgEffect>
+                      <a14:backgroundRemoval t="10000" b="90000" l="10000" r="90000">
+                        <a14:foregroundMark x1="63158" y1="60000" x2="63158" y2="60000"/>
+                        <a14:foregroundMark x1="55263" y1="47143" x2="55263" y2="47143"/>
+                        <a14:foregroundMark x1="55263" y1="84286" x2="55263" y2="84286"/>
+                        <a14:foregroundMark x1="31579" y1="81429" x2="60526" y2="24286"/>
+                        <a14:foregroundMark x1="60526" y1="24286" x2="85965" y2="82857"/>
+                        <a14:foregroundMark x1="85965" y1="82857" x2="32456" y2="85714"/>
+                        <a14:foregroundMark x1="28947" y1="82857" x2="39474" y2="71429"/>
+                        <a14:foregroundMark x1="31579" y1="60000" x2="34211" y2="61429"/>
+                        <a14:foregroundMark x1="89474" y1="85714" x2="89474" y2="85714"/>
+                      </a14:backgroundRemoval>
+                    </a14:imgEffect>
+                  </a14:imgLayer>
+                </a14:imgProps>
+              </a:ext>
+            </a:extLst>
+          </a:blip>
+          <a:stretch>
+            <a:fillRect/>
+          </a:stretch>
+        </p:blipFill>
+        <p:spPr>
+          <a:xfrm>
+            <a:off x="4959275" y="1309553"/>
+            <a:ext cx="961390" cy="590327"/>
+          </a:xfrm>
+          <a:prstGeom prst="rect">
+            <a:avLst/>
+          </a:prstGeom>
+        </p:spPr>
+      </p:pic>
+      <p:sp>
+        <p:nvSpPr>
+          <p:cNvPr id="45" name="TextBox 44">
+            <a:extLst>
+              <a:ext uri="{FF2B5EF4-FFF2-40B4-BE49-F238E27FC236}">
+                <a16:creationId xmlns:a16="http://schemas.microsoft.com/office/drawing/2014/main" id="{44586403-FD37-4613-909B-7D445D6B6211}"/>
+              </a:ext>
+            </a:extLst>
+          </p:cNvPr>
+          <p:cNvSpPr txBox="1"/>
+          <p:nvPr/>
+        </p:nvSpPr>
+        <p:spPr>
+          <a:xfrm>
+            <a:off x="9550828" y="1681525"/>
+            <a:ext cx="1593450" cy="369332"/>
+          </a:xfrm>
+          <a:prstGeom prst="rect">
+            <a:avLst/>
+          </a:prstGeom>
+          <a:noFill/>
+        </p:spPr>
+        <p:txBody>
+          <a:bodyPr wrap="none" rtlCol="0">
+            <a:spAutoFit/>
+          </a:bodyPr>
+          <a:lstStyle/>
+          <a:p>
+            <a:r>
+              <a:rPr lang="es-CO" b="1" dirty="0"/>
+              <a:t>Métodos Filtro</a:t>
+            </a:r>
+            <a:endParaRPr lang="en-GB" b="1" dirty="0"/>
+          </a:p>
+        </p:txBody>
+      </p:sp>
+      <p:sp>
+        <p:nvSpPr>
+          <p:cNvPr id="46" name="TextBox 45">
+            <a:extLst>
+              <a:ext uri="{FF2B5EF4-FFF2-40B4-BE49-F238E27FC236}">
+                <a16:creationId xmlns:a16="http://schemas.microsoft.com/office/drawing/2014/main" id="{5FF8C96D-2083-47E5-AE69-1D771CFACD94}"/>
+              </a:ext>
+            </a:extLst>
+          </p:cNvPr>
+          <p:cNvSpPr txBox="1"/>
+          <p:nvPr/>
+        </p:nvSpPr>
+        <p:spPr>
+          <a:xfrm>
+            <a:off x="9613417" y="2050857"/>
+            <a:ext cx="2493826" cy="1384995"/>
+          </a:xfrm>
+          <a:prstGeom prst="rect">
+            <a:avLst/>
+          </a:prstGeom>
+          <a:noFill/>
+        </p:spPr>
+        <p:txBody>
+          <a:bodyPr wrap="square" rtlCol="0">
+            <a:spAutoFit/>
+          </a:bodyPr>
+          <a:lstStyle/>
+          <a:p>
+            <a:pPr marL="171450" indent="-171450">
+              <a:buFont typeface="Arial" panose="020B0604020202020204" pitchFamily="34" charset="0"/>
+              <a:buChar char="•"/>
+            </a:pPr>
+            <a:r>
+              <a:rPr lang="es-CO" sz="1200" u="sng" dirty="0"/>
+              <a:t>Constantes:</a:t>
+            </a:r>
+            <a:r>
+              <a:rPr lang="es-CO" sz="1200" dirty="0"/>
+              <a:t> Mismo valor en toda la variable.</a:t>
+            </a:r>
+          </a:p>
+          <a:p>
+            <a:pPr marL="171450" indent="-171450">
+              <a:buFont typeface="Arial" panose="020B0604020202020204" pitchFamily="34" charset="0"/>
+              <a:buChar char="•"/>
+            </a:pPr>
+            <a:r>
+              <a:rPr lang="es-CO" sz="1200" dirty="0"/>
+              <a:t> </a:t>
+            </a:r>
+            <a:r>
+              <a:rPr lang="es-CO" sz="1200" u="sng" dirty="0" err="1"/>
+              <a:t>Quasi</a:t>
+            </a:r>
+            <a:r>
+              <a:rPr lang="es-CO" sz="1200" u="sng" dirty="0"/>
+              <a:t> </a:t>
+            </a:r>
+            <a:r>
+              <a:rPr lang="es-CO" sz="1200" u="sng" dirty="0" err="1"/>
+              <a:t>constant</a:t>
+            </a:r>
+            <a:r>
+              <a:rPr lang="es-CO" sz="1200" u="sng" dirty="0"/>
+              <a:t>: </a:t>
+            </a:r>
+            <a:r>
+              <a:rPr lang="es-CO" sz="1200" dirty="0"/>
+              <a:t>Un valor especifico se encuentra en la gran mayoría de la variable.</a:t>
+            </a:r>
+          </a:p>
+          <a:p>
+            <a:pPr marL="171450" indent="-171450">
+              <a:buFont typeface="Arial" panose="020B0604020202020204" pitchFamily="34" charset="0"/>
+              <a:buChar char="•"/>
+            </a:pPr>
+            <a:r>
+              <a:rPr lang="es-CO" sz="1200" u="sng" dirty="0"/>
+              <a:t>Variables duplicadas: </a:t>
+            </a:r>
+            <a:r>
+              <a:rPr lang="es-CO" sz="1200" dirty="0"/>
+              <a:t>Variables redundantes.</a:t>
+            </a:r>
+            <a:endParaRPr lang="en-GB" sz="1200" dirty="0"/>
+          </a:p>
+        </p:txBody>
+      </p:sp>
+      <p:pic>
+        <p:nvPicPr>
+          <p:cNvPr id="47" name="Picture 46">
+            <a:extLst>
+              <a:ext uri="{FF2B5EF4-FFF2-40B4-BE49-F238E27FC236}">
+                <a16:creationId xmlns:a16="http://schemas.microsoft.com/office/drawing/2014/main" id="{72F33649-EBD1-4352-A815-0BC6532B7622}"/>
+              </a:ext>
+            </a:extLst>
+          </p:cNvPr>
+          <p:cNvPicPr>
+            <a:picLocks noChangeAspect="1"/>
+          </p:cNvPicPr>
+          <p:nvPr/>
+        </p:nvPicPr>
+        <p:blipFill rotWithShape="1">
+          <a:blip r:embed="rId2"/>
+          <a:srcRect t="46965" r="89917" b="-1"/>
+          <a:stretch/>
+        </p:blipFill>
+        <p:spPr>
+          <a:xfrm rot="10800000">
+            <a:off x="8666436" y="1516270"/>
+            <a:ext cx="649255" cy="606197"/>
+          </a:xfrm>
+          <a:prstGeom prst="rect">
+            <a:avLst/>
+          </a:prstGeom>
+        </p:spPr>
+      </p:pic>
+      <p:pic>
+        <p:nvPicPr>
+          <p:cNvPr id="48" name="Picture 47">
+            <a:extLst>
+              <a:ext uri="{FF2B5EF4-FFF2-40B4-BE49-F238E27FC236}">
+                <a16:creationId xmlns:a16="http://schemas.microsoft.com/office/drawing/2014/main" id="{AC08F683-1FF7-4A77-82D5-6FAA3A3AAC2E}"/>
+              </a:ext>
+            </a:extLst>
+          </p:cNvPr>
+          <p:cNvPicPr>
+            <a:picLocks noChangeAspect="1"/>
+          </p:cNvPicPr>
+          <p:nvPr/>
+        </p:nvPicPr>
+        <p:blipFill>
+          <a:blip r:embed="rId3"/>
+          <a:stretch>
+            <a:fillRect/>
+          </a:stretch>
+        </p:blipFill>
+        <p:spPr>
+          <a:xfrm rot="5400000">
+            <a:off x="8688698" y="2322804"/>
+            <a:ext cx="1018270" cy="474378"/>
+          </a:xfrm>
+          <a:prstGeom prst="rect">
+            <a:avLst/>
+          </a:prstGeom>
+        </p:spPr>
+      </p:pic>
+      <p:pic>
+        <p:nvPicPr>
+          <p:cNvPr id="44" name="Picture 43">
+            <a:extLst>
+              <a:ext uri="{FF2B5EF4-FFF2-40B4-BE49-F238E27FC236}">
+                <a16:creationId xmlns:a16="http://schemas.microsoft.com/office/drawing/2014/main" id="{F0B0EECB-0EAD-41BC-A0B4-3918BDF8D941}"/>
+              </a:ext>
+            </a:extLst>
+          </p:cNvPr>
+          <p:cNvPicPr>
+            <a:picLocks noChangeAspect="1"/>
+          </p:cNvPicPr>
+          <p:nvPr/>
+        </p:nvPicPr>
+        <p:blipFill rotWithShape="1">
+          <a:blip r:embed="rId6">
+            <a:extLst>
+              <a:ext uri="{BEBA8EAE-BF5A-486C-A8C5-ECC9F3942E4B}">
+                <a14:imgProps xmlns:a14="http://schemas.microsoft.com/office/drawing/2010/main">
+                  <a14:imgLayer r:embed="rId7">
+                    <a14:imgEffect>
+                      <a14:backgroundRemoval t="39143" b="62479" l="1799" r="16190">
+                        <a14:foregroundMark x1="9737" y1="52041" x2="9737" y2="52041"/>
+                        <a14:foregroundMark x1="9474" y1="50255" x2="9474" y2="50255"/>
+                        <a14:foregroundMark x1="11974" y1="54337" x2="11974" y2="54337"/>
+                        <a14:foregroundMark x1="11579" y1="50000" x2="11579" y2="50000"/>
+                        <a14:foregroundMark x1="10263" y1="45918" x2="10263" y2="45918"/>
+                        <a14:foregroundMark x1="4474" y1="55357" x2="4474" y2="55357"/>
+                        <a14:foregroundMark x1="5132" y1="45408" x2="5132" y2="45408"/>
+                        <a14:foregroundMark x1="12368" y1="45408" x2="12368" y2="45408"/>
+                        <a14:foregroundMark x1="8553" y1="59949" x2="8553" y2="59949"/>
+                        <a14:backgroundMark x1="7237" y1="48214" x2="7237" y2="48214"/>
+                      </a14:backgroundRemoval>
+                    </a14:imgEffect>
+                  </a14:imgLayer>
+                </a14:imgProps>
+              </a:ext>
+            </a:extLst>
+          </a:blip>
+          <a:srcRect t="36226" r="82011" b="34604"/>
+          <a:stretch/>
+        </p:blipFill>
+        <p:spPr>
+          <a:xfrm>
+            <a:off x="8725679" y="1976112"/>
+            <a:ext cx="1020932" cy="853893"/>
+          </a:xfrm>
+          <a:prstGeom prst="rect">
+            <a:avLst/>
+          </a:prstGeom>
+        </p:spPr>
+      </p:pic>
+      <p:pic>
+        <p:nvPicPr>
+          <p:cNvPr id="49" name="Picture 48">
+            <a:extLst>
+              <a:ext uri="{FF2B5EF4-FFF2-40B4-BE49-F238E27FC236}">
+                <a16:creationId xmlns:a16="http://schemas.microsoft.com/office/drawing/2014/main" id="{41290DA8-D12A-4856-87FD-79558DD14BB7}"/>
+              </a:ext>
+            </a:extLst>
+          </p:cNvPr>
+          <p:cNvPicPr>
+            <a:picLocks noChangeAspect="1"/>
+          </p:cNvPicPr>
+          <p:nvPr/>
+        </p:nvPicPr>
+        <p:blipFill rotWithShape="1">
+          <a:blip r:embed="rId2"/>
+          <a:srcRect t="46965" r="89917" b="-1"/>
+          <a:stretch/>
+        </p:blipFill>
+        <p:spPr>
+          <a:xfrm rot="16200000">
+            <a:off x="8804915" y="3009469"/>
+            <a:ext cx="649255" cy="606197"/>
+          </a:xfrm>
+          <a:prstGeom prst="rect">
+            <a:avLst/>
+          </a:prstGeom>
+        </p:spPr>
+      </p:pic>
+      <p:pic>
+        <p:nvPicPr>
+          <p:cNvPr id="50" name="Picture 49">
+            <a:extLst>
+              <a:ext uri="{FF2B5EF4-FFF2-40B4-BE49-F238E27FC236}">
+                <a16:creationId xmlns:a16="http://schemas.microsoft.com/office/drawing/2014/main" id="{775EA15B-4B59-4C7A-8F4E-9CF1B1851DFB}"/>
+              </a:ext>
+            </a:extLst>
+          </p:cNvPr>
+          <p:cNvPicPr>
+            <a:picLocks noChangeAspect="1"/>
+          </p:cNvPicPr>
+          <p:nvPr/>
+        </p:nvPicPr>
+        <p:blipFill>
+          <a:blip r:embed="rId3"/>
+          <a:stretch>
+            <a:fillRect/>
+          </a:stretch>
+        </p:blipFill>
+        <p:spPr>
+          <a:xfrm>
+            <a:off x="6719886" y="3271089"/>
+            <a:ext cx="2166796" cy="455567"/>
+          </a:xfrm>
+          <a:prstGeom prst="rect">
+            <a:avLst/>
+          </a:prstGeom>
+        </p:spPr>
+      </p:pic>
+      <p:pic>
+        <p:nvPicPr>
+          <p:cNvPr id="51" name="Picture 50">
+            <a:extLst>
+              <a:ext uri="{FF2B5EF4-FFF2-40B4-BE49-F238E27FC236}">
+                <a16:creationId xmlns:a16="http://schemas.microsoft.com/office/drawing/2014/main" id="{18F258CD-EFC8-4BE2-90CF-35EB473874AA}"/>
+              </a:ext>
+            </a:extLst>
+          </p:cNvPr>
+          <p:cNvPicPr>
+            <a:picLocks noChangeAspect="1"/>
+          </p:cNvPicPr>
+          <p:nvPr/>
+        </p:nvPicPr>
+        <p:blipFill rotWithShape="1">
+          <a:blip r:embed="rId2"/>
+          <a:srcRect t="46965" r="89917" b="-1"/>
+          <a:stretch/>
+        </p:blipFill>
+        <p:spPr>
+          <a:xfrm>
+            <a:off x="6380972" y="3145453"/>
+            <a:ext cx="649255" cy="606197"/>
+          </a:xfrm>
+          <a:prstGeom prst="rect">
+            <a:avLst/>
+          </a:prstGeom>
+        </p:spPr>
+      </p:pic>
+      <p:pic>
+        <p:nvPicPr>
+          <p:cNvPr id="52" name="Picture 51">
+            <a:extLst>
+              <a:ext uri="{FF2B5EF4-FFF2-40B4-BE49-F238E27FC236}">
+                <a16:creationId xmlns:a16="http://schemas.microsoft.com/office/drawing/2014/main" id="{44D4E22E-E421-44D7-80D8-014F8E2AD1B5}"/>
+              </a:ext>
+            </a:extLst>
+          </p:cNvPr>
+          <p:cNvPicPr>
+            <a:picLocks noChangeAspect="1"/>
+          </p:cNvPicPr>
+          <p:nvPr/>
+        </p:nvPicPr>
+        <p:blipFill rotWithShape="1">
+          <a:blip r:embed="rId2"/>
+          <a:srcRect t="46965" r="89917" b="-1"/>
+          <a:stretch/>
+        </p:blipFill>
+        <p:spPr>
+          <a:xfrm rot="10800000">
+            <a:off x="5989245" y="2609124"/>
+            <a:ext cx="649255" cy="606197"/>
+          </a:xfrm>
+          <a:prstGeom prst="rect">
+            <a:avLst/>
+          </a:prstGeom>
+        </p:spPr>
+      </p:pic>
+      <p:pic>
+        <p:nvPicPr>
+          <p:cNvPr id="53" name="Picture 52">
+            <a:extLst>
+              <a:ext uri="{FF2B5EF4-FFF2-40B4-BE49-F238E27FC236}">
+                <a16:creationId xmlns:a16="http://schemas.microsoft.com/office/drawing/2014/main" id="{39BE4889-551C-4E9F-B285-5DCAA549B810}"/>
+              </a:ext>
+            </a:extLst>
+          </p:cNvPr>
+          <p:cNvPicPr>
+            <a:picLocks noChangeAspect="1"/>
+          </p:cNvPicPr>
+          <p:nvPr/>
+        </p:nvPicPr>
+        <p:blipFill>
+          <a:blip r:embed="rId3"/>
+          <a:stretch>
+            <a:fillRect/>
+          </a:stretch>
+        </p:blipFill>
+        <p:spPr>
+          <a:xfrm>
+            <a:off x="1646603" y="2605545"/>
+            <a:ext cx="4479995" cy="473638"/>
+          </a:xfrm>
+          <a:prstGeom prst="rect">
+            <a:avLst/>
+          </a:prstGeom>
+        </p:spPr>
+      </p:pic>
+      <p:pic>
+        <p:nvPicPr>
+          <p:cNvPr id="54" name="Picture 53">
+            <a:extLst>
+              <a:ext uri="{FF2B5EF4-FFF2-40B4-BE49-F238E27FC236}">
+                <a16:creationId xmlns:a16="http://schemas.microsoft.com/office/drawing/2014/main" id="{67720BA7-B9B3-4651-814A-8E1B1E123DF2}"/>
+              </a:ext>
+            </a:extLst>
+          </p:cNvPr>
+          <p:cNvPicPr>
+            <a:picLocks noChangeAspect="1"/>
+          </p:cNvPicPr>
+          <p:nvPr/>
+        </p:nvPicPr>
+        <p:blipFill rotWithShape="1">
+          <a:blip r:embed="rId8">
+            <a:extLst>
+              <a:ext uri="{BEBA8EAE-BF5A-486C-A8C5-ECC9F3942E4B}">
+                <a14:imgProps xmlns:a14="http://schemas.microsoft.com/office/drawing/2010/main">
+                  <a14:imgLayer r:embed="rId7">
+                    <a14:imgEffect>
+                      <a14:backgroundRemoval t="10714" b="31888" l="20263" r="31711">
+                        <a14:foregroundMark x1="30000" y1="25765" x2="30000" y2="25765"/>
+                        <a14:foregroundMark x1="28158" y1="25255" x2="28158" y2="25255"/>
+                        <a14:foregroundMark x1="22368" y1="15051" x2="22368" y2="15051"/>
+                        <a14:foregroundMark x1="21316" y1="13010" x2="21316" y2="13010"/>
+                        <a14:foregroundMark x1="21316" y1="11224" x2="21316" y2="11224"/>
+                        <a14:foregroundMark x1="23289" y1="11224" x2="23289" y2="11224"/>
+                        <a14:foregroundMark x1="21053" y1="15051" x2="21053" y2="15051"/>
+                        <a14:foregroundMark x1="22895" y1="24745" x2="22895" y2="24745"/>
+                        <a14:foregroundMark x1="27368" y1="18878" x2="27368" y2="18878"/>
+                        <a14:foregroundMark x1="31711" y1="27041" x2="31711" y2="27041"/>
+                        <a14:foregroundMark x1="28158" y1="25255" x2="28158" y2="25255"/>
+                        <a14:foregroundMark x1="25789" y1="25255" x2="25789" y2="25255"/>
+                        <a14:foregroundMark x1="22895" y1="25765" x2="22895" y2="25765"/>
+                      </a14:backgroundRemoval>
+                    </a14:imgEffect>
+                  </a14:imgLayer>
+                </a14:imgProps>
+              </a:ext>
+            </a:extLst>
+          </a:blip>
+          <a:srcRect l="19034" t="8269" r="67699" b="65316"/>
+          <a:stretch/>
+        </p:blipFill>
+        <p:spPr>
+          <a:xfrm>
+            <a:off x="3814713" y="2319507"/>
+            <a:ext cx="776865" cy="797799"/>
+          </a:xfrm>
+          <a:prstGeom prst="rect">
+            <a:avLst/>
+          </a:prstGeom>
+        </p:spPr>
+      </p:pic>
+      <p:sp>
+        <p:nvSpPr>
+          <p:cNvPr id="55" name="TextBox 54">
+            <a:extLst>
+              <a:ext uri="{FF2B5EF4-FFF2-40B4-BE49-F238E27FC236}">
+                <a16:creationId xmlns:a16="http://schemas.microsoft.com/office/drawing/2014/main" id="{1F8B1355-D169-4580-A8D8-AAEB7F9BDF0B}"/>
+              </a:ext>
+            </a:extLst>
+          </p:cNvPr>
+          <p:cNvSpPr txBox="1"/>
+          <p:nvPr/>
+        </p:nvSpPr>
+        <p:spPr>
+          <a:xfrm>
+            <a:off x="3569840" y="2922759"/>
+            <a:ext cx="1275349" cy="369332"/>
+          </a:xfrm>
+          <a:prstGeom prst="rect">
+            <a:avLst/>
+          </a:prstGeom>
+          <a:noFill/>
+        </p:spPr>
+        <p:txBody>
+          <a:bodyPr wrap="none" rtlCol="0">
+            <a:spAutoFit/>
+          </a:bodyPr>
+          <a:lstStyle/>
+          <a:p>
+            <a:r>
+              <a:rPr lang="es-CO" b="1" dirty="0"/>
+              <a:t>Correlación</a:t>
+            </a:r>
+            <a:endParaRPr lang="en-GB" b="1" dirty="0"/>
+          </a:p>
+        </p:txBody>
+      </p:sp>
+      <p:sp>
+        <p:nvSpPr>
+          <p:cNvPr id="56" name="TextBox 55">
+            <a:extLst>
+              <a:ext uri="{FF2B5EF4-FFF2-40B4-BE49-F238E27FC236}">
+                <a16:creationId xmlns:a16="http://schemas.microsoft.com/office/drawing/2014/main" id="{F7598A7B-E5AB-4076-843E-6550940BC068}"/>
+              </a:ext>
+            </a:extLst>
+          </p:cNvPr>
+          <p:cNvSpPr txBox="1"/>
+          <p:nvPr/>
+        </p:nvSpPr>
+        <p:spPr>
+          <a:xfrm>
+            <a:off x="3147611" y="3261862"/>
+            <a:ext cx="2111068" cy="276999"/>
+          </a:xfrm>
+          <a:prstGeom prst="rect">
+            <a:avLst/>
+          </a:prstGeom>
+          <a:noFill/>
+        </p:spPr>
+        <p:txBody>
+          <a:bodyPr wrap="square" rtlCol="0">
+            <a:spAutoFit/>
+          </a:bodyPr>
+          <a:lstStyle/>
+          <a:p>
+            <a:r>
+              <a:rPr lang="es-CO" sz="1200" dirty="0"/>
+              <a:t>Revisar relación entre variables</a:t>
+            </a:r>
+            <a:endParaRPr lang="en-GB" sz="1200" dirty="0"/>
+          </a:p>
+        </p:txBody>
+      </p:sp>
+      <p:pic>
+        <p:nvPicPr>
+          <p:cNvPr id="57" name="Picture 56">
+            <a:extLst>
+              <a:ext uri="{FF2B5EF4-FFF2-40B4-BE49-F238E27FC236}">
+                <a16:creationId xmlns:a16="http://schemas.microsoft.com/office/drawing/2014/main" id="{A42725F1-9A70-4ACA-AD08-678D5920041B}"/>
+              </a:ext>
+            </a:extLst>
+          </p:cNvPr>
+          <p:cNvPicPr>
+            <a:picLocks noChangeAspect="1"/>
+          </p:cNvPicPr>
+          <p:nvPr/>
+        </p:nvPicPr>
+        <p:blipFill rotWithShape="1">
+          <a:blip r:embed="rId2"/>
+          <a:srcRect t="46965" r="89917" b="-1"/>
+          <a:stretch/>
+        </p:blipFill>
+        <p:spPr>
+          <a:xfrm rot="5400000">
+            <a:off x="1019671" y="2744275"/>
+            <a:ext cx="649255" cy="606197"/>
+          </a:xfrm>
+          <a:prstGeom prst="rect">
+            <a:avLst/>
+          </a:prstGeom>
+        </p:spPr>
+      </p:pic>
+      <p:pic>
+        <p:nvPicPr>
+          <p:cNvPr id="58" name="Picture 57">
+            <a:extLst>
+              <a:ext uri="{FF2B5EF4-FFF2-40B4-BE49-F238E27FC236}">
+                <a16:creationId xmlns:a16="http://schemas.microsoft.com/office/drawing/2014/main" id="{1F134A1F-31FD-497A-BF65-CE075DE66AD7}"/>
+              </a:ext>
+            </a:extLst>
+          </p:cNvPr>
+          <p:cNvPicPr>
+            <a:picLocks noChangeAspect="1"/>
+          </p:cNvPicPr>
+          <p:nvPr/>
+        </p:nvPicPr>
+        <p:blipFill>
+          <a:blip r:embed="rId3"/>
+          <a:stretch>
+            <a:fillRect/>
+          </a:stretch>
+        </p:blipFill>
+        <p:spPr>
+          <a:xfrm rot="5400000">
+            <a:off x="207757" y="3991334"/>
+            <a:ext cx="2166796" cy="475035"/>
+          </a:xfrm>
+          <a:prstGeom prst="rect">
+            <a:avLst/>
+          </a:prstGeom>
+        </p:spPr>
+      </p:pic>
+      <p:pic>
+        <p:nvPicPr>
+          <p:cNvPr id="59" name="Picture 58">
+            <a:extLst>
+              <a:ext uri="{FF2B5EF4-FFF2-40B4-BE49-F238E27FC236}">
+                <a16:creationId xmlns:a16="http://schemas.microsoft.com/office/drawing/2014/main" id="{26FC1601-FB59-48EC-A5AA-7C509A607488}"/>
+              </a:ext>
+            </a:extLst>
+          </p:cNvPr>
+          <p:cNvPicPr>
+            <a:picLocks noChangeAspect="1"/>
+          </p:cNvPicPr>
+          <p:nvPr/>
+        </p:nvPicPr>
+        <p:blipFill rotWithShape="1">
+          <a:blip r:embed="rId9">
+            <a:extLst>
+              <a:ext uri="{BEBA8EAE-BF5A-486C-A8C5-ECC9F3942E4B}">
+                <a14:imgProps xmlns:a14="http://schemas.microsoft.com/office/drawing/2010/main">
+                  <a14:imgLayer r:embed="rId7">
+                    <a14:imgEffect>
+                      <a14:backgroundRemoval t="73469" b="89031" l="2237" r="14737">
+                        <a14:foregroundMark x1="4342" y1="84439" x2="4342" y2="84439"/>
+                        <a14:foregroundMark x1="2368" y1="86224" x2="2368" y2="86224"/>
+                        <a14:foregroundMark x1="7368" y1="77296" x2="7368" y2="77296"/>
+                        <a14:foregroundMark x1="10000" y1="73469" x2="10000" y2="73469"/>
+                        <a14:foregroundMark x1="14737" y1="86224" x2="14737" y2="86224"/>
+                        <a14:backgroundMark x1="7632" y1="78571" x2="7632" y2="78571"/>
+                        <a14:backgroundMark x1="8026" y1="77551" x2="8026" y2="77551"/>
+                      </a14:backgroundRemoval>
+                    </a14:imgEffect>
+                  </a14:imgLayer>
+                </a14:imgProps>
+              </a:ext>
+            </a:extLst>
+          </a:blip>
+          <a:srcRect l="2030" t="72143" r="83737" b="9093"/>
+          <a:stretch/>
+        </p:blipFill>
+        <p:spPr>
+          <a:xfrm>
+            <a:off x="866892" y="4092454"/>
+            <a:ext cx="954811" cy="649254"/>
+          </a:xfrm>
+          <a:prstGeom prst="rect">
+            <a:avLst/>
+          </a:prstGeom>
+        </p:spPr>
+      </p:pic>
+      <p:sp>
+        <p:nvSpPr>
+          <p:cNvPr id="60" name="TextBox 59">
+            <a:extLst>
+              <a:ext uri="{FF2B5EF4-FFF2-40B4-BE49-F238E27FC236}">
+                <a16:creationId xmlns:a16="http://schemas.microsoft.com/office/drawing/2014/main" id="{A49FD569-16E7-427F-80BA-0375C5B463FF}"/>
+              </a:ext>
+            </a:extLst>
+          </p:cNvPr>
+          <p:cNvSpPr txBox="1"/>
+          <p:nvPr/>
+        </p:nvSpPr>
+        <p:spPr>
+          <a:xfrm>
+            <a:off x="1821703" y="3841776"/>
+            <a:ext cx="2216569" cy="369332"/>
+          </a:xfrm>
+          <a:prstGeom prst="rect">
+            <a:avLst/>
+          </a:prstGeom>
+          <a:noFill/>
+        </p:spPr>
+        <p:txBody>
+          <a:bodyPr wrap="none" rtlCol="0">
+            <a:spAutoFit/>
+          </a:bodyPr>
+          <a:lstStyle/>
+          <a:p>
+            <a:r>
+              <a:rPr lang="es-CO" b="1" dirty="0"/>
+              <a:t>Medidas  estadísticas</a:t>
+            </a:r>
+            <a:endParaRPr lang="en-GB" b="1" dirty="0"/>
+          </a:p>
+        </p:txBody>
+      </p:sp>
+      <p:sp>
+        <p:nvSpPr>
+          <p:cNvPr id="61" name="TextBox 60">
+            <a:extLst>
+              <a:ext uri="{FF2B5EF4-FFF2-40B4-BE49-F238E27FC236}">
+                <a16:creationId xmlns:a16="http://schemas.microsoft.com/office/drawing/2014/main" id="{FAE39372-8C8A-419D-B0D0-523A36739AFE}"/>
+              </a:ext>
+            </a:extLst>
+          </p:cNvPr>
+          <p:cNvSpPr txBox="1"/>
+          <p:nvPr/>
+        </p:nvSpPr>
+        <p:spPr>
+          <a:xfrm>
+            <a:off x="1715418" y="4206919"/>
+            <a:ext cx="2493826" cy="461665"/>
+          </a:xfrm>
+          <a:prstGeom prst="rect">
+            <a:avLst/>
+          </a:prstGeom>
+          <a:noFill/>
+        </p:spPr>
+        <p:txBody>
+          <a:bodyPr wrap="square" rtlCol="0">
+            <a:spAutoFit/>
+          </a:bodyPr>
+          <a:lstStyle/>
+          <a:p>
+            <a:pPr marL="171450" indent="-171450">
+              <a:buFont typeface="Arial" panose="020B0604020202020204" pitchFamily="34" charset="0"/>
+              <a:buChar char="•"/>
+            </a:pPr>
+            <a:r>
+              <a:rPr lang="es-CO" sz="1200" u="sng" dirty="0"/>
+              <a:t>Ganancia de información:</a:t>
+            </a:r>
+          </a:p>
+          <a:p>
+            <a:pPr marL="171450" indent="-171450">
+              <a:buFont typeface="Arial" panose="020B0604020202020204" pitchFamily="34" charset="0"/>
+              <a:buChar char="•"/>
+            </a:pPr>
+            <a:r>
+              <a:rPr lang="es-CO" sz="1200" u="sng" dirty="0" err="1"/>
+              <a:t>Anova</a:t>
+            </a:r>
+            <a:r>
+              <a:rPr lang="es-CO" sz="1200" u="sng" dirty="0"/>
+              <a:t>:</a:t>
+            </a:r>
+          </a:p>
+        </p:txBody>
+      </p:sp>
+      <p:pic>
+        <p:nvPicPr>
+          <p:cNvPr id="64" name="Picture 63">
+            <a:extLst>
+              <a:ext uri="{FF2B5EF4-FFF2-40B4-BE49-F238E27FC236}">
+                <a16:creationId xmlns:a16="http://schemas.microsoft.com/office/drawing/2014/main" id="{91F4ECD8-1E12-415F-A373-94933CA9CBA4}"/>
+              </a:ext>
+            </a:extLst>
+          </p:cNvPr>
+          <p:cNvPicPr>
+            <a:picLocks noChangeAspect="1"/>
+          </p:cNvPicPr>
+          <p:nvPr/>
+        </p:nvPicPr>
+        <p:blipFill rotWithShape="1">
+          <a:blip r:embed="rId2"/>
+          <a:srcRect t="46965" r="89917" b="-1"/>
+          <a:stretch/>
+        </p:blipFill>
+        <p:spPr>
+          <a:xfrm>
+            <a:off x="1154518" y="5259829"/>
+            <a:ext cx="649255" cy="606197"/>
+          </a:xfrm>
+          <a:prstGeom prst="rect">
+            <a:avLst/>
+          </a:prstGeom>
+        </p:spPr>
+      </p:pic>
+      <p:pic>
+        <p:nvPicPr>
+          <p:cNvPr id="65" name="Picture 64">
+            <a:extLst>
+              <a:ext uri="{FF2B5EF4-FFF2-40B4-BE49-F238E27FC236}">
+                <a16:creationId xmlns:a16="http://schemas.microsoft.com/office/drawing/2014/main" id="{A4B6D510-01E1-4C8E-A557-78DA90952BAC}"/>
+              </a:ext>
+            </a:extLst>
+          </p:cNvPr>
+          <p:cNvPicPr>
+            <a:picLocks noChangeAspect="1"/>
+          </p:cNvPicPr>
+          <p:nvPr/>
+        </p:nvPicPr>
+        <p:blipFill>
+          <a:blip r:embed="rId3"/>
+          <a:stretch>
+            <a:fillRect/>
+          </a:stretch>
+        </p:blipFill>
+        <p:spPr>
+          <a:xfrm>
+            <a:off x="1650634" y="5375756"/>
+            <a:ext cx="4479995" cy="473638"/>
+          </a:xfrm>
+          <a:prstGeom prst="rect">
+            <a:avLst/>
+          </a:prstGeom>
+        </p:spPr>
+      </p:pic>
+      <p:pic>
+        <p:nvPicPr>
+          <p:cNvPr id="66" name="Picture 65">
+            <a:extLst>
+              <a:ext uri="{FF2B5EF4-FFF2-40B4-BE49-F238E27FC236}">
+                <a16:creationId xmlns:a16="http://schemas.microsoft.com/office/drawing/2014/main" id="{13CF0649-AEF9-43CC-896D-CB3BA5DF5253}"/>
+              </a:ext>
+            </a:extLst>
+          </p:cNvPr>
+          <p:cNvPicPr>
+            <a:picLocks noChangeAspect="1"/>
+          </p:cNvPicPr>
+          <p:nvPr/>
+        </p:nvPicPr>
+        <p:blipFill rotWithShape="1">
+          <a:blip r:embed="rId2"/>
+          <a:srcRect t="46965" r="89917" b="-1"/>
+          <a:stretch/>
+        </p:blipFill>
+        <p:spPr>
+          <a:xfrm rot="16200000">
+            <a:off x="5880750" y="5121852"/>
+            <a:ext cx="649255" cy="606197"/>
+          </a:xfrm>
+          <a:prstGeom prst="rect">
+            <a:avLst/>
+          </a:prstGeom>
+        </p:spPr>
+      </p:pic>
+      <p:pic>
+        <p:nvPicPr>
+          <p:cNvPr id="67" name="Picture 66">
+            <a:extLst>
+              <a:ext uri="{FF2B5EF4-FFF2-40B4-BE49-F238E27FC236}">
+                <a16:creationId xmlns:a16="http://schemas.microsoft.com/office/drawing/2014/main" id="{5DC2869A-AD24-4112-B5A1-557E3045861D}"/>
+              </a:ext>
+            </a:extLst>
+          </p:cNvPr>
+          <p:cNvPicPr>
+            <a:picLocks noChangeAspect="1"/>
+          </p:cNvPicPr>
+          <p:nvPr/>
+        </p:nvPicPr>
+        <p:blipFill>
+          <a:blip r:embed="rId3"/>
+          <a:stretch>
+            <a:fillRect/>
+          </a:stretch>
+        </p:blipFill>
+        <p:spPr>
+          <a:xfrm rot="5400000">
+            <a:off x="5666197" y="4474822"/>
+            <a:ext cx="1216373" cy="457992"/>
+          </a:xfrm>
+          <a:prstGeom prst="rect">
+            <a:avLst/>
+          </a:prstGeom>
+        </p:spPr>
+      </p:pic>
+      <p:pic>
+        <p:nvPicPr>
+          <p:cNvPr id="68" name="Picture 67">
+            <a:extLst>
+              <a:ext uri="{FF2B5EF4-FFF2-40B4-BE49-F238E27FC236}">
+                <a16:creationId xmlns:a16="http://schemas.microsoft.com/office/drawing/2014/main" id="{EF42CAB6-67A7-4571-B07A-9E03E2E55E70}"/>
+              </a:ext>
+            </a:extLst>
+          </p:cNvPr>
+          <p:cNvPicPr>
+            <a:picLocks noChangeAspect="1"/>
+          </p:cNvPicPr>
+          <p:nvPr/>
+        </p:nvPicPr>
+        <p:blipFill rotWithShape="1">
+          <a:blip r:embed="rId2"/>
+          <a:srcRect t="46965" r="89917" b="-1"/>
+          <a:stretch/>
+        </p:blipFill>
+        <p:spPr>
+          <a:xfrm rot="5400000">
+            <a:off x="5998240" y="3889106"/>
+            <a:ext cx="649255" cy="606197"/>
+          </a:xfrm>
+          <a:prstGeom prst="rect">
+            <a:avLst/>
+          </a:prstGeom>
+        </p:spPr>
+      </p:pic>
+      <p:pic>
+        <p:nvPicPr>
+          <p:cNvPr id="69" name="Picture 68">
+            <a:extLst>
+              <a:ext uri="{FF2B5EF4-FFF2-40B4-BE49-F238E27FC236}">
+                <a16:creationId xmlns:a16="http://schemas.microsoft.com/office/drawing/2014/main" id="{B4BFD534-F2A8-463A-8154-948C35EBD6BA}"/>
+              </a:ext>
+            </a:extLst>
+          </p:cNvPr>
+          <p:cNvPicPr>
+            <a:picLocks noChangeAspect="1"/>
+          </p:cNvPicPr>
+          <p:nvPr/>
+        </p:nvPicPr>
+        <p:blipFill>
+          <a:blip r:embed="rId3"/>
+          <a:stretch>
+            <a:fillRect/>
+          </a:stretch>
+        </p:blipFill>
+        <p:spPr>
+          <a:xfrm>
+            <a:off x="6515471" y="3759611"/>
+            <a:ext cx="3578787" cy="455567"/>
+          </a:xfrm>
+          <a:prstGeom prst="rect">
+            <a:avLst/>
+          </a:prstGeom>
+        </p:spPr>
+      </p:pic>
+      <p:pic>
+        <p:nvPicPr>
+          <p:cNvPr id="62" name="Picture 61">
+            <a:extLst>
+              <a:ext uri="{FF2B5EF4-FFF2-40B4-BE49-F238E27FC236}">
+                <a16:creationId xmlns:a16="http://schemas.microsoft.com/office/drawing/2014/main" id="{4EED9D41-8252-4D4A-ABA8-CF3B2BBF9795}"/>
+              </a:ext>
+            </a:extLst>
+          </p:cNvPr>
+          <p:cNvPicPr>
+            <a:picLocks noChangeAspect="1"/>
+          </p:cNvPicPr>
+          <p:nvPr/>
+        </p:nvPicPr>
+        <p:blipFill rotWithShape="1">
+          <a:blip r:embed="rId10">
+            <a:extLst>
+              <a:ext uri="{BEBA8EAE-BF5A-486C-A8C5-ECC9F3942E4B}">
+                <a14:imgProps xmlns:a14="http://schemas.microsoft.com/office/drawing/2010/main">
+                  <a14:imgLayer r:embed="rId7">
+                    <a14:imgEffect>
+                      <a14:backgroundRemoval t="36547" b="62196" l="20851" r="33425">
+                        <a14:foregroundMark x1="27632" y1="52551" x2="27632" y2="52551"/>
+                        <a14:foregroundMark x1="27632" y1="54847" x2="27632" y2="54847"/>
+                        <a14:foregroundMark x1="28421" y1="53827" x2="28421" y2="53827"/>
+                        <a14:foregroundMark x1="25132" y1="54082" x2="25132" y2="54082"/>
+                        <a14:foregroundMark x1="25000" y1="48980" x2="25000" y2="48980"/>
+                        <a14:foregroundMark x1="27237" y1="46173" x2="27237" y2="46173"/>
+                        <a14:foregroundMark x1="26316" y1="44388" x2="26316" y2="44388"/>
+                        <a14:foregroundMark x1="25526" y1="43112" x2="25526" y2="43112"/>
+                        <a14:foregroundMark x1="23947" y1="46173" x2="23947" y2="46173"/>
+                        <a14:foregroundMark x1="27763" y1="44133" x2="27763" y2="44133"/>
+                        <a14:foregroundMark x1="24079" y1="59694" x2="24079" y2="59694"/>
+                        <a14:foregroundMark x1="28158" y1="58929" x2="28158" y2="58929"/>
+                        <a14:foregroundMark x1="28684" y1="58673" x2="28684" y2="58673"/>
+                        <a14:foregroundMark x1="27895" y1="49745" x2="27895" y2="49745"/>
+                      </a14:backgroundRemoval>
+                    </a14:imgEffect>
+                  </a14:imgLayer>
+                </a14:imgProps>
+              </a:ext>
+            </a:extLst>
+          </a:blip>
+          <a:srcRect l="19279" t="33341" r="65003" b="34598"/>
+          <a:stretch/>
+        </p:blipFill>
+        <p:spPr>
+          <a:xfrm>
+            <a:off x="7214283" y="3538861"/>
+            <a:ext cx="769173" cy="809274"/>
+          </a:xfrm>
+          <a:prstGeom prst="rect">
+            <a:avLst/>
+          </a:prstGeom>
+        </p:spPr>
+      </p:pic>
+      <p:sp>
+        <p:nvSpPr>
+          <p:cNvPr id="70" name="TextBox 69">
+            <a:extLst>
+              <a:ext uri="{FF2B5EF4-FFF2-40B4-BE49-F238E27FC236}">
+                <a16:creationId xmlns:a16="http://schemas.microsoft.com/office/drawing/2014/main" id="{0332E6B7-B98C-40D7-A1EC-15073738BA64}"/>
+              </a:ext>
+            </a:extLst>
+          </p:cNvPr>
+          <p:cNvSpPr txBox="1"/>
+          <p:nvPr/>
+        </p:nvSpPr>
+        <p:spPr>
+          <a:xfrm>
+            <a:off x="6543122" y="4299793"/>
+            <a:ext cx="1918987" cy="369332"/>
+          </a:xfrm>
+          <a:prstGeom prst="rect">
+            <a:avLst/>
+          </a:prstGeom>
+          <a:noFill/>
+        </p:spPr>
+        <p:txBody>
+          <a:bodyPr wrap="none" rtlCol="0">
+            <a:spAutoFit/>
+          </a:bodyPr>
+          <a:lstStyle/>
+          <a:p>
+            <a:r>
+              <a:rPr lang="es-CO" b="1" dirty="0" err="1"/>
+              <a:t>Wrapper</a:t>
+            </a:r>
+            <a:r>
+              <a:rPr lang="es-CO" b="1" dirty="0"/>
+              <a:t> </a:t>
+            </a:r>
+            <a:r>
+              <a:rPr lang="es-CO" b="1" dirty="0" err="1"/>
+              <a:t>methods</a:t>
+            </a:r>
+            <a:endParaRPr lang="en-GB" b="1" dirty="0"/>
+          </a:p>
+        </p:txBody>
+      </p:sp>
+      <p:sp>
+        <p:nvSpPr>
+          <p:cNvPr id="71" name="TextBox 70">
+            <a:extLst>
+              <a:ext uri="{FF2B5EF4-FFF2-40B4-BE49-F238E27FC236}">
+                <a16:creationId xmlns:a16="http://schemas.microsoft.com/office/drawing/2014/main" id="{E43C7A6E-BE26-4750-A975-57AC79EE5985}"/>
+              </a:ext>
+            </a:extLst>
+          </p:cNvPr>
+          <p:cNvSpPr txBox="1"/>
+          <p:nvPr/>
+        </p:nvSpPr>
+        <p:spPr>
+          <a:xfrm>
+            <a:off x="6515472" y="4684823"/>
+            <a:ext cx="2493826" cy="276999"/>
+          </a:xfrm>
+          <a:prstGeom prst="rect">
+            <a:avLst/>
+          </a:prstGeom>
+          <a:noFill/>
+        </p:spPr>
+        <p:txBody>
+          <a:bodyPr wrap="square" rtlCol="0">
+            <a:spAutoFit/>
+          </a:bodyPr>
+          <a:lstStyle/>
+          <a:p>
+            <a:r>
+              <a:rPr lang="es-CO" sz="1200" dirty="0"/>
+              <a:t>Step Forward </a:t>
+            </a:r>
+            <a:r>
+              <a:rPr lang="es-CO" sz="1200" dirty="0" err="1"/>
+              <a:t>feature</a:t>
+            </a:r>
+            <a:r>
+              <a:rPr lang="es-CO" sz="1200" dirty="0"/>
+              <a:t> </a:t>
+            </a:r>
+            <a:r>
+              <a:rPr lang="es-CO" sz="1200" dirty="0" err="1"/>
+              <a:t>selection</a:t>
+            </a:r>
+            <a:endParaRPr lang="en-GB" sz="1200" dirty="0"/>
+          </a:p>
+        </p:txBody>
+      </p:sp>
+      <p:pic>
+        <p:nvPicPr>
+          <p:cNvPr id="72" name="Picture 71">
+            <a:extLst>
+              <a:ext uri="{FF2B5EF4-FFF2-40B4-BE49-F238E27FC236}">
+                <a16:creationId xmlns:a16="http://schemas.microsoft.com/office/drawing/2014/main" id="{58146D2A-2D20-4FA3-99B0-B1470C2D3611}"/>
+              </a:ext>
+            </a:extLst>
+          </p:cNvPr>
+          <p:cNvPicPr>
+            <a:picLocks noChangeAspect="1"/>
+          </p:cNvPicPr>
+          <p:nvPr/>
+        </p:nvPicPr>
+        <p:blipFill rotWithShape="1">
+          <a:blip r:embed="rId2"/>
+          <a:srcRect t="46965" r="89917" b="-1"/>
+          <a:stretch/>
+        </p:blipFill>
+        <p:spPr>
+          <a:xfrm rot="10800000">
+            <a:off x="9934371" y="3753458"/>
+            <a:ext cx="649255" cy="606197"/>
+          </a:xfrm>
+          <a:prstGeom prst="rect">
+            <a:avLst/>
+          </a:prstGeom>
+        </p:spPr>
+      </p:pic>
+      <p:pic>
+        <p:nvPicPr>
+          <p:cNvPr id="73" name="Picture 72">
+            <a:extLst>
+              <a:ext uri="{FF2B5EF4-FFF2-40B4-BE49-F238E27FC236}">
+                <a16:creationId xmlns:a16="http://schemas.microsoft.com/office/drawing/2014/main" id="{66EB94AD-E807-4416-8871-A6FE611C892D}"/>
+              </a:ext>
+            </a:extLst>
+          </p:cNvPr>
+          <p:cNvPicPr>
+            <a:picLocks noChangeAspect="1"/>
+          </p:cNvPicPr>
+          <p:nvPr/>
+        </p:nvPicPr>
+        <p:blipFill>
+          <a:blip r:embed="rId3"/>
+          <a:stretch>
+            <a:fillRect/>
+          </a:stretch>
+        </p:blipFill>
+        <p:spPr>
+          <a:xfrm rot="5400000">
+            <a:off x="9853788" y="4676603"/>
+            <a:ext cx="1216373" cy="457992"/>
+          </a:xfrm>
+          <a:prstGeom prst="rect">
+            <a:avLst/>
+          </a:prstGeom>
+        </p:spPr>
+      </p:pic>
+      <p:pic>
+        <p:nvPicPr>
+          <p:cNvPr id="63" name="Picture 62">
+            <a:extLst>
+              <a:ext uri="{FF2B5EF4-FFF2-40B4-BE49-F238E27FC236}">
+                <a16:creationId xmlns:a16="http://schemas.microsoft.com/office/drawing/2014/main" id="{E4A8F5EE-CFB2-41D8-9BFA-777325353E8E}"/>
+              </a:ext>
+            </a:extLst>
+          </p:cNvPr>
+          <p:cNvPicPr>
+            <a:picLocks noChangeAspect="1"/>
+          </p:cNvPicPr>
+          <p:nvPr/>
+        </p:nvPicPr>
+        <p:blipFill rotWithShape="1">
+          <a:blip r:embed="rId11"/>
+          <a:srcRect l="40011" t="67938" r="42279" b="4734"/>
+          <a:stretch/>
+        </p:blipFill>
+        <p:spPr>
+          <a:xfrm>
+            <a:off x="9657453" y="4831590"/>
+            <a:ext cx="866660" cy="689770"/>
+          </a:xfrm>
+          <a:prstGeom prst="rect">
+            <a:avLst/>
+          </a:prstGeom>
+        </p:spPr>
+      </p:pic>
+      <p:sp>
+        <p:nvSpPr>
+          <p:cNvPr id="74" name="TextBox 73">
+            <a:extLst>
+              <a:ext uri="{FF2B5EF4-FFF2-40B4-BE49-F238E27FC236}">
+                <a16:creationId xmlns:a16="http://schemas.microsoft.com/office/drawing/2014/main" id="{30501AB9-519D-493B-86E7-C7B5E9E726C8}"/>
+              </a:ext>
+            </a:extLst>
+          </p:cNvPr>
+          <p:cNvSpPr txBox="1"/>
+          <p:nvPr/>
+        </p:nvSpPr>
+        <p:spPr>
+          <a:xfrm>
+            <a:off x="10583626" y="4961822"/>
+            <a:ext cx="1445076" cy="369332"/>
+          </a:xfrm>
+          <a:prstGeom prst="rect">
+            <a:avLst/>
+          </a:prstGeom>
+          <a:noFill/>
+        </p:spPr>
+        <p:txBody>
+          <a:bodyPr wrap="none" rtlCol="0">
+            <a:spAutoFit/>
+          </a:bodyPr>
+          <a:lstStyle/>
+          <a:p>
+            <a:r>
+              <a:rPr lang="es-CO" b="1" dirty="0" err="1"/>
+              <a:t>DataSet</a:t>
+            </a:r>
+            <a:r>
+              <a:rPr lang="es-CO" b="1" dirty="0"/>
+              <a:t> Final</a:t>
+            </a:r>
+            <a:endParaRPr lang="en-GB" b="1" dirty="0"/>
+          </a:p>
+        </p:txBody>
+      </p:sp>
+    </p:spTree>
+    <p:extLst>
+      <p:ext uri="{BB962C8B-B14F-4D97-AF65-F5344CB8AC3E}">
+        <p14:creationId xmlns:p14="http://schemas.microsoft.com/office/powerpoint/2010/main" val="150665344"/>
+      </p:ext>
+    </p:extLst>
+  </p:cSld>
+  <p:clrMapOvr>
+    <a:masterClrMapping/>
+  </p:clrMapOvr>
+</p:sld>
+</file>
+
+<file path=ppt/slides/slide18.xml><?xml version="1.0" encoding="utf-8"?>
+<p:sld xmlns:a="http://schemas.openxmlformats.org/drawingml/2006/main" xmlns:r="http://schemas.openxmlformats.org/officeDocument/2006/relationships" xmlns:p="http://schemas.openxmlformats.org/presentationml/2006/main">
+  <p:cSld>
+    <p:spTree>
+      <p:nvGrpSpPr>
+        <p:cNvPr id="1" name=""/>
+        <p:cNvGrpSpPr/>
+        <p:nvPr/>
+      </p:nvGrpSpPr>
+      <p:grpSpPr>
+        <a:xfrm>
+          <a:off x="0" y="0"/>
+          <a:ext cx="0" cy="0"/>
+          <a:chOff x="0" y="0"/>
+          <a:chExt cx="0" cy="0"/>
+        </a:xfrm>
+      </p:grpSpPr>
+      <p:sp>
+        <p:nvSpPr>
+          <p:cNvPr id="4" name="Google Shape;112;p6">
+            <a:extLst>
+              <a:ext uri="{FF2B5EF4-FFF2-40B4-BE49-F238E27FC236}">
+                <a16:creationId xmlns:a16="http://schemas.microsoft.com/office/drawing/2014/main" id="{7BF8BAE0-DDB0-40DE-B227-E508C4C6FE5D}"/>
+              </a:ext>
+            </a:extLst>
+          </p:cNvPr>
+          <p:cNvSpPr txBox="1"/>
+          <p:nvPr/>
+        </p:nvSpPr>
+        <p:spPr>
+          <a:xfrm>
+            <a:off x="729342" y="319121"/>
+            <a:ext cx="6181597" cy="830956"/>
+          </a:xfrm>
+          <a:prstGeom prst="rect">
+            <a:avLst/>
+          </a:prstGeom>
+          <a:noFill/>
+          <a:ln>
+            <a:noFill/>
+          </a:ln>
+        </p:spPr>
+        <p:txBody>
+          <a:bodyPr spcFirstLastPara="1" wrap="square" lIns="91425" tIns="45700" rIns="91425" bIns="45700" anchor="t" anchorCtr="0">
+            <a:spAutoFit/>
+          </a:bodyPr>
+          <a:lstStyle/>
+          <a:p>
+            <a:pPr marL="0" marR="0" lvl="0" indent="0" rtl="0">
+              <a:spcBef>
+                <a:spcPts val="0"/>
+              </a:spcBef>
+              <a:spcAft>
+                <a:spcPts val="0"/>
+              </a:spcAft>
+              <a:buNone/>
+            </a:pPr>
+            <a:r>
+              <a:rPr lang="es-CO" sz="4800" b="1" dirty="0">
+                <a:solidFill>
+                  <a:srgbClr val="1B2336"/>
+                </a:solidFill>
+                <a:latin typeface="Arial"/>
+                <a:cs typeface="Arial"/>
+                <a:sym typeface="Arial"/>
+              </a:rPr>
+              <a:t>Ing. Características</a:t>
+            </a:r>
+            <a:endParaRPr lang="es-CO" dirty="0"/>
+          </a:p>
+        </p:txBody>
+      </p:sp>
+      <p:sp>
+        <p:nvSpPr>
+          <p:cNvPr id="5" name="Google Shape;117;p6">
+            <a:extLst>
+              <a:ext uri="{FF2B5EF4-FFF2-40B4-BE49-F238E27FC236}">
+                <a16:creationId xmlns:a16="http://schemas.microsoft.com/office/drawing/2014/main" id="{789374AE-5906-4CE2-AE32-861EEB840C78}"/>
+              </a:ext>
+            </a:extLst>
+          </p:cNvPr>
+          <p:cNvSpPr txBox="1"/>
+          <p:nvPr/>
+        </p:nvSpPr>
+        <p:spPr>
+          <a:xfrm>
+            <a:off x="225373" y="312176"/>
+            <a:ext cx="717199" cy="769441"/>
+          </a:xfrm>
+          <a:prstGeom prst="rect">
+            <a:avLst/>
+          </a:prstGeom>
+          <a:noFill/>
+          <a:ln>
+            <a:noFill/>
+          </a:ln>
+        </p:spPr>
+        <p:txBody>
+          <a:bodyPr spcFirstLastPara="1" wrap="square" lIns="91425" tIns="45700" rIns="91425" bIns="45700" anchor="t" anchorCtr="0">
+            <a:spAutoFit/>
+          </a:bodyPr>
+          <a:lstStyle/>
+          <a:p>
+            <a:pPr marL="0" marR="0" lvl="0" indent="0" algn="ctr" rtl="0">
+              <a:spcBef>
+                <a:spcPts val="0"/>
+              </a:spcBef>
+              <a:spcAft>
+                <a:spcPts val="0"/>
+              </a:spcAft>
+              <a:buNone/>
+            </a:pPr>
+            <a:r>
+              <a:rPr lang="es-CO" sz="4400" b="1" dirty="0">
+                <a:solidFill>
+                  <a:srgbClr val="04BDB4"/>
+                </a:solidFill>
+                <a:latin typeface="Arial Black"/>
+                <a:ea typeface="Arial Black"/>
+                <a:cs typeface="Arial Black"/>
+                <a:sym typeface="Arial Black"/>
+              </a:rPr>
+              <a:t>|</a:t>
+            </a:r>
+            <a:endParaRPr lang="es-CO" dirty="0"/>
+          </a:p>
+        </p:txBody>
+      </p:sp>
+      <p:cxnSp>
+        <p:nvCxnSpPr>
+          <p:cNvPr id="6" name="Google Shape;119;p6">
+            <a:extLst>
+              <a:ext uri="{FF2B5EF4-FFF2-40B4-BE49-F238E27FC236}">
+                <a16:creationId xmlns:a16="http://schemas.microsoft.com/office/drawing/2014/main" id="{9BA46B94-C025-44EC-8513-29B85B3D7D8E}"/>
+              </a:ext>
+            </a:extLst>
+          </p:cNvPr>
+          <p:cNvCxnSpPr>
+            <a:cxnSpLocks/>
+          </p:cNvCxnSpPr>
+          <p:nvPr/>
+        </p:nvCxnSpPr>
+        <p:spPr>
+          <a:xfrm>
+            <a:off x="6843562" y="786010"/>
+            <a:ext cx="5348382" cy="1"/>
+          </a:xfrm>
+          <a:prstGeom prst="straightConnector1">
+            <a:avLst/>
+          </a:prstGeom>
+          <a:noFill/>
+          <a:ln w="25400" cap="flat" cmpd="sng">
+            <a:solidFill>
+              <a:srgbClr val="1B2336"/>
+            </a:solidFill>
+            <a:prstDash val="solid"/>
+            <a:miter lim="800000"/>
+            <a:headEnd type="oval" w="med" len="med"/>
+            <a:tailEnd type="none" w="sm" len="sm"/>
+          </a:ln>
+        </p:spPr>
+      </p:cxnSp>
+      <p:pic>
+        <p:nvPicPr>
+          <p:cNvPr id="37" name="Picture 36">
+            <a:extLst>
+              <a:ext uri="{FF2B5EF4-FFF2-40B4-BE49-F238E27FC236}">
+                <a16:creationId xmlns:a16="http://schemas.microsoft.com/office/drawing/2014/main" id="{7BEF5B69-0A5D-4126-A6D6-5AAD244C2CAD}"/>
+              </a:ext>
+            </a:extLst>
+          </p:cNvPr>
+          <p:cNvPicPr>
+            <a:picLocks noChangeAspect="1"/>
+          </p:cNvPicPr>
+          <p:nvPr/>
+        </p:nvPicPr>
+        <p:blipFill rotWithShape="1">
+          <a:blip r:embed="rId2"/>
+          <a:srcRect t="27300" r="10497"/>
+          <a:stretch/>
+        </p:blipFill>
+        <p:spPr>
+          <a:xfrm>
+            <a:off x="942572" y="1085611"/>
+            <a:ext cx="5763028" cy="830957"/>
+          </a:xfrm>
+          <a:prstGeom prst="rect">
+            <a:avLst/>
+          </a:prstGeom>
+        </p:spPr>
+      </p:pic>
+      <p:sp>
+        <p:nvSpPr>
+          <p:cNvPr id="41" name="TextBox 40">
+            <a:extLst>
+              <a:ext uri="{FF2B5EF4-FFF2-40B4-BE49-F238E27FC236}">
+                <a16:creationId xmlns:a16="http://schemas.microsoft.com/office/drawing/2014/main" id="{1DCDE2BA-4EDC-4675-9FB5-B1A72FB42C19}"/>
+              </a:ext>
+            </a:extLst>
+          </p:cNvPr>
+          <p:cNvSpPr txBox="1"/>
+          <p:nvPr/>
+        </p:nvSpPr>
+        <p:spPr>
+          <a:xfrm>
+            <a:off x="6262688" y="1791330"/>
+            <a:ext cx="2417713" cy="369332"/>
+          </a:xfrm>
+          <a:prstGeom prst="rect">
+            <a:avLst/>
+          </a:prstGeom>
+          <a:noFill/>
+        </p:spPr>
+        <p:txBody>
+          <a:bodyPr wrap="none" rtlCol="0">
+            <a:spAutoFit/>
+          </a:bodyPr>
+          <a:lstStyle/>
+          <a:p>
+            <a:r>
+              <a:rPr lang="es-CO" b="1" dirty="0"/>
+              <a:t>Selección y Exploración</a:t>
+            </a:r>
+            <a:endParaRPr lang="en-GB" b="1" dirty="0"/>
+          </a:p>
+        </p:txBody>
+      </p:sp>
+      <p:pic>
+        <p:nvPicPr>
+          <p:cNvPr id="42" name="Picture 41">
+            <a:extLst>
+              <a:ext uri="{FF2B5EF4-FFF2-40B4-BE49-F238E27FC236}">
+                <a16:creationId xmlns:a16="http://schemas.microsoft.com/office/drawing/2014/main" id="{8BA68F6F-2F1D-449D-929C-1914F9CD70C6}"/>
+              </a:ext>
+            </a:extLst>
+          </p:cNvPr>
+          <p:cNvPicPr>
+            <a:picLocks noChangeAspect="1"/>
+          </p:cNvPicPr>
+          <p:nvPr/>
+        </p:nvPicPr>
+        <p:blipFill>
+          <a:blip r:embed="rId3"/>
+          <a:stretch>
+            <a:fillRect/>
+          </a:stretch>
+        </p:blipFill>
+        <p:spPr>
+          <a:xfrm>
+            <a:off x="6705601" y="1428164"/>
+            <a:ext cx="2166796" cy="475035"/>
+          </a:xfrm>
+          <a:prstGeom prst="rect">
+            <a:avLst/>
+          </a:prstGeom>
+        </p:spPr>
+      </p:pic>
+      <p:pic>
+        <p:nvPicPr>
+          <p:cNvPr id="38" name="Picture 37">
+            <a:extLst>
+              <a:ext uri="{FF2B5EF4-FFF2-40B4-BE49-F238E27FC236}">
+                <a16:creationId xmlns:a16="http://schemas.microsoft.com/office/drawing/2014/main" id="{3C6B4BFD-693D-48F2-B156-10F834340295}"/>
+              </a:ext>
+            </a:extLst>
+          </p:cNvPr>
+          <p:cNvPicPr>
+            <a:picLocks noChangeAspect="1"/>
+          </p:cNvPicPr>
+          <p:nvPr/>
+        </p:nvPicPr>
+        <p:blipFill>
+          <a:blip r:embed="rId4">
+            <a:extLst>
+              <a:ext uri="{BEBA8EAE-BF5A-486C-A8C5-ECC9F3942E4B}">
+                <a14:imgProps xmlns:a14="http://schemas.microsoft.com/office/drawing/2010/main">
+                  <a14:imgLayer r:embed="rId5">
+                    <a14:imgEffect>
+                      <a14:backgroundRemoval t="10000" b="90000" l="10000" r="90000">
+                        <a14:foregroundMark x1="63158" y1="60000" x2="63158" y2="60000"/>
+                        <a14:foregroundMark x1="55263" y1="47143" x2="55263" y2="47143"/>
+                        <a14:foregroundMark x1="55263" y1="84286" x2="55263" y2="84286"/>
+                        <a14:foregroundMark x1="31579" y1="81429" x2="60526" y2="24286"/>
+                        <a14:foregroundMark x1="60526" y1="24286" x2="85965" y2="82857"/>
+                        <a14:foregroundMark x1="85965" y1="82857" x2="32456" y2="85714"/>
+                        <a14:foregroundMark x1="28947" y1="82857" x2="39474" y2="71429"/>
+                        <a14:foregroundMark x1="31579" y1="60000" x2="34211" y2="61429"/>
+                        <a14:foregroundMark x1="89474" y1="85714" x2="89474" y2="85714"/>
+                      </a14:backgroundRemoval>
+                    </a14:imgEffect>
+                  </a14:imgLayer>
+                </a14:imgProps>
+              </a:ext>
+            </a:extLst>
+          </a:blip>
+          <a:stretch>
+            <a:fillRect/>
+          </a:stretch>
+        </p:blipFill>
+        <p:spPr>
+          <a:xfrm>
+            <a:off x="6801827" y="1234692"/>
+            <a:ext cx="961390" cy="590327"/>
+          </a:xfrm>
+          <a:prstGeom prst="rect">
+            <a:avLst/>
+          </a:prstGeom>
+        </p:spPr>
+      </p:pic>
+      <p:sp>
+        <p:nvSpPr>
+          <p:cNvPr id="45" name="TextBox 44">
+            <a:extLst>
+              <a:ext uri="{FF2B5EF4-FFF2-40B4-BE49-F238E27FC236}">
+                <a16:creationId xmlns:a16="http://schemas.microsoft.com/office/drawing/2014/main" id="{44586403-FD37-4613-909B-7D445D6B6211}"/>
+              </a:ext>
+            </a:extLst>
+          </p:cNvPr>
+          <p:cNvSpPr txBox="1"/>
+          <p:nvPr/>
+        </p:nvSpPr>
+        <p:spPr>
+          <a:xfrm>
+            <a:off x="7099688" y="3726656"/>
+            <a:ext cx="1593450" cy="369332"/>
+          </a:xfrm>
+          <a:prstGeom prst="rect">
+            <a:avLst/>
+          </a:prstGeom>
+          <a:noFill/>
+        </p:spPr>
+        <p:txBody>
+          <a:bodyPr wrap="none" rtlCol="0">
+            <a:spAutoFit/>
+          </a:bodyPr>
+          <a:lstStyle/>
+          <a:p>
+            <a:r>
+              <a:rPr lang="es-CO" b="1" dirty="0"/>
+              <a:t>Métodos Filtro</a:t>
+            </a:r>
+            <a:endParaRPr lang="en-GB" b="1" dirty="0"/>
+          </a:p>
+        </p:txBody>
+      </p:sp>
+      <p:sp>
+        <p:nvSpPr>
+          <p:cNvPr id="46" name="TextBox 45">
+            <a:extLst>
+              <a:ext uri="{FF2B5EF4-FFF2-40B4-BE49-F238E27FC236}">
+                <a16:creationId xmlns:a16="http://schemas.microsoft.com/office/drawing/2014/main" id="{5FF8C96D-2083-47E5-AE69-1D771CFACD94}"/>
+              </a:ext>
+            </a:extLst>
+          </p:cNvPr>
+          <p:cNvSpPr txBox="1"/>
+          <p:nvPr/>
+        </p:nvSpPr>
+        <p:spPr>
+          <a:xfrm>
+            <a:off x="1540042" y="4230074"/>
+            <a:ext cx="9903192" cy="1015663"/>
+          </a:xfrm>
+          <a:prstGeom prst="rect">
+            <a:avLst/>
+          </a:prstGeom>
+          <a:noFill/>
+        </p:spPr>
+        <p:txBody>
+          <a:bodyPr wrap="square" rtlCol="0">
+            <a:spAutoFit/>
+          </a:bodyPr>
+          <a:lstStyle/>
+          <a:p>
+            <a:r>
+              <a:rPr lang="es-CO" sz="1200" dirty="0"/>
+              <a:t>15 Variables constantes.			        4 </a:t>
+            </a:r>
+            <a:r>
+              <a:rPr lang="es-CO" sz="1200" dirty="0" err="1"/>
+              <a:t>quasi</a:t>
+            </a:r>
+            <a:r>
+              <a:rPr lang="es-CO" sz="1200" dirty="0"/>
+              <a:t> constantes			        1 Duplicada</a:t>
+            </a:r>
+          </a:p>
+          <a:p>
+            <a:endParaRPr lang="es-CO" sz="1200" dirty="0"/>
+          </a:p>
+          <a:p>
+            <a:endParaRPr lang="es-CO" sz="1200" dirty="0"/>
+          </a:p>
+          <a:p>
+            <a:pPr marL="171450" indent="-171450">
+              <a:buFont typeface="Arial" panose="020B0604020202020204" pitchFamily="34" charset="0"/>
+              <a:buChar char="•"/>
+            </a:pPr>
+            <a:endParaRPr lang="es-CO" sz="1200" dirty="0"/>
+          </a:p>
+          <a:p>
+            <a:pPr marL="171450" indent="-171450">
+              <a:buFont typeface="Arial" panose="020B0604020202020204" pitchFamily="34" charset="0"/>
+              <a:buChar char="•"/>
+            </a:pPr>
+            <a:endParaRPr lang="es-CO" sz="1200" dirty="0"/>
+          </a:p>
+        </p:txBody>
+      </p:sp>
+      <p:pic>
+        <p:nvPicPr>
+          <p:cNvPr id="47" name="Picture 46">
+            <a:extLst>
+              <a:ext uri="{FF2B5EF4-FFF2-40B4-BE49-F238E27FC236}">
+                <a16:creationId xmlns:a16="http://schemas.microsoft.com/office/drawing/2014/main" id="{72F33649-EBD1-4352-A815-0BC6532B7622}"/>
+              </a:ext>
+            </a:extLst>
+          </p:cNvPr>
+          <p:cNvPicPr>
+            <a:picLocks noChangeAspect="1"/>
+          </p:cNvPicPr>
+          <p:nvPr/>
+        </p:nvPicPr>
+        <p:blipFill rotWithShape="1">
+          <a:blip r:embed="rId2"/>
+          <a:srcRect t="46965" r="89917" b="-1"/>
+          <a:stretch/>
+        </p:blipFill>
+        <p:spPr>
+          <a:xfrm rot="10800000">
+            <a:off x="8666436" y="1430545"/>
+            <a:ext cx="649255" cy="606197"/>
+          </a:xfrm>
+          <a:prstGeom prst="rect">
+            <a:avLst/>
+          </a:prstGeom>
+        </p:spPr>
+      </p:pic>
+      <p:pic>
+        <p:nvPicPr>
+          <p:cNvPr id="48" name="Picture 47">
+            <a:extLst>
+              <a:ext uri="{FF2B5EF4-FFF2-40B4-BE49-F238E27FC236}">
+                <a16:creationId xmlns:a16="http://schemas.microsoft.com/office/drawing/2014/main" id="{AC08F683-1FF7-4A77-82D5-6FAA3A3AAC2E}"/>
+              </a:ext>
+            </a:extLst>
+          </p:cNvPr>
+          <p:cNvPicPr>
+            <a:picLocks noChangeAspect="1"/>
+          </p:cNvPicPr>
+          <p:nvPr/>
+        </p:nvPicPr>
+        <p:blipFill>
+          <a:blip r:embed="rId3"/>
+          <a:stretch>
+            <a:fillRect/>
+          </a:stretch>
+        </p:blipFill>
+        <p:spPr>
+          <a:xfrm rot="5400000">
+            <a:off x="8621553" y="2255659"/>
+            <a:ext cx="1152560" cy="474378"/>
+          </a:xfrm>
+          <a:prstGeom prst="rect">
+            <a:avLst/>
+          </a:prstGeom>
+        </p:spPr>
+      </p:pic>
+      <p:pic>
+        <p:nvPicPr>
+          <p:cNvPr id="49" name="Picture 48">
+            <a:extLst>
+              <a:ext uri="{FF2B5EF4-FFF2-40B4-BE49-F238E27FC236}">
+                <a16:creationId xmlns:a16="http://schemas.microsoft.com/office/drawing/2014/main" id="{41290DA8-D12A-4856-87FD-79558DD14BB7}"/>
+              </a:ext>
+            </a:extLst>
+          </p:cNvPr>
+          <p:cNvPicPr>
+            <a:picLocks noChangeAspect="1"/>
+          </p:cNvPicPr>
+          <p:nvPr/>
+        </p:nvPicPr>
+        <p:blipFill rotWithShape="1">
+          <a:blip r:embed="rId2"/>
+          <a:srcRect t="46965" r="89917" b="-1"/>
+          <a:stretch/>
+        </p:blipFill>
+        <p:spPr>
+          <a:xfrm rot="16200000">
+            <a:off x="8804915" y="3009469"/>
+            <a:ext cx="649255" cy="606197"/>
+          </a:xfrm>
+          <a:prstGeom prst="rect">
+            <a:avLst/>
+          </a:prstGeom>
+        </p:spPr>
+      </p:pic>
+      <p:pic>
+        <p:nvPicPr>
+          <p:cNvPr id="50" name="Picture 49">
+            <a:extLst>
+              <a:ext uri="{FF2B5EF4-FFF2-40B4-BE49-F238E27FC236}">
+                <a16:creationId xmlns:a16="http://schemas.microsoft.com/office/drawing/2014/main" id="{775EA15B-4B59-4C7A-8F4E-9CF1B1851DFB}"/>
+              </a:ext>
+            </a:extLst>
+          </p:cNvPr>
+          <p:cNvPicPr>
+            <a:picLocks noChangeAspect="1"/>
+          </p:cNvPicPr>
+          <p:nvPr/>
+        </p:nvPicPr>
+        <p:blipFill>
+          <a:blip r:embed="rId3"/>
+          <a:stretch>
+            <a:fillRect/>
+          </a:stretch>
+        </p:blipFill>
+        <p:spPr>
+          <a:xfrm>
+            <a:off x="6719886" y="3271089"/>
+            <a:ext cx="2166796" cy="455567"/>
+          </a:xfrm>
+          <a:prstGeom prst="rect">
+            <a:avLst/>
+          </a:prstGeom>
+        </p:spPr>
+      </p:pic>
+      <p:pic>
+        <p:nvPicPr>
+          <p:cNvPr id="51" name="Picture 50">
+            <a:extLst>
+              <a:ext uri="{FF2B5EF4-FFF2-40B4-BE49-F238E27FC236}">
+                <a16:creationId xmlns:a16="http://schemas.microsoft.com/office/drawing/2014/main" id="{18F258CD-EFC8-4BE2-90CF-35EB473874AA}"/>
+              </a:ext>
+            </a:extLst>
+          </p:cNvPr>
+          <p:cNvPicPr>
+            <a:picLocks noChangeAspect="1"/>
+          </p:cNvPicPr>
+          <p:nvPr/>
+        </p:nvPicPr>
+        <p:blipFill rotWithShape="1">
+          <a:blip r:embed="rId2"/>
+          <a:srcRect t="46965" r="89917" b="-1"/>
+          <a:stretch/>
+        </p:blipFill>
+        <p:spPr>
+          <a:xfrm>
+            <a:off x="6380972" y="3145453"/>
+            <a:ext cx="649255" cy="606197"/>
+          </a:xfrm>
+          <a:prstGeom prst="rect">
+            <a:avLst/>
+          </a:prstGeom>
+        </p:spPr>
+      </p:pic>
+      <p:pic>
+        <p:nvPicPr>
+          <p:cNvPr id="52" name="Picture 51">
+            <a:extLst>
+              <a:ext uri="{FF2B5EF4-FFF2-40B4-BE49-F238E27FC236}">
+                <a16:creationId xmlns:a16="http://schemas.microsoft.com/office/drawing/2014/main" id="{44D4E22E-E421-44D7-80D8-014F8E2AD1B5}"/>
+              </a:ext>
+            </a:extLst>
+          </p:cNvPr>
+          <p:cNvPicPr>
+            <a:picLocks noChangeAspect="1"/>
+          </p:cNvPicPr>
+          <p:nvPr/>
+        </p:nvPicPr>
+        <p:blipFill rotWithShape="1">
+          <a:blip r:embed="rId2"/>
+          <a:srcRect t="46965" r="89917" b="-1"/>
+          <a:stretch/>
+        </p:blipFill>
+        <p:spPr>
+          <a:xfrm rot="10800000">
+            <a:off x="5989245" y="2609124"/>
+            <a:ext cx="649255" cy="606197"/>
+          </a:xfrm>
+          <a:prstGeom prst="rect">
+            <a:avLst/>
+          </a:prstGeom>
+        </p:spPr>
+      </p:pic>
+      <p:pic>
+        <p:nvPicPr>
+          <p:cNvPr id="53" name="Picture 52">
+            <a:extLst>
+              <a:ext uri="{FF2B5EF4-FFF2-40B4-BE49-F238E27FC236}">
+                <a16:creationId xmlns:a16="http://schemas.microsoft.com/office/drawing/2014/main" id="{39BE4889-551C-4E9F-B285-5DCAA549B810}"/>
+              </a:ext>
+            </a:extLst>
+          </p:cNvPr>
+          <p:cNvPicPr>
+            <a:picLocks noChangeAspect="1"/>
+          </p:cNvPicPr>
+          <p:nvPr/>
+        </p:nvPicPr>
+        <p:blipFill>
+          <a:blip r:embed="rId3"/>
+          <a:stretch>
+            <a:fillRect/>
+          </a:stretch>
+        </p:blipFill>
+        <p:spPr>
+          <a:xfrm>
+            <a:off x="1" y="2605545"/>
+            <a:ext cx="6126598" cy="473638"/>
+          </a:xfrm>
+          <a:prstGeom prst="rect">
+            <a:avLst/>
+          </a:prstGeom>
+        </p:spPr>
+      </p:pic>
+      <p:pic>
+        <p:nvPicPr>
+          <p:cNvPr id="54" name="Picture 53">
+            <a:extLst>
+              <a:ext uri="{FF2B5EF4-FFF2-40B4-BE49-F238E27FC236}">
+                <a16:creationId xmlns:a16="http://schemas.microsoft.com/office/drawing/2014/main" id="{67720BA7-B9B3-4651-814A-8E1B1E123DF2}"/>
+              </a:ext>
+            </a:extLst>
+          </p:cNvPr>
+          <p:cNvPicPr>
+            <a:picLocks noChangeAspect="1"/>
+          </p:cNvPicPr>
+          <p:nvPr/>
+        </p:nvPicPr>
+        <p:blipFill rotWithShape="1">
+          <a:blip r:embed="rId6">
+            <a:extLst>
+              <a:ext uri="{BEBA8EAE-BF5A-486C-A8C5-ECC9F3942E4B}">
+                <a14:imgProps xmlns:a14="http://schemas.microsoft.com/office/drawing/2010/main">
+                  <a14:imgLayer r:embed="rId7">
+                    <a14:imgEffect>
+                      <a14:backgroundRemoval t="10714" b="31888" l="20263" r="31711">
+                        <a14:foregroundMark x1="30000" y1="25765" x2="30000" y2="25765"/>
+                        <a14:foregroundMark x1="28158" y1="25255" x2="28158" y2="25255"/>
+                        <a14:foregroundMark x1="22368" y1="15051" x2="22368" y2="15051"/>
+                        <a14:foregroundMark x1="21316" y1="13010" x2="21316" y2="13010"/>
+                        <a14:foregroundMark x1="21316" y1="11224" x2="21316" y2="11224"/>
+                        <a14:foregroundMark x1="23289" y1="11224" x2="23289" y2="11224"/>
+                        <a14:foregroundMark x1="21053" y1="15051" x2="21053" y2="15051"/>
+                        <a14:foregroundMark x1="22895" y1="24745" x2="22895" y2="24745"/>
+                        <a14:foregroundMark x1="27368" y1="18878" x2="27368" y2="18878"/>
+                        <a14:foregroundMark x1="31711" y1="27041" x2="31711" y2="27041"/>
+                        <a14:foregroundMark x1="28158" y1="25255" x2="28158" y2="25255"/>
+                        <a14:foregroundMark x1="25789" y1="25255" x2="25789" y2="25255"/>
+                        <a14:foregroundMark x1="22895" y1="25765" x2="22895" y2="25765"/>
+                      </a14:backgroundRemoval>
+                    </a14:imgEffect>
+                  </a14:imgLayer>
+                </a14:imgProps>
+              </a:ext>
+            </a:extLst>
+          </a:blip>
+          <a:srcRect l="19034" t="8269" r="67699" b="65316"/>
+          <a:stretch/>
+        </p:blipFill>
+        <p:spPr>
+          <a:xfrm>
+            <a:off x="3535134" y="2323846"/>
+            <a:ext cx="776865" cy="797799"/>
+          </a:xfrm>
+          <a:prstGeom prst="rect">
+            <a:avLst/>
+          </a:prstGeom>
+        </p:spPr>
+      </p:pic>
+      <p:sp>
+        <p:nvSpPr>
+          <p:cNvPr id="55" name="TextBox 54">
+            <a:extLst>
+              <a:ext uri="{FF2B5EF4-FFF2-40B4-BE49-F238E27FC236}">
+                <a16:creationId xmlns:a16="http://schemas.microsoft.com/office/drawing/2014/main" id="{1F8B1355-D169-4580-A8D8-AAEB7F9BDF0B}"/>
+              </a:ext>
+            </a:extLst>
+          </p:cNvPr>
+          <p:cNvSpPr txBox="1"/>
+          <p:nvPr/>
+        </p:nvSpPr>
+        <p:spPr>
+          <a:xfrm>
+            <a:off x="3326862" y="2908730"/>
+            <a:ext cx="1275349" cy="369332"/>
+          </a:xfrm>
+          <a:prstGeom prst="rect">
+            <a:avLst/>
+          </a:prstGeom>
+          <a:noFill/>
+        </p:spPr>
+        <p:txBody>
+          <a:bodyPr wrap="none" rtlCol="0">
+            <a:spAutoFit/>
+          </a:bodyPr>
+          <a:lstStyle/>
+          <a:p>
+            <a:r>
+              <a:rPr lang="es-CO" b="1" dirty="0"/>
+              <a:t>Correlación</a:t>
+            </a:r>
+            <a:endParaRPr lang="en-GB" b="1" dirty="0"/>
+          </a:p>
+        </p:txBody>
+      </p:sp>
+      <p:sp>
+        <p:nvSpPr>
+          <p:cNvPr id="56" name="TextBox 55">
+            <a:extLst>
+              <a:ext uri="{FF2B5EF4-FFF2-40B4-BE49-F238E27FC236}">
+                <a16:creationId xmlns:a16="http://schemas.microsoft.com/office/drawing/2014/main" id="{F7598A7B-E5AB-4076-843E-6550940BC068}"/>
+              </a:ext>
+            </a:extLst>
+          </p:cNvPr>
+          <p:cNvSpPr txBox="1"/>
+          <p:nvPr/>
+        </p:nvSpPr>
+        <p:spPr>
+          <a:xfrm>
+            <a:off x="2862915" y="3193699"/>
+            <a:ext cx="2493826" cy="276999"/>
+          </a:xfrm>
+          <a:prstGeom prst="rect">
+            <a:avLst/>
+          </a:prstGeom>
+          <a:noFill/>
+        </p:spPr>
+        <p:txBody>
+          <a:bodyPr wrap="square" rtlCol="0">
+            <a:spAutoFit/>
+          </a:bodyPr>
+          <a:lstStyle/>
+          <a:p>
+            <a:r>
+              <a:rPr lang="es-CO" sz="1200" dirty="0"/>
+              <a:t>2 Variables con 100% de Correlación</a:t>
+            </a:r>
+            <a:endParaRPr lang="en-GB" sz="1200" dirty="0"/>
+          </a:p>
+        </p:txBody>
+      </p:sp>
+      <p:pic>
+        <p:nvPicPr>
+          <p:cNvPr id="44" name="Picture 43">
+            <a:extLst>
+              <a:ext uri="{FF2B5EF4-FFF2-40B4-BE49-F238E27FC236}">
+                <a16:creationId xmlns:a16="http://schemas.microsoft.com/office/drawing/2014/main" id="{F0B0EECB-0EAD-41BC-A0B4-3918BDF8D941}"/>
+              </a:ext>
+            </a:extLst>
+          </p:cNvPr>
+          <p:cNvPicPr>
+            <a:picLocks noChangeAspect="1"/>
+          </p:cNvPicPr>
+          <p:nvPr/>
+        </p:nvPicPr>
+        <p:blipFill rotWithShape="1">
+          <a:blip r:embed="rId8">
+            <a:extLst>
+              <a:ext uri="{BEBA8EAE-BF5A-486C-A8C5-ECC9F3942E4B}">
+                <a14:imgProps xmlns:a14="http://schemas.microsoft.com/office/drawing/2010/main">
+                  <a14:imgLayer r:embed="rId7">
+                    <a14:imgEffect>
+                      <a14:backgroundRemoval t="39143" b="62479" l="1799" r="16190">
+                        <a14:foregroundMark x1="9737" y1="52041" x2="9737" y2="52041"/>
+                        <a14:foregroundMark x1="9474" y1="50255" x2="9474" y2="50255"/>
+                        <a14:foregroundMark x1="11974" y1="54337" x2="11974" y2="54337"/>
+                        <a14:foregroundMark x1="11579" y1="50000" x2="11579" y2="50000"/>
+                        <a14:foregroundMark x1="10263" y1="45918" x2="10263" y2="45918"/>
+                        <a14:foregroundMark x1="4474" y1="55357" x2="4474" y2="55357"/>
+                        <a14:foregroundMark x1="5132" y1="45408" x2="5132" y2="45408"/>
+                        <a14:foregroundMark x1="12368" y1="45408" x2="12368" y2="45408"/>
+                        <a14:foregroundMark x1="8553" y1="59949" x2="8553" y2="59949"/>
+                        <a14:backgroundMark x1="7237" y1="48214" x2="7237" y2="48214"/>
+                      </a14:backgroundRemoval>
+                    </a14:imgEffect>
+                  </a14:imgLayer>
+                </a14:imgProps>
+              </a:ext>
+            </a:extLst>
+          </a:blip>
+          <a:srcRect t="36226" r="82011" b="34604"/>
+          <a:stretch/>
+        </p:blipFill>
+        <p:spPr>
+          <a:xfrm>
+            <a:off x="7336666" y="2891245"/>
+            <a:ext cx="1020932" cy="926806"/>
+          </a:xfrm>
+          <a:prstGeom prst="rect">
+            <a:avLst/>
+          </a:prstGeom>
+        </p:spPr>
+      </p:pic>
+      <p:pic>
+        <p:nvPicPr>
+          <p:cNvPr id="8" name="Picture 7">
+            <a:extLst>
+              <a:ext uri="{FF2B5EF4-FFF2-40B4-BE49-F238E27FC236}">
+                <a16:creationId xmlns:a16="http://schemas.microsoft.com/office/drawing/2014/main" id="{2B2A1A3F-B9BA-4C2E-8C41-D73522369471}"/>
+              </a:ext>
+            </a:extLst>
+          </p:cNvPr>
+          <p:cNvPicPr>
+            <a:picLocks noChangeAspect="1"/>
+          </p:cNvPicPr>
+          <p:nvPr/>
+        </p:nvPicPr>
+        <p:blipFill>
+          <a:blip r:embed="rId9"/>
+          <a:stretch>
+            <a:fillRect/>
+          </a:stretch>
+        </p:blipFill>
+        <p:spPr>
+          <a:xfrm>
+            <a:off x="424011" y="4718623"/>
+            <a:ext cx="4578335" cy="830668"/>
+          </a:xfrm>
+          <a:prstGeom prst="rect">
+            <a:avLst/>
+          </a:prstGeom>
+        </p:spPr>
+      </p:pic>
+      <p:pic>
+        <p:nvPicPr>
+          <p:cNvPr id="9" name="Picture 8">
+            <a:extLst>
+              <a:ext uri="{FF2B5EF4-FFF2-40B4-BE49-F238E27FC236}">
+                <a16:creationId xmlns:a16="http://schemas.microsoft.com/office/drawing/2014/main" id="{7757817C-5100-4455-8D3D-A08800F776BB}"/>
+              </a:ext>
+            </a:extLst>
+          </p:cNvPr>
+          <p:cNvPicPr>
+            <a:picLocks noChangeAspect="1"/>
+          </p:cNvPicPr>
+          <p:nvPr/>
+        </p:nvPicPr>
+        <p:blipFill>
+          <a:blip r:embed="rId10"/>
+          <a:stretch>
+            <a:fillRect/>
+          </a:stretch>
+        </p:blipFill>
+        <p:spPr>
+          <a:xfrm>
+            <a:off x="5307931" y="4688867"/>
+            <a:ext cx="2724150" cy="1162050"/>
+          </a:xfrm>
+          <a:prstGeom prst="rect">
+            <a:avLst/>
+          </a:prstGeom>
+        </p:spPr>
+      </p:pic>
+      <p:pic>
+        <p:nvPicPr>
+          <p:cNvPr id="10" name="Picture 9">
+            <a:extLst>
+              <a:ext uri="{FF2B5EF4-FFF2-40B4-BE49-F238E27FC236}">
+                <a16:creationId xmlns:a16="http://schemas.microsoft.com/office/drawing/2014/main" id="{73759E08-F0EE-4DF3-8035-797BAA7FB9C4}"/>
+              </a:ext>
+            </a:extLst>
+          </p:cNvPr>
+          <p:cNvPicPr>
+            <a:picLocks noChangeAspect="1"/>
+          </p:cNvPicPr>
+          <p:nvPr/>
+        </p:nvPicPr>
+        <p:blipFill rotWithShape="1">
+          <a:blip r:embed="rId11"/>
+          <a:srcRect b="33098"/>
+          <a:stretch/>
+        </p:blipFill>
+        <p:spPr>
+          <a:xfrm>
+            <a:off x="8827932" y="4574412"/>
+            <a:ext cx="1687785" cy="1695977"/>
+          </a:xfrm>
+          <a:prstGeom prst="rect">
+            <a:avLst/>
+          </a:prstGeom>
+        </p:spPr>
+      </p:pic>
+    </p:spTree>
+    <p:extLst>
+      <p:ext uri="{BB962C8B-B14F-4D97-AF65-F5344CB8AC3E}">
+        <p14:creationId xmlns:p14="http://schemas.microsoft.com/office/powerpoint/2010/main" val="176310867"/>
+      </p:ext>
+    </p:extLst>
+  </p:cSld>
+  <p:clrMapOvr>
+    <a:masterClrMapping/>
+  </p:clrMapOvr>
+</p:sld>
+</file>
+
+<file path=ppt/slides/slide19.xml><?xml version="1.0" encoding="utf-8"?>
+<p:sld xmlns:a="http://schemas.openxmlformats.org/drawingml/2006/main" xmlns:r="http://schemas.openxmlformats.org/officeDocument/2006/relationships" xmlns:p="http://schemas.openxmlformats.org/presentationml/2006/main">
+  <p:cSld>
+    <p:spTree>
+      <p:nvGrpSpPr>
+        <p:cNvPr id="1" name=""/>
+        <p:cNvGrpSpPr/>
+        <p:nvPr/>
+      </p:nvGrpSpPr>
+      <p:grpSpPr>
+        <a:xfrm>
+          <a:off x="0" y="0"/>
+          <a:ext cx="0" cy="0"/>
+          <a:chOff x="0" y="0"/>
+          <a:chExt cx="0" cy="0"/>
+        </a:xfrm>
+      </p:grpSpPr>
+      <p:sp>
+        <p:nvSpPr>
+          <p:cNvPr id="4" name="Google Shape;112;p6">
+            <a:extLst>
+              <a:ext uri="{FF2B5EF4-FFF2-40B4-BE49-F238E27FC236}">
+                <a16:creationId xmlns:a16="http://schemas.microsoft.com/office/drawing/2014/main" id="{7BF8BAE0-DDB0-40DE-B227-E508C4C6FE5D}"/>
+              </a:ext>
+            </a:extLst>
+          </p:cNvPr>
+          <p:cNvSpPr txBox="1"/>
+          <p:nvPr/>
+        </p:nvSpPr>
+        <p:spPr>
+          <a:xfrm>
+            <a:off x="729342" y="319121"/>
+            <a:ext cx="6181597" cy="830956"/>
+          </a:xfrm>
+          <a:prstGeom prst="rect">
+            <a:avLst/>
+          </a:prstGeom>
+          <a:noFill/>
+          <a:ln>
+            <a:noFill/>
+          </a:ln>
+        </p:spPr>
+        <p:txBody>
+          <a:bodyPr spcFirstLastPara="1" wrap="square" lIns="91425" tIns="45700" rIns="91425" bIns="45700" anchor="t" anchorCtr="0">
+            <a:spAutoFit/>
+          </a:bodyPr>
+          <a:lstStyle/>
+          <a:p>
+            <a:pPr marL="0" marR="0" lvl="0" indent="0" rtl="0">
+              <a:spcBef>
+                <a:spcPts val="0"/>
+              </a:spcBef>
+              <a:spcAft>
+                <a:spcPts val="0"/>
+              </a:spcAft>
+              <a:buNone/>
+            </a:pPr>
+            <a:r>
+              <a:rPr lang="es-CO" sz="4800" b="1" dirty="0">
+                <a:solidFill>
+                  <a:srgbClr val="1B2336"/>
+                </a:solidFill>
+                <a:latin typeface="Arial"/>
+                <a:cs typeface="Arial"/>
+                <a:sym typeface="Arial"/>
+              </a:rPr>
+              <a:t>Ing. Características</a:t>
+            </a:r>
+            <a:endParaRPr lang="es-CO" dirty="0"/>
+          </a:p>
+        </p:txBody>
+      </p:sp>
+      <p:sp>
+        <p:nvSpPr>
+          <p:cNvPr id="5" name="Google Shape;117;p6">
+            <a:extLst>
+              <a:ext uri="{FF2B5EF4-FFF2-40B4-BE49-F238E27FC236}">
+                <a16:creationId xmlns:a16="http://schemas.microsoft.com/office/drawing/2014/main" id="{789374AE-5906-4CE2-AE32-861EEB840C78}"/>
+              </a:ext>
+            </a:extLst>
+          </p:cNvPr>
+          <p:cNvSpPr txBox="1"/>
+          <p:nvPr/>
+        </p:nvSpPr>
+        <p:spPr>
+          <a:xfrm>
+            <a:off x="225373" y="312176"/>
+            <a:ext cx="717199" cy="769441"/>
+          </a:xfrm>
+          <a:prstGeom prst="rect">
+            <a:avLst/>
+          </a:prstGeom>
+          <a:noFill/>
+          <a:ln>
+            <a:noFill/>
+          </a:ln>
+        </p:spPr>
+        <p:txBody>
+          <a:bodyPr spcFirstLastPara="1" wrap="square" lIns="91425" tIns="45700" rIns="91425" bIns="45700" anchor="t" anchorCtr="0">
+            <a:spAutoFit/>
+          </a:bodyPr>
+          <a:lstStyle/>
+          <a:p>
+            <a:pPr marL="0" marR="0" lvl="0" indent="0" algn="ctr" rtl="0">
+              <a:spcBef>
+                <a:spcPts val="0"/>
+              </a:spcBef>
+              <a:spcAft>
+                <a:spcPts val="0"/>
+              </a:spcAft>
+              <a:buNone/>
+            </a:pPr>
+            <a:r>
+              <a:rPr lang="es-CO" sz="4400" b="1" dirty="0">
+                <a:solidFill>
+                  <a:srgbClr val="04BDB4"/>
+                </a:solidFill>
+                <a:latin typeface="Arial Black"/>
+                <a:ea typeface="Arial Black"/>
+                <a:cs typeface="Arial Black"/>
+                <a:sym typeface="Arial Black"/>
+              </a:rPr>
+              <a:t>|</a:t>
+            </a:r>
+            <a:endParaRPr lang="es-CO" dirty="0"/>
+          </a:p>
+        </p:txBody>
+      </p:sp>
+      <p:cxnSp>
+        <p:nvCxnSpPr>
+          <p:cNvPr id="6" name="Google Shape;119;p6">
+            <a:extLst>
+              <a:ext uri="{FF2B5EF4-FFF2-40B4-BE49-F238E27FC236}">
+                <a16:creationId xmlns:a16="http://schemas.microsoft.com/office/drawing/2014/main" id="{9BA46B94-C025-44EC-8513-29B85B3D7D8E}"/>
+              </a:ext>
+            </a:extLst>
+          </p:cNvPr>
+          <p:cNvCxnSpPr>
+            <a:cxnSpLocks/>
+          </p:cNvCxnSpPr>
+          <p:nvPr/>
+        </p:nvCxnSpPr>
+        <p:spPr>
+          <a:xfrm>
+            <a:off x="6843562" y="786010"/>
+            <a:ext cx="5348382" cy="1"/>
+          </a:xfrm>
+          <a:prstGeom prst="straightConnector1">
+            <a:avLst/>
+          </a:prstGeom>
+          <a:noFill/>
+          <a:ln w="25400" cap="flat" cmpd="sng">
+            <a:solidFill>
+              <a:srgbClr val="1B2336"/>
+            </a:solidFill>
+            <a:prstDash val="solid"/>
+            <a:miter lim="800000"/>
+            <a:headEnd type="oval" w="med" len="med"/>
+            <a:tailEnd type="none" w="sm" len="sm"/>
+          </a:ln>
+        </p:spPr>
+      </p:cxnSp>
+      <p:pic>
+        <p:nvPicPr>
+          <p:cNvPr id="53" name="Picture 52">
+            <a:extLst>
+              <a:ext uri="{FF2B5EF4-FFF2-40B4-BE49-F238E27FC236}">
+                <a16:creationId xmlns:a16="http://schemas.microsoft.com/office/drawing/2014/main" id="{39BE4889-551C-4E9F-B285-5DCAA549B810}"/>
+              </a:ext>
+            </a:extLst>
+          </p:cNvPr>
+          <p:cNvPicPr>
+            <a:picLocks noChangeAspect="1"/>
+          </p:cNvPicPr>
+          <p:nvPr/>
+        </p:nvPicPr>
+        <p:blipFill>
+          <a:blip r:embed="rId2"/>
+          <a:stretch>
+            <a:fillRect/>
+          </a:stretch>
+        </p:blipFill>
+        <p:spPr>
+          <a:xfrm>
+            <a:off x="1154518" y="1440888"/>
+            <a:ext cx="11040827" cy="473638"/>
+          </a:xfrm>
+          <a:prstGeom prst="rect">
+            <a:avLst/>
+          </a:prstGeom>
+        </p:spPr>
+      </p:pic>
+      <p:pic>
+        <p:nvPicPr>
+          <p:cNvPr id="57" name="Picture 56">
+            <a:extLst>
+              <a:ext uri="{FF2B5EF4-FFF2-40B4-BE49-F238E27FC236}">
+                <a16:creationId xmlns:a16="http://schemas.microsoft.com/office/drawing/2014/main" id="{A42725F1-9A70-4ACA-AD08-678D5920041B}"/>
+              </a:ext>
+            </a:extLst>
+          </p:cNvPr>
+          <p:cNvPicPr>
+            <a:picLocks noChangeAspect="1"/>
+          </p:cNvPicPr>
+          <p:nvPr/>
+        </p:nvPicPr>
+        <p:blipFill rotWithShape="1">
+          <a:blip r:embed="rId3"/>
+          <a:srcRect t="46965" r="89917" b="-1"/>
+          <a:stretch/>
+        </p:blipFill>
+        <p:spPr>
+          <a:xfrm rot="5400000">
+            <a:off x="557657" y="1579619"/>
+            <a:ext cx="649255" cy="606197"/>
+          </a:xfrm>
+          <a:prstGeom prst="rect">
+            <a:avLst/>
+          </a:prstGeom>
+        </p:spPr>
+      </p:pic>
+      <p:pic>
+        <p:nvPicPr>
+          <p:cNvPr id="58" name="Picture 57">
+            <a:extLst>
+              <a:ext uri="{FF2B5EF4-FFF2-40B4-BE49-F238E27FC236}">
+                <a16:creationId xmlns:a16="http://schemas.microsoft.com/office/drawing/2014/main" id="{1F134A1F-31FD-497A-BF65-CE075DE66AD7}"/>
+              </a:ext>
+            </a:extLst>
+          </p:cNvPr>
+          <p:cNvPicPr>
+            <a:picLocks noChangeAspect="1"/>
+          </p:cNvPicPr>
+          <p:nvPr/>
+        </p:nvPicPr>
+        <p:blipFill>
+          <a:blip r:embed="rId2"/>
+          <a:stretch>
+            <a:fillRect/>
+          </a:stretch>
+        </p:blipFill>
+        <p:spPr>
+          <a:xfrm rot="5400000">
+            <a:off x="-1232546" y="3814590"/>
+            <a:ext cx="4123371" cy="475035"/>
+          </a:xfrm>
+          <a:prstGeom prst="rect">
+            <a:avLst/>
+          </a:prstGeom>
+        </p:spPr>
+      </p:pic>
+      <p:pic>
+        <p:nvPicPr>
+          <p:cNvPr id="59" name="Picture 58">
+            <a:extLst>
+              <a:ext uri="{FF2B5EF4-FFF2-40B4-BE49-F238E27FC236}">
+                <a16:creationId xmlns:a16="http://schemas.microsoft.com/office/drawing/2014/main" id="{26FC1601-FB59-48EC-A5AA-7C509A607488}"/>
+              </a:ext>
+            </a:extLst>
+          </p:cNvPr>
+          <p:cNvPicPr>
+            <a:picLocks noChangeAspect="1"/>
+          </p:cNvPicPr>
+          <p:nvPr/>
+        </p:nvPicPr>
+        <p:blipFill rotWithShape="1">
+          <a:blip r:embed="rId4">
+            <a:extLst>
+              <a:ext uri="{BEBA8EAE-BF5A-486C-A8C5-ECC9F3942E4B}">
+                <a14:imgProps xmlns:a14="http://schemas.microsoft.com/office/drawing/2010/main">
+                  <a14:imgLayer r:embed="rId5">
+                    <a14:imgEffect>
+                      <a14:backgroundRemoval t="73469" b="89031" l="2237" r="14737">
+                        <a14:foregroundMark x1="4342" y1="84439" x2="4342" y2="84439"/>
+                        <a14:foregroundMark x1="2368" y1="86224" x2="2368" y2="86224"/>
+                        <a14:foregroundMark x1="7368" y1="77296" x2="7368" y2="77296"/>
+                        <a14:foregroundMark x1="10000" y1="73469" x2="10000" y2="73469"/>
+                        <a14:foregroundMark x1="14737" y1="86224" x2="14737" y2="86224"/>
+                        <a14:backgroundMark x1="7632" y1="78571" x2="7632" y2="78571"/>
+                        <a14:backgroundMark x1="8026" y1="77551" x2="8026" y2="77551"/>
+                      </a14:backgroundRemoval>
+                    </a14:imgEffect>
+                  </a14:imgLayer>
+                </a14:imgProps>
+              </a:ext>
+            </a:extLst>
+          </a:blip>
+          <a:srcRect l="2030" t="72143" r="83737" b="9093"/>
+          <a:stretch/>
+        </p:blipFill>
+        <p:spPr>
+          <a:xfrm>
+            <a:off x="465166" y="2009681"/>
+            <a:ext cx="954811" cy="649254"/>
+          </a:xfrm>
+          <a:prstGeom prst="rect">
+            <a:avLst/>
+          </a:prstGeom>
+        </p:spPr>
+      </p:pic>
+      <p:sp>
+        <p:nvSpPr>
+          <p:cNvPr id="60" name="TextBox 59">
+            <a:extLst>
+              <a:ext uri="{FF2B5EF4-FFF2-40B4-BE49-F238E27FC236}">
+                <a16:creationId xmlns:a16="http://schemas.microsoft.com/office/drawing/2014/main" id="{A49FD569-16E7-427F-80BA-0375C5B463FF}"/>
+              </a:ext>
+            </a:extLst>
+          </p:cNvPr>
+          <p:cNvSpPr txBox="1"/>
+          <p:nvPr/>
+        </p:nvSpPr>
+        <p:spPr>
+          <a:xfrm>
+            <a:off x="1432414" y="1990422"/>
+            <a:ext cx="2216569" cy="369332"/>
+          </a:xfrm>
+          <a:prstGeom prst="rect">
+            <a:avLst/>
+          </a:prstGeom>
+          <a:noFill/>
+        </p:spPr>
+        <p:txBody>
+          <a:bodyPr wrap="none" rtlCol="0">
+            <a:spAutoFit/>
+          </a:bodyPr>
+          <a:lstStyle/>
+          <a:p>
+            <a:r>
+              <a:rPr lang="es-CO" b="1" dirty="0"/>
+              <a:t>Medidas  estadísticas</a:t>
+            </a:r>
+            <a:endParaRPr lang="en-GB" b="1" dirty="0"/>
+          </a:p>
+        </p:txBody>
+      </p:sp>
+      <p:sp>
+        <p:nvSpPr>
+          <p:cNvPr id="61" name="TextBox 60">
+            <a:extLst>
+              <a:ext uri="{FF2B5EF4-FFF2-40B4-BE49-F238E27FC236}">
+                <a16:creationId xmlns:a16="http://schemas.microsoft.com/office/drawing/2014/main" id="{FAE39372-8C8A-419D-B0D0-523A36739AFE}"/>
+              </a:ext>
+            </a:extLst>
+          </p:cNvPr>
+          <p:cNvSpPr txBox="1"/>
+          <p:nvPr/>
+        </p:nvSpPr>
+        <p:spPr>
+          <a:xfrm>
+            <a:off x="2573227" y="2397607"/>
+            <a:ext cx="2493826" cy="276999"/>
+          </a:xfrm>
+          <a:prstGeom prst="rect">
+            <a:avLst/>
+          </a:prstGeom>
+          <a:noFill/>
+        </p:spPr>
+        <p:txBody>
+          <a:bodyPr wrap="square" rtlCol="0">
+            <a:spAutoFit/>
+          </a:bodyPr>
+          <a:lstStyle/>
+          <a:p>
+            <a:r>
+              <a:rPr lang="es-CO" sz="1200" u="sng" dirty="0"/>
+              <a:t>Ganancia de información:</a:t>
+            </a:r>
+          </a:p>
+        </p:txBody>
+      </p:sp>
+      <p:pic>
+        <p:nvPicPr>
+          <p:cNvPr id="8" name="Picture 7">
+            <a:extLst>
+              <a:ext uri="{FF2B5EF4-FFF2-40B4-BE49-F238E27FC236}">
+                <a16:creationId xmlns:a16="http://schemas.microsoft.com/office/drawing/2014/main" id="{AA296652-6E96-4AFD-9F09-4FC0670765E7}"/>
+              </a:ext>
+            </a:extLst>
+          </p:cNvPr>
+          <p:cNvPicPr>
+            <a:picLocks noChangeAspect="1"/>
+          </p:cNvPicPr>
+          <p:nvPr/>
+        </p:nvPicPr>
+        <p:blipFill rotWithShape="1">
+          <a:blip r:embed="rId6"/>
+          <a:srcRect t="5955"/>
+          <a:stretch/>
+        </p:blipFill>
+        <p:spPr>
+          <a:xfrm>
+            <a:off x="1079092" y="2712458"/>
+            <a:ext cx="6207413" cy="3359531"/>
+          </a:xfrm>
+          <a:prstGeom prst="rect">
+            <a:avLst/>
+          </a:prstGeom>
+        </p:spPr>
+      </p:pic>
+      <p:pic>
+        <p:nvPicPr>
+          <p:cNvPr id="11" name="Picture 10">
+            <a:extLst>
+              <a:ext uri="{FF2B5EF4-FFF2-40B4-BE49-F238E27FC236}">
+                <a16:creationId xmlns:a16="http://schemas.microsoft.com/office/drawing/2014/main" id="{E741E20F-E1D9-4BA4-91AD-DE68BC370D4C}"/>
+              </a:ext>
+            </a:extLst>
+          </p:cNvPr>
+          <p:cNvPicPr>
+            <a:picLocks noChangeAspect="1"/>
+          </p:cNvPicPr>
+          <p:nvPr/>
+        </p:nvPicPr>
+        <p:blipFill>
+          <a:blip r:embed="rId7"/>
+          <a:stretch>
+            <a:fillRect/>
+          </a:stretch>
+        </p:blipFill>
+        <p:spPr>
+          <a:xfrm>
+            <a:off x="7976503" y="2658935"/>
+            <a:ext cx="1898650" cy="3511550"/>
+          </a:xfrm>
+          <a:prstGeom prst="rect">
+            <a:avLst/>
+          </a:prstGeom>
+        </p:spPr>
+      </p:pic>
+      <p:sp>
+        <p:nvSpPr>
+          <p:cNvPr id="77" name="TextBox 76">
+            <a:extLst>
+              <a:ext uri="{FF2B5EF4-FFF2-40B4-BE49-F238E27FC236}">
+                <a16:creationId xmlns:a16="http://schemas.microsoft.com/office/drawing/2014/main" id="{245C8C27-6ACE-446E-9903-BDE332A63C01}"/>
+              </a:ext>
+            </a:extLst>
+          </p:cNvPr>
+          <p:cNvSpPr txBox="1"/>
+          <p:nvPr/>
+        </p:nvSpPr>
+        <p:spPr>
+          <a:xfrm>
+            <a:off x="8543019" y="2334308"/>
+            <a:ext cx="2493826" cy="276999"/>
+          </a:xfrm>
+          <a:prstGeom prst="rect">
+            <a:avLst/>
+          </a:prstGeom>
+          <a:noFill/>
+        </p:spPr>
+        <p:txBody>
+          <a:bodyPr wrap="square" rtlCol="0">
+            <a:spAutoFit/>
+          </a:bodyPr>
+          <a:lstStyle/>
+          <a:p>
+            <a:r>
+              <a:rPr lang="es-CO" sz="1200" u="sng" dirty="0"/>
+              <a:t>ANOVA:</a:t>
+            </a:r>
+          </a:p>
+        </p:txBody>
+      </p:sp>
+    </p:spTree>
+    <p:extLst>
+      <p:ext uri="{BB962C8B-B14F-4D97-AF65-F5344CB8AC3E}">
+        <p14:creationId xmlns:p14="http://schemas.microsoft.com/office/powerpoint/2010/main" val="1421957363"/>
+      </p:ext>
+    </p:extLst>
+  </p:cSld>
+  <p:clrMapOvr>
+    <a:masterClrMapping/>
+  </p:clrMapOvr>
+</p:sld>
+</file>
+
+<file path=ppt/slides/slide2.xml><?xml version="1.0" encoding="utf-8"?>
+<p:sld xmlns:a="http://schemas.openxmlformats.org/drawingml/2006/main" xmlns:r="http://schemas.openxmlformats.org/officeDocument/2006/relationships" xmlns:p="http://schemas.openxmlformats.org/presentationml/2006/main">
+  <p:cSld>
+    <p:spTree>
+      <p:nvGrpSpPr>
+        <p:cNvPr id="1" name=""/>
+        <p:cNvGrpSpPr/>
+        <p:nvPr/>
+      </p:nvGrpSpPr>
+      <p:grpSpPr>
+        <a:xfrm>
+          <a:off x="0" y="0"/>
+          <a:ext cx="0" cy="0"/>
+          <a:chOff x="0" y="0"/>
+          <a:chExt cx="0" cy="0"/>
+        </a:xfrm>
+      </p:grpSpPr>
+      <p:sp>
+        <p:nvSpPr>
+          <p:cNvPr id="3081" name="Content Placeholder 3077">
+            <a:extLst>
+              <a:ext uri="{FF2B5EF4-FFF2-40B4-BE49-F238E27FC236}">
+                <a16:creationId xmlns:a16="http://schemas.microsoft.com/office/drawing/2014/main" id="{5CFEDB38-A870-4D98-92F7-650BE349A85E}"/>
+              </a:ext>
+            </a:extLst>
+          </p:cNvPr>
+          <p:cNvSpPr>
+            <a:spLocks noGrp="1"/>
+          </p:cNvSpPr>
+          <p:nvPr>
+            <p:ph idx="1"/>
+          </p:nvPr>
+        </p:nvSpPr>
+        <p:spPr>
+          <a:xfrm>
+            <a:off x="4965431" y="2438400"/>
+            <a:ext cx="6586489" cy="3785419"/>
+          </a:xfrm>
+        </p:spPr>
+        <p:txBody>
+          <a:bodyPr>
+            <a:normAutofit/>
+          </a:bodyPr>
+          <a:lstStyle/>
+          <a:p>
+            <a:pPr marL="457200" indent="-457200">
+              <a:buFont typeface="+mj-lt"/>
+              <a:buAutoNum type="arabicPeriod"/>
+            </a:pPr>
+            <a:r>
+              <a:rPr lang="es-CO" sz="2000" dirty="0">
+                <a:solidFill>
+                  <a:srgbClr val="1B2335"/>
+                </a:solidFill>
+                <a:cs typeface="Arial" panose="020B0604020202020204" pitchFamily="34" charset="0"/>
+              </a:rPr>
+              <a:t>¿Cuál es la metodología usada para el desarrollo del proyecto?</a:t>
+            </a:r>
+          </a:p>
+          <a:p>
+            <a:pPr marL="457200" indent="-457200">
+              <a:buFont typeface="+mj-lt"/>
+              <a:buAutoNum type="arabicPeriod"/>
+            </a:pPr>
+            <a:r>
+              <a:rPr lang="es-CO" sz="2000" dirty="0">
+                <a:solidFill>
+                  <a:srgbClr val="1B2335"/>
+                </a:solidFill>
+                <a:cs typeface="Arial" panose="020B0604020202020204" pitchFamily="34" charset="0"/>
+              </a:rPr>
+              <a:t>¿Por qué el hurto en Medellín? </a:t>
+            </a:r>
+          </a:p>
+          <a:p>
+            <a:pPr marL="457200" indent="-457200">
+              <a:buFont typeface="+mj-lt"/>
+              <a:buAutoNum type="arabicPeriod"/>
+            </a:pPr>
+            <a:r>
+              <a:rPr lang="es-CO" sz="2000" dirty="0">
+                <a:solidFill>
+                  <a:srgbClr val="1B2335"/>
+                </a:solidFill>
+                <a:cs typeface="Arial" panose="020B0604020202020204" pitchFamily="34" charset="0"/>
+              </a:rPr>
+              <a:t>¿Cuáles son nuestros recursos?</a:t>
+            </a:r>
+          </a:p>
+          <a:p>
+            <a:pPr marL="457200" indent="-457200">
+              <a:buFont typeface="+mj-lt"/>
+              <a:buAutoNum type="arabicPeriod"/>
+            </a:pPr>
+            <a:r>
+              <a:rPr lang="es-CO" sz="2000" dirty="0">
+                <a:solidFill>
+                  <a:srgbClr val="1B2335"/>
+                </a:solidFill>
+                <a:cs typeface="Arial" panose="020B0604020202020204" pitchFamily="34" charset="0"/>
+              </a:rPr>
+              <a:t>Análisis de descriptores.</a:t>
+            </a:r>
+          </a:p>
+          <a:p>
+            <a:pPr marL="457200" indent="-457200">
+              <a:buFont typeface="+mj-lt"/>
+              <a:buAutoNum type="arabicPeriod"/>
+            </a:pPr>
+            <a:r>
+              <a:rPr lang="es-CO" sz="2000" dirty="0">
+                <a:solidFill>
+                  <a:srgbClr val="1B2335"/>
+                </a:solidFill>
+                <a:cs typeface="Arial" panose="020B0604020202020204" pitchFamily="34" charset="0"/>
+              </a:rPr>
+              <a:t>Competencia de Métodos de Clustering</a:t>
+            </a:r>
+          </a:p>
+          <a:p>
+            <a:pPr marL="457200" indent="-457200">
+              <a:buFont typeface="+mj-lt"/>
+              <a:buAutoNum type="arabicPeriod"/>
+            </a:pPr>
+            <a:r>
+              <a:rPr lang="es-CO" sz="2000" dirty="0">
+                <a:solidFill>
+                  <a:srgbClr val="1B2335"/>
+                </a:solidFill>
+                <a:cs typeface="Arial" panose="020B0604020202020204" pitchFamily="34" charset="0"/>
+              </a:rPr>
+              <a:t>Predicción de hurto de motos</a:t>
+            </a:r>
+          </a:p>
+          <a:p>
+            <a:pPr marL="457200" indent="-457200">
+              <a:buFont typeface="+mj-lt"/>
+              <a:buAutoNum type="arabicPeriod"/>
+            </a:pPr>
+            <a:r>
+              <a:rPr lang="es-CO" sz="2000" dirty="0">
+                <a:solidFill>
+                  <a:srgbClr val="1B2335"/>
+                </a:solidFill>
+                <a:cs typeface="Arial" panose="020B0604020202020204" pitchFamily="34" charset="0"/>
+              </a:rPr>
+              <a:t>Revisión final del modelo y próximos pasos</a:t>
+            </a:r>
+          </a:p>
+        </p:txBody>
+      </p:sp>
+      <p:pic>
+        <p:nvPicPr>
+          <p:cNvPr id="1026" name="Picture 2" descr="How Machine Learning Will Shape the Ecommerce Industry">
+            <a:extLst>
+              <a:ext uri="{FF2B5EF4-FFF2-40B4-BE49-F238E27FC236}">
+                <a16:creationId xmlns:a16="http://schemas.microsoft.com/office/drawing/2014/main" id="{62EFC6B5-C90B-4864-B827-F77198CF88EF}"/>
+              </a:ext>
+            </a:extLst>
+          </p:cNvPr>
+          <p:cNvPicPr>
+            <a:picLocks noChangeAspect="1" noChangeArrowheads="1"/>
+          </p:cNvPicPr>
+          <p:nvPr/>
+        </p:nvPicPr>
+        <p:blipFill rotWithShape="1">
+          <a:blip r:embed="rId3">
+            <a:extLst>
+              <a:ext uri="{28A0092B-C50C-407E-A947-70E740481C1C}">
+                <a14:useLocalDpi xmlns:a14="http://schemas.microsoft.com/office/drawing/2010/main" val="0"/>
+              </a:ext>
+            </a:extLst>
+          </a:blip>
+          <a:srcRect l="26399" r="35748"/>
+          <a:stretch/>
+        </p:blipFill>
+        <p:spPr bwMode="auto">
+          <a:xfrm>
+            <a:off x="20" y="10"/>
+            <a:ext cx="4635571" cy="6857990"/>
+          </a:xfrm>
+          <a:prstGeom prst="rect">
+            <a:avLst/>
+          </a:prstGeom>
+          <a:noFill/>
+          <a:effectLst/>
+          <a:extLst>
+            <a:ext uri="{909E8E84-426E-40DD-AFC4-6F175D3DCCD1}">
+              <a14:hiddenFill xmlns:a14="http://schemas.microsoft.com/office/drawing/2010/main">
+                <a:solidFill>
+                  <a:srgbClr val="FFFFFF"/>
+                </a:solidFill>
+              </a14:hiddenFill>
+            </a:ext>
+          </a:extLst>
+        </p:spPr>
+      </p:pic>
+      <p:sp>
+        <p:nvSpPr>
+          <p:cNvPr id="3" name="Rectangle 2">
+            <a:extLst>
+              <a:ext uri="{FF2B5EF4-FFF2-40B4-BE49-F238E27FC236}">
+                <a16:creationId xmlns:a16="http://schemas.microsoft.com/office/drawing/2014/main" id="{BC4CD921-2352-42C2-8314-1A7220BEA74E}"/>
+              </a:ext>
+            </a:extLst>
+          </p:cNvPr>
+          <p:cNvSpPr/>
+          <p:nvPr/>
+        </p:nvSpPr>
+        <p:spPr>
+          <a:xfrm>
+            <a:off x="0" y="0"/>
+            <a:ext cx="4635571" cy="6857990"/>
+          </a:xfrm>
+          <a:prstGeom prst="rect">
+            <a:avLst/>
+          </a:prstGeom>
+          <a:solidFill>
+            <a:schemeClr val="tx1">
+              <a:lumMod val="95000"/>
+              <a:lumOff val="5000"/>
+              <a:alpha val="50000"/>
+            </a:schemeClr>
+          </a:solidFill>
+          <a:ln>
+            <a:noFill/>
+          </a:ln>
+        </p:spPr>
+        <p:style>
+          <a:lnRef idx="0">
+            <a:scrgbClr r="0" g="0" b="0"/>
+          </a:lnRef>
+          <a:fillRef idx="0">
+            <a:scrgbClr r="0" g="0" b="0"/>
+          </a:fillRef>
+          <a:effectRef idx="0">
+            <a:scrgbClr r="0" g="0" b="0"/>
+          </a:effectRef>
+          <a:fontRef idx="minor">
+            <a:schemeClr val="lt1"/>
+          </a:fontRef>
+        </p:style>
+        <p:txBody>
+          <a:bodyPr rtlCol="0" anchor="ctr"/>
+          <a:lstStyle/>
+          <a:p>
+            <a:pPr algn="ctr"/>
+            <a:endParaRPr lang="en-GB" dirty="0"/>
+          </a:p>
+        </p:txBody>
+      </p:sp>
+      <p:sp>
+        <p:nvSpPr>
+          <p:cNvPr id="7" name="Google Shape;117;p6">
+            <a:extLst>
+              <a:ext uri="{FF2B5EF4-FFF2-40B4-BE49-F238E27FC236}">
+                <a16:creationId xmlns:a16="http://schemas.microsoft.com/office/drawing/2014/main" id="{66CE2CE1-5779-48C4-9295-B470B247E8CD}"/>
+              </a:ext>
+            </a:extLst>
+          </p:cNvPr>
+          <p:cNvSpPr txBox="1"/>
+          <p:nvPr/>
+        </p:nvSpPr>
+        <p:spPr>
+          <a:xfrm>
+            <a:off x="4533936" y="1145992"/>
+            <a:ext cx="717199" cy="769441"/>
+          </a:xfrm>
+          <a:prstGeom prst="rect">
+            <a:avLst/>
+          </a:prstGeom>
+          <a:noFill/>
+          <a:ln>
+            <a:noFill/>
+          </a:ln>
+        </p:spPr>
+        <p:txBody>
+          <a:bodyPr spcFirstLastPara="1" wrap="square" lIns="91425" tIns="45700" rIns="91425" bIns="45700" anchor="t" anchorCtr="0">
+            <a:spAutoFit/>
+          </a:bodyPr>
+          <a:lstStyle/>
+          <a:p>
+            <a:pPr marL="0" marR="0" lvl="0" indent="0" algn="ctr" rtl="0">
+              <a:spcBef>
+                <a:spcPts val="0"/>
+              </a:spcBef>
+              <a:spcAft>
+                <a:spcPts val="0"/>
+              </a:spcAft>
+              <a:buNone/>
+            </a:pPr>
+            <a:r>
+              <a:rPr lang="es-CO" sz="4400" b="1" dirty="0">
+                <a:solidFill>
+                  <a:srgbClr val="04BDB4"/>
+                </a:solidFill>
+                <a:latin typeface="Arial Black"/>
+                <a:ea typeface="Arial Black"/>
+                <a:cs typeface="Arial Black"/>
+                <a:sym typeface="Arial Black"/>
+              </a:rPr>
+              <a:t>|</a:t>
+            </a:r>
+            <a:endParaRPr dirty="0"/>
+          </a:p>
+        </p:txBody>
+      </p:sp>
+      <p:sp>
+        <p:nvSpPr>
+          <p:cNvPr id="8" name="Google Shape;112;p6">
+            <a:extLst>
+              <a:ext uri="{FF2B5EF4-FFF2-40B4-BE49-F238E27FC236}">
+                <a16:creationId xmlns:a16="http://schemas.microsoft.com/office/drawing/2014/main" id="{C76EFD6A-141F-4D57-B68D-396D2EA99E20}"/>
+              </a:ext>
+            </a:extLst>
+          </p:cNvPr>
+          <p:cNvSpPr txBox="1"/>
+          <p:nvPr/>
+        </p:nvSpPr>
+        <p:spPr>
+          <a:xfrm>
+            <a:off x="4965431" y="1115213"/>
+            <a:ext cx="5295639" cy="830997"/>
+          </a:xfrm>
+          <a:prstGeom prst="rect">
+            <a:avLst/>
+          </a:prstGeom>
+          <a:noFill/>
+          <a:ln>
+            <a:noFill/>
+          </a:ln>
+        </p:spPr>
+        <p:txBody>
+          <a:bodyPr spcFirstLastPara="1" wrap="square" lIns="91425" tIns="45700" rIns="91425" bIns="45700" anchor="t" anchorCtr="0">
+            <a:spAutoFit/>
+          </a:bodyPr>
+          <a:lstStyle/>
+          <a:p>
+            <a:pPr marL="0" marR="0" lvl="0" indent="0" rtl="0">
+              <a:spcBef>
+                <a:spcPts val="0"/>
+              </a:spcBef>
+              <a:spcAft>
+                <a:spcPts val="0"/>
+              </a:spcAft>
+              <a:buNone/>
+            </a:pPr>
+            <a:r>
+              <a:rPr lang="es-CO" sz="4800" b="1" dirty="0">
+                <a:solidFill>
+                  <a:srgbClr val="1B2336"/>
+                </a:solidFill>
+                <a:latin typeface="Arial"/>
+                <a:ea typeface="Arial"/>
+                <a:cs typeface="Arial"/>
+                <a:sym typeface="Arial"/>
+              </a:rPr>
+              <a:t>Agenda</a:t>
+            </a:r>
+            <a:endParaRPr dirty="0"/>
+          </a:p>
+        </p:txBody>
+      </p:sp>
+      <p:cxnSp>
+        <p:nvCxnSpPr>
+          <p:cNvPr id="11" name="Google Shape;119;p6">
+            <a:extLst>
+              <a:ext uri="{FF2B5EF4-FFF2-40B4-BE49-F238E27FC236}">
+                <a16:creationId xmlns:a16="http://schemas.microsoft.com/office/drawing/2014/main" id="{DAA1CED6-8B90-48CF-8206-06F879E739DC}"/>
+              </a:ext>
+            </a:extLst>
+          </p:cNvPr>
+          <p:cNvCxnSpPr>
+            <a:cxnSpLocks/>
+          </p:cNvCxnSpPr>
+          <p:nvPr/>
+        </p:nvCxnSpPr>
+        <p:spPr>
+          <a:xfrm flipV="1">
+            <a:off x="8342976" y="1506111"/>
+            <a:ext cx="3856735" cy="24600"/>
+          </a:xfrm>
+          <a:prstGeom prst="straightConnector1">
+            <a:avLst/>
+          </a:prstGeom>
+          <a:noFill/>
+          <a:ln w="25400" cap="flat" cmpd="sng">
+            <a:solidFill>
+              <a:srgbClr val="1B2336"/>
+            </a:solidFill>
+            <a:prstDash val="solid"/>
+            <a:miter lim="800000"/>
+            <a:headEnd type="oval" w="med" len="med"/>
+            <a:tailEnd type="none" w="sm" len="sm"/>
+          </a:ln>
+        </p:spPr>
+      </p:cxnSp>
+    </p:spTree>
+    <p:extLst>
+      <p:ext uri="{BB962C8B-B14F-4D97-AF65-F5344CB8AC3E}">
+        <p14:creationId xmlns:p14="http://schemas.microsoft.com/office/powerpoint/2010/main" val="2073726431"/>
+      </p:ext>
+    </p:extLst>
+  </p:cSld>
+  <p:clrMapOvr>
+    <a:masterClrMapping/>
+  </p:clrMapOvr>
+  <mc:AlternateContent xmlns:mc="http://schemas.openxmlformats.org/markup-compatibility/2006" xmlns:p14="http://schemas.microsoft.com/office/powerpoint/2010/main">
+    <mc:Choice Requires="p14">
+      <p:transition spd="med" p14:dur="700">
+        <p:fade/>
+      </p:transition>
+    </mc:Choice>
+    <mc:Fallback xmlns="">
+      <p:transition spd="med">
+        <p:fade/>
+      </p:transition>
+    </mc:Fallback>
+  </mc:AlternateContent>
+</p:sld>
+</file>
+
+<file path=ppt/slides/slide20.xml><?xml version="1.0" encoding="utf-8"?>
+<p:sld xmlns:a="http://schemas.openxmlformats.org/drawingml/2006/main" xmlns:r="http://schemas.openxmlformats.org/officeDocument/2006/relationships" xmlns:p="http://schemas.openxmlformats.org/presentationml/2006/main">
+  <p:cSld>
+    <p:spTree>
+      <p:nvGrpSpPr>
+        <p:cNvPr id="1" name=""/>
+        <p:cNvGrpSpPr/>
+        <p:nvPr/>
+      </p:nvGrpSpPr>
+      <p:grpSpPr>
+        <a:xfrm>
+          <a:off x="0" y="0"/>
+          <a:ext cx="0" cy="0"/>
+          <a:chOff x="0" y="0"/>
+          <a:chExt cx="0" cy="0"/>
+        </a:xfrm>
+      </p:grpSpPr>
+      <p:sp>
+        <p:nvSpPr>
+          <p:cNvPr id="4" name="Google Shape;112;p6">
+            <a:extLst>
+              <a:ext uri="{FF2B5EF4-FFF2-40B4-BE49-F238E27FC236}">
+                <a16:creationId xmlns:a16="http://schemas.microsoft.com/office/drawing/2014/main" id="{7BF8BAE0-DDB0-40DE-B227-E508C4C6FE5D}"/>
+              </a:ext>
+            </a:extLst>
+          </p:cNvPr>
+          <p:cNvSpPr txBox="1"/>
+          <p:nvPr/>
+        </p:nvSpPr>
+        <p:spPr>
+          <a:xfrm>
+            <a:off x="729342" y="319121"/>
+            <a:ext cx="6181597" cy="830956"/>
+          </a:xfrm>
+          <a:prstGeom prst="rect">
+            <a:avLst/>
+          </a:prstGeom>
+          <a:noFill/>
+          <a:ln>
+            <a:noFill/>
+          </a:ln>
+        </p:spPr>
+        <p:txBody>
+          <a:bodyPr spcFirstLastPara="1" wrap="square" lIns="91425" tIns="45700" rIns="91425" bIns="45700" anchor="t" anchorCtr="0">
+            <a:spAutoFit/>
+          </a:bodyPr>
+          <a:lstStyle/>
+          <a:p>
+            <a:pPr marL="0" marR="0" lvl="0" indent="0" rtl="0">
+              <a:spcBef>
+                <a:spcPts val="0"/>
+              </a:spcBef>
+              <a:spcAft>
+                <a:spcPts val="0"/>
+              </a:spcAft>
+              <a:buNone/>
+            </a:pPr>
+            <a:r>
+              <a:rPr lang="es-CO" sz="4800" b="1" dirty="0">
+                <a:solidFill>
+                  <a:srgbClr val="1B2336"/>
+                </a:solidFill>
+                <a:latin typeface="Arial"/>
+                <a:cs typeface="Arial"/>
+                <a:sym typeface="Arial"/>
+              </a:rPr>
+              <a:t>Ing. Características</a:t>
+            </a:r>
+            <a:endParaRPr lang="es-CO" dirty="0"/>
+          </a:p>
+        </p:txBody>
+      </p:sp>
+      <p:sp>
+        <p:nvSpPr>
+          <p:cNvPr id="5" name="Google Shape;117;p6">
+            <a:extLst>
+              <a:ext uri="{FF2B5EF4-FFF2-40B4-BE49-F238E27FC236}">
+                <a16:creationId xmlns:a16="http://schemas.microsoft.com/office/drawing/2014/main" id="{789374AE-5906-4CE2-AE32-861EEB840C78}"/>
+              </a:ext>
+            </a:extLst>
+          </p:cNvPr>
+          <p:cNvSpPr txBox="1"/>
+          <p:nvPr/>
+        </p:nvSpPr>
+        <p:spPr>
+          <a:xfrm>
+            <a:off x="225373" y="312176"/>
+            <a:ext cx="717199" cy="769441"/>
+          </a:xfrm>
+          <a:prstGeom prst="rect">
+            <a:avLst/>
+          </a:prstGeom>
+          <a:noFill/>
+          <a:ln>
+            <a:noFill/>
+          </a:ln>
+        </p:spPr>
+        <p:txBody>
+          <a:bodyPr spcFirstLastPara="1" wrap="square" lIns="91425" tIns="45700" rIns="91425" bIns="45700" anchor="t" anchorCtr="0">
+            <a:spAutoFit/>
+          </a:bodyPr>
+          <a:lstStyle/>
+          <a:p>
+            <a:pPr marL="0" marR="0" lvl="0" indent="0" algn="ctr" rtl="0">
+              <a:spcBef>
+                <a:spcPts val="0"/>
+              </a:spcBef>
+              <a:spcAft>
+                <a:spcPts val="0"/>
+              </a:spcAft>
+              <a:buNone/>
+            </a:pPr>
+            <a:r>
+              <a:rPr lang="es-CO" sz="4400" b="1" dirty="0">
+                <a:solidFill>
+                  <a:srgbClr val="04BDB4"/>
+                </a:solidFill>
+                <a:latin typeface="Arial Black"/>
+                <a:ea typeface="Arial Black"/>
+                <a:cs typeface="Arial Black"/>
+                <a:sym typeface="Arial Black"/>
+              </a:rPr>
+              <a:t>|</a:t>
+            </a:r>
+            <a:endParaRPr lang="es-CO" dirty="0"/>
+          </a:p>
+        </p:txBody>
+      </p:sp>
+      <p:cxnSp>
+        <p:nvCxnSpPr>
+          <p:cNvPr id="6" name="Google Shape;119;p6">
+            <a:extLst>
+              <a:ext uri="{FF2B5EF4-FFF2-40B4-BE49-F238E27FC236}">
+                <a16:creationId xmlns:a16="http://schemas.microsoft.com/office/drawing/2014/main" id="{9BA46B94-C025-44EC-8513-29B85B3D7D8E}"/>
+              </a:ext>
+            </a:extLst>
+          </p:cNvPr>
+          <p:cNvCxnSpPr>
+            <a:cxnSpLocks/>
+          </p:cNvCxnSpPr>
+          <p:nvPr/>
+        </p:nvCxnSpPr>
+        <p:spPr>
+          <a:xfrm>
+            <a:off x="6843562" y="786010"/>
+            <a:ext cx="5348382" cy="1"/>
+          </a:xfrm>
+          <a:prstGeom prst="straightConnector1">
+            <a:avLst/>
+          </a:prstGeom>
+          <a:noFill/>
+          <a:ln w="25400" cap="flat" cmpd="sng">
+            <a:solidFill>
+              <a:srgbClr val="1B2336"/>
+            </a:solidFill>
+            <a:prstDash val="solid"/>
+            <a:miter lim="800000"/>
+            <a:headEnd type="oval" w="med" len="med"/>
+            <a:tailEnd type="none" w="sm" len="sm"/>
+          </a:ln>
+        </p:spPr>
+      </p:cxnSp>
+      <p:pic>
+        <p:nvPicPr>
+          <p:cNvPr id="58" name="Picture 57">
+            <a:extLst>
+              <a:ext uri="{FF2B5EF4-FFF2-40B4-BE49-F238E27FC236}">
+                <a16:creationId xmlns:a16="http://schemas.microsoft.com/office/drawing/2014/main" id="{1F134A1F-31FD-497A-BF65-CE075DE66AD7}"/>
+              </a:ext>
+            </a:extLst>
+          </p:cNvPr>
+          <p:cNvPicPr>
+            <a:picLocks noChangeAspect="1"/>
+          </p:cNvPicPr>
+          <p:nvPr/>
+        </p:nvPicPr>
+        <p:blipFill>
+          <a:blip r:embed="rId2"/>
+          <a:stretch>
+            <a:fillRect/>
+          </a:stretch>
+        </p:blipFill>
+        <p:spPr>
+          <a:xfrm rot="5400000">
+            <a:off x="1094450" y="1295094"/>
+            <a:ext cx="393408" cy="475035"/>
+          </a:xfrm>
+          <a:prstGeom prst="rect">
+            <a:avLst/>
+          </a:prstGeom>
+        </p:spPr>
+      </p:pic>
+      <p:pic>
+        <p:nvPicPr>
+          <p:cNvPr id="64" name="Picture 63">
+            <a:extLst>
+              <a:ext uri="{FF2B5EF4-FFF2-40B4-BE49-F238E27FC236}">
+                <a16:creationId xmlns:a16="http://schemas.microsoft.com/office/drawing/2014/main" id="{91F4ECD8-1E12-415F-A373-94933CA9CBA4}"/>
+              </a:ext>
+            </a:extLst>
+          </p:cNvPr>
+          <p:cNvPicPr>
+            <a:picLocks noChangeAspect="1"/>
+          </p:cNvPicPr>
+          <p:nvPr/>
+        </p:nvPicPr>
+        <p:blipFill rotWithShape="1">
+          <a:blip r:embed="rId3"/>
+          <a:srcRect t="46965" r="89917" b="-1"/>
+          <a:stretch/>
+        </p:blipFill>
+        <p:spPr>
+          <a:xfrm>
+            <a:off x="1154518" y="1665107"/>
+            <a:ext cx="649255" cy="606197"/>
+          </a:xfrm>
+          <a:prstGeom prst="rect">
+            <a:avLst/>
+          </a:prstGeom>
+        </p:spPr>
+      </p:pic>
+      <p:pic>
+        <p:nvPicPr>
+          <p:cNvPr id="65" name="Picture 64">
+            <a:extLst>
+              <a:ext uri="{FF2B5EF4-FFF2-40B4-BE49-F238E27FC236}">
+                <a16:creationId xmlns:a16="http://schemas.microsoft.com/office/drawing/2014/main" id="{A4B6D510-01E1-4C8E-A557-78DA90952BAC}"/>
+              </a:ext>
+            </a:extLst>
+          </p:cNvPr>
+          <p:cNvPicPr>
+            <a:picLocks noChangeAspect="1"/>
+          </p:cNvPicPr>
+          <p:nvPr/>
+        </p:nvPicPr>
+        <p:blipFill>
+          <a:blip r:embed="rId2"/>
+          <a:stretch>
+            <a:fillRect/>
+          </a:stretch>
+        </p:blipFill>
+        <p:spPr>
+          <a:xfrm>
+            <a:off x="1650634" y="1781034"/>
+            <a:ext cx="4479995" cy="473638"/>
+          </a:xfrm>
+          <a:prstGeom prst="rect">
+            <a:avLst/>
+          </a:prstGeom>
+        </p:spPr>
+      </p:pic>
+      <p:pic>
+        <p:nvPicPr>
+          <p:cNvPr id="66" name="Picture 65">
+            <a:extLst>
+              <a:ext uri="{FF2B5EF4-FFF2-40B4-BE49-F238E27FC236}">
+                <a16:creationId xmlns:a16="http://schemas.microsoft.com/office/drawing/2014/main" id="{13CF0649-AEF9-43CC-896D-CB3BA5DF5253}"/>
+              </a:ext>
+            </a:extLst>
+          </p:cNvPr>
+          <p:cNvPicPr>
+            <a:picLocks noChangeAspect="1"/>
+          </p:cNvPicPr>
+          <p:nvPr/>
+        </p:nvPicPr>
+        <p:blipFill rotWithShape="1">
+          <a:blip r:embed="rId3"/>
+          <a:srcRect t="46965" r="89917" b="-1"/>
+          <a:stretch/>
+        </p:blipFill>
+        <p:spPr>
+          <a:xfrm rot="16200000">
+            <a:off x="5880750" y="1527130"/>
+            <a:ext cx="649255" cy="606197"/>
+          </a:xfrm>
+          <a:prstGeom prst="rect">
+            <a:avLst/>
+          </a:prstGeom>
+        </p:spPr>
+      </p:pic>
+      <p:pic>
+        <p:nvPicPr>
+          <p:cNvPr id="68" name="Picture 67">
+            <a:extLst>
+              <a:ext uri="{FF2B5EF4-FFF2-40B4-BE49-F238E27FC236}">
+                <a16:creationId xmlns:a16="http://schemas.microsoft.com/office/drawing/2014/main" id="{EF42CAB6-67A7-4571-B07A-9E03E2E55E70}"/>
+              </a:ext>
+            </a:extLst>
+          </p:cNvPr>
+          <p:cNvPicPr>
+            <a:picLocks noChangeAspect="1"/>
+          </p:cNvPicPr>
+          <p:nvPr/>
+        </p:nvPicPr>
+        <p:blipFill rotWithShape="1">
+          <a:blip r:embed="rId3"/>
+          <a:srcRect t="46965" r="89917" b="-1"/>
+          <a:stretch/>
+        </p:blipFill>
+        <p:spPr>
+          <a:xfrm rot="5400000">
+            <a:off x="5998240" y="1145908"/>
+            <a:ext cx="649255" cy="606197"/>
+          </a:xfrm>
+          <a:prstGeom prst="rect">
+            <a:avLst/>
+          </a:prstGeom>
+        </p:spPr>
+      </p:pic>
+      <p:pic>
+        <p:nvPicPr>
+          <p:cNvPr id="69" name="Picture 68">
+            <a:extLst>
+              <a:ext uri="{FF2B5EF4-FFF2-40B4-BE49-F238E27FC236}">
+                <a16:creationId xmlns:a16="http://schemas.microsoft.com/office/drawing/2014/main" id="{B4BFD534-F2A8-463A-8154-948C35EBD6BA}"/>
+              </a:ext>
+            </a:extLst>
+          </p:cNvPr>
+          <p:cNvPicPr>
+            <a:picLocks noChangeAspect="1"/>
+          </p:cNvPicPr>
+          <p:nvPr/>
+        </p:nvPicPr>
+        <p:blipFill>
+          <a:blip r:embed="rId2"/>
+          <a:stretch>
+            <a:fillRect/>
+          </a:stretch>
+        </p:blipFill>
+        <p:spPr>
+          <a:xfrm>
+            <a:off x="6515471" y="1016413"/>
+            <a:ext cx="3578787" cy="455567"/>
+          </a:xfrm>
+          <a:prstGeom prst="rect">
+            <a:avLst/>
+          </a:prstGeom>
+        </p:spPr>
+      </p:pic>
+      <p:pic>
+        <p:nvPicPr>
+          <p:cNvPr id="62" name="Picture 61">
+            <a:extLst>
+              <a:ext uri="{FF2B5EF4-FFF2-40B4-BE49-F238E27FC236}">
+                <a16:creationId xmlns:a16="http://schemas.microsoft.com/office/drawing/2014/main" id="{4EED9D41-8252-4D4A-ABA8-CF3B2BBF9795}"/>
+              </a:ext>
+            </a:extLst>
+          </p:cNvPr>
+          <p:cNvPicPr>
+            <a:picLocks noChangeAspect="1"/>
+          </p:cNvPicPr>
+          <p:nvPr/>
+        </p:nvPicPr>
+        <p:blipFill rotWithShape="1">
+          <a:blip r:embed="rId4">
+            <a:extLst>
+              <a:ext uri="{BEBA8EAE-BF5A-486C-A8C5-ECC9F3942E4B}">
+                <a14:imgProps xmlns:a14="http://schemas.microsoft.com/office/drawing/2010/main">
+                  <a14:imgLayer r:embed="rId5">
+                    <a14:imgEffect>
+                      <a14:backgroundRemoval t="36547" b="62196" l="20851" r="33425">
+                        <a14:foregroundMark x1="27632" y1="52551" x2="27632" y2="52551"/>
+                        <a14:foregroundMark x1="27632" y1="54847" x2="27632" y2="54847"/>
+                        <a14:foregroundMark x1="28421" y1="53827" x2="28421" y2="53827"/>
+                        <a14:foregroundMark x1="25132" y1="54082" x2="25132" y2="54082"/>
+                        <a14:foregroundMark x1="25000" y1="48980" x2="25000" y2="48980"/>
+                        <a14:foregroundMark x1="27237" y1="46173" x2="27237" y2="46173"/>
+                        <a14:foregroundMark x1="26316" y1="44388" x2="26316" y2="44388"/>
+                        <a14:foregroundMark x1="25526" y1="43112" x2="25526" y2="43112"/>
+                        <a14:foregroundMark x1="23947" y1="46173" x2="23947" y2="46173"/>
+                        <a14:foregroundMark x1="27763" y1="44133" x2="27763" y2="44133"/>
+                        <a14:foregroundMark x1="24079" y1="59694" x2="24079" y2="59694"/>
+                        <a14:foregroundMark x1="28158" y1="58929" x2="28158" y2="58929"/>
+                        <a14:foregroundMark x1="28684" y1="58673" x2="28684" y2="58673"/>
+                        <a14:foregroundMark x1="27895" y1="49745" x2="27895" y2="49745"/>
+                      </a14:backgroundRemoval>
+                    </a14:imgEffect>
+                  </a14:imgLayer>
+                </a14:imgProps>
+              </a:ext>
+            </a:extLst>
+          </a:blip>
+          <a:srcRect l="19279" t="33341" r="65003" b="34598"/>
+          <a:stretch/>
+        </p:blipFill>
+        <p:spPr>
+          <a:xfrm>
+            <a:off x="7444424" y="801709"/>
+            <a:ext cx="769173" cy="809274"/>
+          </a:xfrm>
+          <a:prstGeom prst="rect">
+            <a:avLst/>
+          </a:prstGeom>
+        </p:spPr>
+      </p:pic>
+      <p:sp>
+        <p:nvSpPr>
+          <p:cNvPr id="70" name="TextBox 69">
+            <a:extLst>
+              <a:ext uri="{FF2B5EF4-FFF2-40B4-BE49-F238E27FC236}">
+                <a16:creationId xmlns:a16="http://schemas.microsoft.com/office/drawing/2014/main" id="{0332E6B7-B98C-40D7-A1EC-15073738BA64}"/>
+              </a:ext>
+            </a:extLst>
+          </p:cNvPr>
+          <p:cNvSpPr txBox="1"/>
+          <p:nvPr/>
+        </p:nvSpPr>
+        <p:spPr>
+          <a:xfrm>
+            <a:off x="6910939" y="1531212"/>
+            <a:ext cx="1918987" cy="369332"/>
+          </a:xfrm>
+          <a:prstGeom prst="rect">
+            <a:avLst/>
+          </a:prstGeom>
+          <a:noFill/>
+        </p:spPr>
+        <p:txBody>
+          <a:bodyPr wrap="none" rtlCol="0">
+            <a:spAutoFit/>
+          </a:bodyPr>
+          <a:lstStyle/>
+          <a:p>
+            <a:r>
+              <a:rPr lang="es-CO" b="1" dirty="0" err="1"/>
+              <a:t>Wrapper</a:t>
+            </a:r>
+            <a:r>
+              <a:rPr lang="es-CO" b="1" dirty="0"/>
+              <a:t> </a:t>
+            </a:r>
+            <a:r>
+              <a:rPr lang="es-CO" b="1" dirty="0" err="1"/>
+              <a:t>methods</a:t>
+            </a:r>
+            <a:endParaRPr lang="en-GB" b="1" dirty="0"/>
+          </a:p>
+        </p:txBody>
+      </p:sp>
+      <p:sp>
+        <p:nvSpPr>
+          <p:cNvPr id="71" name="TextBox 70">
+            <a:extLst>
+              <a:ext uri="{FF2B5EF4-FFF2-40B4-BE49-F238E27FC236}">
+                <a16:creationId xmlns:a16="http://schemas.microsoft.com/office/drawing/2014/main" id="{E43C7A6E-BE26-4750-A975-57AC79EE5985}"/>
+              </a:ext>
+            </a:extLst>
+          </p:cNvPr>
+          <p:cNvSpPr txBox="1"/>
+          <p:nvPr/>
+        </p:nvSpPr>
+        <p:spPr>
+          <a:xfrm>
+            <a:off x="6864834" y="1867764"/>
+            <a:ext cx="2493826" cy="276999"/>
+          </a:xfrm>
+          <a:prstGeom prst="rect">
+            <a:avLst/>
+          </a:prstGeom>
+          <a:noFill/>
+        </p:spPr>
+        <p:txBody>
+          <a:bodyPr wrap="square" rtlCol="0">
+            <a:spAutoFit/>
+          </a:bodyPr>
+          <a:lstStyle/>
+          <a:p>
+            <a:r>
+              <a:rPr lang="es-CO" sz="1200" dirty="0"/>
+              <a:t>Step Forward </a:t>
+            </a:r>
+            <a:r>
+              <a:rPr lang="es-CO" sz="1200" dirty="0" err="1"/>
+              <a:t>feature</a:t>
+            </a:r>
+            <a:r>
+              <a:rPr lang="es-CO" sz="1200" dirty="0"/>
+              <a:t> </a:t>
+            </a:r>
+            <a:r>
+              <a:rPr lang="es-CO" sz="1200" dirty="0" err="1"/>
+              <a:t>selection</a:t>
+            </a:r>
+            <a:endParaRPr lang="en-GB" sz="1200" dirty="0"/>
+          </a:p>
+        </p:txBody>
+      </p:sp>
+      <p:pic>
+        <p:nvPicPr>
+          <p:cNvPr id="72" name="Picture 71">
+            <a:extLst>
+              <a:ext uri="{FF2B5EF4-FFF2-40B4-BE49-F238E27FC236}">
+                <a16:creationId xmlns:a16="http://schemas.microsoft.com/office/drawing/2014/main" id="{58146D2A-2D20-4FA3-99B0-B1470C2D3611}"/>
+              </a:ext>
+            </a:extLst>
+          </p:cNvPr>
+          <p:cNvPicPr>
+            <a:picLocks noChangeAspect="1"/>
+          </p:cNvPicPr>
+          <p:nvPr/>
+        </p:nvPicPr>
+        <p:blipFill rotWithShape="1">
+          <a:blip r:embed="rId3"/>
+          <a:srcRect t="46965" r="89917" b="-1"/>
+          <a:stretch/>
+        </p:blipFill>
+        <p:spPr>
+          <a:xfrm rot="10800000">
+            <a:off x="9934371" y="1010260"/>
+            <a:ext cx="649255" cy="606197"/>
+          </a:xfrm>
+          <a:prstGeom prst="rect">
+            <a:avLst/>
+          </a:prstGeom>
+        </p:spPr>
+      </p:pic>
+      <p:pic>
+        <p:nvPicPr>
+          <p:cNvPr id="73" name="Picture 72">
+            <a:extLst>
+              <a:ext uri="{FF2B5EF4-FFF2-40B4-BE49-F238E27FC236}">
+                <a16:creationId xmlns:a16="http://schemas.microsoft.com/office/drawing/2014/main" id="{66EB94AD-E807-4416-8871-A6FE611C892D}"/>
+              </a:ext>
+            </a:extLst>
+          </p:cNvPr>
+          <p:cNvPicPr>
+            <a:picLocks noChangeAspect="1"/>
+          </p:cNvPicPr>
+          <p:nvPr/>
+        </p:nvPicPr>
+        <p:blipFill>
+          <a:blip r:embed="rId2"/>
+          <a:stretch>
+            <a:fillRect/>
+          </a:stretch>
+        </p:blipFill>
+        <p:spPr>
+          <a:xfrm rot="5400000">
+            <a:off x="9853788" y="1933405"/>
+            <a:ext cx="1216373" cy="457992"/>
+          </a:xfrm>
+          <a:prstGeom prst="rect">
+            <a:avLst/>
+          </a:prstGeom>
+        </p:spPr>
+      </p:pic>
+      <p:pic>
+        <p:nvPicPr>
+          <p:cNvPr id="63" name="Picture 62">
+            <a:extLst>
+              <a:ext uri="{FF2B5EF4-FFF2-40B4-BE49-F238E27FC236}">
+                <a16:creationId xmlns:a16="http://schemas.microsoft.com/office/drawing/2014/main" id="{E4A8F5EE-CFB2-41D8-9BFA-777325353E8E}"/>
+              </a:ext>
+            </a:extLst>
+          </p:cNvPr>
+          <p:cNvPicPr>
+            <a:picLocks noChangeAspect="1"/>
+          </p:cNvPicPr>
+          <p:nvPr/>
+        </p:nvPicPr>
+        <p:blipFill rotWithShape="1">
+          <a:blip r:embed="rId6"/>
+          <a:srcRect l="40011" t="67938" r="42279" b="4734"/>
+          <a:stretch/>
+        </p:blipFill>
+        <p:spPr>
+          <a:xfrm>
+            <a:off x="10094258" y="2264836"/>
+            <a:ext cx="866660" cy="689770"/>
+          </a:xfrm>
+          <a:prstGeom prst="rect">
+            <a:avLst/>
+          </a:prstGeom>
+        </p:spPr>
+      </p:pic>
+      <p:sp>
+        <p:nvSpPr>
+          <p:cNvPr id="74" name="TextBox 73">
+            <a:extLst>
+              <a:ext uri="{FF2B5EF4-FFF2-40B4-BE49-F238E27FC236}">
+                <a16:creationId xmlns:a16="http://schemas.microsoft.com/office/drawing/2014/main" id="{30501AB9-519D-493B-86E7-C7B5E9E726C8}"/>
+              </a:ext>
+            </a:extLst>
+          </p:cNvPr>
+          <p:cNvSpPr txBox="1"/>
+          <p:nvPr/>
+        </p:nvSpPr>
+        <p:spPr>
+          <a:xfrm>
+            <a:off x="10698518" y="1596368"/>
+            <a:ext cx="1445076" cy="369332"/>
+          </a:xfrm>
+          <a:prstGeom prst="rect">
+            <a:avLst/>
+          </a:prstGeom>
+          <a:noFill/>
+        </p:spPr>
+        <p:txBody>
+          <a:bodyPr wrap="none" rtlCol="0">
+            <a:spAutoFit/>
+          </a:bodyPr>
+          <a:lstStyle/>
+          <a:p>
+            <a:r>
+              <a:rPr lang="es-CO" b="1" dirty="0" err="1"/>
+              <a:t>DataSet</a:t>
+            </a:r>
+            <a:r>
+              <a:rPr lang="es-CO" b="1" dirty="0"/>
+              <a:t> Final</a:t>
+            </a:r>
+            <a:endParaRPr lang="en-GB" b="1" dirty="0"/>
+          </a:p>
+        </p:txBody>
+      </p:sp>
+    </p:spTree>
+    <p:extLst>
+      <p:ext uri="{BB962C8B-B14F-4D97-AF65-F5344CB8AC3E}">
+        <p14:creationId xmlns:p14="http://schemas.microsoft.com/office/powerpoint/2010/main" val="4130943179"/>
+      </p:ext>
+    </p:extLst>
+  </p:cSld>
+  <p:clrMapOvr>
+    <a:masterClrMapping/>
+  </p:clrMapOvr>
+</p:sld>
+</file>
+
 <file path=ppt/slides/slide21.xml><?xml version="1.0" encoding="utf-8"?>
 <p:sld xmlns:a="http://schemas.openxmlformats.org/drawingml/2006/main" xmlns:r="http://schemas.openxmlformats.org/officeDocument/2006/relationships" xmlns:p="http://schemas.openxmlformats.org/presentationml/2006/main">
   <p:cSld>

--- a/Docs/Project/Proyecto_Integrador.pptx
+++ b/Docs/Project/Proyecto_Integrador.pptx
@@ -5,36 +5,37 @@
     <p:sldMasterId id="2147483648" r:id="rId4"/>
   </p:sldMasterIdLst>
   <p:notesMasterIdLst>
-    <p:notesMasterId r:id="rId32"/>
+    <p:notesMasterId r:id="rId33"/>
   </p:notesMasterIdLst>
   <p:sldIdLst>
     <p:sldId id="269" r:id="rId5"/>
     <p:sldId id="272" r:id="rId6"/>
     <p:sldId id="267" r:id="rId7"/>
-    <p:sldId id="283" r:id="rId8"/>
-    <p:sldId id="310" r:id="rId9"/>
-    <p:sldId id="311" r:id="rId10"/>
-    <p:sldId id="291" r:id="rId11"/>
-    <p:sldId id="319" r:id="rId12"/>
-    <p:sldId id="312" r:id="rId13"/>
-    <p:sldId id="315" r:id="rId14"/>
-    <p:sldId id="318" r:id="rId15"/>
-    <p:sldId id="321" r:id="rId16"/>
-    <p:sldId id="322" r:id="rId17"/>
-    <p:sldId id="323" r:id="rId18"/>
-    <p:sldId id="324" r:id="rId19"/>
-    <p:sldId id="301" r:id="rId20"/>
-    <p:sldId id="325" r:id="rId21"/>
-    <p:sldId id="328" r:id="rId22"/>
-    <p:sldId id="331" r:id="rId23"/>
-    <p:sldId id="332" r:id="rId24"/>
-    <p:sldId id="333" r:id="rId25"/>
-    <p:sldId id="307" r:id="rId26"/>
-    <p:sldId id="270" r:id="rId27"/>
-    <p:sldId id="265" r:id="rId28"/>
-    <p:sldId id="266" r:id="rId29"/>
-    <p:sldId id="268" r:id="rId30"/>
-    <p:sldId id="264" r:id="rId31"/>
+    <p:sldId id="334" r:id="rId8"/>
+    <p:sldId id="283" r:id="rId9"/>
+    <p:sldId id="310" r:id="rId10"/>
+    <p:sldId id="311" r:id="rId11"/>
+    <p:sldId id="291" r:id="rId12"/>
+    <p:sldId id="319" r:id="rId13"/>
+    <p:sldId id="312" r:id="rId14"/>
+    <p:sldId id="315" r:id="rId15"/>
+    <p:sldId id="318" r:id="rId16"/>
+    <p:sldId id="321" r:id="rId17"/>
+    <p:sldId id="322" r:id="rId18"/>
+    <p:sldId id="323" r:id="rId19"/>
+    <p:sldId id="324" r:id="rId20"/>
+    <p:sldId id="301" r:id="rId21"/>
+    <p:sldId id="325" r:id="rId22"/>
+    <p:sldId id="328" r:id="rId23"/>
+    <p:sldId id="331" r:id="rId24"/>
+    <p:sldId id="332" r:id="rId25"/>
+    <p:sldId id="333" r:id="rId26"/>
+    <p:sldId id="307" r:id="rId27"/>
+    <p:sldId id="270" r:id="rId28"/>
+    <p:sldId id="265" r:id="rId29"/>
+    <p:sldId id="266" r:id="rId30"/>
+    <p:sldId id="268" r:id="rId31"/>
+    <p:sldId id="264" r:id="rId32"/>
   </p:sldIdLst>
   <p:sldSz cx="12192000" cy="6858000"/>
   <p:notesSz cx="6858000" cy="9144000"/>
@@ -12576,6 +12577,544 @@
       </p:grpSpPr>
       <p:sp>
         <p:nvSpPr>
+          <p:cNvPr id="3" name="Marcador de contenido 2">
+            <a:extLst>
+              <a:ext uri="{FF2B5EF4-FFF2-40B4-BE49-F238E27FC236}">
+                <a16:creationId xmlns:a16="http://schemas.microsoft.com/office/drawing/2014/main" id="{23A99BF6-9DA5-E14A-B1B2-5A452566ABBF}"/>
+              </a:ext>
+            </a:extLst>
+          </p:cNvPr>
+          <p:cNvSpPr>
+            <a:spLocks noGrp="1"/>
+          </p:cNvSpPr>
+          <p:nvPr>
+            <p:ph idx="1"/>
+          </p:nvPr>
+        </p:nvSpPr>
+        <p:spPr>
+          <a:xfrm>
+            <a:off x="853796" y="1489016"/>
+            <a:ext cx="10879400" cy="3048623"/>
+          </a:xfrm>
+        </p:spPr>
+        <p:txBody>
+          <a:bodyPr>
+            <a:normAutofit/>
+          </a:bodyPr>
+          <a:lstStyle/>
+          <a:p>
+            <a:pPr marL="0" indent="0" algn="just">
+              <a:buNone/>
+            </a:pPr>
+            <a:r>
+              <a:rPr lang="es-ES" sz="2000" dirty="0">
+                <a:solidFill>
+                  <a:srgbClr val="1B2335"/>
+                </a:solidFill>
+                <a:cs typeface="Arial" panose="020B0604020202020204" pitchFamily="34" charset="0"/>
+              </a:rPr>
+              <a:t>El Dataset seleccionado de medata.gov.co el cual proporciona información relacionada a los hechos relacionados con la seguridad y hurtos de motos en la ciudad de Medellín.</a:t>
+            </a:r>
+          </a:p>
+          <a:p>
+            <a:pPr marL="0" indent="0" algn="just">
+              <a:buNone/>
+            </a:pPr>
+            <a:r>
+              <a:rPr lang="es-ES" sz="2000" dirty="0">
+                <a:solidFill>
+                  <a:srgbClr val="1B2335"/>
+                </a:solidFill>
+                <a:cs typeface="Arial" panose="020B0604020202020204" pitchFamily="34" charset="0"/>
+              </a:rPr>
+              <a:t>Estos datos han sido recopilados por el Sistema de Información para la Seguridad y la Convivencia SISC.</a:t>
+            </a:r>
+          </a:p>
+          <a:p>
+            <a:pPr marL="0" indent="0" algn="just">
+              <a:buNone/>
+            </a:pPr>
+            <a:r>
+              <a:rPr lang="es-ES" sz="2000" dirty="0">
+                <a:solidFill>
+                  <a:srgbClr val="1B2335"/>
+                </a:solidFill>
+                <a:cs typeface="Arial" panose="020B0604020202020204" pitchFamily="34" charset="0"/>
+              </a:rPr>
+              <a:t>Este Dataset consta de:</a:t>
+            </a:r>
+          </a:p>
+          <a:p>
+            <a:pPr algn="just"/>
+            <a:r>
+              <a:rPr lang="es-ES" sz="2000" dirty="0">
+                <a:solidFill>
+                  <a:srgbClr val="1B2335"/>
+                </a:solidFill>
+                <a:cs typeface="Arial" panose="020B0604020202020204" pitchFamily="34" charset="0"/>
+              </a:rPr>
+              <a:t>36 variables </a:t>
+            </a:r>
+          </a:p>
+          <a:p>
+            <a:pPr algn="just"/>
+            <a:r>
+              <a:rPr lang="es-ES" sz="2000" dirty="0">
+                <a:solidFill>
+                  <a:srgbClr val="1B2335"/>
+                </a:solidFill>
+                <a:cs typeface="Arial" panose="020B0604020202020204" pitchFamily="34" charset="0"/>
+              </a:rPr>
+              <a:t>Histórico de datos de 2003 a 2019 </a:t>
+            </a:r>
+          </a:p>
+          <a:p>
+            <a:pPr algn="just"/>
+            <a:r>
+              <a:rPr lang="es-ES" sz="2000" dirty="0">
+                <a:solidFill>
+                  <a:srgbClr val="1B2335"/>
+                </a:solidFill>
+                <a:cs typeface="Arial" panose="020B0604020202020204" pitchFamily="34" charset="0"/>
+              </a:rPr>
+              <a:t>Total registros de 64.869</a:t>
+            </a:r>
+          </a:p>
+          <a:p>
+            <a:pPr algn="just"/>
+            <a:r>
+              <a:rPr lang="es-ES" sz="2000" dirty="0">
+                <a:solidFill>
+                  <a:srgbClr val="1B2335"/>
+                </a:solidFill>
+                <a:cs typeface="Arial" panose="020B0604020202020204" pitchFamily="34" charset="0"/>
+              </a:rPr>
+              <a:t>Ultima actualización: Marzo 2020</a:t>
+            </a:r>
+          </a:p>
+          <a:p>
+            <a:pPr marL="0" indent="0" algn="just">
+              <a:buNone/>
+            </a:pPr>
+            <a:endParaRPr lang="es-ES" sz="2000" b="1" dirty="0">
+              <a:solidFill>
+                <a:srgbClr val="1B2335"/>
+              </a:solidFill>
+              <a:latin typeface="Arial" panose="020B0604020202020204" pitchFamily="34" charset="0"/>
+              <a:cs typeface="Arial" panose="020B0604020202020204" pitchFamily="34" charset="0"/>
+            </a:endParaRPr>
+          </a:p>
+          <a:p>
+            <a:pPr marL="0" indent="0" algn="just">
+              <a:buNone/>
+            </a:pPr>
+            <a:endParaRPr lang="es-419" sz="2400" b="1" dirty="0">
+              <a:solidFill>
+                <a:srgbClr val="1B2335"/>
+              </a:solidFill>
+              <a:latin typeface="Arial" panose="020B0604020202020204" pitchFamily="34" charset="0"/>
+              <a:cs typeface="Arial" panose="020B0604020202020204" pitchFamily="34" charset="0"/>
+            </a:endParaRPr>
+          </a:p>
+        </p:txBody>
+      </p:sp>
+      <p:sp>
+        <p:nvSpPr>
+          <p:cNvPr id="4" name="Google Shape;112;p6">
+            <a:extLst>
+              <a:ext uri="{FF2B5EF4-FFF2-40B4-BE49-F238E27FC236}">
+                <a16:creationId xmlns:a16="http://schemas.microsoft.com/office/drawing/2014/main" id="{8171DF61-2F00-8E4B-95C9-D7EECC388D08}"/>
+              </a:ext>
+            </a:extLst>
+          </p:cNvPr>
+          <p:cNvSpPr txBox="1"/>
+          <p:nvPr/>
+        </p:nvSpPr>
+        <p:spPr>
+          <a:xfrm>
+            <a:off x="729342" y="319121"/>
+            <a:ext cx="6181597" cy="830956"/>
+          </a:xfrm>
+          <a:prstGeom prst="rect">
+            <a:avLst/>
+          </a:prstGeom>
+          <a:noFill/>
+          <a:ln>
+            <a:noFill/>
+          </a:ln>
+        </p:spPr>
+        <p:txBody>
+          <a:bodyPr spcFirstLastPara="1" wrap="square" lIns="91425" tIns="45700" rIns="91425" bIns="45700" anchor="t" anchorCtr="0">
+            <a:spAutoFit/>
+          </a:bodyPr>
+          <a:lstStyle/>
+          <a:p>
+            <a:pPr marL="0" marR="0" lvl="0" indent="0" rtl="0">
+              <a:spcBef>
+                <a:spcPts val="0"/>
+              </a:spcBef>
+              <a:spcAft>
+                <a:spcPts val="0"/>
+              </a:spcAft>
+              <a:buNone/>
+            </a:pPr>
+            <a:r>
+              <a:rPr lang="es-CO" sz="4800" b="1" dirty="0">
+                <a:solidFill>
+                  <a:srgbClr val="1B2336"/>
+                </a:solidFill>
+                <a:latin typeface="Arial"/>
+                <a:cs typeface="Arial"/>
+                <a:sym typeface="Arial"/>
+              </a:rPr>
+              <a:t>Data Set </a:t>
+            </a:r>
+            <a:endParaRPr lang="es-CO" dirty="0"/>
+          </a:p>
+        </p:txBody>
+      </p:sp>
+      <p:sp>
+        <p:nvSpPr>
+          <p:cNvPr id="5" name="Google Shape;117;p6">
+            <a:extLst>
+              <a:ext uri="{FF2B5EF4-FFF2-40B4-BE49-F238E27FC236}">
+                <a16:creationId xmlns:a16="http://schemas.microsoft.com/office/drawing/2014/main" id="{D296CB5F-3546-5744-B101-FD88AFF8A997}"/>
+              </a:ext>
+            </a:extLst>
+          </p:cNvPr>
+          <p:cNvSpPr txBox="1"/>
+          <p:nvPr/>
+        </p:nvSpPr>
+        <p:spPr>
+          <a:xfrm>
+            <a:off x="136597" y="314117"/>
+            <a:ext cx="717199" cy="769441"/>
+          </a:xfrm>
+          <a:prstGeom prst="rect">
+            <a:avLst/>
+          </a:prstGeom>
+          <a:noFill/>
+          <a:ln>
+            <a:noFill/>
+          </a:ln>
+        </p:spPr>
+        <p:txBody>
+          <a:bodyPr spcFirstLastPara="1" wrap="square" lIns="91425" tIns="45700" rIns="91425" bIns="45700" anchor="t" anchorCtr="0">
+            <a:spAutoFit/>
+          </a:bodyPr>
+          <a:lstStyle/>
+          <a:p>
+            <a:pPr marL="0" marR="0" lvl="0" indent="0" algn="ctr" rtl="0">
+              <a:spcBef>
+                <a:spcPts val="0"/>
+              </a:spcBef>
+              <a:spcAft>
+                <a:spcPts val="0"/>
+              </a:spcAft>
+              <a:buNone/>
+            </a:pPr>
+            <a:r>
+              <a:rPr lang="es-CO" sz="4400" b="1" dirty="0">
+                <a:solidFill>
+                  <a:srgbClr val="04BDB4"/>
+                </a:solidFill>
+                <a:latin typeface="Arial Black"/>
+                <a:ea typeface="Arial Black"/>
+                <a:cs typeface="Arial Black"/>
+                <a:sym typeface="Arial Black"/>
+              </a:rPr>
+              <a:t>|</a:t>
+            </a:r>
+            <a:endParaRPr lang="es-CO" dirty="0"/>
+          </a:p>
+        </p:txBody>
+      </p:sp>
+      <p:cxnSp>
+        <p:nvCxnSpPr>
+          <p:cNvPr id="6" name="Google Shape;119;p6">
+            <a:extLst>
+              <a:ext uri="{FF2B5EF4-FFF2-40B4-BE49-F238E27FC236}">
+                <a16:creationId xmlns:a16="http://schemas.microsoft.com/office/drawing/2014/main" id="{94EE4A70-2500-4044-B911-94933441CD40}"/>
+              </a:ext>
+            </a:extLst>
+          </p:cNvPr>
+          <p:cNvCxnSpPr>
+            <a:cxnSpLocks/>
+          </p:cNvCxnSpPr>
+          <p:nvPr/>
+        </p:nvCxnSpPr>
+        <p:spPr>
+          <a:xfrm flipV="1">
+            <a:off x="4957011" y="786010"/>
+            <a:ext cx="7234933" cy="55717"/>
+          </a:xfrm>
+          <a:prstGeom prst="straightConnector1">
+            <a:avLst/>
+          </a:prstGeom>
+          <a:noFill/>
+          <a:ln w="25400" cap="flat" cmpd="sng">
+            <a:solidFill>
+              <a:srgbClr val="1B2336"/>
+            </a:solidFill>
+            <a:prstDash val="solid"/>
+            <a:miter lim="800000"/>
+            <a:headEnd type="oval" w="med" len="med"/>
+            <a:tailEnd type="none" w="sm" len="sm"/>
+          </a:ln>
+        </p:spPr>
+      </p:cxnSp>
+      <p:grpSp>
+        <p:nvGrpSpPr>
+          <p:cNvPr id="13" name="Group 12">
+            <a:extLst>
+              <a:ext uri="{FF2B5EF4-FFF2-40B4-BE49-F238E27FC236}">
+                <a16:creationId xmlns:a16="http://schemas.microsoft.com/office/drawing/2014/main" id="{A009C4C0-98B5-4046-BAFB-750D116D24B8}"/>
+              </a:ext>
+            </a:extLst>
+          </p:cNvPr>
+          <p:cNvGrpSpPr/>
+          <p:nvPr/>
+        </p:nvGrpSpPr>
+        <p:grpSpPr>
+          <a:xfrm>
+            <a:off x="959674" y="4754655"/>
+            <a:ext cx="1221005" cy="1073086"/>
+            <a:chOff x="1425253" y="3997713"/>
+            <a:chExt cx="1221005" cy="1073086"/>
+          </a:xfrm>
+        </p:grpSpPr>
+        <p:pic>
+          <p:nvPicPr>
+            <p:cNvPr id="12" name="Graphic 11" descr="Database">
+              <a:extLst>
+                <a:ext uri="{FF2B5EF4-FFF2-40B4-BE49-F238E27FC236}">
+                  <a16:creationId xmlns:a16="http://schemas.microsoft.com/office/drawing/2014/main" id="{26EEF958-18A7-4117-9BE8-0A3CF61E0768}"/>
+                </a:ext>
+              </a:extLst>
+            </p:cNvPr>
+            <p:cNvPicPr>
+              <a:picLocks noChangeAspect="1"/>
+            </p:cNvPicPr>
+            <p:nvPr/>
+          </p:nvPicPr>
+          <p:blipFill>
+            <a:blip r:embed="rId2">
+              <a:extLst>
+                <a:ext uri="{96DAC541-7B7A-43D3-8B79-37D633B846F1}">
+                  <asvg:svgBlip xmlns:asvg="http://schemas.microsoft.com/office/drawing/2016/SVG/main" r:embed="rId3"/>
+                </a:ext>
+              </a:extLst>
+            </a:blip>
+            <a:stretch>
+              <a:fillRect/>
+            </a:stretch>
+          </p:blipFill>
+          <p:spPr>
+            <a:xfrm>
+              <a:off x="1573172" y="3997713"/>
+              <a:ext cx="1073086" cy="1073086"/>
+            </a:xfrm>
+            <a:prstGeom prst="rect">
+              <a:avLst/>
+            </a:prstGeom>
+          </p:spPr>
+        </p:pic>
+        <p:sp>
+          <p:nvSpPr>
+            <p:cNvPr id="10" name="Google Shape;118;p6">
+              <a:extLst>
+                <a:ext uri="{FF2B5EF4-FFF2-40B4-BE49-F238E27FC236}">
+                  <a16:creationId xmlns:a16="http://schemas.microsoft.com/office/drawing/2014/main" id="{44781562-01DD-4E8C-ACE0-31843F9974DE}"/>
+                </a:ext>
+              </a:extLst>
+            </p:cNvPr>
+            <p:cNvSpPr/>
+            <p:nvPr/>
+          </p:nvSpPr>
+          <p:spPr>
+            <a:xfrm>
+              <a:off x="1425253" y="3997713"/>
+              <a:ext cx="577899" cy="577899"/>
+            </a:xfrm>
+            <a:prstGeom prst="ellipse">
+              <a:avLst/>
+            </a:prstGeom>
+            <a:solidFill>
+              <a:srgbClr val="04BDB4">
+                <a:alpha val="53725"/>
+              </a:srgbClr>
+            </a:solidFill>
+            <a:ln>
+              <a:noFill/>
+            </a:ln>
+          </p:spPr>
+          <p:txBody>
+            <a:bodyPr spcFirstLastPara="1" wrap="square" lIns="91425" tIns="45700" rIns="91425" bIns="45700" anchor="ctr" anchorCtr="0">
+              <a:noAutofit/>
+            </a:bodyPr>
+            <a:lstStyle/>
+            <a:p>
+              <a:pPr marL="0" marR="0" lvl="0" indent="0" algn="ctr" rtl="0">
+                <a:spcBef>
+                  <a:spcPts val="0"/>
+                </a:spcBef>
+                <a:spcAft>
+                  <a:spcPts val="0"/>
+                </a:spcAft>
+                <a:buNone/>
+              </a:pPr>
+              <a:endParaRPr sz="1800" dirty="0">
+                <a:solidFill>
+                  <a:schemeClr val="lt1"/>
+                </a:solidFill>
+                <a:latin typeface="Calibri"/>
+                <a:ea typeface="Calibri"/>
+                <a:cs typeface="Calibri"/>
+                <a:sym typeface="Calibri"/>
+              </a:endParaRPr>
+            </a:p>
+          </p:txBody>
+        </p:sp>
+        <p:sp>
+          <p:nvSpPr>
+            <p:cNvPr id="11" name="Google Shape;126;p6">
+              <a:extLst>
+                <a:ext uri="{FF2B5EF4-FFF2-40B4-BE49-F238E27FC236}">
+                  <a16:creationId xmlns:a16="http://schemas.microsoft.com/office/drawing/2014/main" id="{AD2F0784-7F97-4429-8565-0E36753ACC77}"/>
+                </a:ext>
+              </a:extLst>
+            </p:cNvPr>
+            <p:cNvSpPr/>
+            <p:nvPr/>
+          </p:nvSpPr>
+          <p:spPr>
+            <a:xfrm>
+              <a:off x="2429365" y="4584449"/>
+              <a:ext cx="216893" cy="216893"/>
+            </a:xfrm>
+            <a:prstGeom prst="ellipse">
+              <a:avLst/>
+            </a:prstGeom>
+            <a:solidFill>
+              <a:srgbClr val="00AEEA">
+                <a:alpha val="49803"/>
+              </a:srgbClr>
+            </a:solidFill>
+            <a:ln>
+              <a:noFill/>
+            </a:ln>
+          </p:spPr>
+          <p:txBody>
+            <a:bodyPr spcFirstLastPara="1" wrap="square" lIns="91425" tIns="45700" rIns="91425" bIns="45700" anchor="ctr" anchorCtr="0">
+              <a:noAutofit/>
+            </a:bodyPr>
+            <a:lstStyle/>
+            <a:p>
+              <a:pPr marL="0" marR="0" lvl="0" indent="0" algn="ctr" rtl="0">
+                <a:spcBef>
+                  <a:spcPts val="0"/>
+                </a:spcBef>
+                <a:spcAft>
+                  <a:spcPts val="0"/>
+                </a:spcAft>
+                <a:buNone/>
+              </a:pPr>
+              <a:endParaRPr sz="1800" dirty="0">
+                <a:solidFill>
+                  <a:schemeClr val="lt1"/>
+                </a:solidFill>
+                <a:latin typeface="Calibri"/>
+                <a:ea typeface="Calibri"/>
+                <a:cs typeface="Calibri"/>
+                <a:sym typeface="Calibri"/>
+              </a:endParaRPr>
+            </a:p>
+          </p:txBody>
+        </p:sp>
+      </p:grpSp>
+      <p:sp>
+        <p:nvSpPr>
+          <p:cNvPr id="15" name="TextBox 14">
+            <a:extLst>
+              <a:ext uri="{FF2B5EF4-FFF2-40B4-BE49-F238E27FC236}">
+                <a16:creationId xmlns:a16="http://schemas.microsoft.com/office/drawing/2014/main" id="{1965831F-198E-4DF4-9311-D67689077CB4}"/>
+              </a:ext>
+            </a:extLst>
+          </p:cNvPr>
+          <p:cNvSpPr txBox="1"/>
+          <p:nvPr/>
+        </p:nvSpPr>
+        <p:spPr>
+          <a:xfrm>
+            <a:off x="2180679" y="5086285"/>
+            <a:ext cx="5138201" cy="400110"/>
+          </a:xfrm>
+          <a:prstGeom prst="rect">
+            <a:avLst/>
+          </a:prstGeom>
+          <a:noFill/>
+        </p:spPr>
+        <p:txBody>
+          <a:bodyPr wrap="none" rtlCol="0">
+            <a:spAutoFit/>
+          </a:bodyPr>
+          <a:lstStyle/>
+          <a:p>
+            <a:pPr algn="just"/>
+            <a:r>
+              <a:rPr lang="es-419" sz="2000" b="1" dirty="0">
+                <a:solidFill>
+                  <a:srgbClr val="1B2335"/>
+                </a:solidFill>
+                <a:cs typeface="Arial" panose="020B0604020202020204" pitchFamily="34" charset="0"/>
+                <a:hlinkClick r:id="rId4"/>
+              </a:rPr>
+              <a:t>http://medata.gov.co/dataset/hurto-de-moto</a:t>
+            </a:r>
+            <a:r>
+              <a:rPr lang="es-419" sz="2000" b="1" dirty="0">
+                <a:solidFill>
+                  <a:srgbClr val="1B2335"/>
+                </a:solidFill>
+                <a:cs typeface="Arial" panose="020B0604020202020204" pitchFamily="34" charset="0"/>
+              </a:rPr>
+              <a:t> </a:t>
+            </a:r>
+          </a:p>
+        </p:txBody>
+      </p:sp>
+    </p:spTree>
+    <p:extLst>
+      <p:ext uri="{BB962C8B-B14F-4D97-AF65-F5344CB8AC3E}">
+        <p14:creationId xmlns:p14="http://schemas.microsoft.com/office/powerpoint/2010/main" val="2199717618"/>
+      </p:ext>
+    </p:extLst>
+  </p:cSld>
+  <p:clrMapOvr>
+    <a:masterClrMapping/>
+  </p:clrMapOvr>
+</p:sld>
+</file>
+
+<file path=ppt/slides/slide11.xml><?xml version="1.0" encoding="utf-8"?>
+<p:sld xmlns:a="http://schemas.openxmlformats.org/drawingml/2006/main" xmlns:r="http://schemas.openxmlformats.org/officeDocument/2006/relationships" xmlns:p="http://schemas.openxmlformats.org/presentationml/2006/main">
+  <p:cSld>
+    <p:spTree>
+      <p:nvGrpSpPr>
+        <p:cNvPr id="1" name=""/>
+        <p:cNvGrpSpPr/>
+        <p:nvPr/>
+      </p:nvGrpSpPr>
+      <p:grpSpPr>
+        <a:xfrm>
+          <a:off x="0" y="0"/>
+          <a:ext cx="0" cy="0"/>
+          <a:chOff x="0" y="0"/>
+          <a:chExt cx="0" cy="0"/>
+        </a:xfrm>
+      </p:grpSpPr>
+      <p:sp>
+        <p:nvSpPr>
           <p:cNvPr id="16" name="Rectangle 15">
             <a:extLst>
               <a:ext uri="{FF2B5EF4-FFF2-40B4-BE49-F238E27FC236}">
@@ -13030,7 +13569,7 @@
 </p:sld>
 </file>
 
-<file path=ppt/slides/slide11.xml><?xml version="1.0" encoding="utf-8"?>
+<file path=ppt/slides/slide12.xml><?xml version="1.0" encoding="utf-8"?>
 <p:sld xmlns:a="http://schemas.openxmlformats.org/drawingml/2006/main" xmlns:r="http://schemas.openxmlformats.org/officeDocument/2006/relationships" xmlns:p="http://schemas.openxmlformats.org/presentationml/2006/main">
   <p:cSld>
     <p:spTree>
@@ -13319,7 +13858,7 @@
 </p:sld>
 </file>
 
-<file path=ppt/slides/slide12.xml><?xml version="1.0" encoding="utf-8"?>
+<file path=ppt/slides/slide13.xml><?xml version="1.0" encoding="utf-8"?>
 <p:sld xmlns:a="http://schemas.openxmlformats.org/drawingml/2006/main" xmlns:r="http://schemas.openxmlformats.org/officeDocument/2006/relationships" xmlns:p="http://schemas.openxmlformats.org/presentationml/2006/main">
   <p:cSld>
     <p:spTree>
@@ -13745,7 +14284,7 @@
 </p:sld>
 </file>
 
-<file path=ppt/slides/slide13.xml><?xml version="1.0" encoding="utf-8"?>
+<file path=ppt/slides/slide14.xml><?xml version="1.0" encoding="utf-8"?>
 <p:sld xmlns:a="http://schemas.openxmlformats.org/drawingml/2006/main" xmlns:r="http://schemas.openxmlformats.org/officeDocument/2006/relationships" xmlns:p="http://schemas.openxmlformats.org/presentationml/2006/main">
   <p:cSld>
     <p:spTree>
@@ -14006,7 +14545,7 @@
 </p:sld>
 </file>
 
-<file path=ppt/slides/slide14.xml><?xml version="1.0" encoding="utf-8"?>
+<file path=ppt/slides/slide15.xml><?xml version="1.0" encoding="utf-8"?>
 <p:sld xmlns:a="http://schemas.openxmlformats.org/drawingml/2006/main" xmlns:r="http://schemas.openxmlformats.org/officeDocument/2006/relationships" xmlns:p="http://schemas.openxmlformats.org/presentationml/2006/main">
   <p:cSld>
     <p:spTree>
@@ -14268,7 +14807,7 @@
 </p:sld>
 </file>
 
-<file path=ppt/slides/slide15.xml><?xml version="1.0" encoding="utf-8"?>
+<file path=ppt/slides/slide16.xml><?xml version="1.0" encoding="utf-8"?>
 <p:sld xmlns:a="http://schemas.openxmlformats.org/drawingml/2006/main" xmlns:r="http://schemas.openxmlformats.org/officeDocument/2006/relationships" xmlns:p="http://schemas.openxmlformats.org/presentationml/2006/main">
   <p:cSld>
     <p:spTree>
@@ -14732,7 +15271,7 @@
 </p:sld>
 </file>
 
-<file path=ppt/slides/slide16.xml><?xml version="1.0" encoding="utf-8"?>
+<file path=ppt/slides/slide17.xml><?xml version="1.0" encoding="utf-8"?>
 <p:sld xmlns:a="http://schemas.openxmlformats.org/drawingml/2006/main" xmlns:r="http://schemas.openxmlformats.org/officeDocument/2006/relationships" xmlns:p="http://schemas.openxmlformats.org/presentationml/2006/main">
   <p:cSld>
     <p:bg>
@@ -16385,7 +16924,7 @@
                   <a:schemeClr val="bg1"/>
                 </a:solidFill>
               </a:rPr>
-              <a:t>Seleccionar la técnica de modelado</a:t>
+              <a:t>Ingeniería de características</a:t>
             </a:r>
           </a:p>
           <a:p>
@@ -16399,8 +16938,21 @@
                   <a:schemeClr val="bg1"/>
                 </a:solidFill>
               </a:rPr>
-              <a:t>Generar el plan de prueba</a:t>
+              <a:t>Modelos </a:t>
             </a:r>
+            <a:r>
+              <a:rPr lang="es-CO" sz="1800" dirty="0" err="1">
+                <a:solidFill>
+                  <a:schemeClr val="bg1"/>
+                </a:solidFill>
+              </a:rPr>
+              <a:t>Clusters</a:t>
+            </a:r>
+            <a:endParaRPr lang="es-CO" sz="1800" dirty="0">
+              <a:solidFill>
+                <a:schemeClr val="bg1"/>
+              </a:solidFill>
+            </a:endParaRPr>
           </a:p>
           <a:p>
             <a:pPr marL="457200" indent="-457200">
@@ -16413,21 +16965,7 @@
                   <a:schemeClr val="bg1"/>
                 </a:solidFill>
               </a:rPr>
-              <a:t>Construir el modelo </a:t>
-            </a:r>
-          </a:p>
-          <a:p>
-            <a:pPr marL="457200" indent="-457200">
-              <a:buFont typeface="+mj-lt"/>
-              <a:buAutoNum type="arabicPeriod"/>
-            </a:pPr>
-            <a:r>
-              <a:rPr lang="es-CO" sz="1800" dirty="0">
-                <a:solidFill>
-                  <a:schemeClr val="bg1"/>
-                </a:solidFill>
-              </a:rPr>
-              <a:t>Evaluar el modelo</a:t>
+              <a:t>Modelos de Regresión </a:t>
             </a:r>
           </a:p>
         </p:txBody>
@@ -16457,7 +16995,7 @@
 </p:sld>
 </file>
 
-<file path=ppt/slides/slide17.xml><?xml version="1.0" encoding="utf-8"?>
+<file path=ppt/slides/slide18.xml><?xml version="1.0" encoding="utf-8"?>
 <p:sld xmlns:a="http://schemas.openxmlformats.org/drawingml/2006/main" xmlns:r="http://schemas.openxmlformats.org/officeDocument/2006/relationships" xmlns:p="http://schemas.openxmlformats.org/presentationml/2006/main">
   <p:cSld>
     <p:spTree>
@@ -17938,7 +18476,7 @@
 </p:sld>
 </file>
 
-<file path=ppt/slides/slide18.xml><?xml version="1.0" encoding="utf-8"?>
+<file path=ppt/slides/slide19.xml><?xml version="1.0" encoding="utf-8"?>
 <p:sld xmlns:a="http://schemas.openxmlformats.org/drawingml/2006/main" xmlns:r="http://schemas.openxmlformats.org/officeDocument/2006/relationships" xmlns:p="http://schemas.openxmlformats.org/presentationml/2006/main">
   <p:cSld>
     <p:spTree>
@@ -18824,484 +19362,6 @@
     <p:extLst>
       <p:ext uri="{BB962C8B-B14F-4D97-AF65-F5344CB8AC3E}">
         <p14:creationId xmlns:p14="http://schemas.microsoft.com/office/powerpoint/2010/main" val="176310867"/>
-      </p:ext>
-    </p:extLst>
-  </p:cSld>
-  <p:clrMapOvr>
-    <a:masterClrMapping/>
-  </p:clrMapOvr>
-</p:sld>
-</file>
-
-<file path=ppt/slides/slide19.xml><?xml version="1.0" encoding="utf-8"?>
-<p:sld xmlns:a="http://schemas.openxmlformats.org/drawingml/2006/main" xmlns:r="http://schemas.openxmlformats.org/officeDocument/2006/relationships" xmlns:p="http://schemas.openxmlformats.org/presentationml/2006/main">
-  <p:cSld>
-    <p:spTree>
-      <p:nvGrpSpPr>
-        <p:cNvPr id="1" name=""/>
-        <p:cNvGrpSpPr/>
-        <p:nvPr/>
-      </p:nvGrpSpPr>
-      <p:grpSpPr>
-        <a:xfrm>
-          <a:off x="0" y="0"/>
-          <a:ext cx="0" cy="0"/>
-          <a:chOff x="0" y="0"/>
-          <a:chExt cx="0" cy="0"/>
-        </a:xfrm>
-      </p:grpSpPr>
-      <p:sp>
-        <p:nvSpPr>
-          <p:cNvPr id="4" name="Google Shape;112;p6">
-            <a:extLst>
-              <a:ext uri="{FF2B5EF4-FFF2-40B4-BE49-F238E27FC236}">
-                <a16:creationId xmlns:a16="http://schemas.microsoft.com/office/drawing/2014/main" id="{7BF8BAE0-DDB0-40DE-B227-E508C4C6FE5D}"/>
-              </a:ext>
-            </a:extLst>
-          </p:cNvPr>
-          <p:cNvSpPr txBox="1"/>
-          <p:nvPr/>
-        </p:nvSpPr>
-        <p:spPr>
-          <a:xfrm>
-            <a:off x="729342" y="319121"/>
-            <a:ext cx="6181597" cy="830956"/>
-          </a:xfrm>
-          <a:prstGeom prst="rect">
-            <a:avLst/>
-          </a:prstGeom>
-          <a:noFill/>
-          <a:ln>
-            <a:noFill/>
-          </a:ln>
-        </p:spPr>
-        <p:txBody>
-          <a:bodyPr spcFirstLastPara="1" wrap="square" lIns="91425" tIns="45700" rIns="91425" bIns="45700" anchor="t" anchorCtr="0">
-            <a:spAutoFit/>
-          </a:bodyPr>
-          <a:lstStyle/>
-          <a:p>
-            <a:pPr marL="0" marR="0" lvl="0" indent="0" rtl="0">
-              <a:spcBef>
-                <a:spcPts val="0"/>
-              </a:spcBef>
-              <a:spcAft>
-                <a:spcPts val="0"/>
-              </a:spcAft>
-              <a:buNone/>
-            </a:pPr>
-            <a:r>
-              <a:rPr lang="es-CO" sz="4800" b="1" dirty="0">
-                <a:solidFill>
-                  <a:srgbClr val="1B2336"/>
-                </a:solidFill>
-                <a:latin typeface="Arial"/>
-                <a:cs typeface="Arial"/>
-                <a:sym typeface="Arial"/>
-              </a:rPr>
-              <a:t>Ing. Características</a:t>
-            </a:r>
-            <a:endParaRPr lang="es-CO" dirty="0"/>
-          </a:p>
-        </p:txBody>
-      </p:sp>
-      <p:sp>
-        <p:nvSpPr>
-          <p:cNvPr id="5" name="Google Shape;117;p6">
-            <a:extLst>
-              <a:ext uri="{FF2B5EF4-FFF2-40B4-BE49-F238E27FC236}">
-                <a16:creationId xmlns:a16="http://schemas.microsoft.com/office/drawing/2014/main" id="{789374AE-5906-4CE2-AE32-861EEB840C78}"/>
-              </a:ext>
-            </a:extLst>
-          </p:cNvPr>
-          <p:cNvSpPr txBox="1"/>
-          <p:nvPr/>
-        </p:nvSpPr>
-        <p:spPr>
-          <a:xfrm>
-            <a:off x="225373" y="312176"/>
-            <a:ext cx="717199" cy="769441"/>
-          </a:xfrm>
-          <a:prstGeom prst="rect">
-            <a:avLst/>
-          </a:prstGeom>
-          <a:noFill/>
-          <a:ln>
-            <a:noFill/>
-          </a:ln>
-        </p:spPr>
-        <p:txBody>
-          <a:bodyPr spcFirstLastPara="1" wrap="square" lIns="91425" tIns="45700" rIns="91425" bIns="45700" anchor="t" anchorCtr="0">
-            <a:spAutoFit/>
-          </a:bodyPr>
-          <a:lstStyle/>
-          <a:p>
-            <a:pPr marL="0" marR="0" lvl="0" indent="0" algn="ctr" rtl="0">
-              <a:spcBef>
-                <a:spcPts val="0"/>
-              </a:spcBef>
-              <a:spcAft>
-                <a:spcPts val="0"/>
-              </a:spcAft>
-              <a:buNone/>
-            </a:pPr>
-            <a:r>
-              <a:rPr lang="es-CO" sz="4400" b="1" dirty="0">
-                <a:solidFill>
-                  <a:srgbClr val="04BDB4"/>
-                </a:solidFill>
-                <a:latin typeface="Arial Black"/>
-                <a:ea typeface="Arial Black"/>
-                <a:cs typeface="Arial Black"/>
-                <a:sym typeface="Arial Black"/>
-              </a:rPr>
-              <a:t>|</a:t>
-            </a:r>
-            <a:endParaRPr lang="es-CO" dirty="0"/>
-          </a:p>
-        </p:txBody>
-      </p:sp>
-      <p:cxnSp>
-        <p:nvCxnSpPr>
-          <p:cNvPr id="6" name="Google Shape;119;p6">
-            <a:extLst>
-              <a:ext uri="{FF2B5EF4-FFF2-40B4-BE49-F238E27FC236}">
-                <a16:creationId xmlns:a16="http://schemas.microsoft.com/office/drawing/2014/main" id="{9BA46B94-C025-44EC-8513-29B85B3D7D8E}"/>
-              </a:ext>
-            </a:extLst>
-          </p:cNvPr>
-          <p:cNvCxnSpPr>
-            <a:cxnSpLocks/>
-          </p:cNvCxnSpPr>
-          <p:nvPr/>
-        </p:nvCxnSpPr>
-        <p:spPr>
-          <a:xfrm>
-            <a:off x="6843562" y="786010"/>
-            <a:ext cx="5348382" cy="1"/>
-          </a:xfrm>
-          <a:prstGeom prst="straightConnector1">
-            <a:avLst/>
-          </a:prstGeom>
-          <a:noFill/>
-          <a:ln w="25400" cap="flat" cmpd="sng">
-            <a:solidFill>
-              <a:srgbClr val="1B2336"/>
-            </a:solidFill>
-            <a:prstDash val="solid"/>
-            <a:miter lim="800000"/>
-            <a:headEnd type="oval" w="med" len="med"/>
-            <a:tailEnd type="none" w="sm" len="sm"/>
-          </a:ln>
-        </p:spPr>
-      </p:cxnSp>
-      <p:pic>
-        <p:nvPicPr>
-          <p:cNvPr id="53" name="Picture 52">
-            <a:extLst>
-              <a:ext uri="{FF2B5EF4-FFF2-40B4-BE49-F238E27FC236}">
-                <a16:creationId xmlns:a16="http://schemas.microsoft.com/office/drawing/2014/main" id="{39BE4889-551C-4E9F-B285-5DCAA549B810}"/>
-              </a:ext>
-            </a:extLst>
-          </p:cNvPr>
-          <p:cNvPicPr>
-            <a:picLocks noChangeAspect="1"/>
-          </p:cNvPicPr>
-          <p:nvPr/>
-        </p:nvPicPr>
-        <p:blipFill>
-          <a:blip r:embed="rId2"/>
-          <a:stretch>
-            <a:fillRect/>
-          </a:stretch>
-        </p:blipFill>
-        <p:spPr>
-          <a:xfrm>
-            <a:off x="1154518" y="1440888"/>
-            <a:ext cx="11040827" cy="473638"/>
-          </a:xfrm>
-          <a:prstGeom prst="rect">
-            <a:avLst/>
-          </a:prstGeom>
-        </p:spPr>
-      </p:pic>
-      <p:pic>
-        <p:nvPicPr>
-          <p:cNvPr id="57" name="Picture 56">
-            <a:extLst>
-              <a:ext uri="{FF2B5EF4-FFF2-40B4-BE49-F238E27FC236}">
-                <a16:creationId xmlns:a16="http://schemas.microsoft.com/office/drawing/2014/main" id="{A42725F1-9A70-4ACA-AD08-678D5920041B}"/>
-              </a:ext>
-            </a:extLst>
-          </p:cNvPr>
-          <p:cNvPicPr>
-            <a:picLocks noChangeAspect="1"/>
-          </p:cNvPicPr>
-          <p:nvPr/>
-        </p:nvPicPr>
-        <p:blipFill rotWithShape="1">
-          <a:blip r:embed="rId3"/>
-          <a:srcRect t="46965" r="89917" b="-1"/>
-          <a:stretch/>
-        </p:blipFill>
-        <p:spPr>
-          <a:xfrm rot="5400000">
-            <a:off x="557657" y="1579619"/>
-            <a:ext cx="649255" cy="606197"/>
-          </a:xfrm>
-          <a:prstGeom prst="rect">
-            <a:avLst/>
-          </a:prstGeom>
-        </p:spPr>
-      </p:pic>
-      <p:pic>
-        <p:nvPicPr>
-          <p:cNvPr id="58" name="Picture 57">
-            <a:extLst>
-              <a:ext uri="{FF2B5EF4-FFF2-40B4-BE49-F238E27FC236}">
-                <a16:creationId xmlns:a16="http://schemas.microsoft.com/office/drawing/2014/main" id="{1F134A1F-31FD-497A-BF65-CE075DE66AD7}"/>
-              </a:ext>
-            </a:extLst>
-          </p:cNvPr>
-          <p:cNvPicPr>
-            <a:picLocks noChangeAspect="1"/>
-          </p:cNvPicPr>
-          <p:nvPr/>
-        </p:nvPicPr>
-        <p:blipFill>
-          <a:blip r:embed="rId2"/>
-          <a:stretch>
-            <a:fillRect/>
-          </a:stretch>
-        </p:blipFill>
-        <p:spPr>
-          <a:xfrm rot="5400000">
-            <a:off x="-1232546" y="3814590"/>
-            <a:ext cx="4123371" cy="475035"/>
-          </a:xfrm>
-          <a:prstGeom prst="rect">
-            <a:avLst/>
-          </a:prstGeom>
-        </p:spPr>
-      </p:pic>
-      <p:pic>
-        <p:nvPicPr>
-          <p:cNvPr id="59" name="Picture 58">
-            <a:extLst>
-              <a:ext uri="{FF2B5EF4-FFF2-40B4-BE49-F238E27FC236}">
-                <a16:creationId xmlns:a16="http://schemas.microsoft.com/office/drawing/2014/main" id="{26FC1601-FB59-48EC-A5AA-7C509A607488}"/>
-              </a:ext>
-            </a:extLst>
-          </p:cNvPr>
-          <p:cNvPicPr>
-            <a:picLocks noChangeAspect="1"/>
-          </p:cNvPicPr>
-          <p:nvPr/>
-        </p:nvPicPr>
-        <p:blipFill rotWithShape="1">
-          <a:blip r:embed="rId4">
-            <a:extLst>
-              <a:ext uri="{BEBA8EAE-BF5A-486C-A8C5-ECC9F3942E4B}">
-                <a14:imgProps xmlns:a14="http://schemas.microsoft.com/office/drawing/2010/main">
-                  <a14:imgLayer r:embed="rId5">
-                    <a14:imgEffect>
-                      <a14:backgroundRemoval t="73469" b="89031" l="2237" r="14737">
-                        <a14:foregroundMark x1="4342" y1="84439" x2="4342" y2="84439"/>
-                        <a14:foregroundMark x1="2368" y1="86224" x2="2368" y2="86224"/>
-                        <a14:foregroundMark x1="7368" y1="77296" x2="7368" y2="77296"/>
-                        <a14:foregroundMark x1="10000" y1="73469" x2="10000" y2="73469"/>
-                        <a14:foregroundMark x1="14737" y1="86224" x2="14737" y2="86224"/>
-                        <a14:backgroundMark x1="7632" y1="78571" x2="7632" y2="78571"/>
-                        <a14:backgroundMark x1="8026" y1="77551" x2="8026" y2="77551"/>
-                      </a14:backgroundRemoval>
-                    </a14:imgEffect>
-                  </a14:imgLayer>
-                </a14:imgProps>
-              </a:ext>
-            </a:extLst>
-          </a:blip>
-          <a:srcRect l="2030" t="72143" r="83737" b="9093"/>
-          <a:stretch/>
-        </p:blipFill>
-        <p:spPr>
-          <a:xfrm>
-            <a:off x="465166" y="2009681"/>
-            <a:ext cx="954811" cy="649254"/>
-          </a:xfrm>
-          <a:prstGeom prst="rect">
-            <a:avLst/>
-          </a:prstGeom>
-        </p:spPr>
-      </p:pic>
-      <p:sp>
-        <p:nvSpPr>
-          <p:cNvPr id="60" name="TextBox 59">
-            <a:extLst>
-              <a:ext uri="{FF2B5EF4-FFF2-40B4-BE49-F238E27FC236}">
-                <a16:creationId xmlns:a16="http://schemas.microsoft.com/office/drawing/2014/main" id="{A49FD569-16E7-427F-80BA-0375C5B463FF}"/>
-              </a:ext>
-            </a:extLst>
-          </p:cNvPr>
-          <p:cNvSpPr txBox="1"/>
-          <p:nvPr/>
-        </p:nvSpPr>
-        <p:spPr>
-          <a:xfrm>
-            <a:off x="1432414" y="1990422"/>
-            <a:ext cx="2216569" cy="369332"/>
-          </a:xfrm>
-          <a:prstGeom prst="rect">
-            <a:avLst/>
-          </a:prstGeom>
-          <a:noFill/>
-        </p:spPr>
-        <p:txBody>
-          <a:bodyPr wrap="none" rtlCol="0">
-            <a:spAutoFit/>
-          </a:bodyPr>
-          <a:lstStyle/>
-          <a:p>
-            <a:r>
-              <a:rPr lang="es-CO" b="1" dirty="0"/>
-              <a:t>Medidas  estadísticas</a:t>
-            </a:r>
-            <a:endParaRPr lang="en-GB" b="1" dirty="0"/>
-          </a:p>
-        </p:txBody>
-      </p:sp>
-      <p:sp>
-        <p:nvSpPr>
-          <p:cNvPr id="61" name="TextBox 60">
-            <a:extLst>
-              <a:ext uri="{FF2B5EF4-FFF2-40B4-BE49-F238E27FC236}">
-                <a16:creationId xmlns:a16="http://schemas.microsoft.com/office/drawing/2014/main" id="{FAE39372-8C8A-419D-B0D0-523A36739AFE}"/>
-              </a:ext>
-            </a:extLst>
-          </p:cNvPr>
-          <p:cNvSpPr txBox="1"/>
-          <p:nvPr/>
-        </p:nvSpPr>
-        <p:spPr>
-          <a:xfrm>
-            <a:off x="2573227" y="2397607"/>
-            <a:ext cx="2493826" cy="276999"/>
-          </a:xfrm>
-          <a:prstGeom prst="rect">
-            <a:avLst/>
-          </a:prstGeom>
-          <a:noFill/>
-        </p:spPr>
-        <p:txBody>
-          <a:bodyPr wrap="square" rtlCol="0">
-            <a:spAutoFit/>
-          </a:bodyPr>
-          <a:lstStyle/>
-          <a:p>
-            <a:r>
-              <a:rPr lang="es-CO" sz="1200" u="sng" dirty="0"/>
-              <a:t>Ganancia de información:</a:t>
-            </a:r>
-          </a:p>
-        </p:txBody>
-      </p:sp>
-      <p:pic>
-        <p:nvPicPr>
-          <p:cNvPr id="8" name="Picture 7">
-            <a:extLst>
-              <a:ext uri="{FF2B5EF4-FFF2-40B4-BE49-F238E27FC236}">
-                <a16:creationId xmlns:a16="http://schemas.microsoft.com/office/drawing/2014/main" id="{AA296652-6E96-4AFD-9F09-4FC0670765E7}"/>
-              </a:ext>
-            </a:extLst>
-          </p:cNvPr>
-          <p:cNvPicPr>
-            <a:picLocks noChangeAspect="1"/>
-          </p:cNvPicPr>
-          <p:nvPr/>
-        </p:nvPicPr>
-        <p:blipFill rotWithShape="1">
-          <a:blip r:embed="rId6"/>
-          <a:srcRect t="5955"/>
-          <a:stretch/>
-        </p:blipFill>
-        <p:spPr>
-          <a:xfrm>
-            <a:off x="1079092" y="2712458"/>
-            <a:ext cx="6207413" cy="3359531"/>
-          </a:xfrm>
-          <a:prstGeom prst="rect">
-            <a:avLst/>
-          </a:prstGeom>
-        </p:spPr>
-      </p:pic>
-      <p:pic>
-        <p:nvPicPr>
-          <p:cNvPr id="11" name="Picture 10">
-            <a:extLst>
-              <a:ext uri="{FF2B5EF4-FFF2-40B4-BE49-F238E27FC236}">
-                <a16:creationId xmlns:a16="http://schemas.microsoft.com/office/drawing/2014/main" id="{E741E20F-E1D9-4BA4-91AD-DE68BC370D4C}"/>
-              </a:ext>
-            </a:extLst>
-          </p:cNvPr>
-          <p:cNvPicPr>
-            <a:picLocks noChangeAspect="1"/>
-          </p:cNvPicPr>
-          <p:nvPr/>
-        </p:nvPicPr>
-        <p:blipFill>
-          <a:blip r:embed="rId7"/>
-          <a:stretch>
-            <a:fillRect/>
-          </a:stretch>
-        </p:blipFill>
-        <p:spPr>
-          <a:xfrm>
-            <a:off x="7976503" y="2658935"/>
-            <a:ext cx="1898650" cy="3511550"/>
-          </a:xfrm>
-          <a:prstGeom prst="rect">
-            <a:avLst/>
-          </a:prstGeom>
-        </p:spPr>
-      </p:pic>
-      <p:sp>
-        <p:nvSpPr>
-          <p:cNvPr id="77" name="TextBox 76">
-            <a:extLst>
-              <a:ext uri="{FF2B5EF4-FFF2-40B4-BE49-F238E27FC236}">
-                <a16:creationId xmlns:a16="http://schemas.microsoft.com/office/drawing/2014/main" id="{245C8C27-6ACE-446E-9903-BDE332A63C01}"/>
-              </a:ext>
-            </a:extLst>
-          </p:cNvPr>
-          <p:cNvSpPr txBox="1"/>
-          <p:nvPr/>
-        </p:nvSpPr>
-        <p:spPr>
-          <a:xfrm>
-            <a:off x="8543019" y="2334308"/>
-            <a:ext cx="2493826" cy="276999"/>
-          </a:xfrm>
-          <a:prstGeom prst="rect">
-            <a:avLst/>
-          </a:prstGeom>
-          <a:noFill/>
-        </p:spPr>
-        <p:txBody>
-          <a:bodyPr wrap="square" rtlCol="0">
-            <a:spAutoFit/>
-          </a:bodyPr>
-          <a:lstStyle/>
-          <a:p>
-            <a:r>
-              <a:rPr lang="es-CO" sz="1200" u="sng" dirty="0"/>
-              <a:t>ANOVA:</a:t>
-            </a:r>
-          </a:p>
-        </p:txBody>
-      </p:sp>
-    </p:spTree>
-    <p:extLst>
-      <p:ext uri="{BB962C8B-B14F-4D97-AF65-F5344CB8AC3E}">
-        <p14:creationId xmlns:p14="http://schemas.microsoft.com/office/powerpoint/2010/main" val="1421957363"/>
       </p:ext>
     </p:extLst>
   </p:cSld>
@@ -19897,6 +19957,484 @@
       </p:cxnSp>
       <p:pic>
         <p:nvPicPr>
+          <p:cNvPr id="53" name="Picture 52">
+            <a:extLst>
+              <a:ext uri="{FF2B5EF4-FFF2-40B4-BE49-F238E27FC236}">
+                <a16:creationId xmlns:a16="http://schemas.microsoft.com/office/drawing/2014/main" id="{39BE4889-551C-4E9F-B285-5DCAA549B810}"/>
+              </a:ext>
+            </a:extLst>
+          </p:cNvPr>
+          <p:cNvPicPr>
+            <a:picLocks noChangeAspect="1"/>
+          </p:cNvPicPr>
+          <p:nvPr/>
+        </p:nvPicPr>
+        <p:blipFill>
+          <a:blip r:embed="rId2"/>
+          <a:stretch>
+            <a:fillRect/>
+          </a:stretch>
+        </p:blipFill>
+        <p:spPr>
+          <a:xfrm>
+            <a:off x="1154518" y="1440888"/>
+            <a:ext cx="11040827" cy="473638"/>
+          </a:xfrm>
+          <a:prstGeom prst="rect">
+            <a:avLst/>
+          </a:prstGeom>
+        </p:spPr>
+      </p:pic>
+      <p:pic>
+        <p:nvPicPr>
+          <p:cNvPr id="57" name="Picture 56">
+            <a:extLst>
+              <a:ext uri="{FF2B5EF4-FFF2-40B4-BE49-F238E27FC236}">
+                <a16:creationId xmlns:a16="http://schemas.microsoft.com/office/drawing/2014/main" id="{A42725F1-9A70-4ACA-AD08-678D5920041B}"/>
+              </a:ext>
+            </a:extLst>
+          </p:cNvPr>
+          <p:cNvPicPr>
+            <a:picLocks noChangeAspect="1"/>
+          </p:cNvPicPr>
+          <p:nvPr/>
+        </p:nvPicPr>
+        <p:blipFill rotWithShape="1">
+          <a:blip r:embed="rId3"/>
+          <a:srcRect t="46965" r="89917" b="-1"/>
+          <a:stretch/>
+        </p:blipFill>
+        <p:spPr>
+          <a:xfrm rot="5400000">
+            <a:off x="557657" y="1579619"/>
+            <a:ext cx="649255" cy="606197"/>
+          </a:xfrm>
+          <a:prstGeom prst="rect">
+            <a:avLst/>
+          </a:prstGeom>
+        </p:spPr>
+      </p:pic>
+      <p:pic>
+        <p:nvPicPr>
+          <p:cNvPr id="58" name="Picture 57">
+            <a:extLst>
+              <a:ext uri="{FF2B5EF4-FFF2-40B4-BE49-F238E27FC236}">
+                <a16:creationId xmlns:a16="http://schemas.microsoft.com/office/drawing/2014/main" id="{1F134A1F-31FD-497A-BF65-CE075DE66AD7}"/>
+              </a:ext>
+            </a:extLst>
+          </p:cNvPr>
+          <p:cNvPicPr>
+            <a:picLocks noChangeAspect="1"/>
+          </p:cNvPicPr>
+          <p:nvPr/>
+        </p:nvPicPr>
+        <p:blipFill>
+          <a:blip r:embed="rId2"/>
+          <a:stretch>
+            <a:fillRect/>
+          </a:stretch>
+        </p:blipFill>
+        <p:spPr>
+          <a:xfrm rot="5400000">
+            <a:off x="-1232546" y="3814590"/>
+            <a:ext cx="4123371" cy="475035"/>
+          </a:xfrm>
+          <a:prstGeom prst="rect">
+            <a:avLst/>
+          </a:prstGeom>
+        </p:spPr>
+      </p:pic>
+      <p:pic>
+        <p:nvPicPr>
+          <p:cNvPr id="59" name="Picture 58">
+            <a:extLst>
+              <a:ext uri="{FF2B5EF4-FFF2-40B4-BE49-F238E27FC236}">
+                <a16:creationId xmlns:a16="http://schemas.microsoft.com/office/drawing/2014/main" id="{26FC1601-FB59-48EC-A5AA-7C509A607488}"/>
+              </a:ext>
+            </a:extLst>
+          </p:cNvPr>
+          <p:cNvPicPr>
+            <a:picLocks noChangeAspect="1"/>
+          </p:cNvPicPr>
+          <p:nvPr/>
+        </p:nvPicPr>
+        <p:blipFill rotWithShape="1">
+          <a:blip r:embed="rId4">
+            <a:extLst>
+              <a:ext uri="{BEBA8EAE-BF5A-486C-A8C5-ECC9F3942E4B}">
+                <a14:imgProps xmlns:a14="http://schemas.microsoft.com/office/drawing/2010/main">
+                  <a14:imgLayer r:embed="rId5">
+                    <a14:imgEffect>
+                      <a14:backgroundRemoval t="73469" b="89031" l="2237" r="14737">
+                        <a14:foregroundMark x1="4342" y1="84439" x2="4342" y2="84439"/>
+                        <a14:foregroundMark x1="2368" y1="86224" x2="2368" y2="86224"/>
+                        <a14:foregroundMark x1="7368" y1="77296" x2="7368" y2="77296"/>
+                        <a14:foregroundMark x1="10000" y1="73469" x2="10000" y2="73469"/>
+                        <a14:foregroundMark x1="14737" y1="86224" x2="14737" y2="86224"/>
+                        <a14:backgroundMark x1="7632" y1="78571" x2="7632" y2="78571"/>
+                        <a14:backgroundMark x1="8026" y1="77551" x2="8026" y2="77551"/>
+                      </a14:backgroundRemoval>
+                    </a14:imgEffect>
+                  </a14:imgLayer>
+                </a14:imgProps>
+              </a:ext>
+            </a:extLst>
+          </a:blip>
+          <a:srcRect l="2030" t="72143" r="83737" b="9093"/>
+          <a:stretch/>
+        </p:blipFill>
+        <p:spPr>
+          <a:xfrm>
+            <a:off x="465166" y="2009681"/>
+            <a:ext cx="954811" cy="649254"/>
+          </a:xfrm>
+          <a:prstGeom prst="rect">
+            <a:avLst/>
+          </a:prstGeom>
+        </p:spPr>
+      </p:pic>
+      <p:sp>
+        <p:nvSpPr>
+          <p:cNvPr id="60" name="TextBox 59">
+            <a:extLst>
+              <a:ext uri="{FF2B5EF4-FFF2-40B4-BE49-F238E27FC236}">
+                <a16:creationId xmlns:a16="http://schemas.microsoft.com/office/drawing/2014/main" id="{A49FD569-16E7-427F-80BA-0375C5B463FF}"/>
+              </a:ext>
+            </a:extLst>
+          </p:cNvPr>
+          <p:cNvSpPr txBox="1"/>
+          <p:nvPr/>
+        </p:nvSpPr>
+        <p:spPr>
+          <a:xfrm>
+            <a:off x="1432414" y="1990422"/>
+            <a:ext cx="2216569" cy="369332"/>
+          </a:xfrm>
+          <a:prstGeom prst="rect">
+            <a:avLst/>
+          </a:prstGeom>
+          <a:noFill/>
+        </p:spPr>
+        <p:txBody>
+          <a:bodyPr wrap="none" rtlCol="0">
+            <a:spAutoFit/>
+          </a:bodyPr>
+          <a:lstStyle/>
+          <a:p>
+            <a:r>
+              <a:rPr lang="es-CO" b="1" dirty="0"/>
+              <a:t>Medidas  estadísticas</a:t>
+            </a:r>
+            <a:endParaRPr lang="en-GB" b="1" dirty="0"/>
+          </a:p>
+        </p:txBody>
+      </p:sp>
+      <p:sp>
+        <p:nvSpPr>
+          <p:cNvPr id="61" name="TextBox 60">
+            <a:extLst>
+              <a:ext uri="{FF2B5EF4-FFF2-40B4-BE49-F238E27FC236}">
+                <a16:creationId xmlns:a16="http://schemas.microsoft.com/office/drawing/2014/main" id="{FAE39372-8C8A-419D-B0D0-523A36739AFE}"/>
+              </a:ext>
+            </a:extLst>
+          </p:cNvPr>
+          <p:cNvSpPr txBox="1"/>
+          <p:nvPr/>
+        </p:nvSpPr>
+        <p:spPr>
+          <a:xfrm>
+            <a:off x="2573227" y="2397607"/>
+            <a:ext cx="2493826" cy="276999"/>
+          </a:xfrm>
+          <a:prstGeom prst="rect">
+            <a:avLst/>
+          </a:prstGeom>
+          <a:noFill/>
+        </p:spPr>
+        <p:txBody>
+          <a:bodyPr wrap="square" rtlCol="0">
+            <a:spAutoFit/>
+          </a:bodyPr>
+          <a:lstStyle/>
+          <a:p>
+            <a:r>
+              <a:rPr lang="es-CO" sz="1200" u="sng" dirty="0"/>
+              <a:t>Ganancia de información:</a:t>
+            </a:r>
+          </a:p>
+        </p:txBody>
+      </p:sp>
+      <p:pic>
+        <p:nvPicPr>
+          <p:cNvPr id="8" name="Picture 7">
+            <a:extLst>
+              <a:ext uri="{FF2B5EF4-FFF2-40B4-BE49-F238E27FC236}">
+                <a16:creationId xmlns:a16="http://schemas.microsoft.com/office/drawing/2014/main" id="{AA296652-6E96-4AFD-9F09-4FC0670765E7}"/>
+              </a:ext>
+            </a:extLst>
+          </p:cNvPr>
+          <p:cNvPicPr>
+            <a:picLocks noChangeAspect="1"/>
+          </p:cNvPicPr>
+          <p:nvPr/>
+        </p:nvPicPr>
+        <p:blipFill rotWithShape="1">
+          <a:blip r:embed="rId6"/>
+          <a:srcRect t="5955"/>
+          <a:stretch/>
+        </p:blipFill>
+        <p:spPr>
+          <a:xfrm>
+            <a:off x="1079092" y="2712458"/>
+            <a:ext cx="6207413" cy="3359531"/>
+          </a:xfrm>
+          <a:prstGeom prst="rect">
+            <a:avLst/>
+          </a:prstGeom>
+        </p:spPr>
+      </p:pic>
+      <p:pic>
+        <p:nvPicPr>
+          <p:cNvPr id="11" name="Picture 10">
+            <a:extLst>
+              <a:ext uri="{FF2B5EF4-FFF2-40B4-BE49-F238E27FC236}">
+                <a16:creationId xmlns:a16="http://schemas.microsoft.com/office/drawing/2014/main" id="{E741E20F-E1D9-4BA4-91AD-DE68BC370D4C}"/>
+              </a:ext>
+            </a:extLst>
+          </p:cNvPr>
+          <p:cNvPicPr>
+            <a:picLocks noChangeAspect="1"/>
+          </p:cNvPicPr>
+          <p:nvPr/>
+        </p:nvPicPr>
+        <p:blipFill>
+          <a:blip r:embed="rId7"/>
+          <a:stretch>
+            <a:fillRect/>
+          </a:stretch>
+        </p:blipFill>
+        <p:spPr>
+          <a:xfrm>
+            <a:off x="7976503" y="2658935"/>
+            <a:ext cx="1898650" cy="3511550"/>
+          </a:xfrm>
+          <a:prstGeom prst="rect">
+            <a:avLst/>
+          </a:prstGeom>
+        </p:spPr>
+      </p:pic>
+      <p:sp>
+        <p:nvSpPr>
+          <p:cNvPr id="77" name="TextBox 76">
+            <a:extLst>
+              <a:ext uri="{FF2B5EF4-FFF2-40B4-BE49-F238E27FC236}">
+                <a16:creationId xmlns:a16="http://schemas.microsoft.com/office/drawing/2014/main" id="{245C8C27-6ACE-446E-9903-BDE332A63C01}"/>
+              </a:ext>
+            </a:extLst>
+          </p:cNvPr>
+          <p:cNvSpPr txBox="1"/>
+          <p:nvPr/>
+        </p:nvSpPr>
+        <p:spPr>
+          <a:xfrm>
+            <a:off x="8543019" y="2334308"/>
+            <a:ext cx="2493826" cy="276999"/>
+          </a:xfrm>
+          <a:prstGeom prst="rect">
+            <a:avLst/>
+          </a:prstGeom>
+          <a:noFill/>
+        </p:spPr>
+        <p:txBody>
+          <a:bodyPr wrap="square" rtlCol="0">
+            <a:spAutoFit/>
+          </a:bodyPr>
+          <a:lstStyle/>
+          <a:p>
+            <a:r>
+              <a:rPr lang="es-CO" sz="1200" u="sng" dirty="0"/>
+              <a:t>ANOVA:</a:t>
+            </a:r>
+          </a:p>
+        </p:txBody>
+      </p:sp>
+    </p:spTree>
+    <p:extLst>
+      <p:ext uri="{BB962C8B-B14F-4D97-AF65-F5344CB8AC3E}">
+        <p14:creationId xmlns:p14="http://schemas.microsoft.com/office/powerpoint/2010/main" val="1421957363"/>
+      </p:ext>
+    </p:extLst>
+  </p:cSld>
+  <p:clrMapOvr>
+    <a:masterClrMapping/>
+  </p:clrMapOvr>
+</p:sld>
+</file>
+
+<file path=ppt/slides/slide21.xml><?xml version="1.0" encoding="utf-8"?>
+<p:sld xmlns:a="http://schemas.openxmlformats.org/drawingml/2006/main" xmlns:r="http://schemas.openxmlformats.org/officeDocument/2006/relationships" xmlns:p="http://schemas.openxmlformats.org/presentationml/2006/main">
+  <p:cSld>
+    <p:spTree>
+      <p:nvGrpSpPr>
+        <p:cNvPr id="1" name=""/>
+        <p:cNvGrpSpPr/>
+        <p:nvPr/>
+      </p:nvGrpSpPr>
+      <p:grpSpPr>
+        <a:xfrm>
+          <a:off x="0" y="0"/>
+          <a:ext cx="0" cy="0"/>
+          <a:chOff x="0" y="0"/>
+          <a:chExt cx="0" cy="0"/>
+        </a:xfrm>
+      </p:grpSpPr>
+      <p:sp>
+        <p:nvSpPr>
+          <p:cNvPr id="4" name="Google Shape;112;p6">
+            <a:extLst>
+              <a:ext uri="{FF2B5EF4-FFF2-40B4-BE49-F238E27FC236}">
+                <a16:creationId xmlns:a16="http://schemas.microsoft.com/office/drawing/2014/main" id="{7BF8BAE0-DDB0-40DE-B227-E508C4C6FE5D}"/>
+              </a:ext>
+            </a:extLst>
+          </p:cNvPr>
+          <p:cNvSpPr txBox="1"/>
+          <p:nvPr/>
+        </p:nvSpPr>
+        <p:spPr>
+          <a:xfrm>
+            <a:off x="729342" y="319121"/>
+            <a:ext cx="6181597" cy="830956"/>
+          </a:xfrm>
+          <a:prstGeom prst="rect">
+            <a:avLst/>
+          </a:prstGeom>
+          <a:noFill/>
+          <a:ln>
+            <a:noFill/>
+          </a:ln>
+        </p:spPr>
+        <p:txBody>
+          <a:bodyPr spcFirstLastPara="1" wrap="square" lIns="91425" tIns="45700" rIns="91425" bIns="45700" anchor="t" anchorCtr="0">
+            <a:spAutoFit/>
+          </a:bodyPr>
+          <a:lstStyle/>
+          <a:p>
+            <a:pPr marL="0" marR="0" lvl="0" indent="0" rtl="0">
+              <a:spcBef>
+                <a:spcPts val="0"/>
+              </a:spcBef>
+              <a:spcAft>
+                <a:spcPts val="0"/>
+              </a:spcAft>
+              <a:buNone/>
+            </a:pPr>
+            <a:r>
+              <a:rPr lang="es-CO" sz="4800" b="1" dirty="0">
+                <a:solidFill>
+                  <a:srgbClr val="1B2336"/>
+                </a:solidFill>
+                <a:latin typeface="Arial"/>
+                <a:cs typeface="Arial"/>
+                <a:sym typeface="Arial"/>
+              </a:rPr>
+              <a:t>Ing. Características</a:t>
+            </a:r>
+            <a:endParaRPr lang="es-CO" dirty="0"/>
+          </a:p>
+        </p:txBody>
+      </p:sp>
+      <p:sp>
+        <p:nvSpPr>
+          <p:cNvPr id="5" name="Google Shape;117;p6">
+            <a:extLst>
+              <a:ext uri="{FF2B5EF4-FFF2-40B4-BE49-F238E27FC236}">
+                <a16:creationId xmlns:a16="http://schemas.microsoft.com/office/drawing/2014/main" id="{789374AE-5906-4CE2-AE32-861EEB840C78}"/>
+              </a:ext>
+            </a:extLst>
+          </p:cNvPr>
+          <p:cNvSpPr txBox="1"/>
+          <p:nvPr/>
+        </p:nvSpPr>
+        <p:spPr>
+          <a:xfrm>
+            <a:off x="225373" y="312176"/>
+            <a:ext cx="717199" cy="769441"/>
+          </a:xfrm>
+          <a:prstGeom prst="rect">
+            <a:avLst/>
+          </a:prstGeom>
+          <a:noFill/>
+          <a:ln>
+            <a:noFill/>
+          </a:ln>
+        </p:spPr>
+        <p:txBody>
+          <a:bodyPr spcFirstLastPara="1" wrap="square" lIns="91425" tIns="45700" rIns="91425" bIns="45700" anchor="t" anchorCtr="0">
+            <a:spAutoFit/>
+          </a:bodyPr>
+          <a:lstStyle/>
+          <a:p>
+            <a:pPr marL="0" marR="0" lvl="0" indent="0" algn="ctr" rtl="0">
+              <a:spcBef>
+                <a:spcPts val="0"/>
+              </a:spcBef>
+              <a:spcAft>
+                <a:spcPts val="0"/>
+              </a:spcAft>
+              <a:buNone/>
+            </a:pPr>
+            <a:r>
+              <a:rPr lang="es-CO" sz="4400" b="1" dirty="0">
+                <a:solidFill>
+                  <a:srgbClr val="04BDB4"/>
+                </a:solidFill>
+                <a:latin typeface="Arial Black"/>
+                <a:ea typeface="Arial Black"/>
+                <a:cs typeface="Arial Black"/>
+                <a:sym typeface="Arial Black"/>
+              </a:rPr>
+              <a:t>|</a:t>
+            </a:r>
+            <a:endParaRPr lang="es-CO" dirty="0"/>
+          </a:p>
+        </p:txBody>
+      </p:sp>
+      <p:cxnSp>
+        <p:nvCxnSpPr>
+          <p:cNvPr id="6" name="Google Shape;119;p6">
+            <a:extLst>
+              <a:ext uri="{FF2B5EF4-FFF2-40B4-BE49-F238E27FC236}">
+                <a16:creationId xmlns:a16="http://schemas.microsoft.com/office/drawing/2014/main" id="{9BA46B94-C025-44EC-8513-29B85B3D7D8E}"/>
+              </a:ext>
+            </a:extLst>
+          </p:cNvPr>
+          <p:cNvCxnSpPr>
+            <a:cxnSpLocks/>
+          </p:cNvCxnSpPr>
+          <p:nvPr/>
+        </p:nvCxnSpPr>
+        <p:spPr>
+          <a:xfrm>
+            <a:off x="6843562" y="786010"/>
+            <a:ext cx="5348382" cy="1"/>
+          </a:xfrm>
+          <a:prstGeom prst="straightConnector1">
+            <a:avLst/>
+          </a:prstGeom>
+          <a:noFill/>
+          <a:ln w="25400" cap="flat" cmpd="sng">
+            <a:solidFill>
+              <a:srgbClr val="1B2336"/>
+            </a:solidFill>
+            <a:prstDash val="solid"/>
+            <a:miter lim="800000"/>
+            <a:headEnd type="oval" w="med" len="med"/>
+            <a:tailEnd type="none" w="sm" len="sm"/>
+          </a:ln>
+        </p:spPr>
+      </p:cxnSp>
+      <p:pic>
+        <p:nvPicPr>
           <p:cNvPr id="58" name="Picture 57">
             <a:extLst>
               <a:ext uri="{FF2B5EF4-FFF2-40B4-BE49-F238E27FC236}">
@@ -20361,7 +20899,7 @@
 </p:sld>
 </file>
 
-<file path=ppt/slides/slide21.xml><?xml version="1.0" encoding="utf-8"?>
+<file path=ppt/slides/slide22.xml><?xml version="1.0" encoding="utf-8"?>
 <p:sld xmlns:a="http://schemas.openxmlformats.org/drawingml/2006/main" xmlns:r="http://schemas.openxmlformats.org/officeDocument/2006/relationships" xmlns:p="http://schemas.openxmlformats.org/presentationml/2006/main">
   <p:cSld>
     <p:spTree>
@@ -20601,7 +21139,7 @@
 </p:sld>
 </file>
 
-<file path=ppt/slides/slide22.xml><?xml version="1.0" encoding="utf-8"?>
+<file path=ppt/slides/slide23.xml><?xml version="1.0" encoding="utf-8"?>
 <p:sld xmlns:a="http://schemas.openxmlformats.org/drawingml/2006/main" xmlns:r="http://schemas.openxmlformats.org/officeDocument/2006/relationships" xmlns:p="http://schemas.openxmlformats.org/presentationml/2006/main">
   <p:cSld>
     <p:bg>
@@ -22249,12 +22787,20 @@
               <a:buAutoNum type="arabicPeriod"/>
             </a:pPr>
             <a:r>
+              <a:rPr lang="es-CO" sz="1800" dirty="0" err="1">
+                <a:solidFill>
+                  <a:schemeClr val="bg1"/>
+                </a:solidFill>
+              </a:rPr>
+              <a:t>Scoring</a:t>
+            </a:r>
+            <a:r>
               <a:rPr lang="es-CO" sz="1800" dirty="0">
                 <a:solidFill>
                   <a:schemeClr val="bg1"/>
                 </a:solidFill>
               </a:rPr>
-              <a:t>Planear la implementación </a:t>
+              <a:t> Performance</a:t>
             </a:r>
           </a:p>
           <a:p>
@@ -22268,7 +22814,7 @@
                   <a:schemeClr val="bg1"/>
                 </a:solidFill>
               </a:rPr>
-              <a:t>Planear la monitorización y mantenimiento</a:t>
+              <a:t>Monitoreo </a:t>
             </a:r>
           </a:p>
           <a:p>
@@ -22308,7 +22854,7 @@
 </p:sld>
 </file>
 
-<file path=ppt/slides/slide23.xml><?xml version="1.0" encoding="utf-8"?>
+<file path=ppt/slides/slide24.xml><?xml version="1.0" encoding="utf-8"?>
 <p:sld xmlns:a="http://schemas.openxmlformats.org/drawingml/2006/main" xmlns:r="http://schemas.openxmlformats.org/officeDocument/2006/relationships" xmlns:p="http://schemas.openxmlformats.org/presentationml/2006/main">
   <p:cSld>
     <p:spTree>
@@ -22548,7 +23094,7 @@
 </p:sld>
 </file>
 
-<file path=ppt/slides/slide24.xml><?xml version="1.0" encoding="utf-8"?>
+<file path=ppt/slides/slide25.xml><?xml version="1.0" encoding="utf-8"?>
 <p:sld xmlns:a="http://schemas.openxmlformats.org/drawingml/2006/main" xmlns:r="http://schemas.openxmlformats.org/officeDocument/2006/relationships" xmlns:p="http://schemas.openxmlformats.org/presentationml/2006/main">
   <p:cSld>
     <p:spTree>
@@ -23239,7 +23785,7 @@
 </p:sld>
 </file>
 
-<file path=ppt/slides/slide25.xml><?xml version="1.0" encoding="utf-8"?>
+<file path=ppt/slides/slide26.xml><?xml version="1.0" encoding="utf-8"?>
 <p:sld xmlns:a="http://schemas.openxmlformats.org/drawingml/2006/main" xmlns:r="http://schemas.openxmlformats.org/officeDocument/2006/relationships" xmlns:p="http://schemas.openxmlformats.org/presentationml/2006/main">
   <p:cSld>
     <p:spTree>
@@ -25418,7 +25964,7 @@
 </p:sld>
 </file>
 
-<file path=ppt/slides/slide26.xml><?xml version="1.0" encoding="utf-8"?>
+<file path=ppt/slides/slide27.xml><?xml version="1.0" encoding="utf-8"?>
 <p:sld xmlns:a="http://schemas.openxmlformats.org/drawingml/2006/main" xmlns:r="http://schemas.openxmlformats.org/officeDocument/2006/relationships" xmlns:p="http://schemas.openxmlformats.org/presentationml/2006/main">
   <p:cSld>
     <p:spTree>
@@ -28117,7 +28663,7 @@
 </p:sld>
 </file>
 
-<file path=ppt/slides/slide27.xml><?xml version="1.0" encoding="utf-8"?>
+<file path=ppt/slides/slide28.xml><?xml version="1.0" encoding="utf-8"?>
 <p:sld xmlns:a="http://schemas.openxmlformats.org/drawingml/2006/main" xmlns:r="http://schemas.openxmlformats.org/officeDocument/2006/relationships" xmlns:p="http://schemas.openxmlformats.org/presentationml/2006/main">
   <p:cSld>
     <p:bg>
@@ -28474,7 +29020,7 @@
         </p:nvSpPr>
         <p:spPr>
           <a:xfrm>
-            <a:off x="136597" y="314117"/>
+            <a:off x="136597" y="319121"/>
             <a:ext cx="717199" cy="769441"/>
           </a:xfrm>
           <a:prstGeom prst="rect">
@@ -29014,6 +29560,188 @@
           </a:prstGeom>
         </p:spPr>
       </p:pic>
+      <p:sp>
+        <p:nvSpPr>
+          <p:cNvPr id="14" name="Rectangle: Rounded Corners 13">
+            <a:extLst>
+              <a:ext uri="{FF2B5EF4-FFF2-40B4-BE49-F238E27FC236}">
+                <a16:creationId xmlns:a16="http://schemas.microsoft.com/office/drawing/2014/main" id="{9EA68B90-BC05-4F9C-AD53-60CB6D382348}"/>
+              </a:ext>
+            </a:extLst>
+          </p:cNvPr>
+          <p:cNvSpPr/>
+          <p:nvPr/>
+        </p:nvSpPr>
+        <p:spPr>
+          <a:xfrm>
+            <a:off x="3930971" y="4572000"/>
+            <a:ext cx="2127184" cy="1106905"/>
+          </a:xfrm>
+          <a:prstGeom prst="roundRect">
+            <a:avLst/>
+          </a:prstGeom>
+          <a:ln/>
+        </p:spPr>
+        <p:style>
+          <a:lnRef idx="1">
+            <a:schemeClr val="accent5"/>
+          </a:lnRef>
+          <a:fillRef idx="2">
+            <a:schemeClr val="accent5"/>
+          </a:fillRef>
+          <a:effectRef idx="1">
+            <a:schemeClr val="accent5"/>
+          </a:effectRef>
+          <a:fontRef idx="minor">
+            <a:schemeClr val="dk1"/>
+          </a:fontRef>
+        </p:style>
+        <p:txBody>
+          <a:bodyPr rtlCol="0" anchor="ctr"/>
+          <a:lstStyle/>
+          <a:p>
+            <a:pPr marL="171450" indent="-171450">
+              <a:buFont typeface="Arial" panose="020B0604020202020204" pitchFamily="34" charset="0"/>
+              <a:buChar char="•"/>
+            </a:pPr>
+            <a:r>
+              <a:rPr lang="es-CO" sz="1200" dirty="0"/>
+              <a:t>Estructura para almacenar la documentación, códigos y Dataset en GitHub. </a:t>
+            </a:r>
+          </a:p>
+          <a:p>
+            <a:pPr marL="171450" indent="-171450">
+              <a:buFont typeface="Arial" panose="020B0604020202020204" pitchFamily="34" charset="0"/>
+              <a:buChar char="•"/>
+            </a:pPr>
+            <a:r>
+              <a:rPr lang="es-CO" sz="1200" dirty="0"/>
+              <a:t>Seguimiento de tareas</a:t>
+            </a:r>
+            <a:endParaRPr lang="es-CO" dirty="0"/>
+          </a:p>
+        </p:txBody>
+      </p:sp>
+      <p:sp>
+        <p:nvSpPr>
+          <p:cNvPr id="15" name="Rectangle: Rounded Corners 14">
+            <a:extLst>
+              <a:ext uri="{FF2B5EF4-FFF2-40B4-BE49-F238E27FC236}">
+                <a16:creationId xmlns:a16="http://schemas.microsoft.com/office/drawing/2014/main" id="{0E77D149-5474-472D-987C-7B85C7401C50}"/>
+              </a:ext>
+            </a:extLst>
+          </p:cNvPr>
+          <p:cNvSpPr/>
+          <p:nvPr/>
+        </p:nvSpPr>
+        <p:spPr>
+          <a:xfrm>
+            <a:off x="6532671" y="4572000"/>
+            <a:ext cx="2127184" cy="1106905"/>
+          </a:xfrm>
+          <a:prstGeom prst="roundRect">
+            <a:avLst/>
+          </a:prstGeom>
+          <a:ln/>
+        </p:spPr>
+        <p:style>
+          <a:lnRef idx="1">
+            <a:schemeClr val="accent5"/>
+          </a:lnRef>
+          <a:fillRef idx="2">
+            <a:schemeClr val="accent5"/>
+          </a:fillRef>
+          <a:effectRef idx="1">
+            <a:schemeClr val="accent5"/>
+          </a:effectRef>
+          <a:fontRef idx="minor">
+            <a:schemeClr val="dk1"/>
+          </a:fontRef>
+        </p:style>
+        <p:txBody>
+          <a:bodyPr rtlCol="0" anchor="ctr"/>
+          <a:lstStyle/>
+          <a:p>
+            <a:r>
+              <a:rPr lang="es-CO" sz="1200" dirty="0"/>
+              <a:t>L</a:t>
+            </a:r>
+            <a:r>
+              <a:rPr lang="en-GB" sz="1200" dirty="0"/>
+              <a:t>a</a:t>
+            </a:r>
+            <a:r>
+              <a:rPr lang="es-CO" sz="1200" dirty="0"/>
+              <a:t> infraestructura que se utilizará para el almacenamiento,  generación y análisis de los modelos. (Local, GitHub)</a:t>
+            </a:r>
+            <a:endParaRPr lang="es-CO" dirty="0"/>
+          </a:p>
+        </p:txBody>
+      </p:sp>
+      <p:sp>
+        <p:nvSpPr>
+          <p:cNvPr id="16" name="Rectangle: Rounded Corners 15">
+            <a:extLst>
+              <a:ext uri="{FF2B5EF4-FFF2-40B4-BE49-F238E27FC236}">
+                <a16:creationId xmlns:a16="http://schemas.microsoft.com/office/drawing/2014/main" id="{5E2C149C-DE4B-4B0B-A7B0-7B84FB4731C8}"/>
+              </a:ext>
+            </a:extLst>
+          </p:cNvPr>
+          <p:cNvSpPr/>
+          <p:nvPr/>
+        </p:nvSpPr>
+        <p:spPr>
+          <a:xfrm>
+            <a:off x="8997694" y="4571999"/>
+            <a:ext cx="2127184" cy="1106905"/>
+          </a:xfrm>
+          <a:prstGeom prst="roundRect">
+            <a:avLst/>
+          </a:prstGeom>
+          <a:ln/>
+        </p:spPr>
+        <p:style>
+          <a:lnRef idx="1">
+            <a:schemeClr val="accent5"/>
+          </a:lnRef>
+          <a:fillRef idx="2">
+            <a:schemeClr val="accent5"/>
+          </a:fillRef>
+          <a:effectRef idx="1">
+            <a:schemeClr val="accent5"/>
+          </a:effectRef>
+          <a:fontRef idx="minor">
+            <a:schemeClr val="dk1"/>
+          </a:fontRef>
+        </p:style>
+        <p:txBody>
+          <a:bodyPr rtlCol="0" anchor="ctr"/>
+          <a:lstStyle/>
+          <a:p>
+            <a:r>
+              <a:rPr lang="es-CO" sz="1200" dirty="0"/>
+              <a:t>Dentro de este Proyecto se utilizará Python (Anaconda, Google </a:t>
+            </a:r>
+            <a:r>
+              <a:rPr lang="es-CO" sz="1200" dirty="0" err="1"/>
+              <a:t>Colab</a:t>
+            </a:r>
+            <a:r>
+              <a:rPr lang="es-CO" sz="1200" dirty="0"/>
+              <a:t>), R (R-</a:t>
+            </a:r>
+            <a:r>
+              <a:rPr lang="es-CO" sz="1200" dirty="0" err="1"/>
+              <a:t>studio</a:t>
+            </a:r>
+            <a:r>
+              <a:rPr lang="es-CO" sz="1200" dirty="0"/>
+              <a:t>), Matlab. Con almacenamiento en GitHub</a:t>
+            </a:r>
+            <a:endParaRPr lang="es-CO" dirty="0"/>
+          </a:p>
+        </p:txBody>
+      </p:sp>
     </p:spTree>
     <p:extLst>
       <p:ext uri="{BB962C8B-B14F-4D97-AF65-F5344CB8AC3E}">
@@ -29028,6 +29756,261 @@
 </file>
 
 <file path=ppt/slides/slide4.xml><?xml version="1.0" encoding="utf-8"?>
+<p:sld xmlns:a="http://schemas.openxmlformats.org/drawingml/2006/main" xmlns:r="http://schemas.openxmlformats.org/officeDocument/2006/relationships" xmlns:p="http://schemas.openxmlformats.org/presentationml/2006/main">
+  <p:cSld>
+    <p:spTree>
+      <p:nvGrpSpPr>
+        <p:cNvPr id="1" name=""/>
+        <p:cNvGrpSpPr/>
+        <p:nvPr/>
+      </p:nvGrpSpPr>
+      <p:grpSpPr>
+        <a:xfrm>
+          <a:off x="0" y="0"/>
+          <a:ext cx="0" cy="0"/>
+          <a:chOff x="0" y="0"/>
+          <a:chExt cx="0" cy="0"/>
+        </a:xfrm>
+      </p:grpSpPr>
+      <p:pic>
+        <p:nvPicPr>
+          <p:cNvPr id="7" name="Picture 6">
+            <a:extLst>
+              <a:ext uri="{FF2B5EF4-FFF2-40B4-BE49-F238E27FC236}">
+                <a16:creationId xmlns:a16="http://schemas.microsoft.com/office/drawing/2014/main" id="{251F48D4-FE3E-49EF-A24F-58F615E9BEEF}"/>
+              </a:ext>
+            </a:extLst>
+          </p:cNvPr>
+          <p:cNvPicPr>
+            <a:picLocks noChangeAspect="1"/>
+          </p:cNvPicPr>
+          <p:nvPr/>
+        </p:nvPicPr>
+        <p:blipFill>
+          <a:blip r:embed="rId2"/>
+          <a:stretch>
+            <a:fillRect/>
+          </a:stretch>
+        </p:blipFill>
+        <p:spPr>
+          <a:xfrm>
+            <a:off x="2815838" y="970105"/>
+            <a:ext cx="6560319" cy="4934811"/>
+          </a:xfrm>
+          <a:prstGeom prst="rect">
+            <a:avLst/>
+          </a:prstGeom>
+        </p:spPr>
+      </p:pic>
+      <p:sp>
+        <p:nvSpPr>
+          <p:cNvPr id="4" name="Google Shape;112;p6">
+            <a:extLst>
+              <a:ext uri="{FF2B5EF4-FFF2-40B4-BE49-F238E27FC236}">
+                <a16:creationId xmlns:a16="http://schemas.microsoft.com/office/drawing/2014/main" id="{73022191-CD2C-4CBC-AE9D-59A5A3E4FE0A}"/>
+              </a:ext>
+            </a:extLst>
+          </p:cNvPr>
+          <p:cNvSpPr txBox="1"/>
+          <p:nvPr/>
+        </p:nvSpPr>
+        <p:spPr>
+          <a:xfrm>
+            <a:off x="729342" y="319121"/>
+            <a:ext cx="5295639" cy="830997"/>
+          </a:xfrm>
+          <a:prstGeom prst="rect">
+            <a:avLst/>
+          </a:prstGeom>
+          <a:noFill/>
+          <a:ln>
+            <a:noFill/>
+          </a:ln>
+        </p:spPr>
+        <p:txBody>
+          <a:bodyPr spcFirstLastPara="1" wrap="square" lIns="91425" tIns="45700" rIns="91425" bIns="45700" anchor="t" anchorCtr="0">
+            <a:spAutoFit/>
+          </a:bodyPr>
+          <a:lstStyle/>
+          <a:p>
+            <a:pPr marL="0" marR="0" lvl="0" indent="0" rtl="0">
+              <a:spcBef>
+                <a:spcPts val="0"/>
+              </a:spcBef>
+              <a:spcAft>
+                <a:spcPts val="0"/>
+              </a:spcAft>
+              <a:buNone/>
+            </a:pPr>
+            <a:r>
+              <a:rPr lang="es-CO" sz="4800" b="1" dirty="0">
+                <a:solidFill>
+                  <a:srgbClr val="1B2336"/>
+                </a:solidFill>
+                <a:latin typeface="Arial"/>
+                <a:ea typeface="Arial"/>
+                <a:cs typeface="Arial"/>
+                <a:sym typeface="Arial"/>
+              </a:rPr>
+              <a:t>Metodología </a:t>
+            </a:r>
+            <a:endParaRPr dirty="0"/>
+          </a:p>
+        </p:txBody>
+      </p:sp>
+      <p:sp>
+        <p:nvSpPr>
+          <p:cNvPr id="5" name="Google Shape;117;p6">
+            <a:extLst>
+              <a:ext uri="{FF2B5EF4-FFF2-40B4-BE49-F238E27FC236}">
+                <a16:creationId xmlns:a16="http://schemas.microsoft.com/office/drawing/2014/main" id="{74618B9D-2E0E-45E7-BDC4-05EAD29D8D1C}"/>
+              </a:ext>
+            </a:extLst>
+          </p:cNvPr>
+          <p:cNvSpPr txBox="1"/>
+          <p:nvPr/>
+        </p:nvSpPr>
+        <p:spPr>
+          <a:xfrm>
+            <a:off x="136597" y="319121"/>
+            <a:ext cx="717199" cy="769441"/>
+          </a:xfrm>
+          <a:prstGeom prst="rect">
+            <a:avLst/>
+          </a:prstGeom>
+          <a:noFill/>
+          <a:ln>
+            <a:noFill/>
+          </a:ln>
+        </p:spPr>
+        <p:txBody>
+          <a:bodyPr spcFirstLastPara="1" wrap="square" lIns="91425" tIns="45700" rIns="91425" bIns="45700" anchor="t" anchorCtr="0">
+            <a:spAutoFit/>
+          </a:bodyPr>
+          <a:lstStyle/>
+          <a:p>
+            <a:pPr marL="0" marR="0" lvl="0" indent="0" algn="ctr" rtl="0">
+              <a:spcBef>
+                <a:spcPts val="0"/>
+              </a:spcBef>
+              <a:spcAft>
+                <a:spcPts val="0"/>
+              </a:spcAft>
+              <a:buNone/>
+            </a:pPr>
+            <a:r>
+              <a:rPr lang="es-CO" sz="4400" b="1" dirty="0">
+                <a:solidFill>
+                  <a:srgbClr val="04BDB4"/>
+                </a:solidFill>
+                <a:latin typeface="Arial Black"/>
+                <a:ea typeface="Arial Black"/>
+                <a:cs typeface="Arial Black"/>
+                <a:sym typeface="Arial Black"/>
+              </a:rPr>
+              <a:t>|</a:t>
+            </a:r>
+            <a:endParaRPr dirty="0"/>
+          </a:p>
+        </p:txBody>
+      </p:sp>
+      <p:cxnSp>
+        <p:nvCxnSpPr>
+          <p:cNvPr id="6" name="Google Shape;119;p6">
+            <a:extLst>
+              <a:ext uri="{FF2B5EF4-FFF2-40B4-BE49-F238E27FC236}">
+                <a16:creationId xmlns:a16="http://schemas.microsoft.com/office/drawing/2014/main" id="{7291671F-414C-41C0-BCE9-D2C35F340F12}"/>
+              </a:ext>
+            </a:extLst>
+          </p:cNvPr>
+          <p:cNvCxnSpPr/>
+          <p:nvPr/>
+        </p:nvCxnSpPr>
+        <p:spPr>
+          <a:xfrm rot="10800000" flipH="1">
+            <a:off x="5803444" y="786009"/>
+            <a:ext cx="6388500" cy="49200"/>
+          </a:xfrm>
+          <a:prstGeom prst="straightConnector1">
+            <a:avLst/>
+          </a:prstGeom>
+          <a:noFill/>
+          <a:ln w="25400" cap="flat" cmpd="sng">
+            <a:solidFill>
+              <a:srgbClr val="1B2336"/>
+            </a:solidFill>
+            <a:prstDash val="solid"/>
+            <a:miter lim="800000"/>
+            <a:headEnd type="oval" w="med" len="med"/>
+            <a:tailEnd type="none" w="sm" len="sm"/>
+          </a:ln>
+        </p:spPr>
+      </p:cxnSp>
+      <p:sp>
+        <p:nvSpPr>
+          <p:cNvPr id="8" name="TextBox 7">
+            <a:extLst>
+              <a:ext uri="{FF2B5EF4-FFF2-40B4-BE49-F238E27FC236}">
+                <a16:creationId xmlns:a16="http://schemas.microsoft.com/office/drawing/2014/main" id="{C4669ABF-D227-42FA-81FE-D99B0DD2F4AC}"/>
+              </a:ext>
+            </a:extLst>
+          </p:cNvPr>
+          <p:cNvSpPr txBox="1"/>
+          <p:nvPr/>
+        </p:nvSpPr>
+        <p:spPr>
+          <a:xfrm>
+            <a:off x="3063756" y="5839756"/>
+            <a:ext cx="6064481" cy="400110"/>
+          </a:xfrm>
+          <a:prstGeom prst="rect">
+            <a:avLst/>
+          </a:prstGeom>
+          <a:noFill/>
+        </p:spPr>
+        <p:txBody>
+          <a:bodyPr wrap="none" rtlCol="0">
+            <a:spAutoFit/>
+          </a:bodyPr>
+          <a:lstStyle/>
+          <a:p>
+            <a:pPr algn="ctr"/>
+            <a:r>
+              <a:rPr lang="en-GB" sz="1000" dirty="0"/>
+              <a:t>Microsoft Azure (2020). What is the Team Data Science Process?</a:t>
+            </a:r>
+            <a:br>
+              <a:rPr lang="en-GB" sz="1000" dirty="0"/>
+            </a:br>
+            <a:r>
+              <a:rPr lang="en-GB" sz="1000" dirty="0"/>
+              <a:t> </a:t>
+            </a:r>
+            <a:r>
+              <a:rPr lang="en-GB" sz="1000" dirty="0" err="1"/>
+              <a:t>Recuperado</a:t>
+            </a:r>
+            <a:r>
+              <a:rPr lang="en-GB" sz="1000" dirty="0"/>
+              <a:t> de https://docs.microsoft.com/en-us/azure/machine-learning/team-data-science-process/overview</a:t>
+            </a:r>
+          </a:p>
+        </p:txBody>
+      </p:sp>
+    </p:spTree>
+    <p:extLst>
+      <p:ext uri="{BB962C8B-B14F-4D97-AF65-F5344CB8AC3E}">
+        <p14:creationId xmlns:p14="http://schemas.microsoft.com/office/powerpoint/2010/main" val="2683034594"/>
+      </p:ext>
+    </p:extLst>
+  </p:cSld>
+  <p:clrMapOvr>
+    <a:masterClrMapping/>
+  </p:clrMapOvr>
+</p:sld>
+</file>
+
+<file path=ppt/slides/slide5.xml><?xml version="1.0" encoding="utf-8"?>
 <p:sld xmlns:a="http://schemas.openxmlformats.org/drawingml/2006/main" xmlns:r="http://schemas.openxmlformats.org/officeDocument/2006/relationships" xmlns:p="http://schemas.openxmlformats.org/presentationml/2006/main">
   <p:cSld>
     <p:bg>
@@ -30735,7 +31718,7 @@
 </p:sld>
 </file>
 
-<file path=ppt/slides/slide5.xml><?xml version="1.0" encoding="utf-8"?>
+<file path=ppt/slides/slide6.xml><?xml version="1.0" encoding="utf-8"?>
 <p:sld xmlns:a="http://schemas.openxmlformats.org/drawingml/2006/main" xmlns:r="http://schemas.openxmlformats.org/officeDocument/2006/relationships" xmlns:p="http://schemas.openxmlformats.org/presentationml/2006/main">
   <p:cSld>
     <p:spTree>
@@ -31024,7 +32007,7 @@
 </p:sld>
 </file>
 
-<file path=ppt/slides/slide6.xml><?xml version="1.0" encoding="utf-8"?>
+<file path=ppt/slides/slide7.xml><?xml version="1.0" encoding="utf-8"?>
 <p:sld xmlns:a="http://schemas.openxmlformats.org/drawingml/2006/main" xmlns:r="http://schemas.openxmlformats.org/officeDocument/2006/relationships" xmlns:p="http://schemas.openxmlformats.org/presentationml/2006/main">
   <p:cSld>
     <p:bg>
@@ -31390,7 +32373,7 @@
 </p:sld>
 </file>
 
-<file path=ppt/slides/slide7.xml><?xml version="1.0" encoding="utf-8"?>
+<file path=ppt/slides/slide8.xml><?xml version="1.0" encoding="utf-8"?>
 <p:sld xmlns:a="http://schemas.openxmlformats.org/drawingml/2006/main" xmlns:r="http://schemas.openxmlformats.org/officeDocument/2006/relationships" xmlns:p="http://schemas.openxmlformats.org/presentationml/2006/main">
   <p:cSld>
     <p:bg>
@@ -33116,7 +34099,7 @@
 </p:sld>
 </file>
 
-<file path=ppt/slides/slide8.xml><?xml version="1.0" encoding="utf-8"?>
+<file path=ppt/slides/slide9.xml><?xml version="1.0" encoding="utf-8"?>
 <p:sld xmlns:a="http://schemas.openxmlformats.org/drawingml/2006/main" xmlns:r="http://schemas.openxmlformats.org/officeDocument/2006/relationships" xmlns:p="http://schemas.openxmlformats.org/presentationml/2006/main">
   <p:cSld>
     <p:spTree>
@@ -33375,544 +34358,6 @@
     <p:extLst>
       <p:ext uri="{BB962C8B-B14F-4D97-AF65-F5344CB8AC3E}">
         <p14:creationId xmlns:p14="http://schemas.microsoft.com/office/powerpoint/2010/main" val="269235795"/>
-      </p:ext>
-    </p:extLst>
-  </p:cSld>
-  <p:clrMapOvr>
-    <a:masterClrMapping/>
-  </p:clrMapOvr>
-</p:sld>
-</file>
-
-<file path=ppt/slides/slide9.xml><?xml version="1.0" encoding="utf-8"?>
-<p:sld xmlns:a="http://schemas.openxmlformats.org/drawingml/2006/main" xmlns:r="http://schemas.openxmlformats.org/officeDocument/2006/relationships" xmlns:p="http://schemas.openxmlformats.org/presentationml/2006/main">
-  <p:cSld>
-    <p:spTree>
-      <p:nvGrpSpPr>
-        <p:cNvPr id="1" name=""/>
-        <p:cNvGrpSpPr/>
-        <p:nvPr/>
-      </p:nvGrpSpPr>
-      <p:grpSpPr>
-        <a:xfrm>
-          <a:off x="0" y="0"/>
-          <a:ext cx="0" cy="0"/>
-          <a:chOff x="0" y="0"/>
-          <a:chExt cx="0" cy="0"/>
-        </a:xfrm>
-      </p:grpSpPr>
-      <p:sp>
-        <p:nvSpPr>
-          <p:cNvPr id="3" name="Marcador de contenido 2">
-            <a:extLst>
-              <a:ext uri="{FF2B5EF4-FFF2-40B4-BE49-F238E27FC236}">
-                <a16:creationId xmlns:a16="http://schemas.microsoft.com/office/drawing/2014/main" id="{23A99BF6-9DA5-E14A-B1B2-5A452566ABBF}"/>
-              </a:ext>
-            </a:extLst>
-          </p:cNvPr>
-          <p:cNvSpPr>
-            <a:spLocks noGrp="1"/>
-          </p:cNvSpPr>
-          <p:nvPr>
-            <p:ph idx="1"/>
-          </p:nvPr>
-        </p:nvSpPr>
-        <p:spPr>
-          <a:xfrm>
-            <a:off x="853796" y="1489016"/>
-            <a:ext cx="10879400" cy="3048623"/>
-          </a:xfrm>
-        </p:spPr>
-        <p:txBody>
-          <a:bodyPr>
-            <a:normAutofit/>
-          </a:bodyPr>
-          <a:lstStyle/>
-          <a:p>
-            <a:pPr marL="0" indent="0" algn="just">
-              <a:buNone/>
-            </a:pPr>
-            <a:r>
-              <a:rPr lang="es-ES" sz="2000" dirty="0">
-                <a:solidFill>
-                  <a:srgbClr val="1B2335"/>
-                </a:solidFill>
-                <a:cs typeface="Arial" panose="020B0604020202020204" pitchFamily="34" charset="0"/>
-              </a:rPr>
-              <a:t>El Dataset seleccionado de medata.gov.co el cual proporciona información relacionada a los hechos relacionados con la seguridad y hurtos de motos en la ciudad de Medellín.</a:t>
-            </a:r>
-          </a:p>
-          <a:p>
-            <a:pPr marL="0" indent="0" algn="just">
-              <a:buNone/>
-            </a:pPr>
-            <a:r>
-              <a:rPr lang="es-ES" sz="2000" dirty="0">
-                <a:solidFill>
-                  <a:srgbClr val="1B2335"/>
-                </a:solidFill>
-                <a:cs typeface="Arial" panose="020B0604020202020204" pitchFamily="34" charset="0"/>
-              </a:rPr>
-              <a:t>Estos datos han sido recopilados por el Sistema de Información para la Seguridad y la Convivencia SISC.</a:t>
-            </a:r>
-          </a:p>
-          <a:p>
-            <a:pPr marL="0" indent="0" algn="just">
-              <a:buNone/>
-            </a:pPr>
-            <a:r>
-              <a:rPr lang="es-ES" sz="2000" dirty="0">
-                <a:solidFill>
-                  <a:srgbClr val="1B2335"/>
-                </a:solidFill>
-                <a:cs typeface="Arial" panose="020B0604020202020204" pitchFamily="34" charset="0"/>
-              </a:rPr>
-              <a:t>Este Dataset consta de:</a:t>
-            </a:r>
-          </a:p>
-          <a:p>
-            <a:pPr algn="just"/>
-            <a:r>
-              <a:rPr lang="es-ES" sz="2000" dirty="0">
-                <a:solidFill>
-                  <a:srgbClr val="1B2335"/>
-                </a:solidFill>
-                <a:cs typeface="Arial" panose="020B0604020202020204" pitchFamily="34" charset="0"/>
-              </a:rPr>
-              <a:t>36 variables </a:t>
-            </a:r>
-          </a:p>
-          <a:p>
-            <a:pPr algn="just"/>
-            <a:r>
-              <a:rPr lang="es-ES" sz="2000" dirty="0">
-                <a:solidFill>
-                  <a:srgbClr val="1B2335"/>
-                </a:solidFill>
-                <a:cs typeface="Arial" panose="020B0604020202020204" pitchFamily="34" charset="0"/>
-              </a:rPr>
-              <a:t>Histórico de datos de 2003 a 2019 </a:t>
-            </a:r>
-          </a:p>
-          <a:p>
-            <a:pPr algn="just"/>
-            <a:r>
-              <a:rPr lang="es-ES" sz="2000" dirty="0">
-                <a:solidFill>
-                  <a:srgbClr val="1B2335"/>
-                </a:solidFill>
-                <a:cs typeface="Arial" panose="020B0604020202020204" pitchFamily="34" charset="0"/>
-              </a:rPr>
-              <a:t>Total registros de 64.869</a:t>
-            </a:r>
-          </a:p>
-          <a:p>
-            <a:pPr algn="just"/>
-            <a:r>
-              <a:rPr lang="es-ES" sz="2000" dirty="0">
-                <a:solidFill>
-                  <a:srgbClr val="1B2335"/>
-                </a:solidFill>
-                <a:cs typeface="Arial" panose="020B0604020202020204" pitchFamily="34" charset="0"/>
-              </a:rPr>
-              <a:t>Ultima actualización: Marzo 2020</a:t>
-            </a:r>
-          </a:p>
-          <a:p>
-            <a:pPr marL="0" indent="0" algn="just">
-              <a:buNone/>
-            </a:pPr>
-            <a:endParaRPr lang="es-ES" sz="2000" b="1" dirty="0">
-              <a:solidFill>
-                <a:srgbClr val="1B2335"/>
-              </a:solidFill>
-              <a:latin typeface="Arial" panose="020B0604020202020204" pitchFamily="34" charset="0"/>
-              <a:cs typeface="Arial" panose="020B0604020202020204" pitchFamily="34" charset="0"/>
-            </a:endParaRPr>
-          </a:p>
-          <a:p>
-            <a:pPr marL="0" indent="0" algn="just">
-              <a:buNone/>
-            </a:pPr>
-            <a:endParaRPr lang="es-419" sz="2400" b="1" dirty="0">
-              <a:solidFill>
-                <a:srgbClr val="1B2335"/>
-              </a:solidFill>
-              <a:latin typeface="Arial" panose="020B0604020202020204" pitchFamily="34" charset="0"/>
-              <a:cs typeface="Arial" panose="020B0604020202020204" pitchFamily="34" charset="0"/>
-            </a:endParaRPr>
-          </a:p>
-        </p:txBody>
-      </p:sp>
-      <p:sp>
-        <p:nvSpPr>
-          <p:cNvPr id="4" name="Google Shape;112;p6">
-            <a:extLst>
-              <a:ext uri="{FF2B5EF4-FFF2-40B4-BE49-F238E27FC236}">
-                <a16:creationId xmlns:a16="http://schemas.microsoft.com/office/drawing/2014/main" id="{8171DF61-2F00-8E4B-95C9-D7EECC388D08}"/>
-              </a:ext>
-            </a:extLst>
-          </p:cNvPr>
-          <p:cNvSpPr txBox="1"/>
-          <p:nvPr/>
-        </p:nvSpPr>
-        <p:spPr>
-          <a:xfrm>
-            <a:off x="729342" y="319121"/>
-            <a:ext cx="6181597" cy="830956"/>
-          </a:xfrm>
-          <a:prstGeom prst="rect">
-            <a:avLst/>
-          </a:prstGeom>
-          <a:noFill/>
-          <a:ln>
-            <a:noFill/>
-          </a:ln>
-        </p:spPr>
-        <p:txBody>
-          <a:bodyPr spcFirstLastPara="1" wrap="square" lIns="91425" tIns="45700" rIns="91425" bIns="45700" anchor="t" anchorCtr="0">
-            <a:spAutoFit/>
-          </a:bodyPr>
-          <a:lstStyle/>
-          <a:p>
-            <a:pPr marL="0" marR="0" lvl="0" indent="0" rtl="0">
-              <a:spcBef>
-                <a:spcPts val="0"/>
-              </a:spcBef>
-              <a:spcAft>
-                <a:spcPts val="0"/>
-              </a:spcAft>
-              <a:buNone/>
-            </a:pPr>
-            <a:r>
-              <a:rPr lang="es-CO" sz="4800" b="1" dirty="0">
-                <a:solidFill>
-                  <a:srgbClr val="1B2336"/>
-                </a:solidFill>
-                <a:latin typeface="Arial"/>
-                <a:cs typeface="Arial"/>
-                <a:sym typeface="Arial"/>
-              </a:rPr>
-              <a:t>Data Set </a:t>
-            </a:r>
-            <a:endParaRPr lang="es-CO" dirty="0"/>
-          </a:p>
-        </p:txBody>
-      </p:sp>
-      <p:sp>
-        <p:nvSpPr>
-          <p:cNvPr id="5" name="Google Shape;117;p6">
-            <a:extLst>
-              <a:ext uri="{FF2B5EF4-FFF2-40B4-BE49-F238E27FC236}">
-                <a16:creationId xmlns:a16="http://schemas.microsoft.com/office/drawing/2014/main" id="{D296CB5F-3546-5744-B101-FD88AFF8A997}"/>
-              </a:ext>
-            </a:extLst>
-          </p:cNvPr>
-          <p:cNvSpPr txBox="1"/>
-          <p:nvPr/>
-        </p:nvSpPr>
-        <p:spPr>
-          <a:xfrm>
-            <a:off x="136597" y="314117"/>
-            <a:ext cx="717199" cy="769441"/>
-          </a:xfrm>
-          <a:prstGeom prst="rect">
-            <a:avLst/>
-          </a:prstGeom>
-          <a:noFill/>
-          <a:ln>
-            <a:noFill/>
-          </a:ln>
-        </p:spPr>
-        <p:txBody>
-          <a:bodyPr spcFirstLastPara="1" wrap="square" lIns="91425" tIns="45700" rIns="91425" bIns="45700" anchor="t" anchorCtr="0">
-            <a:spAutoFit/>
-          </a:bodyPr>
-          <a:lstStyle/>
-          <a:p>
-            <a:pPr marL="0" marR="0" lvl="0" indent="0" algn="ctr" rtl="0">
-              <a:spcBef>
-                <a:spcPts val="0"/>
-              </a:spcBef>
-              <a:spcAft>
-                <a:spcPts val="0"/>
-              </a:spcAft>
-              <a:buNone/>
-            </a:pPr>
-            <a:r>
-              <a:rPr lang="es-CO" sz="4400" b="1" dirty="0">
-                <a:solidFill>
-                  <a:srgbClr val="04BDB4"/>
-                </a:solidFill>
-                <a:latin typeface="Arial Black"/>
-                <a:ea typeface="Arial Black"/>
-                <a:cs typeface="Arial Black"/>
-                <a:sym typeface="Arial Black"/>
-              </a:rPr>
-              <a:t>|</a:t>
-            </a:r>
-            <a:endParaRPr lang="es-CO" dirty="0"/>
-          </a:p>
-        </p:txBody>
-      </p:sp>
-      <p:cxnSp>
-        <p:nvCxnSpPr>
-          <p:cNvPr id="6" name="Google Shape;119;p6">
-            <a:extLst>
-              <a:ext uri="{FF2B5EF4-FFF2-40B4-BE49-F238E27FC236}">
-                <a16:creationId xmlns:a16="http://schemas.microsoft.com/office/drawing/2014/main" id="{94EE4A70-2500-4044-B911-94933441CD40}"/>
-              </a:ext>
-            </a:extLst>
-          </p:cNvPr>
-          <p:cNvCxnSpPr>
-            <a:cxnSpLocks/>
-          </p:cNvCxnSpPr>
-          <p:nvPr/>
-        </p:nvCxnSpPr>
-        <p:spPr>
-          <a:xfrm flipV="1">
-            <a:off x="4957011" y="786010"/>
-            <a:ext cx="7234933" cy="55717"/>
-          </a:xfrm>
-          <a:prstGeom prst="straightConnector1">
-            <a:avLst/>
-          </a:prstGeom>
-          <a:noFill/>
-          <a:ln w="25400" cap="flat" cmpd="sng">
-            <a:solidFill>
-              <a:srgbClr val="1B2336"/>
-            </a:solidFill>
-            <a:prstDash val="solid"/>
-            <a:miter lim="800000"/>
-            <a:headEnd type="oval" w="med" len="med"/>
-            <a:tailEnd type="none" w="sm" len="sm"/>
-          </a:ln>
-        </p:spPr>
-      </p:cxnSp>
-      <p:grpSp>
-        <p:nvGrpSpPr>
-          <p:cNvPr id="13" name="Group 12">
-            <a:extLst>
-              <a:ext uri="{FF2B5EF4-FFF2-40B4-BE49-F238E27FC236}">
-                <a16:creationId xmlns:a16="http://schemas.microsoft.com/office/drawing/2014/main" id="{A009C4C0-98B5-4046-BAFB-750D116D24B8}"/>
-              </a:ext>
-            </a:extLst>
-          </p:cNvPr>
-          <p:cNvGrpSpPr/>
-          <p:nvPr/>
-        </p:nvGrpSpPr>
-        <p:grpSpPr>
-          <a:xfrm>
-            <a:off x="959674" y="4754655"/>
-            <a:ext cx="1221005" cy="1073086"/>
-            <a:chOff x="1425253" y="3997713"/>
-            <a:chExt cx="1221005" cy="1073086"/>
-          </a:xfrm>
-        </p:grpSpPr>
-        <p:pic>
-          <p:nvPicPr>
-            <p:cNvPr id="12" name="Graphic 11" descr="Database">
-              <a:extLst>
-                <a:ext uri="{FF2B5EF4-FFF2-40B4-BE49-F238E27FC236}">
-                  <a16:creationId xmlns:a16="http://schemas.microsoft.com/office/drawing/2014/main" id="{26EEF958-18A7-4117-9BE8-0A3CF61E0768}"/>
-                </a:ext>
-              </a:extLst>
-            </p:cNvPr>
-            <p:cNvPicPr>
-              <a:picLocks noChangeAspect="1"/>
-            </p:cNvPicPr>
-            <p:nvPr/>
-          </p:nvPicPr>
-          <p:blipFill>
-            <a:blip r:embed="rId2">
-              <a:extLst>
-                <a:ext uri="{96DAC541-7B7A-43D3-8B79-37D633B846F1}">
-                  <asvg:svgBlip xmlns:asvg="http://schemas.microsoft.com/office/drawing/2016/SVG/main" r:embed="rId3"/>
-                </a:ext>
-              </a:extLst>
-            </a:blip>
-            <a:stretch>
-              <a:fillRect/>
-            </a:stretch>
-          </p:blipFill>
-          <p:spPr>
-            <a:xfrm>
-              <a:off x="1573172" y="3997713"/>
-              <a:ext cx="1073086" cy="1073086"/>
-            </a:xfrm>
-            <a:prstGeom prst="rect">
-              <a:avLst/>
-            </a:prstGeom>
-          </p:spPr>
-        </p:pic>
-        <p:sp>
-          <p:nvSpPr>
-            <p:cNvPr id="10" name="Google Shape;118;p6">
-              <a:extLst>
-                <a:ext uri="{FF2B5EF4-FFF2-40B4-BE49-F238E27FC236}">
-                  <a16:creationId xmlns:a16="http://schemas.microsoft.com/office/drawing/2014/main" id="{44781562-01DD-4E8C-ACE0-31843F9974DE}"/>
-                </a:ext>
-              </a:extLst>
-            </p:cNvPr>
-            <p:cNvSpPr/>
-            <p:nvPr/>
-          </p:nvSpPr>
-          <p:spPr>
-            <a:xfrm>
-              <a:off x="1425253" y="3997713"/>
-              <a:ext cx="577899" cy="577899"/>
-            </a:xfrm>
-            <a:prstGeom prst="ellipse">
-              <a:avLst/>
-            </a:prstGeom>
-            <a:solidFill>
-              <a:srgbClr val="04BDB4">
-                <a:alpha val="53725"/>
-              </a:srgbClr>
-            </a:solidFill>
-            <a:ln>
-              <a:noFill/>
-            </a:ln>
-          </p:spPr>
-          <p:txBody>
-            <a:bodyPr spcFirstLastPara="1" wrap="square" lIns="91425" tIns="45700" rIns="91425" bIns="45700" anchor="ctr" anchorCtr="0">
-              <a:noAutofit/>
-            </a:bodyPr>
-            <a:lstStyle/>
-            <a:p>
-              <a:pPr marL="0" marR="0" lvl="0" indent="0" algn="ctr" rtl="0">
-                <a:spcBef>
-                  <a:spcPts val="0"/>
-                </a:spcBef>
-                <a:spcAft>
-                  <a:spcPts val="0"/>
-                </a:spcAft>
-                <a:buNone/>
-              </a:pPr>
-              <a:endParaRPr sz="1800" dirty="0">
-                <a:solidFill>
-                  <a:schemeClr val="lt1"/>
-                </a:solidFill>
-                <a:latin typeface="Calibri"/>
-                <a:ea typeface="Calibri"/>
-                <a:cs typeface="Calibri"/>
-                <a:sym typeface="Calibri"/>
-              </a:endParaRPr>
-            </a:p>
-          </p:txBody>
-        </p:sp>
-        <p:sp>
-          <p:nvSpPr>
-            <p:cNvPr id="11" name="Google Shape;126;p6">
-              <a:extLst>
-                <a:ext uri="{FF2B5EF4-FFF2-40B4-BE49-F238E27FC236}">
-                  <a16:creationId xmlns:a16="http://schemas.microsoft.com/office/drawing/2014/main" id="{AD2F0784-7F97-4429-8565-0E36753ACC77}"/>
-                </a:ext>
-              </a:extLst>
-            </p:cNvPr>
-            <p:cNvSpPr/>
-            <p:nvPr/>
-          </p:nvSpPr>
-          <p:spPr>
-            <a:xfrm>
-              <a:off x="2429365" y="4584449"/>
-              <a:ext cx="216893" cy="216893"/>
-            </a:xfrm>
-            <a:prstGeom prst="ellipse">
-              <a:avLst/>
-            </a:prstGeom>
-            <a:solidFill>
-              <a:srgbClr val="00AEEA">
-                <a:alpha val="49803"/>
-              </a:srgbClr>
-            </a:solidFill>
-            <a:ln>
-              <a:noFill/>
-            </a:ln>
-          </p:spPr>
-          <p:txBody>
-            <a:bodyPr spcFirstLastPara="1" wrap="square" lIns="91425" tIns="45700" rIns="91425" bIns="45700" anchor="ctr" anchorCtr="0">
-              <a:noAutofit/>
-            </a:bodyPr>
-            <a:lstStyle/>
-            <a:p>
-              <a:pPr marL="0" marR="0" lvl="0" indent="0" algn="ctr" rtl="0">
-                <a:spcBef>
-                  <a:spcPts val="0"/>
-                </a:spcBef>
-                <a:spcAft>
-                  <a:spcPts val="0"/>
-                </a:spcAft>
-                <a:buNone/>
-              </a:pPr>
-              <a:endParaRPr sz="1800" dirty="0">
-                <a:solidFill>
-                  <a:schemeClr val="lt1"/>
-                </a:solidFill>
-                <a:latin typeface="Calibri"/>
-                <a:ea typeface="Calibri"/>
-                <a:cs typeface="Calibri"/>
-                <a:sym typeface="Calibri"/>
-              </a:endParaRPr>
-            </a:p>
-          </p:txBody>
-        </p:sp>
-      </p:grpSp>
-      <p:sp>
-        <p:nvSpPr>
-          <p:cNvPr id="15" name="TextBox 14">
-            <a:extLst>
-              <a:ext uri="{FF2B5EF4-FFF2-40B4-BE49-F238E27FC236}">
-                <a16:creationId xmlns:a16="http://schemas.microsoft.com/office/drawing/2014/main" id="{1965831F-198E-4DF4-9311-D67689077CB4}"/>
-              </a:ext>
-            </a:extLst>
-          </p:cNvPr>
-          <p:cNvSpPr txBox="1"/>
-          <p:nvPr/>
-        </p:nvSpPr>
-        <p:spPr>
-          <a:xfrm>
-            <a:off x="2180679" y="5086285"/>
-            <a:ext cx="5138201" cy="400110"/>
-          </a:xfrm>
-          <a:prstGeom prst="rect">
-            <a:avLst/>
-          </a:prstGeom>
-          <a:noFill/>
-        </p:spPr>
-        <p:txBody>
-          <a:bodyPr wrap="none" rtlCol="0">
-            <a:spAutoFit/>
-          </a:bodyPr>
-          <a:lstStyle/>
-          <a:p>
-            <a:pPr algn="just"/>
-            <a:r>
-              <a:rPr lang="es-419" sz="2000" b="1" dirty="0">
-                <a:solidFill>
-                  <a:srgbClr val="1B2335"/>
-                </a:solidFill>
-                <a:cs typeface="Arial" panose="020B0604020202020204" pitchFamily="34" charset="0"/>
-                <a:hlinkClick r:id="rId4"/>
-              </a:rPr>
-              <a:t>http://medata.gov.co/dataset/hurto-de-moto</a:t>
-            </a:r>
-            <a:r>
-              <a:rPr lang="es-419" sz="2000" b="1" dirty="0">
-                <a:solidFill>
-                  <a:srgbClr val="1B2335"/>
-                </a:solidFill>
-                <a:cs typeface="Arial" panose="020B0604020202020204" pitchFamily="34" charset="0"/>
-              </a:rPr>
-              <a:t> </a:t>
-            </a:r>
-          </a:p>
-        </p:txBody>
-      </p:sp>
-    </p:spTree>
-    <p:extLst>
-      <p:ext uri="{BB962C8B-B14F-4D97-AF65-F5344CB8AC3E}">
-        <p14:creationId xmlns:p14="http://schemas.microsoft.com/office/powerpoint/2010/main" val="2199717618"/>
       </p:ext>
     </p:extLst>
   </p:cSld>
